--- a/static/stock/templates/dark_modern.pptx
+++ b/static/stock/templates/dark_modern.pptx
@@ -2,7 +2,7 @@
 <file path=ppt/presentation.xml><?xml version="1.0" encoding="utf-8"?>
 <p:presentation xmlns:a="http://schemas.openxmlformats.org/drawingml/2006/main" xmlns:r="http://schemas.openxmlformats.org/officeDocument/2006/relationships" xmlns:p="http://schemas.openxmlformats.org/presentationml/2006/main" saveSubsetFonts="1">
   <p:sldMasterIdLst>
-    <p:sldMasterId id="2147483660" r:id="rId1"/>
+    <p:sldMasterId id="2147483672" r:id="rId1"/>
   </p:sldMasterIdLst>
   <p:sldIdLst>
     <p:sldId id="256" r:id="rId2"/>
@@ -113,7 +113,7 @@
 </file>
 
 <file path=ppt/slideLayouts/slideLayout1.xml><?xml version="1.0" encoding="utf-8"?>
-<p:sldLayout xmlns:a="http://schemas.openxmlformats.org/drawingml/2006/main" xmlns:r="http://schemas.openxmlformats.org/officeDocument/2006/relationships" xmlns:p="http://schemas.openxmlformats.org/presentationml/2006/main" showMasterSp="0" type="title" preserve="1">
+<p:sldLayout xmlns:a="http://schemas.openxmlformats.org/drawingml/2006/main" xmlns:r="http://schemas.openxmlformats.org/officeDocument/2006/relationships" xmlns:p="http://schemas.openxmlformats.org/presentationml/2006/main" type="title" preserve="1">
   <p:cSld name="Title Slide">
     <p:spTree>
       <p:nvGrpSpPr>
@@ -131,362 +131,145 @@
       </p:grpSpPr>
       <p:sp>
         <p:nvSpPr>
-          <p:cNvPr id="7" name="Rectangle 6"/>
-          <p:cNvSpPr/>
-          <p:nvPr/>
+          <p:cNvPr id="2" name="Title 1"/>
+          <p:cNvSpPr>
+            <a:spLocks noGrp="1"/>
+          </p:cNvSpPr>
+          <p:nvPr>
+            <p:ph type="ctrTitle"/>
+          </p:nvPr>
         </p:nvSpPr>
         <p:spPr>
           <a:xfrm>
-            <a:off x="920834" y="1346946"/>
-            <a:ext cx="10222992" cy="80683"/>
+            <a:off x="1154955" y="1447800"/>
+            <a:ext cx="8825658" cy="3329581"/>
           </a:xfrm>
-          <a:prstGeom prst="rect">
-            <a:avLst/>
-          </a:prstGeom>
-          <a:blipFill dpi="0" rotWithShape="1">
-            <a:blip r:embed="rId2">
-              <a:alphaModFix amt="85000"/>
-              <a:lum bright="70000" contrast="-70000"/>
-              <a:extLst>
-                <a:ext uri="{BEBA8EAE-BF5A-486C-A8C5-ECC9F3942E4B}">
-                  <a14:imgProps xmlns:a14="http://schemas.microsoft.com/office/drawing/2010/main">
-                    <a14:imgLayer r:embed="rId3">
-                      <a14:imgEffect>
-                        <a14:sharpenSoften amount="61000"/>
-                      </a14:imgEffect>
-                    </a14:imgLayer>
-                  </a14:imgProps>
-                </a:ext>
-                <a:ext uri="{28A0092B-C50C-407E-A947-70E740481C1C}">
-                  <a14:useLocalDpi xmlns:a14="http://schemas.microsoft.com/office/drawing/2010/main" val="0"/>
-                </a:ext>
-              </a:extLst>
-            </a:blip>
-            <a:srcRect/>
-            <a:tile tx="0" ty="-762000" sx="92000" sy="89000" flip="xy" algn="ctr"/>
-          </a:blipFill>
-          <a:ln>
-            <a:noFill/>
-          </a:ln>
         </p:spPr>
-        <p:style>
-          <a:lnRef idx="2">
-            <a:schemeClr val="accent1">
-              <a:shade val="50000"/>
-            </a:schemeClr>
-          </a:lnRef>
-          <a:fillRef idx="1">
-            <a:schemeClr val="accent1"/>
-          </a:fillRef>
-          <a:effectRef idx="0">
-            <a:schemeClr val="accent1"/>
-          </a:effectRef>
-          <a:fontRef idx="minor">
-            <a:schemeClr val="lt1"/>
-          </a:fontRef>
-        </p:style>
-      </p:sp>
-      <p:sp>
-        <p:nvSpPr>
-          <p:cNvPr id="8" name="Rectangle 7"/>
-          <p:cNvSpPr/>
-          <p:nvPr/>
+        <p:txBody>
+          <a:bodyPr anchor="b"/>
+          <a:lstStyle>
+            <a:lvl1pPr>
+              <a:defRPr sz="7200"/>
+            </a:lvl1pPr>
+          </a:lstStyle>
+          <a:p>
+            <a:r>
+              <a:rPr lang="en-US" smtClean="0"/>
+              <a:t>Click to edit Master title style</a:t>
+            </a:r>
+            <a:endParaRPr lang="en-US" dirty="0"/>
+          </a:p>
+        </p:txBody>
+      </p:sp>
+      <p:sp>
+        <p:nvSpPr>
+          <p:cNvPr id="3" name="Subtitle 2"/>
+          <p:cNvSpPr>
+            <a:spLocks noGrp="1"/>
+          </p:cNvSpPr>
+          <p:nvPr>
+            <p:ph type="subTitle" idx="1"/>
+          </p:nvPr>
         </p:nvSpPr>
         <p:spPr>
           <a:xfrm>
-            <a:off x="920834" y="4299696"/>
-            <a:ext cx="10222992" cy="80683"/>
-          </a:xfrm>
-          <a:prstGeom prst="rect">
-            <a:avLst/>
-          </a:prstGeom>
-          <a:blipFill dpi="0" rotWithShape="1">
-            <a:blip r:embed="rId2">
-              <a:alphaModFix amt="85000"/>
-              <a:lum bright="70000" contrast="-70000"/>
-              <a:extLst>
-                <a:ext uri="{BEBA8EAE-BF5A-486C-A8C5-ECC9F3942E4B}">
-                  <a14:imgProps xmlns:a14="http://schemas.microsoft.com/office/drawing/2010/main">
-                    <a14:imgLayer r:embed="rId3">
-                      <a14:imgEffect>
-                        <a14:sharpenSoften amount="61000"/>
-                      </a14:imgEffect>
-                    </a14:imgLayer>
-                  </a14:imgProps>
-                </a:ext>
-                <a:ext uri="{28A0092B-C50C-407E-A947-70E740481C1C}">
-                  <a14:useLocalDpi xmlns:a14="http://schemas.microsoft.com/office/drawing/2010/main" val="0"/>
-                </a:ext>
-              </a:extLst>
-            </a:blip>
-            <a:srcRect/>
-            <a:tile tx="0" ty="-717550" sx="92000" sy="89000" flip="xy" algn="ctr"/>
-          </a:blipFill>
-          <a:ln>
-            <a:noFill/>
-          </a:ln>
-        </p:spPr>
-        <p:style>
-          <a:lnRef idx="2">
-            <a:schemeClr val="accent1">
-              <a:shade val="50000"/>
-            </a:schemeClr>
-          </a:lnRef>
-          <a:fillRef idx="1">
-            <a:schemeClr val="accent1"/>
-          </a:fillRef>
-          <a:effectRef idx="0">
-            <a:schemeClr val="accent1"/>
-          </a:effectRef>
-          <a:fontRef idx="minor">
-            <a:schemeClr val="lt1"/>
-          </a:fontRef>
-        </p:style>
-      </p:sp>
-      <p:sp>
-        <p:nvSpPr>
-          <p:cNvPr id="9" name="Rectangle 8"/>
-          <p:cNvSpPr/>
-          <p:nvPr/>
-        </p:nvSpPr>
-        <p:spPr>
-          <a:xfrm>
-            <a:off x="920834" y="1484779"/>
-            <a:ext cx="10222992" cy="2743200"/>
-          </a:xfrm>
-          <a:prstGeom prst="rect">
-            <a:avLst/>
-          </a:prstGeom>
-          <a:blipFill dpi="0" rotWithShape="1">
-            <a:blip r:embed="rId2">
-              <a:alphaModFix amt="85000"/>
-              <a:lum bright="70000" contrast="-70000"/>
-              <a:extLst>
-                <a:ext uri="{BEBA8EAE-BF5A-486C-A8C5-ECC9F3942E4B}">
-                  <a14:imgProps xmlns:a14="http://schemas.microsoft.com/office/drawing/2010/main">
-                    <a14:imgLayer r:embed="rId3">
-                      <a14:imgEffect>
-                        <a14:sharpenSoften amount="61000"/>
-                      </a14:imgEffect>
-                    </a14:imgLayer>
-                  </a14:imgProps>
-                </a:ext>
-                <a:ext uri="{28A0092B-C50C-407E-A947-70E740481C1C}">
-                  <a14:useLocalDpi xmlns:a14="http://schemas.microsoft.com/office/drawing/2010/main" val="0"/>
-                </a:ext>
-              </a:extLst>
-            </a:blip>
-            <a:srcRect/>
-            <a:tile tx="0" ty="-704850" sx="92000" sy="89000" flip="xy" algn="ctr"/>
-          </a:blipFill>
-          <a:ln>
-            <a:noFill/>
-          </a:ln>
-        </p:spPr>
-        <p:style>
-          <a:lnRef idx="2">
-            <a:schemeClr val="accent1">
-              <a:shade val="50000"/>
-            </a:schemeClr>
-          </a:lnRef>
-          <a:fillRef idx="1">
-            <a:schemeClr val="accent1"/>
-          </a:fillRef>
-          <a:effectRef idx="0">
-            <a:schemeClr val="accent1"/>
-          </a:effectRef>
-          <a:fontRef idx="minor">
-            <a:schemeClr val="lt1"/>
-          </a:fontRef>
-        </p:style>
-      </p:sp>
-      <p:grpSp>
-        <p:nvGrpSpPr>
-          <p:cNvPr id="10" name="Group 9"/>
-          <p:cNvGrpSpPr/>
-          <p:nvPr/>
-        </p:nvGrpSpPr>
-        <p:grpSpPr>
-          <a:xfrm>
-            <a:off x="9649215" y="4068923"/>
-            <a:ext cx="1080904" cy="1080902"/>
-            <a:chOff x="9685338" y="4460675"/>
-            <a:chExt cx="1080904" cy="1080902"/>
-          </a:xfrm>
-        </p:grpSpPr>
-        <p:sp>
-          <p:nvSpPr>
-            <p:cNvPr id="11" name="Oval 10"/>
-            <p:cNvSpPr/>
-            <p:nvPr/>
-          </p:nvSpPr>
-          <p:spPr>
-            <a:xfrm>
-              <a:off x="9685338" y="4460675"/>
-              <a:ext cx="1080904" cy="1080902"/>
-            </a:xfrm>
-            <a:prstGeom prst="ellipse">
-              <a:avLst/>
-            </a:prstGeom>
-            <a:blipFill dpi="0" rotWithShape="1">
-              <a:blip r:embed="rId4">
-                <a:duotone>
-                  <a:schemeClr val="accent1">
-                    <a:shade val="45000"/>
-                    <a:satMod val="135000"/>
-                  </a:schemeClr>
-                  <a:prstClr val="white"/>
-                </a:duotone>
-                <a:extLst>
-                  <a:ext uri="{BEBA8EAE-BF5A-486C-A8C5-ECC9F3942E4B}">
-                    <a14:imgProps xmlns:a14="http://schemas.microsoft.com/office/drawing/2010/main">
-                      <a14:imgLayer r:embed="rId5">
-                        <a14:imgEffect>
-                          <a14:saturation sat="95000"/>
-                        </a14:imgEffect>
-                      </a14:imgLayer>
-                    </a14:imgProps>
-                  </a:ext>
-                </a:extLst>
-              </a:blip>
-              <a:srcRect/>
-              <a:tile tx="0" ty="0" sx="85000" sy="85000" flip="none" algn="tl"/>
-            </a:blipFill>
-            <a:ln w="25400" cap="flat" cmpd="sng" algn="ctr">
-              <a:noFill/>
-              <a:prstDash val="solid"/>
-            </a:ln>
-            <a:effectLst/>
-          </p:spPr>
-        </p:sp>
-        <p:sp>
-          <p:nvSpPr>
-            <p:cNvPr id="12" name="Oval 11"/>
-            <p:cNvSpPr/>
-            <p:nvPr/>
-          </p:nvSpPr>
-          <p:spPr>
-            <a:xfrm>
-              <a:off x="9793429" y="4568765"/>
-              <a:ext cx="864723" cy="864722"/>
-            </a:xfrm>
-            <a:prstGeom prst="ellipse">
-              <a:avLst/>
-            </a:prstGeom>
-            <a:noFill/>
-            <a:ln w="25400" cap="flat" cmpd="sng" algn="ctr">
-              <a:solidFill>
-                <a:sysClr val="window" lastClr="FFFFFF"/>
-              </a:solidFill>
-              <a:prstDash val="solid"/>
-            </a:ln>
-            <a:effectLst/>
-          </p:spPr>
-        </p:sp>
-      </p:grpSp>
-      <p:sp>
-        <p:nvSpPr>
-          <p:cNvPr id="2" name="Title 1"/>
-          <p:cNvSpPr>
-            <a:spLocks noGrp="1"/>
-          </p:cNvSpPr>
-          <p:nvPr>
-            <p:ph type="ctrTitle"/>
-          </p:nvPr>
-        </p:nvSpPr>
-        <p:spPr>
-          <a:xfrm>
-            <a:off x="1051560" y="1432223"/>
-            <a:ext cx="9966960" cy="3035808"/>
+            <a:off x="1154955" y="4777380"/>
+            <a:ext cx="8825658" cy="861420"/>
           </a:xfrm>
         </p:spPr>
         <p:txBody>
-          <a:bodyPr anchor="ctr">
-            <a:noAutofit/>
-          </a:bodyPr>
-          <a:lstStyle>
-            <a:lvl1pPr algn="l">
-              <a:lnSpc>
-                <a:spcPct val="80000"/>
-              </a:lnSpc>
-              <a:defRPr sz="9600" cap="all" baseline="0">
-                <a:blipFill dpi="0" rotWithShape="1">
-                  <a:blip r:embed="rId4"/>
-                  <a:srcRect/>
-                  <a:tile tx="6350" ty="-127000" sx="65000" sy="64000" flip="none" algn="tl"/>
-                </a:blipFill>
-              </a:defRPr>
-            </a:lvl1pPr>
-          </a:lstStyle>
-          <a:p>
-            <a:r>
-              <a:rPr lang="en-US" smtClean="0"/>
-              <a:t>Click to edit Master title style</a:t>
-            </a:r>
-            <a:endParaRPr lang="en-US" dirty="0"/>
-          </a:p>
-        </p:txBody>
-      </p:sp>
-      <p:sp>
-        <p:nvSpPr>
-          <p:cNvPr id="3" name="Subtitle 2"/>
-          <p:cNvSpPr>
-            <a:spLocks noGrp="1"/>
-          </p:cNvSpPr>
-          <p:nvPr>
-            <p:ph type="subTitle" idx="1"/>
-          </p:nvPr>
-        </p:nvSpPr>
-        <p:spPr>
-          <a:xfrm>
-            <a:off x="1069848" y="4389120"/>
-            <a:ext cx="7891272" cy="1069848"/>
-          </a:xfrm>
-        </p:spPr>
-        <p:txBody>
-          <a:bodyPr>
-            <a:normAutofit/>
-          </a:bodyPr>
+          <a:bodyPr anchor="t"/>
           <a:lstStyle>
             <a:lvl1pPr marL="0" indent="0" algn="l">
               <a:buNone/>
-              <a:defRPr sz="2200">
+              <a:defRPr cap="all">
                 <a:solidFill>
-                  <a:schemeClr val="tx1"/>
+                  <a:schemeClr val="bg2">
+                    <a:lumMod val="40000"/>
+                    <a:lumOff val="60000"/>
+                  </a:schemeClr>
                 </a:solidFill>
               </a:defRPr>
             </a:lvl1pPr>
             <a:lvl2pPr marL="457200" indent="0" algn="ctr">
               <a:buNone/>
-              <a:defRPr sz="2200"/>
+              <a:defRPr>
+                <a:solidFill>
+                  <a:schemeClr val="tx1">
+                    <a:tint val="75000"/>
+                  </a:schemeClr>
+                </a:solidFill>
+              </a:defRPr>
             </a:lvl2pPr>
             <a:lvl3pPr marL="914400" indent="0" algn="ctr">
               <a:buNone/>
-              <a:defRPr sz="2200"/>
+              <a:defRPr>
+                <a:solidFill>
+                  <a:schemeClr val="tx1">
+                    <a:tint val="75000"/>
+                  </a:schemeClr>
+                </a:solidFill>
+              </a:defRPr>
             </a:lvl3pPr>
             <a:lvl4pPr marL="1371600" indent="0" algn="ctr">
               <a:buNone/>
-              <a:defRPr sz="2000"/>
+              <a:defRPr>
+                <a:solidFill>
+                  <a:schemeClr val="tx1">
+                    <a:tint val="75000"/>
+                  </a:schemeClr>
+                </a:solidFill>
+              </a:defRPr>
             </a:lvl4pPr>
             <a:lvl5pPr marL="1828800" indent="0" algn="ctr">
               <a:buNone/>
-              <a:defRPr sz="2000"/>
+              <a:defRPr>
+                <a:solidFill>
+                  <a:schemeClr val="tx1">
+                    <a:tint val="75000"/>
+                  </a:schemeClr>
+                </a:solidFill>
+              </a:defRPr>
             </a:lvl5pPr>
             <a:lvl6pPr marL="2286000" indent="0" algn="ctr">
               <a:buNone/>
-              <a:defRPr sz="2000"/>
+              <a:defRPr>
+                <a:solidFill>
+                  <a:schemeClr val="tx1">
+                    <a:tint val="75000"/>
+                  </a:schemeClr>
+                </a:solidFill>
+              </a:defRPr>
             </a:lvl6pPr>
             <a:lvl7pPr marL="2743200" indent="0" algn="ctr">
               <a:buNone/>
-              <a:defRPr sz="2000"/>
+              <a:defRPr>
+                <a:solidFill>
+                  <a:schemeClr val="tx1">
+                    <a:tint val="75000"/>
+                  </a:schemeClr>
+                </a:solidFill>
+              </a:defRPr>
             </a:lvl7pPr>
             <a:lvl8pPr marL="3200400" indent="0" algn="ctr">
               <a:buNone/>
-              <a:defRPr sz="2000"/>
+              <a:defRPr>
+                <a:solidFill>
+                  <a:schemeClr val="tx1">
+                    <a:tint val="75000"/>
+                  </a:schemeClr>
+                </a:solidFill>
+              </a:defRPr>
             </a:lvl8pPr>
             <a:lvl9pPr marL="3657600" indent="0" algn="ctr">
               <a:buNone/>
-              <a:defRPr sz="2000"/>
+              <a:defRPr>
+                <a:solidFill>
+                  <a:schemeClr val="tx1">
+                    <a:tint val="75000"/>
+                  </a:schemeClr>
+                </a:solidFill>
+              </a:defRPr>
             </a:lvl9pPr>
           </a:lstStyle>
           <a:p>
@@ -515,7 +298,7 @@
           <a:p>
             <a:fld id="{8405FD1F-A033-42C1-8902-92D91DAC3712}" type="datetimeFigureOut">
               <a:rPr lang="en-US" smtClean="0"/>
-              <a:t>5/24/2024</a:t>
+              <a:t>5/25/2024</a:t>
             </a:fld>
             <a:endParaRPr lang="en-US"/>
           </a:p>
@@ -550,19 +333,10 @@
             <p:ph type="sldNum" sz="quarter" idx="12"/>
           </p:nvPr>
         </p:nvSpPr>
-        <p:spPr>
-          <a:xfrm>
-            <a:off x="9592733" y="4289334"/>
-            <a:ext cx="1193868" cy="640080"/>
-          </a:xfrm>
-        </p:spPr>
+        <p:spPr/>
         <p:txBody>
           <a:bodyPr/>
-          <a:lstStyle>
-            <a:lvl1pPr>
-              <a:defRPr sz="2800"/>
-            </a:lvl1pPr>
-          </a:lstStyle>
+          <a:lstStyle/>
           <a:p>
             <a:fld id="{F080C301-BE3A-44DF-A8F2-4D0CD7E2EB16}" type="slidenum">
               <a:rPr lang="en-US" smtClean="0"/>
@@ -575,7 +349,7 @@
     </p:spTree>
     <p:extLst>
       <p:ext uri="{BB962C8B-B14F-4D97-AF65-F5344CB8AC3E}">
-        <p14:creationId xmlns:p14="http://schemas.microsoft.com/office/powerpoint/2010/main" val="1037946235"/>
+        <p14:creationId xmlns:p14="http://schemas.microsoft.com/office/powerpoint/2010/main" val="3449418711"/>
       </p:ext>
     </p:extLst>
   </p:cSld>
@@ -586,6 +360,2572 @@
 </file>
 
 <file path=ppt/slideLayouts/slideLayout10.xml><?xml version="1.0" encoding="utf-8"?>
+<p:sldLayout xmlns:a="http://schemas.openxmlformats.org/drawingml/2006/main" xmlns:r="http://schemas.openxmlformats.org/officeDocument/2006/relationships" xmlns:p="http://schemas.openxmlformats.org/presentationml/2006/main" preserve="1">
+  <p:cSld name="Panoramic Picture with Caption">
+    <p:spTree>
+      <p:nvGrpSpPr>
+        <p:cNvPr id="1" name=""/>
+        <p:cNvGrpSpPr/>
+        <p:nvPr/>
+      </p:nvGrpSpPr>
+      <p:grpSpPr>
+        <a:xfrm>
+          <a:off x="0" y="0"/>
+          <a:ext cx="0" cy="0"/>
+          <a:chOff x="0" y="0"/>
+          <a:chExt cx="0" cy="0"/>
+        </a:xfrm>
+      </p:grpSpPr>
+      <p:sp>
+        <p:nvSpPr>
+          <p:cNvPr id="2" name="Title 1"/>
+          <p:cNvSpPr>
+            <a:spLocks noGrp="1"/>
+          </p:cNvSpPr>
+          <p:nvPr>
+            <p:ph type="title"/>
+          </p:nvPr>
+        </p:nvSpPr>
+        <p:spPr>
+          <a:xfrm>
+            <a:off x="1154956" y="4800587"/>
+            <a:ext cx="8825657" cy="566738"/>
+          </a:xfrm>
+        </p:spPr>
+        <p:txBody>
+          <a:bodyPr anchor="b">
+            <a:normAutofit/>
+          </a:bodyPr>
+          <a:lstStyle>
+            <a:lvl1pPr algn="l">
+              <a:defRPr sz="2400" b="0"/>
+            </a:lvl1pPr>
+          </a:lstStyle>
+          <a:p>
+            <a:r>
+              <a:rPr lang="en-US" smtClean="0"/>
+              <a:t>Click to edit Master title style</a:t>
+            </a:r>
+            <a:endParaRPr lang="en-US" dirty="0"/>
+          </a:p>
+        </p:txBody>
+      </p:sp>
+      <p:sp>
+        <p:nvSpPr>
+          <p:cNvPr id="3" name="Picture Placeholder 2"/>
+          <p:cNvSpPr>
+            <a:spLocks noGrp="1" noChangeAspect="1"/>
+          </p:cNvSpPr>
+          <p:nvPr>
+            <p:ph type="pic" idx="1"/>
+          </p:nvPr>
+        </p:nvSpPr>
+        <p:spPr>
+          <a:xfrm>
+            <a:off x="1154955" y="685800"/>
+            <a:ext cx="8825658" cy="3640666"/>
+          </a:xfrm>
+          <a:prstGeom prst="roundRect">
+            <a:avLst>
+              <a:gd name="adj" fmla="val 1858"/>
+            </a:avLst>
+          </a:prstGeom>
+          <a:effectLst>
+            <a:outerShdw blurRad="50800" dist="50800" dir="5400000" algn="tl" rotWithShape="0">
+              <a:srgbClr val="000000">
+                <a:alpha val="43000"/>
+              </a:srgbClr>
+            </a:outerShdw>
+          </a:effectLst>
+        </p:spPr>
+        <p:txBody>
+          <a:bodyPr anchor="t">
+            <a:normAutofit/>
+          </a:bodyPr>
+          <a:lstStyle>
+            <a:lvl1pPr marL="0" indent="0" algn="ctr">
+              <a:buNone/>
+              <a:defRPr sz="1600"/>
+            </a:lvl1pPr>
+            <a:lvl2pPr marL="457200" indent="0">
+              <a:buNone/>
+              <a:defRPr sz="1600"/>
+            </a:lvl2pPr>
+            <a:lvl3pPr marL="914400" indent="0">
+              <a:buNone/>
+              <a:defRPr sz="1600"/>
+            </a:lvl3pPr>
+            <a:lvl4pPr marL="1371600" indent="0">
+              <a:buNone/>
+              <a:defRPr sz="1600"/>
+            </a:lvl4pPr>
+            <a:lvl5pPr marL="1828800" indent="0">
+              <a:buNone/>
+              <a:defRPr sz="1600"/>
+            </a:lvl5pPr>
+            <a:lvl6pPr marL="2286000" indent="0">
+              <a:buNone/>
+              <a:defRPr sz="1600"/>
+            </a:lvl6pPr>
+            <a:lvl7pPr marL="2743200" indent="0">
+              <a:buNone/>
+              <a:defRPr sz="1600"/>
+            </a:lvl7pPr>
+            <a:lvl8pPr marL="3200400" indent="0">
+              <a:buNone/>
+              <a:defRPr sz="1600"/>
+            </a:lvl8pPr>
+            <a:lvl9pPr marL="3657600" indent="0">
+              <a:buNone/>
+              <a:defRPr sz="1600"/>
+            </a:lvl9pPr>
+          </a:lstStyle>
+          <a:p>
+            <a:r>
+              <a:rPr lang="en-US" smtClean="0"/>
+              <a:t>Click icon to add picture</a:t>
+            </a:r>
+            <a:endParaRPr lang="en-US" dirty="0"/>
+          </a:p>
+        </p:txBody>
+      </p:sp>
+      <p:sp>
+        <p:nvSpPr>
+          <p:cNvPr id="4" name="Text Placeholder 3"/>
+          <p:cNvSpPr>
+            <a:spLocks noGrp="1"/>
+          </p:cNvSpPr>
+          <p:nvPr>
+            <p:ph type="body" sz="half" idx="2"/>
+          </p:nvPr>
+        </p:nvSpPr>
+        <p:spPr>
+          <a:xfrm>
+            <a:off x="1154956" y="5367325"/>
+            <a:ext cx="8825656" cy="493712"/>
+          </a:xfrm>
+        </p:spPr>
+        <p:txBody>
+          <a:bodyPr>
+            <a:normAutofit/>
+          </a:bodyPr>
+          <a:lstStyle>
+            <a:lvl1pPr marL="0" indent="0">
+              <a:buNone/>
+              <a:defRPr sz="1200"/>
+            </a:lvl1pPr>
+            <a:lvl2pPr marL="457200" indent="0">
+              <a:buNone/>
+              <a:defRPr sz="1200"/>
+            </a:lvl2pPr>
+            <a:lvl3pPr marL="914400" indent="0">
+              <a:buNone/>
+              <a:defRPr sz="1000"/>
+            </a:lvl3pPr>
+            <a:lvl4pPr marL="1371600" indent="0">
+              <a:buNone/>
+              <a:defRPr sz="900"/>
+            </a:lvl4pPr>
+            <a:lvl5pPr marL="1828800" indent="0">
+              <a:buNone/>
+              <a:defRPr sz="900"/>
+            </a:lvl5pPr>
+            <a:lvl6pPr marL="2286000" indent="0">
+              <a:buNone/>
+              <a:defRPr sz="900"/>
+            </a:lvl6pPr>
+            <a:lvl7pPr marL="2743200" indent="0">
+              <a:buNone/>
+              <a:defRPr sz="900"/>
+            </a:lvl7pPr>
+            <a:lvl8pPr marL="3200400" indent="0">
+              <a:buNone/>
+              <a:defRPr sz="900"/>
+            </a:lvl8pPr>
+            <a:lvl9pPr marL="3657600" indent="0">
+              <a:buNone/>
+              <a:defRPr sz="900"/>
+            </a:lvl9pPr>
+          </a:lstStyle>
+          <a:p>
+            <a:pPr lvl="0"/>
+            <a:r>
+              <a:rPr lang="en-US" smtClean="0"/>
+              <a:t>Click to edit Master text styles</a:t>
+            </a:r>
+          </a:p>
+        </p:txBody>
+      </p:sp>
+      <p:sp>
+        <p:nvSpPr>
+          <p:cNvPr id="5" name="Date Placeholder 4"/>
+          <p:cNvSpPr>
+            <a:spLocks noGrp="1"/>
+          </p:cNvSpPr>
+          <p:nvPr>
+            <p:ph type="dt" sz="half" idx="10"/>
+          </p:nvPr>
+        </p:nvSpPr>
+        <p:spPr/>
+        <p:txBody>
+          <a:bodyPr/>
+          <a:lstStyle/>
+          <a:p>
+            <a:fld id="{8405FD1F-A033-42C1-8902-92D91DAC3712}" type="datetimeFigureOut">
+              <a:rPr lang="en-US" smtClean="0"/>
+              <a:t>5/25/2024</a:t>
+            </a:fld>
+            <a:endParaRPr lang="en-US"/>
+          </a:p>
+        </p:txBody>
+      </p:sp>
+      <p:sp>
+        <p:nvSpPr>
+          <p:cNvPr id="6" name="Footer Placeholder 5"/>
+          <p:cNvSpPr>
+            <a:spLocks noGrp="1"/>
+          </p:cNvSpPr>
+          <p:nvPr>
+            <p:ph type="ftr" sz="quarter" idx="11"/>
+          </p:nvPr>
+        </p:nvSpPr>
+        <p:spPr/>
+        <p:txBody>
+          <a:bodyPr/>
+          <a:lstStyle/>
+          <a:p>
+            <a:endParaRPr lang="en-US"/>
+          </a:p>
+        </p:txBody>
+      </p:sp>
+      <p:sp>
+        <p:nvSpPr>
+          <p:cNvPr id="7" name="Slide Number Placeholder 6"/>
+          <p:cNvSpPr>
+            <a:spLocks noGrp="1"/>
+          </p:cNvSpPr>
+          <p:nvPr>
+            <p:ph type="sldNum" sz="quarter" idx="12"/>
+          </p:nvPr>
+        </p:nvSpPr>
+        <p:spPr/>
+        <p:txBody>
+          <a:bodyPr/>
+          <a:lstStyle/>
+          <a:p>
+            <a:fld id="{F080C301-BE3A-44DF-A8F2-4D0CD7E2EB16}" type="slidenum">
+              <a:rPr lang="en-US" smtClean="0"/>
+              <a:t>‹#›</a:t>
+            </a:fld>
+            <a:endParaRPr lang="en-US"/>
+          </a:p>
+        </p:txBody>
+      </p:sp>
+    </p:spTree>
+    <p:extLst>
+      <p:ext uri="{BB962C8B-B14F-4D97-AF65-F5344CB8AC3E}">
+        <p14:creationId xmlns:p14="http://schemas.microsoft.com/office/powerpoint/2010/main" val="435808614"/>
+      </p:ext>
+    </p:extLst>
+  </p:cSld>
+  <p:clrMapOvr>
+    <a:masterClrMapping/>
+  </p:clrMapOvr>
+</p:sldLayout>
+</file>
+
+<file path=ppt/slideLayouts/slideLayout11.xml><?xml version="1.0" encoding="utf-8"?>
+<p:sldLayout xmlns:a="http://schemas.openxmlformats.org/drawingml/2006/main" xmlns:r="http://schemas.openxmlformats.org/officeDocument/2006/relationships" xmlns:p="http://schemas.openxmlformats.org/presentationml/2006/main" preserve="1">
+  <p:cSld name="Title and Caption">
+    <p:spTree>
+      <p:nvGrpSpPr>
+        <p:cNvPr id="1" name=""/>
+        <p:cNvGrpSpPr/>
+        <p:nvPr/>
+      </p:nvGrpSpPr>
+      <p:grpSpPr>
+        <a:xfrm>
+          <a:off x="0" y="0"/>
+          <a:ext cx="0" cy="0"/>
+          <a:chOff x="0" y="0"/>
+          <a:chExt cx="0" cy="0"/>
+        </a:xfrm>
+      </p:grpSpPr>
+      <p:sp>
+        <p:nvSpPr>
+          <p:cNvPr id="2" name="Title 1"/>
+          <p:cNvSpPr>
+            <a:spLocks noGrp="1"/>
+          </p:cNvSpPr>
+          <p:nvPr>
+            <p:ph type="title"/>
+          </p:nvPr>
+        </p:nvSpPr>
+        <p:spPr>
+          <a:xfrm>
+            <a:off x="1154954" y="1447800"/>
+            <a:ext cx="8825659" cy="1981200"/>
+          </a:xfrm>
+        </p:spPr>
+        <p:txBody>
+          <a:bodyPr/>
+          <a:lstStyle>
+            <a:lvl1pPr>
+              <a:defRPr sz="4800"/>
+            </a:lvl1pPr>
+          </a:lstStyle>
+          <a:p>
+            <a:r>
+              <a:rPr lang="en-US" smtClean="0"/>
+              <a:t>Click to edit Master title style</a:t>
+            </a:r>
+            <a:endParaRPr lang="en-US" dirty="0"/>
+          </a:p>
+        </p:txBody>
+      </p:sp>
+      <p:sp>
+        <p:nvSpPr>
+          <p:cNvPr id="8" name="Text Placeholder 3"/>
+          <p:cNvSpPr>
+            <a:spLocks noGrp="1"/>
+          </p:cNvSpPr>
+          <p:nvPr>
+            <p:ph type="body" sz="half" idx="2"/>
+          </p:nvPr>
+        </p:nvSpPr>
+        <p:spPr>
+          <a:xfrm>
+            <a:off x="1154954" y="3657600"/>
+            <a:ext cx="8825659" cy="2362200"/>
+          </a:xfrm>
+        </p:spPr>
+        <p:txBody>
+          <a:bodyPr anchor="ctr">
+            <a:normAutofit/>
+          </a:bodyPr>
+          <a:lstStyle>
+            <a:lvl1pPr marL="0" indent="0">
+              <a:buNone/>
+              <a:defRPr sz="1800"/>
+            </a:lvl1pPr>
+            <a:lvl2pPr marL="457200" indent="0">
+              <a:buNone/>
+              <a:defRPr sz="1200"/>
+            </a:lvl2pPr>
+            <a:lvl3pPr marL="914400" indent="0">
+              <a:buNone/>
+              <a:defRPr sz="1000"/>
+            </a:lvl3pPr>
+            <a:lvl4pPr marL="1371600" indent="0">
+              <a:buNone/>
+              <a:defRPr sz="900"/>
+            </a:lvl4pPr>
+            <a:lvl5pPr marL="1828800" indent="0">
+              <a:buNone/>
+              <a:defRPr sz="900"/>
+            </a:lvl5pPr>
+            <a:lvl6pPr marL="2286000" indent="0">
+              <a:buNone/>
+              <a:defRPr sz="900"/>
+            </a:lvl6pPr>
+            <a:lvl7pPr marL="2743200" indent="0">
+              <a:buNone/>
+              <a:defRPr sz="900"/>
+            </a:lvl7pPr>
+            <a:lvl8pPr marL="3200400" indent="0">
+              <a:buNone/>
+              <a:defRPr sz="900"/>
+            </a:lvl8pPr>
+            <a:lvl9pPr marL="3657600" indent="0">
+              <a:buNone/>
+              <a:defRPr sz="900"/>
+            </a:lvl9pPr>
+          </a:lstStyle>
+          <a:p>
+            <a:pPr lvl="0"/>
+            <a:r>
+              <a:rPr lang="en-US" smtClean="0"/>
+              <a:t>Click to edit Master text styles</a:t>
+            </a:r>
+          </a:p>
+        </p:txBody>
+      </p:sp>
+      <p:sp>
+        <p:nvSpPr>
+          <p:cNvPr id="4" name="Date Placeholder 3"/>
+          <p:cNvSpPr>
+            <a:spLocks noGrp="1"/>
+          </p:cNvSpPr>
+          <p:nvPr>
+            <p:ph type="dt" sz="half" idx="10"/>
+          </p:nvPr>
+        </p:nvSpPr>
+        <p:spPr/>
+        <p:txBody>
+          <a:bodyPr/>
+          <a:lstStyle/>
+          <a:p>
+            <a:fld id="{8405FD1F-A033-42C1-8902-92D91DAC3712}" type="datetimeFigureOut">
+              <a:rPr lang="en-US" smtClean="0"/>
+              <a:t>5/25/2024</a:t>
+            </a:fld>
+            <a:endParaRPr lang="en-US"/>
+          </a:p>
+        </p:txBody>
+      </p:sp>
+      <p:sp>
+        <p:nvSpPr>
+          <p:cNvPr id="5" name="Footer Placeholder 4"/>
+          <p:cNvSpPr>
+            <a:spLocks noGrp="1"/>
+          </p:cNvSpPr>
+          <p:nvPr>
+            <p:ph type="ftr" sz="quarter" idx="11"/>
+          </p:nvPr>
+        </p:nvSpPr>
+        <p:spPr/>
+        <p:txBody>
+          <a:bodyPr/>
+          <a:lstStyle/>
+          <a:p>
+            <a:endParaRPr lang="en-US"/>
+          </a:p>
+        </p:txBody>
+      </p:sp>
+      <p:sp>
+        <p:nvSpPr>
+          <p:cNvPr id="6" name="Slide Number Placeholder 5"/>
+          <p:cNvSpPr>
+            <a:spLocks noGrp="1"/>
+          </p:cNvSpPr>
+          <p:nvPr>
+            <p:ph type="sldNum" sz="quarter" idx="12"/>
+          </p:nvPr>
+        </p:nvSpPr>
+        <p:spPr/>
+        <p:txBody>
+          <a:bodyPr/>
+          <a:lstStyle/>
+          <a:p>
+            <a:fld id="{F080C301-BE3A-44DF-A8F2-4D0CD7E2EB16}" type="slidenum">
+              <a:rPr lang="en-US" smtClean="0"/>
+              <a:t>‹#›</a:t>
+            </a:fld>
+            <a:endParaRPr lang="en-US"/>
+          </a:p>
+        </p:txBody>
+      </p:sp>
+    </p:spTree>
+    <p:extLst>
+      <p:ext uri="{BB962C8B-B14F-4D97-AF65-F5344CB8AC3E}">
+        <p14:creationId xmlns:p14="http://schemas.microsoft.com/office/powerpoint/2010/main" val="1880045636"/>
+      </p:ext>
+    </p:extLst>
+  </p:cSld>
+  <p:clrMapOvr>
+    <a:masterClrMapping/>
+  </p:clrMapOvr>
+</p:sldLayout>
+</file>
+
+<file path=ppt/slideLayouts/slideLayout12.xml><?xml version="1.0" encoding="utf-8"?>
+<p:sldLayout xmlns:a="http://schemas.openxmlformats.org/drawingml/2006/main" xmlns:r="http://schemas.openxmlformats.org/officeDocument/2006/relationships" xmlns:p="http://schemas.openxmlformats.org/presentationml/2006/main" preserve="1">
+  <p:cSld name="Quote with Caption">
+    <p:spTree>
+      <p:nvGrpSpPr>
+        <p:cNvPr id="1" name=""/>
+        <p:cNvGrpSpPr/>
+        <p:nvPr/>
+      </p:nvGrpSpPr>
+      <p:grpSpPr>
+        <a:xfrm>
+          <a:off x="0" y="0"/>
+          <a:ext cx="0" cy="0"/>
+          <a:chOff x="0" y="0"/>
+          <a:chExt cx="0" cy="0"/>
+        </a:xfrm>
+      </p:grpSpPr>
+      <p:sp>
+        <p:nvSpPr>
+          <p:cNvPr id="2" name="Title 1"/>
+          <p:cNvSpPr>
+            <a:spLocks noGrp="1"/>
+          </p:cNvSpPr>
+          <p:nvPr>
+            <p:ph type="title"/>
+          </p:nvPr>
+        </p:nvSpPr>
+        <p:spPr>
+          <a:xfrm>
+            <a:off x="1574801" y="1447800"/>
+            <a:ext cx="7999315" cy="2323374"/>
+          </a:xfrm>
+        </p:spPr>
+        <p:txBody>
+          <a:bodyPr/>
+          <a:lstStyle>
+            <a:lvl1pPr>
+              <a:defRPr sz="4800"/>
+            </a:lvl1pPr>
+          </a:lstStyle>
+          <a:p>
+            <a:r>
+              <a:rPr lang="en-US" smtClean="0"/>
+              <a:t>Click to edit Master title style</a:t>
+            </a:r>
+            <a:endParaRPr lang="en-US" dirty="0"/>
+          </a:p>
+        </p:txBody>
+      </p:sp>
+      <p:sp>
+        <p:nvSpPr>
+          <p:cNvPr id="11" name="Text Placeholder 3"/>
+          <p:cNvSpPr>
+            <a:spLocks noGrp="1"/>
+          </p:cNvSpPr>
+          <p:nvPr>
+            <p:ph type="body" sz="half" idx="14"/>
+          </p:nvPr>
+        </p:nvSpPr>
+        <p:spPr>
+          <a:xfrm>
+            <a:off x="1930400" y="3771174"/>
+            <a:ext cx="7279649" cy="342174"/>
+          </a:xfrm>
+        </p:spPr>
+        <p:txBody>
+          <a:bodyPr vert="horz" lIns="91440" tIns="45720" rIns="91440" bIns="45720" rtlCol="0" anchor="t">
+            <a:normAutofit/>
+          </a:bodyPr>
+          <a:lstStyle>
+            <a:lvl1pPr marL="0" indent="0">
+              <a:buNone/>
+              <a:defRPr lang="en-US" sz="1400" b="0" i="0" kern="1200" cap="small" dirty="0">
+                <a:solidFill>
+                  <a:schemeClr val="bg2">
+                    <a:lumMod val="40000"/>
+                    <a:lumOff val="60000"/>
+                  </a:schemeClr>
+                </a:solidFill>
+                <a:latin typeface="+mj-lt"/>
+                <a:ea typeface="+mj-ea"/>
+                <a:cs typeface="+mj-cs"/>
+              </a:defRPr>
+            </a:lvl1pPr>
+            <a:lvl2pPr marL="457200" indent="0">
+              <a:buNone/>
+              <a:defRPr sz="1200"/>
+            </a:lvl2pPr>
+            <a:lvl3pPr marL="914400" indent="0">
+              <a:buNone/>
+              <a:defRPr sz="1000"/>
+            </a:lvl3pPr>
+            <a:lvl4pPr marL="1371600" indent="0">
+              <a:buNone/>
+              <a:defRPr sz="900"/>
+            </a:lvl4pPr>
+            <a:lvl5pPr marL="1828800" indent="0">
+              <a:buNone/>
+              <a:defRPr sz="900"/>
+            </a:lvl5pPr>
+            <a:lvl6pPr marL="2286000" indent="0">
+              <a:buNone/>
+              <a:defRPr sz="900"/>
+            </a:lvl6pPr>
+            <a:lvl7pPr marL="2743200" indent="0">
+              <a:buNone/>
+              <a:defRPr sz="900"/>
+            </a:lvl7pPr>
+            <a:lvl8pPr marL="3200400" indent="0">
+              <a:buNone/>
+              <a:defRPr sz="900"/>
+            </a:lvl8pPr>
+            <a:lvl9pPr marL="3657600" indent="0">
+              <a:buNone/>
+              <a:defRPr sz="900"/>
+            </a:lvl9pPr>
+          </a:lstStyle>
+          <a:p>
+            <a:pPr marL="0" lvl="0" indent="0">
+              <a:buNone/>
+            </a:pPr>
+            <a:r>
+              <a:rPr lang="en-US" smtClean="0"/>
+              <a:t>Click to edit Master text styles</a:t>
+            </a:r>
+          </a:p>
+        </p:txBody>
+      </p:sp>
+      <p:sp>
+        <p:nvSpPr>
+          <p:cNvPr id="10" name="Text Placeholder 3"/>
+          <p:cNvSpPr>
+            <a:spLocks noGrp="1"/>
+          </p:cNvSpPr>
+          <p:nvPr>
+            <p:ph type="body" sz="half" idx="2"/>
+          </p:nvPr>
+        </p:nvSpPr>
+        <p:spPr>
+          <a:xfrm>
+            <a:off x="1154954" y="4350657"/>
+            <a:ext cx="8825659" cy="1676400"/>
+          </a:xfrm>
+        </p:spPr>
+        <p:txBody>
+          <a:bodyPr anchor="ctr">
+            <a:normAutofit/>
+          </a:bodyPr>
+          <a:lstStyle>
+            <a:lvl1pPr marL="0" indent="0">
+              <a:buNone/>
+              <a:defRPr sz="1800"/>
+            </a:lvl1pPr>
+            <a:lvl2pPr marL="457200" indent="0">
+              <a:buNone/>
+              <a:defRPr sz="1200"/>
+            </a:lvl2pPr>
+            <a:lvl3pPr marL="914400" indent="0">
+              <a:buNone/>
+              <a:defRPr sz="1000"/>
+            </a:lvl3pPr>
+            <a:lvl4pPr marL="1371600" indent="0">
+              <a:buNone/>
+              <a:defRPr sz="900"/>
+            </a:lvl4pPr>
+            <a:lvl5pPr marL="1828800" indent="0">
+              <a:buNone/>
+              <a:defRPr sz="900"/>
+            </a:lvl5pPr>
+            <a:lvl6pPr marL="2286000" indent="0">
+              <a:buNone/>
+              <a:defRPr sz="900"/>
+            </a:lvl6pPr>
+            <a:lvl7pPr marL="2743200" indent="0">
+              <a:buNone/>
+              <a:defRPr sz="900"/>
+            </a:lvl7pPr>
+            <a:lvl8pPr marL="3200400" indent="0">
+              <a:buNone/>
+              <a:defRPr sz="900"/>
+            </a:lvl8pPr>
+            <a:lvl9pPr marL="3657600" indent="0">
+              <a:buNone/>
+              <a:defRPr sz="900"/>
+            </a:lvl9pPr>
+          </a:lstStyle>
+          <a:p>
+            <a:pPr lvl="0"/>
+            <a:r>
+              <a:rPr lang="en-US" smtClean="0"/>
+              <a:t>Click to edit Master text styles</a:t>
+            </a:r>
+          </a:p>
+        </p:txBody>
+      </p:sp>
+      <p:sp>
+        <p:nvSpPr>
+          <p:cNvPr id="4" name="Date Placeholder 3"/>
+          <p:cNvSpPr>
+            <a:spLocks noGrp="1"/>
+          </p:cNvSpPr>
+          <p:nvPr>
+            <p:ph type="dt" sz="half" idx="10"/>
+          </p:nvPr>
+        </p:nvSpPr>
+        <p:spPr/>
+        <p:txBody>
+          <a:bodyPr/>
+          <a:lstStyle/>
+          <a:p>
+            <a:fld id="{8405FD1F-A033-42C1-8902-92D91DAC3712}" type="datetimeFigureOut">
+              <a:rPr lang="en-US" smtClean="0"/>
+              <a:t>5/25/2024</a:t>
+            </a:fld>
+            <a:endParaRPr lang="en-US"/>
+          </a:p>
+        </p:txBody>
+      </p:sp>
+      <p:sp>
+        <p:nvSpPr>
+          <p:cNvPr id="5" name="Footer Placeholder 4"/>
+          <p:cNvSpPr>
+            <a:spLocks noGrp="1"/>
+          </p:cNvSpPr>
+          <p:nvPr>
+            <p:ph type="ftr" sz="quarter" idx="11"/>
+          </p:nvPr>
+        </p:nvSpPr>
+        <p:spPr/>
+        <p:txBody>
+          <a:bodyPr/>
+          <a:lstStyle/>
+          <a:p>
+            <a:endParaRPr lang="en-US"/>
+          </a:p>
+        </p:txBody>
+      </p:sp>
+      <p:sp>
+        <p:nvSpPr>
+          <p:cNvPr id="6" name="Slide Number Placeholder 5"/>
+          <p:cNvSpPr>
+            <a:spLocks noGrp="1"/>
+          </p:cNvSpPr>
+          <p:nvPr>
+            <p:ph type="sldNum" sz="quarter" idx="12"/>
+          </p:nvPr>
+        </p:nvSpPr>
+        <p:spPr/>
+        <p:txBody>
+          <a:bodyPr/>
+          <a:lstStyle/>
+          <a:p>
+            <a:fld id="{F080C301-BE3A-44DF-A8F2-4D0CD7E2EB16}" type="slidenum">
+              <a:rPr lang="en-US" smtClean="0"/>
+              <a:t>‹#›</a:t>
+            </a:fld>
+            <a:endParaRPr lang="en-US"/>
+          </a:p>
+        </p:txBody>
+      </p:sp>
+      <p:sp>
+        <p:nvSpPr>
+          <p:cNvPr id="12" name="TextBox 11"/>
+          <p:cNvSpPr txBox="1"/>
+          <p:nvPr/>
+        </p:nvSpPr>
+        <p:spPr>
+          <a:xfrm>
+            <a:off x="898295" y="971253"/>
+            <a:ext cx="801912" cy="1969770"/>
+          </a:xfrm>
+          <a:prstGeom prst="rect">
+            <a:avLst/>
+          </a:prstGeom>
+          <a:noFill/>
+        </p:spPr>
+        <p:txBody>
+          <a:bodyPr wrap="square" rtlCol="0">
+            <a:spAutoFit/>
+          </a:bodyPr>
+          <a:lstStyle>
+            <a:defPPr>
+              <a:defRPr lang="en-US"/>
+            </a:defPPr>
+            <a:lvl1pPr algn="r">
+              <a:defRPr sz="12200" b="0" i="0">
+                <a:solidFill>
+                  <a:schemeClr val="bg2">
+                    <a:lumMod val="40000"/>
+                    <a:lumOff val="60000"/>
+                  </a:schemeClr>
+                </a:solidFill>
+                <a:latin typeface="Arial"/>
+                <a:ea typeface="+mj-ea"/>
+                <a:cs typeface="+mj-cs"/>
+              </a:defRPr>
+            </a:lvl1pPr>
+          </a:lstStyle>
+          <a:p>
+            <a:pPr lvl="0"/>
+            <a:r>
+              <a:rPr lang="en-US" dirty="0"/>
+              <a:t>“</a:t>
+            </a:r>
+          </a:p>
+        </p:txBody>
+      </p:sp>
+      <p:sp>
+        <p:nvSpPr>
+          <p:cNvPr id="15" name="TextBox 14"/>
+          <p:cNvSpPr txBox="1"/>
+          <p:nvPr/>
+        </p:nvSpPr>
+        <p:spPr>
+          <a:xfrm>
+            <a:off x="9330490" y="2613787"/>
+            <a:ext cx="801912" cy="1969770"/>
+          </a:xfrm>
+          <a:prstGeom prst="rect">
+            <a:avLst/>
+          </a:prstGeom>
+          <a:noFill/>
+        </p:spPr>
+        <p:txBody>
+          <a:bodyPr wrap="square" rtlCol="0">
+            <a:spAutoFit/>
+          </a:bodyPr>
+          <a:lstStyle>
+            <a:defPPr>
+              <a:defRPr lang="en-US"/>
+            </a:defPPr>
+            <a:lvl1pPr algn="r">
+              <a:defRPr sz="12200" b="0" i="0">
+                <a:solidFill>
+                  <a:schemeClr val="bg2">
+                    <a:lumMod val="40000"/>
+                    <a:lumOff val="60000"/>
+                  </a:schemeClr>
+                </a:solidFill>
+                <a:latin typeface="Arial"/>
+                <a:ea typeface="+mj-ea"/>
+                <a:cs typeface="+mj-cs"/>
+              </a:defRPr>
+            </a:lvl1pPr>
+          </a:lstStyle>
+          <a:p>
+            <a:pPr lvl="0"/>
+            <a:r>
+              <a:rPr lang="en-US" dirty="0"/>
+              <a:t>”</a:t>
+            </a:r>
+          </a:p>
+        </p:txBody>
+      </p:sp>
+    </p:spTree>
+    <p:extLst>
+      <p:ext uri="{BB962C8B-B14F-4D97-AF65-F5344CB8AC3E}">
+        <p14:creationId xmlns:p14="http://schemas.microsoft.com/office/powerpoint/2010/main" val="693910829"/>
+      </p:ext>
+    </p:extLst>
+  </p:cSld>
+  <p:clrMapOvr>
+    <a:masterClrMapping/>
+  </p:clrMapOvr>
+</p:sldLayout>
+</file>
+
+<file path=ppt/slideLayouts/slideLayout13.xml><?xml version="1.0" encoding="utf-8"?>
+<p:sldLayout xmlns:a="http://schemas.openxmlformats.org/drawingml/2006/main" xmlns:r="http://schemas.openxmlformats.org/officeDocument/2006/relationships" xmlns:p="http://schemas.openxmlformats.org/presentationml/2006/main" preserve="1">
+  <p:cSld name="Name Card">
+    <p:spTree>
+      <p:nvGrpSpPr>
+        <p:cNvPr id="1" name=""/>
+        <p:cNvGrpSpPr/>
+        <p:nvPr/>
+      </p:nvGrpSpPr>
+      <p:grpSpPr>
+        <a:xfrm>
+          <a:off x="0" y="0"/>
+          <a:ext cx="0" cy="0"/>
+          <a:chOff x="0" y="0"/>
+          <a:chExt cx="0" cy="0"/>
+        </a:xfrm>
+      </p:grpSpPr>
+      <p:sp>
+        <p:nvSpPr>
+          <p:cNvPr id="2" name="Title 1"/>
+          <p:cNvSpPr>
+            <a:spLocks noGrp="1"/>
+          </p:cNvSpPr>
+          <p:nvPr>
+            <p:ph type="title"/>
+          </p:nvPr>
+        </p:nvSpPr>
+        <p:spPr>
+          <a:xfrm>
+            <a:off x="1154954" y="3124201"/>
+            <a:ext cx="8825660" cy="1653180"/>
+          </a:xfrm>
+        </p:spPr>
+        <p:txBody>
+          <a:bodyPr anchor="b"/>
+          <a:lstStyle>
+            <a:lvl1pPr algn="l">
+              <a:defRPr sz="4000" b="0" cap="none"/>
+            </a:lvl1pPr>
+          </a:lstStyle>
+          <a:p>
+            <a:r>
+              <a:rPr lang="en-US" smtClean="0"/>
+              <a:t>Click to edit Master title style</a:t>
+            </a:r>
+            <a:endParaRPr lang="en-US" dirty="0"/>
+          </a:p>
+        </p:txBody>
+      </p:sp>
+      <p:sp>
+        <p:nvSpPr>
+          <p:cNvPr id="3" name="Text Placeholder 2"/>
+          <p:cNvSpPr>
+            <a:spLocks noGrp="1"/>
+          </p:cNvSpPr>
+          <p:nvPr>
+            <p:ph type="body" idx="1"/>
+          </p:nvPr>
+        </p:nvSpPr>
+        <p:spPr>
+          <a:xfrm>
+            <a:off x="1154954" y="4777381"/>
+            <a:ext cx="8825659" cy="860400"/>
+          </a:xfrm>
+        </p:spPr>
+        <p:txBody>
+          <a:bodyPr anchor="t"/>
+          <a:lstStyle>
+            <a:lvl1pPr marL="0" indent="0" algn="l">
+              <a:buNone/>
+              <a:defRPr sz="2000" cap="none">
+                <a:solidFill>
+                  <a:schemeClr val="bg2">
+                    <a:lumMod val="40000"/>
+                    <a:lumOff val="60000"/>
+                  </a:schemeClr>
+                </a:solidFill>
+              </a:defRPr>
+            </a:lvl1pPr>
+            <a:lvl2pPr marL="457200" indent="0">
+              <a:buNone/>
+              <a:defRPr sz="1800">
+                <a:solidFill>
+                  <a:schemeClr val="tx1">
+                    <a:tint val="75000"/>
+                  </a:schemeClr>
+                </a:solidFill>
+              </a:defRPr>
+            </a:lvl2pPr>
+            <a:lvl3pPr marL="914400" indent="0">
+              <a:buNone/>
+              <a:defRPr sz="1600">
+                <a:solidFill>
+                  <a:schemeClr val="tx1">
+                    <a:tint val="75000"/>
+                  </a:schemeClr>
+                </a:solidFill>
+              </a:defRPr>
+            </a:lvl3pPr>
+            <a:lvl4pPr marL="1371600" indent="0">
+              <a:buNone/>
+              <a:defRPr sz="1400">
+                <a:solidFill>
+                  <a:schemeClr val="tx1">
+                    <a:tint val="75000"/>
+                  </a:schemeClr>
+                </a:solidFill>
+              </a:defRPr>
+            </a:lvl4pPr>
+            <a:lvl5pPr marL="1828800" indent="0">
+              <a:buNone/>
+              <a:defRPr sz="1400">
+                <a:solidFill>
+                  <a:schemeClr val="tx1">
+                    <a:tint val="75000"/>
+                  </a:schemeClr>
+                </a:solidFill>
+              </a:defRPr>
+            </a:lvl5pPr>
+            <a:lvl6pPr marL="2286000" indent="0">
+              <a:buNone/>
+              <a:defRPr sz="1400">
+                <a:solidFill>
+                  <a:schemeClr val="tx1">
+                    <a:tint val="75000"/>
+                  </a:schemeClr>
+                </a:solidFill>
+              </a:defRPr>
+            </a:lvl6pPr>
+            <a:lvl7pPr marL="2743200" indent="0">
+              <a:buNone/>
+              <a:defRPr sz="1400">
+                <a:solidFill>
+                  <a:schemeClr val="tx1">
+                    <a:tint val="75000"/>
+                  </a:schemeClr>
+                </a:solidFill>
+              </a:defRPr>
+            </a:lvl7pPr>
+            <a:lvl8pPr marL="3200400" indent="0">
+              <a:buNone/>
+              <a:defRPr sz="1400">
+                <a:solidFill>
+                  <a:schemeClr val="tx1">
+                    <a:tint val="75000"/>
+                  </a:schemeClr>
+                </a:solidFill>
+              </a:defRPr>
+            </a:lvl8pPr>
+            <a:lvl9pPr marL="3657600" indent="0">
+              <a:buNone/>
+              <a:defRPr sz="1400">
+                <a:solidFill>
+                  <a:schemeClr val="tx1">
+                    <a:tint val="75000"/>
+                  </a:schemeClr>
+                </a:solidFill>
+              </a:defRPr>
+            </a:lvl9pPr>
+          </a:lstStyle>
+          <a:p>
+            <a:pPr lvl="0"/>
+            <a:r>
+              <a:rPr lang="en-US" smtClean="0"/>
+              <a:t>Click to edit Master text styles</a:t>
+            </a:r>
+          </a:p>
+        </p:txBody>
+      </p:sp>
+      <p:sp>
+        <p:nvSpPr>
+          <p:cNvPr id="4" name="Date Placeholder 3"/>
+          <p:cNvSpPr>
+            <a:spLocks noGrp="1"/>
+          </p:cNvSpPr>
+          <p:nvPr>
+            <p:ph type="dt" sz="half" idx="10"/>
+          </p:nvPr>
+        </p:nvSpPr>
+        <p:spPr/>
+        <p:txBody>
+          <a:bodyPr/>
+          <a:lstStyle/>
+          <a:p>
+            <a:fld id="{8405FD1F-A033-42C1-8902-92D91DAC3712}" type="datetimeFigureOut">
+              <a:rPr lang="en-US" smtClean="0"/>
+              <a:t>5/25/2024</a:t>
+            </a:fld>
+            <a:endParaRPr lang="en-US"/>
+          </a:p>
+        </p:txBody>
+      </p:sp>
+      <p:sp>
+        <p:nvSpPr>
+          <p:cNvPr id="5" name="Footer Placeholder 4"/>
+          <p:cNvSpPr>
+            <a:spLocks noGrp="1"/>
+          </p:cNvSpPr>
+          <p:nvPr>
+            <p:ph type="ftr" sz="quarter" idx="11"/>
+          </p:nvPr>
+        </p:nvSpPr>
+        <p:spPr/>
+        <p:txBody>
+          <a:bodyPr/>
+          <a:lstStyle/>
+          <a:p>
+            <a:endParaRPr lang="en-US"/>
+          </a:p>
+        </p:txBody>
+      </p:sp>
+      <p:sp>
+        <p:nvSpPr>
+          <p:cNvPr id="6" name="Slide Number Placeholder 5"/>
+          <p:cNvSpPr>
+            <a:spLocks noGrp="1"/>
+          </p:cNvSpPr>
+          <p:nvPr>
+            <p:ph type="sldNum" sz="quarter" idx="12"/>
+          </p:nvPr>
+        </p:nvSpPr>
+        <p:spPr/>
+        <p:txBody>
+          <a:bodyPr/>
+          <a:lstStyle/>
+          <a:p>
+            <a:fld id="{F080C301-BE3A-44DF-A8F2-4D0CD7E2EB16}" type="slidenum">
+              <a:rPr lang="en-US" smtClean="0"/>
+              <a:t>‹#›</a:t>
+            </a:fld>
+            <a:endParaRPr lang="en-US"/>
+          </a:p>
+        </p:txBody>
+      </p:sp>
+    </p:spTree>
+    <p:extLst>
+      <p:ext uri="{BB962C8B-B14F-4D97-AF65-F5344CB8AC3E}">
+        <p14:creationId xmlns:p14="http://schemas.microsoft.com/office/powerpoint/2010/main" val="995538731"/>
+      </p:ext>
+    </p:extLst>
+  </p:cSld>
+  <p:clrMapOvr>
+    <a:masterClrMapping/>
+  </p:clrMapOvr>
+</p:sldLayout>
+</file>
+
+<file path=ppt/slideLayouts/slideLayout14.xml><?xml version="1.0" encoding="utf-8"?>
+<p:sldLayout xmlns:a="http://schemas.openxmlformats.org/drawingml/2006/main" xmlns:r="http://schemas.openxmlformats.org/officeDocument/2006/relationships" xmlns:p="http://schemas.openxmlformats.org/presentationml/2006/main" preserve="1">
+  <p:cSld name="3 Column">
+    <p:spTree>
+      <p:nvGrpSpPr>
+        <p:cNvPr id="1" name=""/>
+        <p:cNvGrpSpPr/>
+        <p:nvPr/>
+      </p:nvGrpSpPr>
+      <p:grpSpPr>
+        <a:xfrm>
+          <a:off x="0" y="0"/>
+          <a:ext cx="0" cy="0"/>
+          <a:chOff x="0" y="0"/>
+          <a:chExt cx="0" cy="0"/>
+        </a:xfrm>
+      </p:grpSpPr>
+      <p:sp>
+        <p:nvSpPr>
+          <p:cNvPr id="2" name="Title 1"/>
+          <p:cNvSpPr>
+            <a:spLocks noGrp="1"/>
+          </p:cNvSpPr>
+          <p:nvPr>
+            <p:ph type="title"/>
+          </p:nvPr>
+        </p:nvSpPr>
+        <p:spPr/>
+        <p:txBody>
+          <a:bodyPr/>
+          <a:lstStyle>
+            <a:lvl1pPr>
+              <a:defRPr sz="4200"/>
+            </a:lvl1pPr>
+          </a:lstStyle>
+          <a:p>
+            <a:r>
+              <a:rPr lang="en-US" smtClean="0"/>
+              <a:t>Click to edit Master title style</a:t>
+            </a:r>
+            <a:endParaRPr lang="en-US" dirty="0"/>
+          </a:p>
+        </p:txBody>
+      </p:sp>
+      <p:sp>
+        <p:nvSpPr>
+          <p:cNvPr id="3" name="Text Placeholder 2"/>
+          <p:cNvSpPr>
+            <a:spLocks noGrp="1"/>
+          </p:cNvSpPr>
+          <p:nvPr>
+            <p:ph type="body" idx="1"/>
+          </p:nvPr>
+        </p:nvSpPr>
+        <p:spPr>
+          <a:xfrm>
+            <a:off x="632947" y="1981200"/>
+            <a:ext cx="2946866" cy="576262"/>
+          </a:xfrm>
+        </p:spPr>
+        <p:txBody>
+          <a:bodyPr anchor="b">
+            <a:noAutofit/>
+          </a:bodyPr>
+          <a:lstStyle>
+            <a:lvl1pPr marL="0" indent="0">
+              <a:buNone/>
+              <a:defRPr sz="2400" b="0">
+                <a:solidFill>
+                  <a:schemeClr val="bg2">
+                    <a:lumMod val="40000"/>
+                    <a:lumOff val="60000"/>
+                  </a:schemeClr>
+                </a:solidFill>
+              </a:defRPr>
+            </a:lvl1pPr>
+            <a:lvl2pPr marL="457200" indent="0">
+              <a:buNone/>
+              <a:defRPr sz="2000" b="1"/>
+            </a:lvl2pPr>
+            <a:lvl3pPr marL="914400" indent="0">
+              <a:buNone/>
+              <a:defRPr sz="1800" b="1"/>
+            </a:lvl3pPr>
+            <a:lvl4pPr marL="1371600" indent="0">
+              <a:buNone/>
+              <a:defRPr sz="1600" b="1"/>
+            </a:lvl4pPr>
+            <a:lvl5pPr marL="1828800" indent="0">
+              <a:buNone/>
+              <a:defRPr sz="1600" b="1"/>
+            </a:lvl5pPr>
+            <a:lvl6pPr marL="2286000" indent="0">
+              <a:buNone/>
+              <a:defRPr sz="1600" b="1"/>
+            </a:lvl6pPr>
+            <a:lvl7pPr marL="2743200" indent="0">
+              <a:buNone/>
+              <a:defRPr sz="1600" b="1"/>
+            </a:lvl7pPr>
+            <a:lvl8pPr marL="3200400" indent="0">
+              <a:buNone/>
+              <a:defRPr sz="1600" b="1"/>
+            </a:lvl8pPr>
+            <a:lvl9pPr marL="3657600" indent="0">
+              <a:buNone/>
+              <a:defRPr sz="1600" b="1"/>
+            </a:lvl9pPr>
+          </a:lstStyle>
+          <a:p>
+            <a:pPr lvl="0"/>
+            <a:r>
+              <a:rPr lang="en-US" smtClean="0"/>
+              <a:t>Click to edit Master text styles</a:t>
+            </a:r>
+          </a:p>
+        </p:txBody>
+      </p:sp>
+      <p:sp>
+        <p:nvSpPr>
+          <p:cNvPr id="16" name="Text Placeholder 3"/>
+          <p:cNvSpPr>
+            <a:spLocks noGrp="1"/>
+          </p:cNvSpPr>
+          <p:nvPr>
+            <p:ph type="body" sz="half" idx="15"/>
+          </p:nvPr>
+        </p:nvSpPr>
+        <p:spPr>
+          <a:xfrm>
+            <a:off x="652463" y="2667000"/>
+            <a:ext cx="2927350" cy="3589338"/>
+          </a:xfrm>
+        </p:spPr>
+        <p:txBody>
+          <a:bodyPr anchor="t">
+            <a:normAutofit/>
+          </a:bodyPr>
+          <a:lstStyle>
+            <a:lvl1pPr marL="0" indent="0">
+              <a:buNone/>
+              <a:defRPr sz="1400"/>
+            </a:lvl1pPr>
+            <a:lvl2pPr marL="457200" indent="0">
+              <a:buNone/>
+              <a:defRPr sz="1200"/>
+            </a:lvl2pPr>
+            <a:lvl3pPr marL="914400" indent="0">
+              <a:buNone/>
+              <a:defRPr sz="1000"/>
+            </a:lvl3pPr>
+            <a:lvl4pPr marL="1371600" indent="0">
+              <a:buNone/>
+              <a:defRPr sz="900"/>
+            </a:lvl4pPr>
+            <a:lvl5pPr marL="1828800" indent="0">
+              <a:buNone/>
+              <a:defRPr sz="900"/>
+            </a:lvl5pPr>
+            <a:lvl6pPr marL="2286000" indent="0">
+              <a:buNone/>
+              <a:defRPr sz="900"/>
+            </a:lvl6pPr>
+            <a:lvl7pPr marL="2743200" indent="0">
+              <a:buNone/>
+              <a:defRPr sz="900"/>
+            </a:lvl7pPr>
+            <a:lvl8pPr marL="3200400" indent="0">
+              <a:buNone/>
+              <a:defRPr sz="900"/>
+            </a:lvl8pPr>
+            <a:lvl9pPr marL="3657600" indent="0">
+              <a:buNone/>
+              <a:defRPr sz="900"/>
+            </a:lvl9pPr>
+          </a:lstStyle>
+          <a:p>
+            <a:pPr lvl="0"/>
+            <a:r>
+              <a:rPr lang="en-US" smtClean="0"/>
+              <a:t>Click to edit Master text styles</a:t>
+            </a:r>
+          </a:p>
+        </p:txBody>
+      </p:sp>
+      <p:sp>
+        <p:nvSpPr>
+          <p:cNvPr id="5" name="Text Placeholder 4"/>
+          <p:cNvSpPr>
+            <a:spLocks noGrp="1"/>
+          </p:cNvSpPr>
+          <p:nvPr>
+            <p:ph type="body" sz="quarter" idx="3"/>
+          </p:nvPr>
+        </p:nvSpPr>
+        <p:spPr>
+          <a:xfrm>
+            <a:off x="3883659" y="1981200"/>
+            <a:ext cx="2936241" cy="576262"/>
+          </a:xfrm>
+        </p:spPr>
+        <p:txBody>
+          <a:bodyPr anchor="b">
+            <a:noAutofit/>
+          </a:bodyPr>
+          <a:lstStyle>
+            <a:lvl1pPr marL="0" indent="0">
+              <a:buNone/>
+              <a:defRPr sz="2400" b="0">
+                <a:solidFill>
+                  <a:schemeClr val="bg2">
+                    <a:lumMod val="40000"/>
+                    <a:lumOff val="60000"/>
+                  </a:schemeClr>
+                </a:solidFill>
+              </a:defRPr>
+            </a:lvl1pPr>
+            <a:lvl2pPr marL="457200" indent="0">
+              <a:buNone/>
+              <a:defRPr sz="2000" b="1"/>
+            </a:lvl2pPr>
+            <a:lvl3pPr marL="914400" indent="0">
+              <a:buNone/>
+              <a:defRPr sz="1800" b="1"/>
+            </a:lvl3pPr>
+            <a:lvl4pPr marL="1371600" indent="0">
+              <a:buNone/>
+              <a:defRPr sz="1600" b="1"/>
+            </a:lvl4pPr>
+            <a:lvl5pPr marL="1828800" indent="0">
+              <a:buNone/>
+              <a:defRPr sz="1600" b="1"/>
+            </a:lvl5pPr>
+            <a:lvl6pPr marL="2286000" indent="0">
+              <a:buNone/>
+              <a:defRPr sz="1600" b="1"/>
+            </a:lvl6pPr>
+            <a:lvl7pPr marL="2743200" indent="0">
+              <a:buNone/>
+              <a:defRPr sz="1600" b="1"/>
+            </a:lvl7pPr>
+            <a:lvl8pPr marL="3200400" indent="0">
+              <a:buNone/>
+              <a:defRPr sz="1600" b="1"/>
+            </a:lvl8pPr>
+            <a:lvl9pPr marL="3657600" indent="0">
+              <a:buNone/>
+              <a:defRPr sz="1600" b="1"/>
+            </a:lvl9pPr>
+          </a:lstStyle>
+          <a:p>
+            <a:pPr lvl="0"/>
+            <a:r>
+              <a:rPr lang="en-US" smtClean="0"/>
+              <a:t>Click to edit Master text styles</a:t>
+            </a:r>
+          </a:p>
+        </p:txBody>
+      </p:sp>
+      <p:sp>
+        <p:nvSpPr>
+          <p:cNvPr id="19" name="Text Placeholder 3"/>
+          <p:cNvSpPr>
+            <a:spLocks noGrp="1"/>
+          </p:cNvSpPr>
+          <p:nvPr>
+            <p:ph type="body" sz="half" idx="16"/>
+          </p:nvPr>
+        </p:nvSpPr>
+        <p:spPr>
+          <a:xfrm>
+            <a:off x="3873106" y="2667000"/>
+            <a:ext cx="2946794" cy="3589338"/>
+          </a:xfrm>
+        </p:spPr>
+        <p:txBody>
+          <a:bodyPr anchor="t">
+            <a:normAutofit/>
+          </a:bodyPr>
+          <a:lstStyle>
+            <a:lvl1pPr marL="0" indent="0">
+              <a:buNone/>
+              <a:defRPr sz="1400"/>
+            </a:lvl1pPr>
+            <a:lvl2pPr marL="457200" indent="0">
+              <a:buNone/>
+              <a:defRPr sz="1200"/>
+            </a:lvl2pPr>
+            <a:lvl3pPr marL="914400" indent="0">
+              <a:buNone/>
+              <a:defRPr sz="1000"/>
+            </a:lvl3pPr>
+            <a:lvl4pPr marL="1371600" indent="0">
+              <a:buNone/>
+              <a:defRPr sz="900"/>
+            </a:lvl4pPr>
+            <a:lvl5pPr marL="1828800" indent="0">
+              <a:buNone/>
+              <a:defRPr sz="900"/>
+            </a:lvl5pPr>
+            <a:lvl6pPr marL="2286000" indent="0">
+              <a:buNone/>
+              <a:defRPr sz="900"/>
+            </a:lvl6pPr>
+            <a:lvl7pPr marL="2743200" indent="0">
+              <a:buNone/>
+              <a:defRPr sz="900"/>
+            </a:lvl7pPr>
+            <a:lvl8pPr marL="3200400" indent="0">
+              <a:buNone/>
+              <a:defRPr sz="900"/>
+            </a:lvl8pPr>
+            <a:lvl9pPr marL="3657600" indent="0">
+              <a:buNone/>
+              <a:defRPr sz="900"/>
+            </a:lvl9pPr>
+          </a:lstStyle>
+          <a:p>
+            <a:pPr lvl="0"/>
+            <a:r>
+              <a:rPr lang="en-US" smtClean="0"/>
+              <a:t>Click to edit Master text styles</a:t>
+            </a:r>
+          </a:p>
+        </p:txBody>
+      </p:sp>
+      <p:sp>
+        <p:nvSpPr>
+          <p:cNvPr id="14" name="Text Placeholder 4"/>
+          <p:cNvSpPr>
+            <a:spLocks noGrp="1"/>
+          </p:cNvSpPr>
+          <p:nvPr>
+            <p:ph type="body" sz="quarter" idx="13"/>
+          </p:nvPr>
+        </p:nvSpPr>
+        <p:spPr>
+          <a:xfrm>
+            <a:off x="7124700" y="1981200"/>
+            <a:ext cx="2932113" cy="576262"/>
+          </a:xfrm>
+        </p:spPr>
+        <p:txBody>
+          <a:bodyPr anchor="b">
+            <a:noAutofit/>
+          </a:bodyPr>
+          <a:lstStyle>
+            <a:lvl1pPr marL="0" indent="0">
+              <a:buNone/>
+              <a:defRPr sz="2400" b="0">
+                <a:solidFill>
+                  <a:schemeClr val="bg2">
+                    <a:lumMod val="40000"/>
+                    <a:lumOff val="60000"/>
+                  </a:schemeClr>
+                </a:solidFill>
+              </a:defRPr>
+            </a:lvl1pPr>
+            <a:lvl2pPr marL="457200" indent="0">
+              <a:buNone/>
+              <a:defRPr sz="2000" b="1"/>
+            </a:lvl2pPr>
+            <a:lvl3pPr marL="914400" indent="0">
+              <a:buNone/>
+              <a:defRPr sz="1800" b="1"/>
+            </a:lvl3pPr>
+            <a:lvl4pPr marL="1371600" indent="0">
+              <a:buNone/>
+              <a:defRPr sz="1600" b="1"/>
+            </a:lvl4pPr>
+            <a:lvl5pPr marL="1828800" indent="0">
+              <a:buNone/>
+              <a:defRPr sz="1600" b="1"/>
+            </a:lvl5pPr>
+            <a:lvl6pPr marL="2286000" indent="0">
+              <a:buNone/>
+              <a:defRPr sz="1600" b="1"/>
+            </a:lvl6pPr>
+            <a:lvl7pPr marL="2743200" indent="0">
+              <a:buNone/>
+              <a:defRPr sz="1600" b="1"/>
+            </a:lvl7pPr>
+            <a:lvl8pPr marL="3200400" indent="0">
+              <a:buNone/>
+              <a:defRPr sz="1600" b="1"/>
+            </a:lvl8pPr>
+            <a:lvl9pPr marL="3657600" indent="0">
+              <a:buNone/>
+              <a:defRPr sz="1600" b="1"/>
+            </a:lvl9pPr>
+          </a:lstStyle>
+          <a:p>
+            <a:pPr lvl="0"/>
+            <a:r>
+              <a:rPr lang="en-US" smtClean="0"/>
+              <a:t>Click to edit Master text styles</a:t>
+            </a:r>
+          </a:p>
+        </p:txBody>
+      </p:sp>
+      <p:sp>
+        <p:nvSpPr>
+          <p:cNvPr id="20" name="Text Placeholder 3"/>
+          <p:cNvSpPr>
+            <a:spLocks noGrp="1"/>
+          </p:cNvSpPr>
+          <p:nvPr>
+            <p:ph type="body" sz="half" idx="17"/>
+          </p:nvPr>
+        </p:nvSpPr>
+        <p:spPr>
+          <a:xfrm>
+            <a:off x="7124700" y="2667000"/>
+            <a:ext cx="2932113" cy="3589338"/>
+          </a:xfrm>
+        </p:spPr>
+        <p:txBody>
+          <a:bodyPr anchor="t">
+            <a:normAutofit/>
+          </a:bodyPr>
+          <a:lstStyle>
+            <a:lvl1pPr marL="0" indent="0">
+              <a:buNone/>
+              <a:defRPr sz="1400"/>
+            </a:lvl1pPr>
+            <a:lvl2pPr marL="457200" indent="0">
+              <a:buNone/>
+              <a:defRPr sz="1200"/>
+            </a:lvl2pPr>
+            <a:lvl3pPr marL="914400" indent="0">
+              <a:buNone/>
+              <a:defRPr sz="1000"/>
+            </a:lvl3pPr>
+            <a:lvl4pPr marL="1371600" indent="0">
+              <a:buNone/>
+              <a:defRPr sz="900"/>
+            </a:lvl4pPr>
+            <a:lvl5pPr marL="1828800" indent="0">
+              <a:buNone/>
+              <a:defRPr sz="900"/>
+            </a:lvl5pPr>
+            <a:lvl6pPr marL="2286000" indent="0">
+              <a:buNone/>
+              <a:defRPr sz="900"/>
+            </a:lvl6pPr>
+            <a:lvl7pPr marL="2743200" indent="0">
+              <a:buNone/>
+              <a:defRPr sz="900"/>
+            </a:lvl7pPr>
+            <a:lvl8pPr marL="3200400" indent="0">
+              <a:buNone/>
+              <a:defRPr sz="900"/>
+            </a:lvl8pPr>
+            <a:lvl9pPr marL="3657600" indent="0">
+              <a:buNone/>
+              <a:defRPr sz="900"/>
+            </a:lvl9pPr>
+          </a:lstStyle>
+          <a:p>
+            <a:pPr lvl="0"/>
+            <a:r>
+              <a:rPr lang="en-US" smtClean="0"/>
+              <a:t>Click to edit Master text styles</a:t>
+            </a:r>
+          </a:p>
+        </p:txBody>
+      </p:sp>
+      <p:cxnSp>
+        <p:nvCxnSpPr>
+          <p:cNvPr id="17" name="Straight Connector 16"/>
+          <p:cNvCxnSpPr/>
+          <p:nvPr/>
+        </p:nvCxnSpPr>
+        <p:spPr>
+          <a:xfrm>
+            <a:off x="3726142" y="2133600"/>
+            <a:ext cx="0" cy="3962400"/>
+          </a:xfrm>
+          <a:prstGeom prst="line">
+            <a:avLst/>
+          </a:prstGeom>
+          <a:ln w="12700" cmpd="sng">
+            <a:solidFill>
+              <a:schemeClr val="bg2">
+                <a:lumMod val="40000"/>
+                <a:lumOff val="60000"/>
+                <a:alpha val="40000"/>
+              </a:schemeClr>
+            </a:solidFill>
+          </a:ln>
+        </p:spPr>
+        <p:style>
+          <a:lnRef idx="2">
+            <a:schemeClr val="accent1"/>
+          </a:lnRef>
+          <a:fillRef idx="0">
+            <a:schemeClr val="accent1"/>
+          </a:fillRef>
+          <a:effectRef idx="1">
+            <a:schemeClr val="accent1"/>
+          </a:effectRef>
+          <a:fontRef idx="minor">
+            <a:schemeClr val="tx1"/>
+          </a:fontRef>
+        </p:style>
+      </p:cxnSp>
+      <p:cxnSp>
+        <p:nvCxnSpPr>
+          <p:cNvPr id="18" name="Straight Connector 17"/>
+          <p:cNvCxnSpPr/>
+          <p:nvPr/>
+        </p:nvCxnSpPr>
+        <p:spPr>
+          <a:xfrm>
+            <a:off x="6962227" y="2133600"/>
+            <a:ext cx="0" cy="3966882"/>
+          </a:xfrm>
+          <a:prstGeom prst="line">
+            <a:avLst/>
+          </a:prstGeom>
+          <a:ln w="12700" cmpd="sng">
+            <a:solidFill>
+              <a:schemeClr val="bg2">
+                <a:lumMod val="40000"/>
+                <a:lumOff val="60000"/>
+                <a:alpha val="40000"/>
+              </a:schemeClr>
+            </a:solidFill>
+          </a:ln>
+        </p:spPr>
+        <p:style>
+          <a:lnRef idx="2">
+            <a:schemeClr val="accent1"/>
+          </a:lnRef>
+          <a:fillRef idx="0">
+            <a:schemeClr val="accent1"/>
+          </a:fillRef>
+          <a:effectRef idx="1">
+            <a:schemeClr val="accent1"/>
+          </a:effectRef>
+          <a:fontRef idx="minor">
+            <a:schemeClr val="tx1"/>
+          </a:fontRef>
+        </p:style>
+      </p:cxnSp>
+      <p:sp>
+        <p:nvSpPr>
+          <p:cNvPr id="7" name="Date Placeholder 3"/>
+          <p:cNvSpPr>
+            <a:spLocks noGrp="1"/>
+          </p:cNvSpPr>
+          <p:nvPr>
+            <p:ph type="dt" sz="half" idx="10"/>
+          </p:nvPr>
+        </p:nvSpPr>
+        <p:spPr/>
+        <p:txBody>
+          <a:bodyPr/>
+          <a:lstStyle/>
+          <a:p>
+            <a:fld id="{8405FD1F-A033-42C1-8902-92D91DAC3712}" type="datetimeFigureOut">
+              <a:rPr lang="en-US" smtClean="0"/>
+              <a:t>5/25/2024</a:t>
+            </a:fld>
+            <a:endParaRPr lang="en-US"/>
+          </a:p>
+        </p:txBody>
+      </p:sp>
+      <p:sp>
+        <p:nvSpPr>
+          <p:cNvPr id="4" name="Footer Placeholder 4"/>
+          <p:cNvSpPr>
+            <a:spLocks noGrp="1"/>
+          </p:cNvSpPr>
+          <p:nvPr>
+            <p:ph type="ftr" sz="quarter" idx="11"/>
+          </p:nvPr>
+        </p:nvSpPr>
+        <p:spPr/>
+        <p:txBody>
+          <a:bodyPr/>
+          <a:lstStyle/>
+          <a:p>
+            <a:endParaRPr lang="en-US"/>
+          </a:p>
+        </p:txBody>
+      </p:sp>
+      <p:sp>
+        <p:nvSpPr>
+          <p:cNvPr id="6" name="Slide Number Placeholder 5"/>
+          <p:cNvSpPr>
+            <a:spLocks noGrp="1"/>
+          </p:cNvSpPr>
+          <p:nvPr>
+            <p:ph type="sldNum" sz="quarter" idx="12"/>
+          </p:nvPr>
+        </p:nvSpPr>
+        <p:spPr/>
+        <p:txBody>
+          <a:bodyPr/>
+          <a:lstStyle/>
+          <a:p>
+            <a:fld id="{F080C301-BE3A-44DF-A8F2-4D0CD7E2EB16}" type="slidenum">
+              <a:rPr lang="en-US" smtClean="0"/>
+              <a:t>‹#›</a:t>
+            </a:fld>
+            <a:endParaRPr lang="en-US"/>
+          </a:p>
+        </p:txBody>
+      </p:sp>
+    </p:spTree>
+    <p:extLst>
+      <p:ext uri="{BB962C8B-B14F-4D97-AF65-F5344CB8AC3E}">
+        <p14:creationId xmlns:p14="http://schemas.microsoft.com/office/powerpoint/2010/main" val="906117406"/>
+      </p:ext>
+    </p:extLst>
+  </p:cSld>
+  <p:clrMapOvr>
+    <a:masterClrMapping/>
+  </p:clrMapOvr>
+</p:sldLayout>
+</file>
+
+<file path=ppt/slideLayouts/slideLayout15.xml><?xml version="1.0" encoding="utf-8"?>
+<p:sldLayout xmlns:a="http://schemas.openxmlformats.org/drawingml/2006/main" xmlns:r="http://schemas.openxmlformats.org/officeDocument/2006/relationships" xmlns:p="http://schemas.openxmlformats.org/presentationml/2006/main" preserve="1">
+  <p:cSld name="3 Picture Column">
+    <p:spTree>
+      <p:nvGrpSpPr>
+        <p:cNvPr id="1" name=""/>
+        <p:cNvGrpSpPr/>
+        <p:nvPr/>
+      </p:nvGrpSpPr>
+      <p:grpSpPr>
+        <a:xfrm>
+          <a:off x="0" y="0"/>
+          <a:ext cx="0" cy="0"/>
+          <a:chOff x="0" y="0"/>
+          <a:chExt cx="0" cy="0"/>
+        </a:xfrm>
+      </p:grpSpPr>
+      <p:sp>
+        <p:nvSpPr>
+          <p:cNvPr id="2" name="Title 1"/>
+          <p:cNvSpPr>
+            <a:spLocks noGrp="1"/>
+          </p:cNvSpPr>
+          <p:nvPr>
+            <p:ph type="title"/>
+          </p:nvPr>
+        </p:nvSpPr>
+        <p:spPr/>
+        <p:txBody>
+          <a:bodyPr/>
+          <a:lstStyle>
+            <a:lvl1pPr>
+              <a:defRPr sz="4200"/>
+            </a:lvl1pPr>
+          </a:lstStyle>
+          <a:p>
+            <a:r>
+              <a:rPr lang="en-US" smtClean="0"/>
+              <a:t>Click to edit Master title style</a:t>
+            </a:r>
+            <a:endParaRPr lang="en-US" dirty="0"/>
+          </a:p>
+        </p:txBody>
+      </p:sp>
+      <p:sp>
+        <p:nvSpPr>
+          <p:cNvPr id="3" name="Text Placeholder 2"/>
+          <p:cNvSpPr>
+            <a:spLocks noGrp="1"/>
+          </p:cNvSpPr>
+          <p:nvPr>
+            <p:ph type="body" idx="1"/>
+          </p:nvPr>
+        </p:nvSpPr>
+        <p:spPr>
+          <a:xfrm>
+            <a:off x="652463" y="4250949"/>
+            <a:ext cx="2940050" cy="576262"/>
+          </a:xfrm>
+        </p:spPr>
+        <p:txBody>
+          <a:bodyPr anchor="b">
+            <a:noAutofit/>
+          </a:bodyPr>
+          <a:lstStyle>
+            <a:lvl1pPr marL="0" indent="0">
+              <a:buNone/>
+              <a:defRPr sz="2400" b="0">
+                <a:solidFill>
+                  <a:schemeClr val="bg2">
+                    <a:lumMod val="40000"/>
+                    <a:lumOff val="60000"/>
+                  </a:schemeClr>
+                </a:solidFill>
+              </a:defRPr>
+            </a:lvl1pPr>
+            <a:lvl2pPr marL="457200" indent="0">
+              <a:buNone/>
+              <a:defRPr sz="2000" b="1"/>
+            </a:lvl2pPr>
+            <a:lvl3pPr marL="914400" indent="0">
+              <a:buNone/>
+              <a:defRPr sz="1800" b="1"/>
+            </a:lvl3pPr>
+            <a:lvl4pPr marL="1371600" indent="0">
+              <a:buNone/>
+              <a:defRPr sz="1600" b="1"/>
+            </a:lvl4pPr>
+            <a:lvl5pPr marL="1828800" indent="0">
+              <a:buNone/>
+              <a:defRPr sz="1600" b="1"/>
+            </a:lvl5pPr>
+            <a:lvl6pPr marL="2286000" indent="0">
+              <a:buNone/>
+              <a:defRPr sz="1600" b="1"/>
+            </a:lvl6pPr>
+            <a:lvl7pPr marL="2743200" indent="0">
+              <a:buNone/>
+              <a:defRPr sz="1600" b="1"/>
+            </a:lvl7pPr>
+            <a:lvl8pPr marL="3200400" indent="0">
+              <a:buNone/>
+              <a:defRPr sz="1600" b="1"/>
+            </a:lvl8pPr>
+            <a:lvl9pPr marL="3657600" indent="0">
+              <a:buNone/>
+              <a:defRPr sz="1600" b="1"/>
+            </a:lvl9pPr>
+          </a:lstStyle>
+          <a:p>
+            <a:pPr lvl="0"/>
+            <a:r>
+              <a:rPr lang="en-US" smtClean="0"/>
+              <a:t>Click to edit Master text styles</a:t>
+            </a:r>
+          </a:p>
+        </p:txBody>
+      </p:sp>
+      <p:sp>
+        <p:nvSpPr>
+          <p:cNvPr id="29" name="Picture Placeholder 2"/>
+          <p:cNvSpPr>
+            <a:spLocks noGrp="1" noChangeAspect="1"/>
+          </p:cNvSpPr>
+          <p:nvPr>
+            <p:ph type="pic" idx="15"/>
+          </p:nvPr>
+        </p:nvSpPr>
+        <p:spPr>
+          <a:xfrm>
+            <a:off x="652463" y="2209800"/>
+            <a:ext cx="2940050" cy="1524000"/>
+          </a:xfrm>
+          <a:prstGeom prst="roundRect">
+            <a:avLst>
+              <a:gd name="adj" fmla="val 1858"/>
+            </a:avLst>
+          </a:prstGeom>
+          <a:effectLst>
+            <a:outerShdw blurRad="50800" dist="50800" dir="5400000" algn="tl" rotWithShape="0">
+              <a:srgbClr val="000000">
+                <a:alpha val="43000"/>
+              </a:srgbClr>
+            </a:outerShdw>
+          </a:effectLst>
+        </p:spPr>
+        <p:txBody>
+          <a:bodyPr anchor="t">
+            <a:normAutofit/>
+          </a:bodyPr>
+          <a:lstStyle>
+            <a:lvl1pPr marL="0" indent="0" algn="ctr">
+              <a:buNone/>
+              <a:defRPr sz="1600"/>
+            </a:lvl1pPr>
+            <a:lvl2pPr marL="457200" indent="0">
+              <a:buNone/>
+              <a:defRPr sz="1600"/>
+            </a:lvl2pPr>
+            <a:lvl3pPr marL="914400" indent="0">
+              <a:buNone/>
+              <a:defRPr sz="1600"/>
+            </a:lvl3pPr>
+            <a:lvl4pPr marL="1371600" indent="0">
+              <a:buNone/>
+              <a:defRPr sz="1600"/>
+            </a:lvl4pPr>
+            <a:lvl5pPr marL="1828800" indent="0">
+              <a:buNone/>
+              <a:defRPr sz="1600"/>
+            </a:lvl5pPr>
+            <a:lvl6pPr marL="2286000" indent="0">
+              <a:buNone/>
+              <a:defRPr sz="1600"/>
+            </a:lvl6pPr>
+            <a:lvl7pPr marL="2743200" indent="0">
+              <a:buNone/>
+              <a:defRPr sz="1600"/>
+            </a:lvl7pPr>
+            <a:lvl8pPr marL="3200400" indent="0">
+              <a:buNone/>
+              <a:defRPr sz="1600"/>
+            </a:lvl8pPr>
+            <a:lvl9pPr marL="3657600" indent="0">
+              <a:buNone/>
+              <a:defRPr sz="1600"/>
+            </a:lvl9pPr>
+          </a:lstStyle>
+          <a:p>
+            <a:r>
+              <a:rPr lang="en-US" smtClean="0"/>
+              <a:t>Click icon to add picture</a:t>
+            </a:r>
+            <a:endParaRPr lang="en-US" dirty="0"/>
+          </a:p>
+        </p:txBody>
+      </p:sp>
+      <p:sp>
+        <p:nvSpPr>
+          <p:cNvPr id="22" name="Text Placeholder 3"/>
+          <p:cNvSpPr>
+            <a:spLocks noGrp="1"/>
+          </p:cNvSpPr>
+          <p:nvPr>
+            <p:ph type="body" sz="half" idx="18"/>
+          </p:nvPr>
+        </p:nvSpPr>
+        <p:spPr>
+          <a:xfrm>
+            <a:off x="652463" y="4827211"/>
+            <a:ext cx="2940050" cy="659189"/>
+          </a:xfrm>
+        </p:spPr>
+        <p:txBody>
+          <a:bodyPr anchor="t">
+            <a:normAutofit/>
+          </a:bodyPr>
+          <a:lstStyle>
+            <a:lvl1pPr marL="0" indent="0">
+              <a:buNone/>
+              <a:defRPr sz="1400"/>
+            </a:lvl1pPr>
+            <a:lvl2pPr marL="457200" indent="0">
+              <a:buNone/>
+              <a:defRPr sz="1200"/>
+            </a:lvl2pPr>
+            <a:lvl3pPr marL="914400" indent="0">
+              <a:buNone/>
+              <a:defRPr sz="1000"/>
+            </a:lvl3pPr>
+            <a:lvl4pPr marL="1371600" indent="0">
+              <a:buNone/>
+              <a:defRPr sz="900"/>
+            </a:lvl4pPr>
+            <a:lvl5pPr marL="1828800" indent="0">
+              <a:buNone/>
+              <a:defRPr sz="900"/>
+            </a:lvl5pPr>
+            <a:lvl6pPr marL="2286000" indent="0">
+              <a:buNone/>
+              <a:defRPr sz="900"/>
+            </a:lvl6pPr>
+            <a:lvl7pPr marL="2743200" indent="0">
+              <a:buNone/>
+              <a:defRPr sz="900"/>
+            </a:lvl7pPr>
+            <a:lvl8pPr marL="3200400" indent="0">
+              <a:buNone/>
+              <a:defRPr sz="900"/>
+            </a:lvl8pPr>
+            <a:lvl9pPr marL="3657600" indent="0">
+              <a:buNone/>
+              <a:defRPr sz="900"/>
+            </a:lvl9pPr>
+          </a:lstStyle>
+          <a:p>
+            <a:pPr lvl="0"/>
+            <a:r>
+              <a:rPr lang="en-US" smtClean="0"/>
+              <a:t>Click to edit Master text styles</a:t>
+            </a:r>
+          </a:p>
+        </p:txBody>
+      </p:sp>
+      <p:sp>
+        <p:nvSpPr>
+          <p:cNvPr id="5" name="Text Placeholder 4"/>
+          <p:cNvSpPr>
+            <a:spLocks noGrp="1"/>
+          </p:cNvSpPr>
+          <p:nvPr>
+            <p:ph type="body" sz="quarter" idx="3"/>
+          </p:nvPr>
+        </p:nvSpPr>
+        <p:spPr>
+          <a:xfrm>
+            <a:off x="3889375" y="4250949"/>
+            <a:ext cx="2930525" cy="576262"/>
+          </a:xfrm>
+        </p:spPr>
+        <p:txBody>
+          <a:bodyPr anchor="b">
+            <a:noAutofit/>
+          </a:bodyPr>
+          <a:lstStyle>
+            <a:lvl1pPr marL="0" indent="0">
+              <a:buNone/>
+              <a:defRPr sz="2400" b="0">
+                <a:solidFill>
+                  <a:schemeClr val="bg2">
+                    <a:lumMod val="40000"/>
+                    <a:lumOff val="60000"/>
+                  </a:schemeClr>
+                </a:solidFill>
+              </a:defRPr>
+            </a:lvl1pPr>
+            <a:lvl2pPr marL="457200" indent="0">
+              <a:buNone/>
+              <a:defRPr sz="2000" b="1"/>
+            </a:lvl2pPr>
+            <a:lvl3pPr marL="914400" indent="0">
+              <a:buNone/>
+              <a:defRPr sz="1800" b="1"/>
+            </a:lvl3pPr>
+            <a:lvl4pPr marL="1371600" indent="0">
+              <a:buNone/>
+              <a:defRPr sz="1600" b="1"/>
+            </a:lvl4pPr>
+            <a:lvl5pPr marL="1828800" indent="0">
+              <a:buNone/>
+              <a:defRPr sz="1600" b="1"/>
+            </a:lvl5pPr>
+            <a:lvl6pPr marL="2286000" indent="0">
+              <a:buNone/>
+              <a:defRPr sz="1600" b="1"/>
+            </a:lvl6pPr>
+            <a:lvl7pPr marL="2743200" indent="0">
+              <a:buNone/>
+              <a:defRPr sz="1600" b="1"/>
+            </a:lvl7pPr>
+            <a:lvl8pPr marL="3200400" indent="0">
+              <a:buNone/>
+              <a:defRPr sz="1600" b="1"/>
+            </a:lvl8pPr>
+            <a:lvl9pPr marL="3657600" indent="0">
+              <a:buNone/>
+              <a:defRPr sz="1600" b="1"/>
+            </a:lvl9pPr>
+          </a:lstStyle>
+          <a:p>
+            <a:pPr lvl="0"/>
+            <a:r>
+              <a:rPr lang="en-US" smtClean="0"/>
+              <a:t>Click to edit Master text styles</a:t>
+            </a:r>
+          </a:p>
+        </p:txBody>
+      </p:sp>
+      <p:sp>
+        <p:nvSpPr>
+          <p:cNvPr id="30" name="Picture Placeholder 2"/>
+          <p:cNvSpPr>
+            <a:spLocks noGrp="1" noChangeAspect="1"/>
+          </p:cNvSpPr>
+          <p:nvPr>
+            <p:ph type="pic" idx="21"/>
+          </p:nvPr>
+        </p:nvSpPr>
+        <p:spPr>
+          <a:xfrm>
+            <a:off x="3889374" y="2209800"/>
+            <a:ext cx="2930525" cy="1524000"/>
+          </a:xfrm>
+          <a:prstGeom prst="roundRect">
+            <a:avLst>
+              <a:gd name="adj" fmla="val 1858"/>
+            </a:avLst>
+          </a:prstGeom>
+          <a:effectLst>
+            <a:outerShdw blurRad="50800" dist="50800" dir="5400000" algn="tl" rotWithShape="0">
+              <a:srgbClr val="000000">
+                <a:alpha val="43000"/>
+              </a:srgbClr>
+            </a:outerShdw>
+          </a:effectLst>
+        </p:spPr>
+        <p:txBody>
+          <a:bodyPr anchor="t">
+            <a:normAutofit/>
+          </a:bodyPr>
+          <a:lstStyle>
+            <a:lvl1pPr marL="0" indent="0" algn="ctr">
+              <a:buNone/>
+              <a:defRPr sz="1600"/>
+            </a:lvl1pPr>
+            <a:lvl2pPr marL="457200" indent="0">
+              <a:buNone/>
+              <a:defRPr sz="1600"/>
+            </a:lvl2pPr>
+            <a:lvl3pPr marL="914400" indent="0">
+              <a:buNone/>
+              <a:defRPr sz="1600"/>
+            </a:lvl3pPr>
+            <a:lvl4pPr marL="1371600" indent="0">
+              <a:buNone/>
+              <a:defRPr sz="1600"/>
+            </a:lvl4pPr>
+            <a:lvl5pPr marL="1828800" indent="0">
+              <a:buNone/>
+              <a:defRPr sz="1600"/>
+            </a:lvl5pPr>
+            <a:lvl6pPr marL="2286000" indent="0">
+              <a:buNone/>
+              <a:defRPr sz="1600"/>
+            </a:lvl6pPr>
+            <a:lvl7pPr marL="2743200" indent="0">
+              <a:buNone/>
+              <a:defRPr sz="1600"/>
+            </a:lvl7pPr>
+            <a:lvl8pPr marL="3200400" indent="0">
+              <a:buNone/>
+              <a:defRPr sz="1600"/>
+            </a:lvl8pPr>
+            <a:lvl9pPr marL="3657600" indent="0">
+              <a:buNone/>
+              <a:defRPr sz="1600"/>
+            </a:lvl9pPr>
+          </a:lstStyle>
+          <a:p>
+            <a:r>
+              <a:rPr lang="en-US" smtClean="0"/>
+              <a:t>Click icon to add picture</a:t>
+            </a:r>
+            <a:endParaRPr lang="en-US" dirty="0"/>
+          </a:p>
+        </p:txBody>
+      </p:sp>
+      <p:sp>
+        <p:nvSpPr>
+          <p:cNvPr id="23" name="Text Placeholder 3"/>
+          <p:cNvSpPr>
+            <a:spLocks noGrp="1"/>
+          </p:cNvSpPr>
+          <p:nvPr>
+            <p:ph type="body" sz="half" idx="19"/>
+          </p:nvPr>
+        </p:nvSpPr>
+        <p:spPr>
+          <a:xfrm>
+            <a:off x="3888022" y="4827210"/>
+            <a:ext cx="2934406" cy="659189"/>
+          </a:xfrm>
+        </p:spPr>
+        <p:txBody>
+          <a:bodyPr anchor="t">
+            <a:normAutofit/>
+          </a:bodyPr>
+          <a:lstStyle>
+            <a:lvl1pPr marL="0" indent="0">
+              <a:buNone/>
+              <a:defRPr sz="1400"/>
+            </a:lvl1pPr>
+            <a:lvl2pPr marL="457200" indent="0">
+              <a:buNone/>
+              <a:defRPr sz="1200"/>
+            </a:lvl2pPr>
+            <a:lvl3pPr marL="914400" indent="0">
+              <a:buNone/>
+              <a:defRPr sz="1000"/>
+            </a:lvl3pPr>
+            <a:lvl4pPr marL="1371600" indent="0">
+              <a:buNone/>
+              <a:defRPr sz="900"/>
+            </a:lvl4pPr>
+            <a:lvl5pPr marL="1828800" indent="0">
+              <a:buNone/>
+              <a:defRPr sz="900"/>
+            </a:lvl5pPr>
+            <a:lvl6pPr marL="2286000" indent="0">
+              <a:buNone/>
+              <a:defRPr sz="900"/>
+            </a:lvl6pPr>
+            <a:lvl7pPr marL="2743200" indent="0">
+              <a:buNone/>
+              <a:defRPr sz="900"/>
+            </a:lvl7pPr>
+            <a:lvl8pPr marL="3200400" indent="0">
+              <a:buNone/>
+              <a:defRPr sz="900"/>
+            </a:lvl8pPr>
+            <a:lvl9pPr marL="3657600" indent="0">
+              <a:buNone/>
+              <a:defRPr sz="900"/>
+            </a:lvl9pPr>
+          </a:lstStyle>
+          <a:p>
+            <a:pPr lvl="0"/>
+            <a:r>
+              <a:rPr lang="en-US" smtClean="0"/>
+              <a:t>Click to edit Master text styles</a:t>
+            </a:r>
+          </a:p>
+        </p:txBody>
+      </p:sp>
+      <p:sp>
+        <p:nvSpPr>
+          <p:cNvPr id="14" name="Text Placeholder 4"/>
+          <p:cNvSpPr>
+            <a:spLocks noGrp="1"/>
+          </p:cNvSpPr>
+          <p:nvPr>
+            <p:ph type="body" sz="quarter" idx="13"/>
+          </p:nvPr>
+        </p:nvSpPr>
+        <p:spPr>
+          <a:xfrm>
+            <a:off x="7124700" y="4250949"/>
+            <a:ext cx="2932113" cy="576262"/>
+          </a:xfrm>
+        </p:spPr>
+        <p:txBody>
+          <a:bodyPr anchor="b">
+            <a:noAutofit/>
+          </a:bodyPr>
+          <a:lstStyle>
+            <a:lvl1pPr marL="0" indent="0">
+              <a:buNone/>
+              <a:defRPr sz="2400" b="0">
+                <a:solidFill>
+                  <a:schemeClr val="bg2">
+                    <a:lumMod val="40000"/>
+                    <a:lumOff val="60000"/>
+                  </a:schemeClr>
+                </a:solidFill>
+              </a:defRPr>
+            </a:lvl1pPr>
+            <a:lvl2pPr marL="457200" indent="0">
+              <a:buNone/>
+              <a:defRPr sz="2000" b="1"/>
+            </a:lvl2pPr>
+            <a:lvl3pPr marL="914400" indent="0">
+              <a:buNone/>
+              <a:defRPr sz="1800" b="1"/>
+            </a:lvl3pPr>
+            <a:lvl4pPr marL="1371600" indent="0">
+              <a:buNone/>
+              <a:defRPr sz="1600" b="1"/>
+            </a:lvl4pPr>
+            <a:lvl5pPr marL="1828800" indent="0">
+              <a:buNone/>
+              <a:defRPr sz="1600" b="1"/>
+            </a:lvl5pPr>
+            <a:lvl6pPr marL="2286000" indent="0">
+              <a:buNone/>
+              <a:defRPr sz="1600" b="1"/>
+            </a:lvl6pPr>
+            <a:lvl7pPr marL="2743200" indent="0">
+              <a:buNone/>
+              <a:defRPr sz="1600" b="1"/>
+            </a:lvl7pPr>
+            <a:lvl8pPr marL="3200400" indent="0">
+              <a:buNone/>
+              <a:defRPr sz="1600" b="1"/>
+            </a:lvl8pPr>
+            <a:lvl9pPr marL="3657600" indent="0">
+              <a:buNone/>
+              <a:defRPr sz="1600" b="1"/>
+            </a:lvl9pPr>
+          </a:lstStyle>
+          <a:p>
+            <a:pPr lvl="0"/>
+            <a:r>
+              <a:rPr lang="en-US" smtClean="0"/>
+              <a:t>Click to edit Master text styles</a:t>
+            </a:r>
+          </a:p>
+        </p:txBody>
+      </p:sp>
+      <p:sp>
+        <p:nvSpPr>
+          <p:cNvPr id="31" name="Picture Placeholder 2"/>
+          <p:cNvSpPr>
+            <a:spLocks noGrp="1" noChangeAspect="1"/>
+          </p:cNvSpPr>
+          <p:nvPr>
+            <p:ph type="pic" idx="22"/>
+          </p:nvPr>
+        </p:nvSpPr>
+        <p:spPr>
+          <a:xfrm>
+            <a:off x="7124699" y="2209800"/>
+            <a:ext cx="2932113" cy="1524000"/>
+          </a:xfrm>
+          <a:prstGeom prst="roundRect">
+            <a:avLst>
+              <a:gd name="adj" fmla="val 1858"/>
+            </a:avLst>
+          </a:prstGeom>
+          <a:effectLst>
+            <a:outerShdw blurRad="50800" dist="50800" dir="5400000" algn="tl" rotWithShape="0">
+              <a:srgbClr val="000000">
+                <a:alpha val="43000"/>
+              </a:srgbClr>
+            </a:outerShdw>
+          </a:effectLst>
+        </p:spPr>
+        <p:txBody>
+          <a:bodyPr anchor="t">
+            <a:normAutofit/>
+          </a:bodyPr>
+          <a:lstStyle>
+            <a:lvl1pPr marL="0" indent="0" algn="ctr">
+              <a:buNone/>
+              <a:defRPr sz="1600"/>
+            </a:lvl1pPr>
+            <a:lvl2pPr marL="457200" indent="0">
+              <a:buNone/>
+              <a:defRPr sz="1600"/>
+            </a:lvl2pPr>
+            <a:lvl3pPr marL="914400" indent="0">
+              <a:buNone/>
+              <a:defRPr sz="1600"/>
+            </a:lvl3pPr>
+            <a:lvl4pPr marL="1371600" indent="0">
+              <a:buNone/>
+              <a:defRPr sz="1600"/>
+            </a:lvl4pPr>
+            <a:lvl5pPr marL="1828800" indent="0">
+              <a:buNone/>
+              <a:defRPr sz="1600"/>
+            </a:lvl5pPr>
+            <a:lvl6pPr marL="2286000" indent="0">
+              <a:buNone/>
+              <a:defRPr sz="1600"/>
+            </a:lvl6pPr>
+            <a:lvl7pPr marL="2743200" indent="0">
+              <a:buNone/>
+              <a:defRPr sz="1600"/>
+            </a:lvl7pPr>
+            <a:lvl8pPr marL="3200400" indent="0">
+              <a:buNone/>
+              <a:defRPr sz="1600"/>
+            </a:lvl8pPr>
+            <a:lvl9pPr marL="3657600" indent="0">
+              <a:buNone/>
+              <a:defRPr sz="1600"/>
+            </a:lvl9pPr>
+          </a:lstStyle>
+          <a:p>
+            <a:r>
+              <a:rPr lang="en-US" smtClean="0"/>
+              <a:t>Click icon to add picture</a:t>
+            </a:r>
+            <a:endParaRPr lang="en-US" dirty="0"/>
+          </a:p>
+        </p:txBody>
+      </p:sp>
+      <p:sp>
+        <p:nvSpPr>
+          <p:cNvPr id="24" name="Text Placeholder 3"/>
+          <p:cNvSpPr>
+            <a:spLocks noGrp="1"/>
+          </p:cNvSpPr>
+          <p:nvPr>
+            <p:ph type="body" sz="half" idx="20"/>
+          </p:nvPr>
+        </p:nvSpPr>
+        <p:spPr>
+          <a:xfrm>
+            <a:off x="7124575" y="4827208"/>
+            <a:ext cx="2935997" cy="659189"/>
+          </a:xfrm>
+        </p:spPr>
+        <p:txBody>
+          <a:bodyPr anchor="t">
+            <a:normAutofit/>
+          </a:bodyPr>
+          <a:lstStyle>
+            <a:lvl1pPr marL="0" indent="0">
+              <a:buNone/>
+              <a:defRPr sz="1400"/>
+            </a:lvl1pPr>
+            <a:lvl2pPr marL="457200" indent="0">
+              <a:buNone/>
+              <a:defRPr sz="1200"/>
+            </a:lvl2pPr>
+            <a:lvl3pPr marL="914400" indent="0">
+              <a:buNone/>
+              <a:defRPr sz="1000"/>
+            </a:lvl3pPr>
+            <a:lvl4pPr marL="1371600" indent="0">
+              <a:buNone/>
+              <a:defRPr sz="900"/>
+            </a:lvl4pPr>
+            <a:lvl5pPr marL="1828800" indent="0">
+              <a:buNone/>
+              <a:defRPr sz="900"/>
+            </a:lvl5pPr>
+            <a:lvl6pPr marL="2286000" indent="0">
+              <a:buNone/>
+              <a:defRPr sz="900"/>
+            </a:lvl6pPr>
+            <a:lvl7pPr marL="2743200" indent="0">
+              <a:buNone/>
+              <a:defRPr sz="900"/>
+            </a:lvl7pPr>
+            <a:lvl8pPr marL="3200400" indent="0">
+              <a:buNone/>
+              <a:defRPr sz="900"/>
+            </a:lvl8pPr>
+            <a:lvl9pPr marL="3657600" indent="0">
+              <a:buNone/>
+              <a:defRPr sz="900"/>
+            </a:lvl9pPr>
+          </a:lstStyle>
+          <a:p>
+            <a:pPr lvl="0"/>
+            <a:r>
+              <a:rPr lang="en-US" smtClean="0"/>
+              <a:t>Click to edit Master text styles</a:t>
+            </a:r>
+          </a:p>
+        </p:txBody>
+      </p:sp>
+      <p:cxnSp>
+        <p:nvCxnSpPr>
+          <p:cNvPr id="19" name="Straight Connector 18"/>
+          <p:cNvCxnSpPr/>
+          <p:nvPr/>
+        </p:nvCxnSpPr>
+        <p:spPr>
+          <a:xfrm>
+            <a:off x="3726142" y="2133600"/>
+            <a:ext cx="0" cy="3962400"/>
+          </a:xfrm>
+          <a:prstGeom prst="line">
+            <a:avLst/>
+          </a:prstGeom>
+          <a:ln w="12700" cmpd="sng">
+            <a:solidFill>
+              <a:schemeClr val="bg2">
+                <a:lumMod val="40000"/>
+                <a:lumOff val="60000"/>
+                <a:alpha val="40000"/>
+              </a:schemeClr>
+            </a:solidFill>
+          </a:ln>
+        </p:spPr>
+        <p:style>
+          <a:lnRef idx="2">
+            <a:schemeClr val="accent1"/>
+          </a:lnRef>
+          <a:fillRef idx="0">
+            <a:schemeClr val="accent1"/>
+          </a:fillRef>
+          <a:effectRef idx="1">
+            <a:schemeClr val="accent1"/>
+          </a:effectRef>
+          <a:fontRef idx="minor">
+            <a:schemeClr val="tx1"/>
+          </a:fontRef>
+        </p:style>
+      </p:cxnSp>
+      <p:cxnSp>
+        <p:nvCxnSpPr>
+          <p:cNvPr id="20" name="Straight Connector 19"/>
+          <p:cNvCxnSpPr/>
+          <p:nvPr/>
+        </p:nvCxnSpPr>
+        <p:spPr>
+          <a:xfrm>
+            <a:off x="6962227" y="2133600"/>
+            <a:ext cx="0" cy="3966882"/>
+          </a:xfrm>
+          <a:prstGeom prst="line">
+            <a:avLst/>
+          </a:prstGeom>
+          <a:ln w="12700" cmpd="sng">
+            <a:solidFill>
+              <a:schemeClr val="bg2">
+                <a:lumMod val="40000"/>
+                <a:lumOff val="60000"/>
+                <a:alpha val="40000"/>
+              </a:schemeClr>
+            </a:solidFill>
+          </a:ln>
+        </p:spPr>
+        <p:style>
+          <a:lnRef idx="2">
+            <a:schemeClr val="accent1"/>
+          </a:lnRef>
+          <a:fillRef idx="0">
+            <a:schemeClr val="accent1"/>
+          </a:fillRef>
+          <a:effectRef idx="1">
+            <a:schemeClr val="accent1"/>
+          </a:effectRef>
+          <a:fontRef idx="minor">
+            <a:schemeClr val="tx1"/>
+          </a:fontRef>
+        </p:style>
+      </p:cxnSp>
+      <p:sp>
+        <p:nvSpPr>
+          <p:cNvPr id="7" name="Date Placeholder 3"/>
+          <p:cNvSpPr>
+            <a:spLocks noGrp="1"/>
+          </p:cNvSpPr>
+          <p:nvPr>
+            <p:ph type="dt" sz="half" idx="10"/>
+          </p:nvPr>
+        </p:nvSpPr>
+        <p:spPr/>
+        <p:txBody>
+          <a:bodyPr/>
+          <a:lstStyle/>
+          <a:p>
+            <a:fld id="{8405FD1F-A033-42C1-8902-92D91DAC3712}" type="datetimeFigureOut">
+              <a:rPr lang="en-US" smtClean="0"/>
+              <a:t>5/25/2024</a:t>
+            </a:fld>
+            <a:endParaRPr lang="en-US"/>
+          </a:p>
+        </p:txBody>
+      </p:sp>
+      <p:sp>
+        <p:nvSpPr>
+          <p:cNvPr id="4" name="Footer Placeholder 4"/>
+          <p:cNvSpPr>
+            <a:spLocks noGrp="1"/>
+          </p:cNvSpPr>
+          <p:nvPr>
+            <p:ph type="ftr" sz="quarter" idx="11"/>
+          </p:nvPr>
+        </p:nvSpPr>
+        <p:spPr/>
+        <p:txBody>
+          <a:bodyPr/>
+          <a:lstStyle/>
+          <a:p>
+            <a:endParaRPr lang="en-US"/>
+          </a:p>
+        </p:txBody>
+      </p:sp>
+      <p:sp>
+        <p:nvSpPr>
+          <p:cNvPr id="6" name="Slide Number Placeholder 5"/>
+          <p:cNvSpPr>
+            <a:spLocks noGrp="1"/>
+          </p:cNvSpPr>
+          <p:nvPr>
+            <p:ph type="sldNum" sz="quarter" idx="12"/>
+          </p:nvPr>
+        </p:nvSpPr>
+        <p:spPr/>
+        <p:txBody>
+          <a:bodyPr/>
+          <a:lstStyle/>
+          <a:p>
+            <a:fld id="{F080C301-BE3A-44DF-A8F2-4D0CD7E2EB16}" type="slidenum">
+              <a:rPr lang="en-US" smtClean="0"/>
+              <a:t>‹#›</a:t>
+            </a:fld>
+            <a:endParaRPr lang="en-US"/>
+          </a:p>
+        </p:txBody>
+      </p:sp>
+    </p:spTree>
+    <p:extLst>
+      <p:ext uri="{BB962C8B-B14F-4D97-AF65-F5344CB8AC3E}">
+        <p14:creationId xmlns:p14="http://schemas.microsoft.com/office/powerpoint/2010/main" val="4216982370"/>
+      </p:ext>
+    </p:extLst>
+  </p:cSld>
+  <p:clrMapOvr>
+    <a:masterClrMapping/>
+  </p:clrMapOvr>
+</p:sldLayout>
+</file>
+
+<file path=ppt/slideLayouts/slideLayout16.xml><?xml version="1.0" encoding="utf-8"?>
 <p:sldLayout xmlns:a="http://schemas.openxmlformats.org/drawingml/2006/main" xmlns:r="http://schemas.openxmlformats.org/officeDocument/2006/relationships" xmlns:p="http://schemas.openxmlformats.org/presentationml/2006/main" type="vertTx" preserve="1">
   <p:cSld name="Title and Vertical Text">
     <p:spTree>
@@ -637,7 +2977,7 @@
         </p:nvSpPr>
         <p:spPr/>
         <p:txBody>
-          <a:bodyPr vert="eaVert"/>
+          <a:bodyPr vert="eaVert" anchor="t" anchorCtr="0"/>
           <a:lstStyle/>
           <a:p>
             <a:pPr lvl="0"/>
@@ -694,7 +3034,7 @@
           <a:p>
             <a:fld id="{8405FD1F-A033-42C1-8902-92D91DAC3712}" type="datetimeFigureOut">
               <a:rPr lang="en-US" smtClean="0"/>
-              <a:t>5/24/2024</a:t>
+              <a:t>5/25/2024</a:t>
             </a:fld>
             <a:endParaRPr lang="en-US"/>
           </a:p>
@@ -745,7 +3085,7 @@
     </p:spTree>
     <p:extLst>
       <p:ext uri="{BB962C8B-B14F-4D97-AF65-F5344CB8AC3E}">
-        <p14:creationId xmlns:p14="http://schemas.microsoft.com/office/powerpoint/2010/main" val="4158854210"/>
+        <p14:creationId xmlns:p14="http://schemas.microsoft.com/office/powerpoint/2010/main" val="679872382"/>
       </p:ext>
     </p:extLst>
   </p:cSld>
@@ -755,7 +3095,7 @@
 </p:sldLayout>
 </file>
 
-<file path=ppt/slideLayouts/slideLayout11.xml><?xml version="1.0" encoding="utf-8"?>
+<file path=ppt/slideLayouts/slideLayout17.xml><?xml version="1.0" encoding="utf-8"?>
 <p:sldLayout xmlns:a="http://schemas.openxmlformats.org/drawingml/2006/main" xmlns:r="http://schemas.openxmlformats.org/officeDocument/2006/relationships" xmlns:p="http://schemas.openxmlformats.org/presentationml/2006/main" type="vertTitleAndTx" preserve="1">
   <p:cSld name="Vertical Title and Text">
     <p:spTree>
@@ -784,42 +3124,42 @@
         </p:nvSpPr>
         <p:spPr>
           <a:xfrm>
-            <a:off x="8724900" y="533400"/>
-            <a:ext cx="2552700" cy="5638800"/>
+            <a:off x="8304212" y="430213"/>
+            <a:ext cx="1752601" cy="5826125"/>
           </a:xfrm>
         </p:spPr>
         <p:txBody>
+          <a:bodyPr vert="eaVert" anchor="b" anchorCtr="0"/>
+          <a:lstStyle/>
+          <a:p>
+            <a:r>
+              <a:rPr lang="en-US" smtClean="0"/>
+              <a:t>Click to edit Master title style</a:t>
+            </a:r>
+            <a:endParaRPr lang="en-US" dirty="0"/>
+          </a:p>
+        </p:txBody>
+      </p:sp>
+      <p:sp>
+        <p:nvSpPr>
+          <p:cNvPr id="3" name="Vertical Text Placeholder 2"/>
+          <p:cNvSpPr>
+            <a:spLocks noGrp="1"/>
+          </p:cNvSpPr>
+          <p:nvPr>
+            <p:ph type="body" orient="vert" idx="1"/>
+          </p:nvPr>
+        </p:nvSpPr>
+        <p:spPr>
+          <a:xfrm>
+            <a:off x="652463" y="887414"/>
+            <a:ext cx="7423149" cy="5368924"/>
+          </a:xfrm>
+        </p:spPr>
+        <p:txBody>
           <a:bodyPr vert="eaVert"/>
           <a:lstStyle/>
           <a:p>
-            <a:r>
-              <a:rPr lang="en-US" smtClean="0"/>
-              <a:t>Click to edit Master title style</a:t>
-            </a:r>
-            <a:endParaRPr lang="en-US" dirty="0"/>
-          </a:p>
-        </p:txBody>
-      </p:sp>
-      <p:sp>
-        <p:nvSpPr>
-          <p:cNvPr id="3" name="Vertical Text Placeholder 2"/>
-          <p:cNvSpPr>
-            <a:spLocks noGrp="1"/>
-          </p:cNvSpPr>
-          <p:nvPr>
-            <p:ph type="body" orient="vert" idx="1"/>
-          </p:nvPr>
-        </p:nvSpPr>
-        <p:spPr>
-          <a:xfrm>
-            <a:off x="1066800" y="533400"/>
-            <a:ext cx="7505700" cy="5638800"/>
-          </a:xfrm>
-        </p:spPr>
-        <p:txBody>
-          <a:bodyPr vert="eaVert"/>
-          <a:lstStyle/>
-          <a:p>
             <a:pPr lvl="0"/>
             <a:r>
               <a:rPr lang="en-US" smtClean="0"/>
@@ -874,7 +3214,7 @@
           <a:p>
             <a:fld id="{8405FD1F-A033-42C1-8902-92D91DAC3712}" type="datetimeFigureOut">
               <a:rPr lang="en-US" smtClean="0"/>
-              <a:t>5/24/2024</a:t>
+              <a:t>5/25/2024</a:t>
             </a:fld>
             <a:endParaRPr lang="en-US"/>
           </a:p>
@@ -925,7 +3265,7 @@
     </p:spTree>
     <p:extLst>
       <p:ext uri="{BB962C8B-B14F-4D97-AF65-F5344CB8AC3E}">
-        <p14:creationId xmlns:p14="http://schemas.microsoft.com/office/powerpoint/2010/main" val="2929349465"/>
+        <p14:creationId xmlns:p14="http://schemas.microsoft.com/office/powerpoint/2010/main" val="4252983446"/>
       </p:ext>
     </p:extLst>
   </p:cSld>
@@ -1029,7 +3369,7 @@
       </p:sp>
       <p:sp>
         <p:nvSpPr>
-          <p:cNvPr id="4" name="Date Placeholder 3"/>
+          <p:cNvPr id="7" name="Date Placeholder 3"/>
           <p:cNvSpPr>
             <a:spLocks noGrp="1"/>
           </p:cNvSpPr>
@@ -1044,7 +3384,7 @@
           <a:p>
             <a:fld id="{8405FD1F-A033-42C1-8902-92D91DAC3712}" type="datetimeFigureOut">
               <a:rPr lang="en-US" smtClean="0"/>
-              <a:t>5/24/2024</a:t>
+              <a:t>5/25/2024</a:t>
             </a:fld>
             <a:endParaRPr lang="en-US"/>
           </a:p>
@@ -1095,7 +3435,7 @@
     </p:spTree>
     <p:extLst>
       <p:ext uri="{BB962C8B-B14F-4D97-AF65-F5344CB8AC3E}">
-        <p14:creationId xmlns:p14="http://schemas.microsoft.com/office/powerpoint/2010/main" val="3568092597"/>
+        <p14:creationId xmlns:p14="http://schemas.microsoft.com/office/powerpoint/2010/main" val="1853121363"/>
       </p:ext>
     </p:extLst>
   </p:cSld>
@@ -1106,7 +3446,7 @@
 </file>
 
 <file path=ppt/slideLayouts/slideLayout3.xml><?xml version="1.0" encoding="utf-8"?>
-<p:sldLayout xmlns:a="http://schemas.openxmlformats.org/drawingml/2006/main" xmlns:r="http://schemas.openxmlformats.org/officeDocument/2006/relationships" xmlns:p="http://schemas.openxmlformats.org/presentationml/2006/main" showMasterSp="0" type="secHead" preserve="1">
+<p:sldLayout xmlns:a="http://schemas.openxmlformats.org/drawingml/2006/main" xmlns:r="http://schemas.openxmlformats.org/officeDocument/2006/relationships" xmlns:p="http://schemas.openxmlformats.org/presentationml/2006/main" type="secHead" preserve="1">
   <p:cSld name="Section Header">
     <p:spTree>
       <p:nvGrpSpPr>
@@ -1124,124 +3464,63 @@
       </p:grpSpPr>
       <p:sp>
         <p:nvSpPr>
-          <p:cNvPr id="7" name="Rectangle 6"/>
-          <p:cNvSpPr/>
-          <p:nvPr/>
+          <p:cNvPr id="2" name="Title 1"/>
+          <p:cNvSpPr>
+            <a:spLocks noGrp="1"/>
+          </p:cNvSpPr>
+          <p:nvPr>
+            <p:ph type="title"/>
+          </p:nvPr>
         </p:nvSpPr>
         <p:spPr>
           <a:xfrm>
-            <a:off x="0" y="4917989"/>
-            <a:ext cx="12192000" cy="1940010"/>
+            <a:off x="1154956" y="2861733"/>
+            <a:ext cx="8825657" cy="1915647"/>
           </a:xfrm>
-          <a:prstGeom prst="rect">
-            <a:avLst/>
-          </a:prstGeom>
-          <a:blipFill dpi="0" rotWithShape="1">
-            <a:blip r:embed="rId2">
-              <a:alphaModFix amt="85000"/>
-              <a:lum bright="70000" contrast="-70000"/>
-              <a:extLst>
-                <a:ext uri="{BEBA8EAE-BF5A-486C-A8C5-ECC9F3942E4B}">
-                  <a14:imgProps xmlns:a14="http://schemas.microsoft.com/office/drawing/2010/main">
-                    <a14:imgLayer r:embed="rId3">
-                      <a14:imgEffect>
-                        <a14:sharpenSoften amount="61000"/>
-                      </a14:imgEffect>
-                    </a14:imgLayer>
-                  </a14:imgProps>
-                </a:ext>
-                <a:ext uri="{28A0092B-C50C-407E-A947-70E740481C1C}">
-                  <a14:useLocalDpi xmlns:a14="http://schemas.microsoft.com/office/drawing/2010/main" val="0"/>
-                </a:ext>
-              </a:extLst>
-            </a:blip>
-            <a:srcRect/>
-            <a:tile tx="0" ty="-704850" sx="92000" sy="89000" flip="xy" algn="ctr"/>
-          </a:blipFill>
-          <a:ln>
-            <a:noFill/>
-          </a:ln>
         </p:spPr>
-        <p:style>
-          <a:lnRef idx="2">
-            <a:schemeClr val="accent1">
-              <a:shade val="50000"/>
-            </a:schemeClr>
-          </a:lnRef>
-          <a:fillRef idx="1">
-            <a:schemeClr val="accent1"/>
-          </a:fillRef>
-          <a:effectRef idx="0">
-            <a:schemeClr val="accent1"/>
-          </a:effectRef>
-          <a:fontRef idx="minor">
-            <a:schemeClr val="lt1"/>
-          </a:fontRef>
-        </p:style>
-      </p:sp>
-      <p:sp>
-        <p:nvSpPr>
-          <p:cNvPr id="2" name="Title 1"/>
-          <p:cNvSpPr>
-            <a:spLocks noGrp="1"/>
-          </p:cNvSpPr>
-          <p:nvPr>
-            <p:ph type="title"/>
+        <p:txBody>
+          <a:bodyPr anchor="b"/>
+          <a:lstStyle>
+            <a:lvl1pPr algn="l">
+              <a:defRPr sz="4000" b="0" cap="none"/>
+            </a:lvl1pPr>
+          </a:lstStyle>
+          <a:p>
+            <a:r>
+              <a:rPr lang="en-US" smtClean="0"/>
+              <a:t>Click to edit Master title style</a:t>
+            </a:r>
+            <a:endParaRPr lang="en-US" dirty="0"/>
+          </a:p>
+        </p:txBody>
+      </p:sp>
+      <p:sp>
+        <p:nvSpPr>
+          <p:cNvPr id="3" name="Text Placeholder 2"/>
+          <p:cNvSpPr>
+            <a:spLocks noGrp="1"/>
+          </p:cNvSpPr>
+          <p:nvPr>
+            <p:ph type="body" idx="1"/>
           </p:nvPr>
         </p:nvSpPr>
         <p:spPr>
           <a:xfrm>
-            <a:off x="2167128" y="1225296"/>
-            <a:ext cx="9281160" cy="3520440"/>
+            <a:off x="1154955" y="4777381"/>
+            <a:ext cx="8825658" cy="860400"/>
           </a:xfrm>
         </p:spPr>
         <p:txBody>
-          <a:bodyPr anchor="ctr">
-            <a:normAutofit/>
-          </a:bodyPr>
+          <a:bodyPr anchor="t"/>
           <a:lstStyle>
-            <a:lvl1pPr>
-              <a:lnSpc>
-                <a:spcPct val="80000"/>
-              </a:lnSpc>
-              <a:defRPr sz="8000" b="0"/>
-            </a:lvl1pPr>
-          </a:lstStyle>
-          <a:p>
-            <a:r>
-              <a:rPr lang="en-US" smtClean="0"/>
-              <a:t>Click to edit Master title style</a:t>
-            </a:r>
-            <a:endParaRPr lang="en-US" dirty="0"/>
-          </a:p>
-        </p:txBody>
-      </p:sp>
-      <p:sp>
-        <p:nvSpPr>
-          <p:cNvPr id="3" name="Text Placeholder 2"/>
-          <p:cNvSpPr>
-            <a:spLocks noGrp="1"/>
-          </p:cNvSpPr>
-          <p:nvPr>
-            <p:ph type="body" idx="1"/>
-          </p:nvPr>
-        </p:nvSpPr>
-        <p:spPr>
-          <a:xfrm>
-            <a:off x="2165774" y="5020056"/>
-            <a:ext cx="9052560" cy="1066800"/>
-          </a:xfrm>
-        </p:spPr>
-        <p:txBody>
-          <a:bodyPr anchor="t">
-            <a:normAutofit/>
-          </a:bodyPr>
-          <a:lstStyle>
-            <a:lvl1pPr marL="0" indent="0">
-              <a:buNone/>
-              <a:defRPr sz="2000">
+            <a:lvl1pPr marL="0" indent="0" algn="l">
+              <a:buNone/>
+              <a:defRPr sz="2000" cap="all">
                 <a:solidFill>
-                  <a:schemeClr val="tx1"/>
+                  <a:schemeClr val="bg2">
+                    <a:lumMod val="40000"/>
+                    <a:lumOff val="60000"/>
+                  </a:schemeClr>
                 </a:solidFill>
               </a:defRPr>
             </a:lvl1pPr>
@@ -1345,19 +3624,14 @@
             <p:ph type="dt" sz="half" idx="10"/>
           </p:nvPr>
         </p:nvSpPr>
-        <p:spPr>
-          <a:xfrm>
-            <a:off x="8593667" y="6272784"/>
-            <a:ext cx="2644309" cy="365125"/>
-          </a:xfrm>
-        </p:spPr>
+        <p:spPr/>
         <p:txBody>
           <a:bodyPr/>
           <a:lstStyle/>
           <a:p>
             <a:fld id="{8405FD1F-A033-42C1-8902-92D91DAC3712}" type="datetimeFigureOut">
               <a:rPr lang="en-US" smtClean="0"/>
-              <a:t>5/24/2024</a:t>
+              <a:t>5/25/2024</a:t>
             </a:fld>
             <a:endParaRPr lang="en-US"/>
           </a:p>
@@ -1373,12 +3647,7 @@
             <p:ph type="ftr" sz="quarter" idx="11"/>
           </p:nvPr>
         </p:nvSpPr>
-        <p:spPr>
-          <a:xfrm>
-            <a:off x="2182708" y="6272784"/>
-            <a:ext cx="6327648" cy="365125"/>
-          </a:xfrm>
-        </p:spPr>
+        <p:spPr/>
         <p:txBody>
           <a:bodyPr/>
           <a:lstStyle/>
@@ -1387,90 +3656,6 @@
           </a:p>
         </p:txBody>
       </p:sp>
-      <p:grpSp>
-        <p:nvGrpSpPr>
-          <p:cNvPr id="8" name="Group 7"/>
-          <p:cNvGrpSpPr/>
-          <p:nvPr/>
-        </p:nvGrpSpPr>
-        <p:grpSpPr>
-          <a:xfrm>
-            <a:off x="897399" y="2325848"/>
-            <a:ext cx="1080904" cy="1080902"/>
-            <a:chOff x="9685338" y="4460675"/>
-            <a:chExt cx="1080904" cy="1080902"/>
-          </a:xfrm>
-        </p:grpSpPr>
-        <p:sp>
-          <p:nvSpPr>
-            <p:cNvPr id="9" name="Oval 8"/>
-            <p:cNvSpPr/>
-            <p:nvPr/>
-          </p:nvSpPr>
-          <p:spPr>
-            <a:xfrm>
-              <a:off x="9685338" y="4460675"/>
-              <a:ext cx="1080904" cy="1080902"/>
-            </a:xfrm>
-            <a:prstGeom prst="ellipse">
-              <a:avLst/>
-            </a:prstGeom>
-            <a:blipFill dpi="0" rotWithShape="1">
-              <a:blip r:embed="rId4">
-                <a:duotone>
-                  <a:schemeClr val="accent1">
-                    <a:shade val="45000"/>
-                    <a:satMod val="135000"/>
-                  </a:schemeClr>
-                  <a:prstClr val="white"/>
-                </a:duotone>
-                <a:extLst>
-                  <a:ext uri="{BEBA8EAE-BF5A-486C-A8C5-ECC9F3942E4B}">
-                    <a14:imgProps xmlns:a14="http://schemas.microsoft.com/office/drawing/2010/main">
-                      <a14:imgLayer r:embed="rId5">
-                        <a14:imgEffect>
-                          <a14:saturation sat="95000"/>
-                        </a14:imgEffect>
-                      </a14:imgLayer>
-                    </a14:imgProps>
-                  </a:ext>
-                </a:extLst>
-              </a:blip>
-              <a:srcRect/>
-              <a:tile tx="0" ty="0" sx="85000" sy="85000" flip="none" algn="tl"/>
-            </a:blipFill>
-            <a:ln w="25400" cap="flat" cmpd="sng" algn="ctr">
-              <a:noFill/>
-              <a:prstDash val="solid"/>
-            </a:ln>
-            <a:effectLst/>
-          </p:spPr>
-        </p:sp>
-        <p:sp>
-          <p:nvSpPr>
-            <p:cNvPr id="10" name="Oval 9"/>
-            <p:cNvSpPr/>
-            <p:nvPr/>
-          </p:nvSpPr>
-          <p:spPr>
-            <a:xfrm>
-              <a:off x="9793429" y="4568765"/>
-              <a:ext cx="864723" cy="864722"/>
-            </a:xfrm>
-            <a:prstGeom prst="ellipse">
-              <a:avLst/>
-            </a:prstGeom>
-            <a:noFill/>
-            <a:ln w="25400" cap="flat" cmpd="sng" algn="ctr">
-              <a:solidFill>
-                <a:sysClr val="window" lastClr="FFFFFF"/>
-              </a:solidFill>
-              <a:prstDash val="solid"/>
-            </a:ln>
-            <a:effectLst/>
-          </p:spPr>
-        </p:sp>
-      </p:grpSp>
       <p:sp>
         <p:nvSpPr>
           <p:cNvPr id="6" name="Slide Number Placeholder 5"/>
@@ -1481,19 +3666,10 @@
             <p:ph type="sldNum" sz="quarter" idx="12"/>
           </p:nvPr>
         </p:nvSpPr>
-        <p:spPr>
-          <a:xfrm>
-            <a:off x="843702" y="2506133"/>
-            <a:ext cx="1188298" cy="720332"/>
-          </a:xfrm>
-        </p:spPr>
+        <p:spPr/>
         <p:txBody>
           <a:bodyPr/>
-          <a:lstStyle>
-            <a:lvl1pPr>
-              <a:defRPr sz="2800"/>
-            </a:lvl1pPr>
-          </a:lstStyle>
+          <a:lstStyle/>
           <a:p>
             <a:fld id="{F080C301-BE3A-44DF-A8F2-4D0CD7E2EB16}" type="slidenum">
               <a:rPr lang="en-US" smtClean="0"/>
@@ -1506,7 +3682,7 @@
     </p:spTree>
     <p:extLst>
       <p:ext uri="{BB962C8B-B14F-4D97-AF65-F5344CB8AC3E}">
-        <p14:creationId xmlns:p14="http://schemas.microsoft.com/office/powerpoint/2010/main" val="373594620"/>
+        <p14:creationId xmlns:p14="http://schemas.microsoft.com/office/powerpoint/2010/main" val="2880060445"/>
       </p:ext>
     </p:extLst>
   </p:cSld>
@@ -1568,39 +3744,41 @@
         </p:nvSpPr>
         <p:spPr>
           <a:xfrm>
-            <a:off x="1069848" y="2194560"/>
-            <a:ext cx="4754880" cy="3977640"/>
+            <a:off x="1103312" y="2060575"/>
+            <a:ext cx="4396339" cy="4195763"/>
           </a:xfrm>
         </p:spPr>
         <p:txBody>
-          <a:bodyPr/>
+          <a:bodyPr>
+            <a:normAutofit/>
+          </a:bodyPr>
           <a:lstStyle>
             <a:lvl1pPr>
-              <a:defRPr sz="2000"/>
+              <a:defRPr sz="1800"/>
             </a:lvl1pPr>
             <a:lvl2pPr>
-              <a:defRPr sz="1800"/>
+              <a:defRPr sz="1600"/>
             </a:lvl2pPr>
             <a:lvl3pPr>
-              <a:defRPr sz="1600"/>
+              <a:defRPr sz="1400"/>
             </a:lvl3pPr>
             <a:lvl4pPr>
-              <a:defRPr sz="1600"/>
+              <a:defRPr sz="1200"/>
             </a:lvl4pPr>
             <a:lvl5pPr>
-              <a:defRPr sz="1600"/>
+              <a:defRPr sz="1200"/>
             </a:lvl5pPr>
             <a:lvl6pPr>
-              <a:defRPr sz="1600"/>
+              <a:defRPr sz="1200"/>
             </a:lvl6pPr>
             <a:lvl7pPr>
-              <a:defRPr sz="1600"/>
+              <a:defRPr sz="1200"/>
             </a:lvl7pPr>
             <a:lvl8pPr>
-              <a:defRPr sz="1600"/>
+              <a:defRPr sz="1200"/>
             </a:lvl8pPr>
             <a:lvl9pPr>
-              <a:defRPr sz="1600"/>
+              <a:defRPr sz="1200"/>
             </a:lvl9pPr>
           </a:lstStyle>
           <a:p>
@@ -1653,39 +3831,41 @@
         </p:nvSpPr>
         <p:spPr>
           <a:xfrm>
-            <a:off x="6364224" y="2194560"/>
-            <a:ext cx="4754880" cy="3977640"/>
+            <a:off x="5654493" y="2056092"/>
+            <a:ext cx="4396341" cy="4200245"/>
           </a:xfrm>
         </p:spPr>
         <p:txBody>
-          <a:bodyPr/>
+          <a:bodyPr>
+            <a:normAutofit/>
+          </a:bodyPr>
           <a:lstStyle>
             <a:lvl1pPr>
-              <a:defRPr sz="2000"/>
+              <a:defRPr sz="1800"/>
             </a:lvl1pPr>
             <a:lvl2pPr>
-              <a:defRPr sz="1800"/>
+              <a:defRPr sz="1600"/>
             </a:lvl2pPr>
             <a:lvl3pPr>
-              <a:defRPr sz="1600"/>
+              <a:defRPr sz="1400"/>
             </a:lvl3pPr>
             <a:lvl4pPr>
-              <a:defRPr sz="1600"/>
+              <a:defRPr sz="1200"/>
             </a:lvl4pPr>
             <a:lvl5pPr>
-              <a:defRPr sz="1600"/>
+              <a:defRPr sz="1200"/>
             </a:lvl5pPr>
             <a:lvl6pPr>
-              <a:defRPr sz="1600"/>
+              <a:defRPr sz="1200"/>
             </a:lvl6pPr>
             <a:lvl7pPr>
-              <a:defRPr sz="1600"/>
+              <a:defRPr sz="1200"/>
             </a:lvl7pPr>
             <a:lvl8pPr>
-              <a:defRPr sz="1600"/>
+              <a:defRPr sz="1200"/>
             </a:lvl8pPr>
             <a:lvl9pPr>
-              <a:defRPr sz="1600"/>
+              <a:defRPr sz="1200"/>
             </a:lvl9pPr>
           </a:lstStyle>
           <a:p>
@@ -1743,7 +3923,7 @@
           <a:p>
             <a:fld id="{8405FD1F-A033-42C1-8902-92D91DAC3712}" type="datetimeFigureOut">
               <a:rPr lang="en-US" smtClean="0"/>
-              <a:t>5/24/2024</a:t>
+              <a:t>5/25/2024</a:t>
             </a:fld>
             <a:endParaRPr lang="en-US"/>
           </a:p>
@@ -1794,7 +3974,7 @@
     </p:spTree>
     <p:extLst>
       <p:ext uri="{BB962C8B-B14F-4D97-AF65-F5344CB8AC3E}">
-        <p14:creationId xmlns:p14="http://schemas.microsoft.com/office/powerpoint/2010/main" val="1891951407"/>
+        <p14:creationId xmlns:p14="http://schemas.microsoft.com/office/powerpoint/2010/main" val="3058233634"/>
       </p:ext>
     </p:extLst>
   </p:cSld>
@@ -1823,7 +4003,7 @@
       </p:grpSpPr>
       <p:sp>
         <p:nvSpPr>
-          <p:cNvPr id="10" name="Title 9"/>
+          <p:cNvPr id="2" name="Title 1"/>
           <p:cNvSpPr>
             <a:spLocks noGrp="1"/>
           </p:cNvSpPr>
@@ -1834,7 +4014,11 @@
         <p:spPr/>
         <p:txBody>
           <a:bodyPr/>
-          <a:lstStyle/>
+          <a:lstStyle>
+            <a:lvl1pPr>
+              <a:defRPr/>
+            </a:lvl1pPr>
+          </a:lstStyle>
           <a:p>
             <a:r>
               <a:rPr lang="en-US" smtClean="0"/>
@@ -1856,21 +4040,22 @@
         </p:nvSpPr>
         <p:spPr>
           <a:xfrm>
-            <a:off x="1066800" y="2048256"/>
-            <a:ext cx="4754880" cy="640080"/>
+            <a:off x="1103313" y="1905000"/>
+            <a:ext cx="4396338" cy="576262"/>
           </a:xfrm>
         </p:spPr>
         <p:txBody>
-          <a:bodyPr anchor="ctr">
-            <a:normAutofit/>
+          <a:bodyPr anchor="b">
+            <a:noAutofit/>
           </a:bodyPr>
           <a:lstStyle>
             <a:lvl1pPr marL="0" indent="0">
               <a:buNone/>
-              <a:defRPr sz="2000" b="1">
+              <a:defRPr sz="2400" b="0">
                 <a:solidFill>
-                  <a:schemeClr val="accent1">
-                    <a:lumMod val="75000"/>
+                  <a:schemeClr val="bg2">
+                    <a:lumMod val="40000"/>
+                    <a:lumOff val="60000"/>
                   </a:schemeClr>
                 </a:solidFill>
               </a:defRPr>
@@ -1929,106 +4114,109 @@
         </p:nvSpPr>
         <p:spPr>
           <a:xfrm>
-            <a:off x="1069848" y="2743200"/>
-            <a:ext cx="4754880" cy="3291840"/>
+            <a:off x="1103312" y="2514600"/>
+            <a:ext cx="4396339" cy="3741738"/>
           </a:xfrm>
         </p:spPr>
         <p:txBody>
-          <a:bodyPr/>
-          <a:lstStyle>
-            <a:lvl1pPr>
-              <a:defRPr sz="2000"/>
-            </a:lvl1pPr>
-            <a:lvl2pPr>
-              <a:defRPr sz="1800"/>
-            </a:lvl2pPr>
-            <a:lvl3pPr>
-              <a:defRPr sz="1600"/>
-            </a:lvl3pPr>
-            <a:lvl4pPr>
-              <a:defRPr sz="1600"/>
-            </a:lvl4pPr>
-            <a:lvl5pPr>
-              <a:defRPr sz="1600"/>
-            </a:lvl5pPr>
-            <a:lvl6pPr>
-              <a:defRPr sz="1600"/>
-            </a:lvl6pPr>
-            <a:lvl7pPr>
-              <a:defRPr sz="1600"/>
-            </a:lvl7pPr>
-            <a:lvl8pPr>
-              <a:defRPr sz="1600"/>
-            </a:lvl8pPr>
-            <a:lvl9pPr>
-              <a:defRPr sz="1600"/>
-            </a:lvl9pPr>
-          </a:lstStyle>
-          <a:p>
-            <a:pPr lvl="0"/>
-            <a:r>
-              <a:rPr lang="en-US" smtClean="0"/>
-              <a:t>Click to edit Master text styles</a:t>
-            </a:r>
-          </a:p>
-          <a:p>
-            <a:pPr lvl="1"/>
-            <a:r>
-              <a:rPr lang="en-US" smtClean="0"/>
-              <a:t>Second level</a:t>
-            </a:r>
-          </a:p>
-          <a:p>
-            <a:pPr lvl="2"/>
-            <a:r>
-              <a:rPr lang="en-US" smtClean="0"/>
-              <a:t>Third level</a:t>
-            </a:r>
-          </a:p>
-          <a:p>
-            <a:pPr lvl="3"/>
-            <a:r>
-              <a:rPr lang="en-US" smtClean="0"/>
-              <a:t>Fourth level</a:t>
-            </a:r>
-          </a:p>
-          <a:p>
-            <a:pPr lvl="4"/>
-            <a:r>
-              <a:rPr lang="en-US" smtClean="0"/>
-              <a:t>Fifth level</a:t>
-            </a:r>
-            <a:endParaRPr lang="en-US" dirty="0"/>
-          </a:p>
-        </p:txBody>
-      </p:sp>
-      <p:sp>
-        <p:nvSpPr>
-          <p:cNvPr id="5" name="Text Placeholder 4"/>
-          <p:cNvSpPr>
-            <a:spLocks noGrp="1"/>
-          </p:cNvSpPr>
-          <p:nvPr>
-            <p:ph type="body" sz="quarter" idx="3"/>
-          </p:nvPr>
-        </p:nvSpPr>
-        <p:spPr>
-          <a:xfrm>
-            <a:off x="6364224" y="2048256"/>
-            <a:ext cx="4754880" cy="640080"/>
-          </a:xfrm>
-        </p:spPr>
-        <p:txBody>
-          <a:bodyPr anchor="ctr">
+          <a:bodyPr>
             <a:normAutofit/>
           </a:bodyPr>
           <a:lstStyle>
+            <a:lvl1pPr>
+              <a:defRPr sz="1800"/>
+            </a:lvl1pPr>
+            <a:lvl2pPr>
+              <a:defRPr sz="1600"/>
+            </a:lvl2pPr>
+            <a:lvl3pPr>
+              <a:defRPr sz="1400"/>
+            </a:lvl3pPr>
+            <a:lvl4pPr>
+              <a:defRPr sz="1200"/>
+            </a:lvl4pPr>
+            <a:lvl5pPr>
+              <a:defRPr sz="1200"/>
+            </a:lvl5pPr>
+            <a:lvl6pPr>
+              <a:defRPr sz="1200"/>
+            </a:lvl6pPr>
+            <a:lvl7pPr>
+              <a:defRPr sz="1200"/>
+            </a:lvl7pPr>
+            <a:lvl8pPr>
+              <a:defRPr sz="1200"/>
+            </a:lvl8pPr>
+            <a:lvl9pPr>
+              <a:defRPr sz="1200"/>
+            </a:lvl9pPr>
+          </a:lstStyle>
+          <a:p>
+            <a:pPr lvl="0"/>
+            <a:r>
+              <a:rPr lang="en-US" smtClean="0"/>
+              <a:t>Click to edit Master text styles</a:t>
+            </a:r>
+          </a:p>
+          <a:p>
+            <a:pPr lvl="1"/>
+            <a:r>
+              <a:rPr lang="en-US" smtClean="0"/>
+              <a:t>Second level</a:t>
+            </a:r>
+          </a:p>
+          <a:p>
+            <a:pPr lvl="2"/>
+            <a:r>
+              <a:rPr lang="en-US" smtClean="0"/>
+              <a:t>Third level</a:t>
+            </a:r>
+          </a:p>
+          <a:p>
+            <a:pPr lvl="3"/>
+            <a:r>
+              <a:rPr lang="en-US" smtClean="0"/>
+              <a:t>Fourth level</a:t>
+            </a:r>
+          </a:p>
+          <a:p>
+            <a:pPr lvl="4"/>
+            <a:r>
+              <a:rPr lang="en-US" smtClean="0"/>
+              <a:t>Fifth level</a:t>
+            </a:r>
+            <a:endParaRPr lang="en-US" dirty="0"/>
+          </a:p>
+        </p:txBody>
+      </p:sp>
+      <p:sp>
+        <p:nvSpPr>
+          <p:cNvPr id="5" name="Text Placeholder 4"/>
+          <p:cNvSpPr>
+            <a:spLocks noGrp="1"/>
+          </p:cNvSpPr>
+          <p:nvPr>
+            <p:ph type="body" sz="quarter" idx="3"/>
+          </p:nvPr>
+        </p:nvSpPr>
+        <p:spPr>
+          <a:xfrm>
+            <a:off x="5654495" y="1905000"/>
+            <a:ext cx="4396339" cy="576262"/>
+          </a:xfrm>
+        </p:spPr>
+        <p:txBody>
+          <a:bodyPr anchor="b">
+            <a:noAutofit/>
+          </a:bodyPr>
+          <a:lstStyle>
             <a:lvl1pPr marL="0" indent="0">
               <a:buNone/>
-              <a:defRPr sz="2000" b="1">
+              <a:defRPr sz="2400" b="0">
                 <a:solidFill>
-                  <a:schemeClr val="accent1">
-                    <a:lumMod val="75000"/>
+                  <a:schemeClr val="bg2">
+                    <a:lumMod val="40000"/>
+                    <a:lumOff val="60000"/>
                   </a:schemeClr>
                 </a:solidFill>
               </a:defRPr>
@@ -2087,39 +4275,41 @@
         </p:nvSpPr>
         <p:spPr>
           <a:xfrm>
-            <a:off x="6364224" y="2743200"/>
-            <a:ext cx="4754880" cy="3291840"/>
+            <a:off x="5654495" y="2514600"/>
+            <a:ext cx="4396339" cy="3741738"/>
           </a:xfrm>
         </p:spPr>
         <p:txBody>
-          <a:bodyPr/>
+          <a:bodyPr>
+            <a:normAutofit/>
+          </a:bodyPr>
           <a:lstStyle>
             <a:lvl1pPr>
-              <a:defRPr sz="2000"/>
+              <a:defRPr sz="1800"/>
             </a:lvl1pPr>
             <a:lvl2pPr>
-              <a:defRPr sz="1800"/>
+              <a:defRPr sz="1600"/>
             </a:lvl2pPr>
             <a:lvl3pPr>
-              <a:defRPr sz="1600"/>
+              <a:defRPr sz="1400"/>
             </a:lvl3pPr>
             <a:lvl4pPr>
-              <a:defRPr sz="1600"/>
+              <a:defRPr sz="1200"/>
             </a:lvl4pPr>
             <a:lvl5pPr>
-              <a:defRPr sz="1600"/>
+              <a:defRPr sz="1200"/>
             </a:lvl5pPr>
             <a:lvl6pPr>
-              <a:defRPr sz="1600"/>
+              <a:defRPr sz="1200"/>
             </a:lvl6pPr>
             <a:lvl7pPr>
-              <a:defRPr sz="1600"/>
+              <a:defRPr sz="1200"/>
             </a:lvl7pPr>
             <a:lvl8pPr>
-              <a:defRPr sz="1600"/>
+              <a:defRPr sz="1200"/>
             </a:lvl8pPr>
             <a:lvl9pPr>
-              <a:defRPr sz="1600"/>
+              <a:defRPr sz="1200"/>
             </a:lvl9pPr>
           </a:lstStyle>
           <a:p>
@@ -2177,7 +4367,7 @@
           <a:p>
             <a:fld id="{8405FD1F-A033-42C1-8902-92D91DAC3712}" type="datetimeFigureOut">
               <a:rPr lang="en-US" smtClean="0"/>
-              <a:t>5/24/2024</a:t>
+              <a:t>5/25/2024</a:t>
             </a:fld>
             <a:endParaRPr lang="en-US"/>
           </a:p>
@@ -2228,7 +4418,7 @@
     </p:spTree>
     <p:extLst>
       <p:ext uri="{BB962C8B-B14F-4D97-AF65-F5344CB8AC3E}">
-        <p14:creationId xmlns:p14="http://schemas.microsoft.com/office/powerpoint/2010/main" val="119371976"/>
+        <p14:creationId xmlns:p14="http://schemas.microsoft.com/office/powerpoint/2010/main" val="3603284095"/>
       </p:ext>
     </p:extLst>
   </p:cSld>
@@ -2257,7 +4447,7 @@
       </p:grpSpPr>
       <p:sp>
         <p:nvSpPr>
-          <p:cNvPr id="6" name="Title 5"/>
+          <p:cNvPr id="2" name="Title 1"/>
           <p:cNvSpPr>
             <a:spLocks noGrp="1"/>
           </p:cNvSpPr>
@@ -2280,7 +4470,7 @@
       </p:sp>
       <p:sp>
         <p:nvSpPr>
-          <p:cNvPr id="3" name="Date Placeholder 2"/>
+          <p:cNvPr id="7" name="Date Placeholder 2"/>
           <p:cNvSpPr>
             <a:spLocks noGrp="1"/>
           </p:cNvSpPr>
@@ -2295,7 +4485,7 @@
           <a:p>
             <a:fld id="{8405FD1F-A033-42C1-8902-92D91DAC3712}" type="datetimeFigureOut">
               <a:rPr lang="en-US" smtClean="0"/>
-              <a:t>5/24/2024</a:t>
+              <a:t>5/25/2024</a:t>
             </a:fld>
             <a:endParaRPr lang="en-US"/>
           </a:p>
@@ -2303,7 +4493,7 @@
       </p:sp>
       <p:sp>
         <p:nvSpPr>
-          <p:cNvPr id="4" name="Footer Placeholder 3"/>
+          <p:cNvPr id="5" name="Footer Placeholder 3"/>
           <p:cNvSpPr>
             <a:spLocks noGrp="1"/>
           </p:cNvSpPr>
@@ -2322,7 +4512,7 @@
       </p:sp>
       <p:sp>
         <p:nvSpPr>
-          <p:cNvPr id="5" name="Slide Number Placeholder 4"/>
+          <p:cNvPr id="6" name="Slide Number Placeholder 4"/>
           <p:cNvSpPr>
             <a:spLocks noGrp="1"/>
           </p:cNvSpPr>
@@ -2346,7 +4536,7 @@
     </p:spTree>
     <p:extLst>
       <p:ext uri="{BB962C8B-B14F-4D97-AF65-F5344CB8AC3E}">
-        <p14:creationId xmlns:p14="http://schemas.microsoft.com/office/powerpoint/2010/main" val="4118969062"/>
+        <p14:creationId xmlns:p14="http://schemas.microsoft.com/office/powerpoint/2010/main" val="1278752457"/>
       </p:ext>
     </p:extLst>
   </p:cSld>
@@ -2375,7 +4565,7 @@
       </p:grpSpPr>
       <p:sp>
         <p:nvSpPr>
-          <p:cNvPr id="2" name="Date Placeholder 1"/>
+          <p:cNvPr id="7" name="Date Placeholder 1"/>
           <p:cNvSpPr>
             <a:spLocks noGrp="1"/>
           </p:cNvSpPr>
@@ -2390,7 +4580,7 @@
           <a:p>
             <a:fld id="{8405FD1F-A033-42C1-8902-92D91DAC3712}" type="datetimeFigureOut">
               <a:rPr lang="en-US" smtClean="0"/>
-              <a:t>5/24/2024</a:t>
+              <a:t>5/25/2024</a:t>
             </a:fld>
             <a:endParaRPr lang="en-US"/>
           </a:p>
@@ -2398,7 +4588,7 @@
       </p:sp>
       <p:sp>
         <p:nvSpPr>
-          <p:cNvPr id="3" name="Footer Placeholder 2"/>
+          <p:cNvPr id="5" name="Footer Placeholder 2"/>
           <p:cNvSpPr>
             <a:spLocks noGrp="1"/>
           </p:cNvSpPr>
@@ -2417,7 +4607,7 @@
       </p:sp>
       <p:sp>
         <p:nvSpPr>
-          <p:cNvPr id="4" name="Slide Number Placeholder 3"/>
+          <p:cNvPr id="6" name="Slide Number Placeholder 3"/>
           <p:cNvSpPr>
             <a:spLocks noGrp="1"/>
           </p:cNvSpPr>
@@ -2441,7 +4631,7 @@
     </p:spTree>
     <p:extLst>
       <p:ext uri="{BB962C8B-B14F-4D97-AF65-F5344CB8AC3E}">
-        <p14:creationId xmlns:p14="http://schemas.microsoft.com/office/powerpoint/2010/main" val="527066143"/>
+        <p14:creationId xmlns:p14="http://schemas.microsoft.com/office/powerpoint/2010/main" val="2613942419"/>
       </p:ext>
     </p:extLst>
   </p:cSld>
@@ -2452,7 +4642,7 @@
 </file>
 
 <file path=ppt/slideLayouts/slideLayout8.xml><?xml version="1.0" encoding="utf-8"?>
-<p:sldLayout xmlns:a="http://schemas.openxmlformats.org/drawingml/2006/main" xmlns:r="http://schemas.openxmlformats.org/officeDocument/2006/relationships" xmlns:p="http://schemas.openxmlformats.org/presentationml/2006/main" showMasterSp="0" type="objTx" preserve="1">
+<p:sldLayout xmlns:a="http://schemas.openxmlformats.org/drawingml/2006/main" xmlns:r="http://schemas.openxmlformats.org/officeDocument/2006/relationships" xmlns:p="http://schemas.openxmlformats.org/presentationml/2006/main" type="objTx" preserve="1">
   <p:cSld name="Content with Caption">
     <p:spTree>
       <p:nvGrpSpPr>
@@ -2470,113 +4660,56 @@
       </p:grpSpPr>
       <p:sp>
         <p:nvSpPr>
-          <p:cNvPr id="8" name="Rectangle 7"/>
-          <p:cNvSpPr/>
-          <p:nvPr/>
+          <p:cNvPr id="2" name="Title 1"/>
+          <p:cNvSpPr>
+            <a:spLocks noGrp="1"/>
+          </p:cNvSpPr>
+          <p:nvPr>
+            <p:ph type="title"/>
+          </p:nvPr>
         </p:nvSpPr>
         <p:spPr>
           <a:xfrm>
-            <a:off x="8303740" y="0"/>
-            <a:ext cx="3888259" cy="6857999"/>
+            <a:off x="1154953" y="1447800"/>
+            <a:ext cx="3401064" cy="1447800"/>
           </a:xfrm>
-          <a:prstGeom prst="rect">
-            <a:avLst/>
-          </a:prstGeom>
-          <a:blipFill dpi="0" rotWithShape="1">
-            <a:blip r:embed="rId2">
-              <a:alphaModFix amt="60000"/>
-              <a:lum bright="70000" contrast="-70000"/>
-              <a:extLst>
-                <a:ext uri="{BEBA8EAE-BF5A-486C-A8C5-ECC9F3942E4B}">
-                  <a14:imgProps xmlns:a14="http://schemas.microsoft.com/office/drawing/2010/main">
-                    <a14:imgLayer r:embed="rId3">
-                      <a14:imgEffect>
-                        <a14:sharpenSoften amount="61000"/>
-                      </a14:imgEffect>
-                    </a14:imgLayer>
-                  </a14:imgProps>
-                </a:ext>
-                <a:ext uri="{28A0092B-C50C-407E-A947-70E740481C1C}">
-                  <a14:useLocalDpi xmlns:a14="http://schemas.microsoft.com/office/drawing/2010/main" val="0"/>
-                </a:ext>
-              </a:extLst>
-            </a:blip>
-            <a:srcRect/>
-            <a:tile tx="0" ty="-704850" sx="92000" sy="89000" flip="xy" algn="ctr"/>
-          </a:blipFill>
-          <a:ln>
-            <a:noFill/>
-          </a:ln>
         </p:spPr>
-        <p:style>
-          <a:lnRef idx="2">
-            <a:schemeClr val="accent1">
-              <a:shade val="50000"/>
-            </a:schemeClr>
-          </a:lnRef>
-          <a:fillRef idx="1">
-            <a:schemeClr val="accent1"/>
-          </a:fillRef>
-          <a:effectRef idx="0">
-            <a:schemeClr val="accent1"/>
-          </a:effectRef>
-          <a:fontRef idx="minor">
-            <a:schemeClr val="lt1"/>
-          </a:fontRef>
-        </p:style>
-      </p:sp>
-      <p:sp>
-        <p:nvSpPr>
-          <p:cNvPr id="2" name="Title 1"/>
-          <p:cNvSpPr>
-            <a:spLocks noGrp="1"/>
-          </p:cNvSpPr>
-          <p:nvPr>
-            <p:ph type="title"/>
+        <p:txBody>
+          <a:bodyPr anchor="b"/>
+          <a:lstStyle>
+            <a:lvl1pPr algn="l">
+              <a:defRPr sz="2400" b="0"/>
+            </a:lvl1pPr>
+          </a:lstStyle>
+          <a:p>
+            <a:r>
+              <a:rPr lang="en-US" smtClean="0"/>
+              <a:t>Click to edit Master title style</a:t>
+            </a:r>
+            <a:endParaRPr lang="en-US" dirty="0"/>
+          </a:p>
+        </p:txBody>
+      </p:sp>
+      <p:sp>
+        <p:nvSpPr>
+          <p:cNvPr id="3" name="Content Placeholder 2"/>
+          <p:cNvSpPr>
+            <a:spLocks noGrp="1"/>
+          </p:cNvSpPr>
+          <p:nvPr>
+            <p:ph idx="1"/>
           </p:nvPr>
         </p:nvSpPr>
         <p:spPr>
           <a:xfrm>
-            <a:off x="8549640" y="685800"/>
-            <a:ext cx="3200400" cy="1737360"/>
+            <a:off x="4784616" y="1447800"/>
+            <a:ext cx="5195997" cy="4572000"/>
           </a:xfrm>
         </p:spPr>
         <p:txBody>
-          <a:bodyPr anchor="b">
+          <a:bodyPr anchor="ctr">
             <a:normAutofit/>
           </a:bodyPr>
-          <a:lstStyle>
-            <a:lvl1pPr>
-              <a:defRPr sz="3200" b="1"/>
-            </a:lvl1pPr>
-          </a:lstStyle>
-          <a:p>
-            <a:r>
-              <a:rPr lang="en-US" smtClean="0"/>
-              <a:t>Click to edit Master title style</a:t>
-            </a:r>
-            <a:endParaRPr lang="en-US" dirty="0"/>
-          </a:p>
-        </p:txBody>
-      </p:sp>
-      <p:sp>
-        <p:nvSpPr>
-          <p:cNvPr id="3" name="Content Placeholder 2"/>
-          <p:cNvSpPr>
-            <a:spLocks noGrp="1"/>
-          </p:cNvSpPr>
-          <p:nvPr>
-            <p:ph idx="1"/>
-          </p:nvPr>
-        </p:nvSpPr>
-        <p:spPr>
-          <a:xfrm>
-            <a:off x="838200" y="685800"/>
-            <a:ext cx="6711696" cy="5020056"/>
-          </a:xfrm>
-        </p:spPr>
-        <p:txBody>
-          <a:bodyPr/>
           <a:lstStyle>
             <a:lvl1pPr>
               <a:defRPr sz="2000"/>
@@ -2588,22 +4721,22 @@
               <a:defRPr sz="1600"/>
             </a:lvl3pPr>
             <a:lvl4pPr>
-              <a:defRPr sz="1600"/>
+              <a:defRPr sz="1400"/>
             </a:lvl4pPr>
             <a:lvl5pPr>
-              <a:defRPr sz="1600"/>
+              <a:defRPr sz="1400"/>
             </a:lvl5pPr>
             <a:lvl6pPr>
-              <a:defRPr sz="1600"/>
+              <a:defRPr sz="1400"/>
             </a:lvl6pPr>
             <a:lvl7pPr>
-              <a:defRPr sz="1600"/>
+              <a:defRPr sz="1400"/>
             </a:lvl7pPr>
             <a:lvl8pPr>
-              <a:defRPr sz="1600"/>
+              <a:defRPr sz="1400"/>
             </a:lvl8pPr>
             <a:lvl9pPr>
-              <a:defRPr sz="1600"/>
+              <a:defRPr sz="1400"/>
             </a:lvl9pPr>
           </a:lstStyle>
           <a:p>
@@ -2656,30 +4789,16 @@
         </p:nvSpPr>
         <p:spPr>
           <a:xfrm>
-            <a:off x="8549640" y="2423160"/>
-            <a:ext cx="3200400" cy="3291840"/>
+            <a:off x="1154953" y="3129280"/>
+            <a:ext cx="3401063" cy="2895599"/>
           </a:xfrm>
         </p:spPr>
         <p:txBody>
-          <a:bodyPr>
-            <a:normAutofit/>
-          </a:bodyPr>
+          <a:bodyPr/>
           <a:lstStyle>
             <a:lvl1pPr marL="0" indent="0">
-              <a:lnSpc>
-                <a:spcPct val="100000"/>
-              </a:lnSpc>
-              <a:spcBef>
-                <a:spcPts val="1000"/>
-              </a:spcBef>
-              <a:buNone/>
-              <a:defRPr sz="1400">
-                <a:solidFill>
-                  <a:schemeClr val="accent1">
-                    <a:lumMod val="75000"/>
-                  </a:schemeClr>
-                </a:solidFill>
-              </a:defRPr>
+              <a:buNone/>
+              <a:defRPr sz="1400"/>
             </a:lvl1pPr>
             <a:lvl2pPr marL="457200" indent="0">
               <a:buNone/>
@@ -2725,7 +4844,7 @@
       </p:sp>
       <p:sp>
         <p:nvSpPr>
-          <p:cNvPr id="5" name="Date Placeholder 4"/>
+          <p:cNvPr id="7" name="Date Placeholder 4"/>
           <p:cNvSpPr>
             <a:spLocks noGrp="1"/>
           </p:cNvSpPr>
@@ -2740,7 +4859,7 @@
           <a:p>
             <a:fld id="{8405FD1F-A033-42C1-8902-92D91DAC3712}" type="datetimeFigureOut">
               <a:rPr lang="en-US" smtClean="0"/>
-              <a:t>5/24/2024</a:t>
+              <a:t>5/25/2024</a:t>
             </a:fld>
             <a:endParaRPr lang="en-US"/>
           </a:p>
@@ -2748,7 +4867,7 @@
       </p:sp>
       <p:sp>
         <p:nvSpPr>
-          <p:cNvPr id="6" name="Footer Placeholder 5"/>
+          <p:cNvPr id="5" name="Footer Placeholder 5"/>
           <p:cNvSpPr>
             <a:spLocks noGrp="1"/>
           </p:cNvSpPr>
@@ -2765,98 +4884,9 @@
           </a:p>
         </p:txBody>
       </p:sp>
-      <p:grpSp>
-        <p:nvGrpSpPr>
-          <p:cNvPr id="9" name="Group 8"/>
-          <p:cNvGrpSpPr>
-            <a:grpSpLocks noChangeAspect="1"/>
-          </p:cNvGrpSpPr>
-          <p:nvPr/>
-        </p:nvGrpSpPr>
-        <p:grpSpPr>
-          <a:xfrm>
-            <a:off x="11401725" y="6229681"/>
-            <a:ext cx="457200" cy="457200"/>
-            <a:chOff x="11361456" y="6195813"/>
-            <a:chExt cx="548640" cy="548640"/>
-          </a:xfrm>
-        </p:grpSpPr>
-        <p:sp>
-          <p:nvSpPr>
-            <p:cNvPr id="10" name="Oval 9"/>
-            <p:cNvSpPr/>
-            <p:nvPr/>
-          </p:nvSpPr>
-          <p:spPr>
-            <a:xfrm>
-              <a:off x="11361456" y="6195813"/>
-              <a:ext cx="548640" cy="548640"/>
-            </a:xfrm>
-            <a:prstGeom prst="ellipse">
-              <a:avLst/>
-            </a:prstGeom>
-            <a:blipFill dpi="0" rotWithShape="1">
-              <a:blip r:embed="rId4">
-                <a:duotone>
-                  <a:schemeClr val="accent1">
-                    <a:shade val="45000"/>
-                    <a:satMod val="135000"/>
-                  </a:schemeClr>
-                  <a:prstClr val="white"/>
-                </a:duotone>
-                <a:extLst>
-                  <a:ext uri="{BEBA8EAE-BF5A-486C-A8C5-ECC9F3942E4B}">
-                    <a14:imgProps xmlns:a14="http://schemas.microsoft.com/office/drawing/2010/main">
-                      <a14:imgLayer r:embed="rId5">
-                        <a14:imgEffect>
-                          <a14:saturation sat="95000"/>
-                        </a14:imgEffect>
-                        <a14:imgEffect>
-                          <a14:brightnessContrast bright="-40000" contrast="20000"/>
-                        </a14:imgEffect>
-                      </a14:imgLayer>
-                    </a14:imgProps>
-                  </a:ext>
-                </a:extLst>
-              </a:blip>
-              <a:srcRect/>
-              <a:tile tx="50800" ty="0" sx="85000" sy="85000" flip="none" algn="tl"/>
-            </a:blipFill>
-            <a:ln w="25400" cap="flat" cmpd="sng" algn="ctr">
-              <a:noFill/>
-              <a:prstDash val="solid"/>
-            </a:ln>
-            <a:effectLst/>
-          </p:spPr>
-        </p:sp>
-        <p:sp>
-          <p:nvSpPr>
-            <p:cNvPr id="11" name="Oval 10"/>
-            <p:cNvSpPr/>
-            <p:nvPr/>
-          </p:nvSpPr>
-          <p:spPr>
-            <a:xfrm>
-              <a:off x="11396488" y="6230844"/>
-              <a:ext cx="478576" cy="478578"/>
-            </a:xfrm>
-            <a:prstGeom prst="ellipse">
-              <a:avLst/>
-            </a:prstGeom>
-            <a:noFill/>
-            <a:ln w="12700" cap="flat" cmpd="sng" algn="ctr">
-              <a:solidFill>
-                <a:sysClr val="window" lastClr="FFFFFF"/>
-              </a:solidFill>
-              <a:prstDash val="solid"/>
-            </a:ln>
-            <a:effectLst/>
-          </p:spPr>
-        </p:sp>
-      </p:grpSp>
-      <p:sp>
-        <p:nvSpPr>
-          <p:cNvPr id="7" name="Slide Number Placeholder 6"/>
+      <p:sp>
+        <p:nvSpPr>
+          <p:cNvPr id="6" name="Slide Number Placeholder 6"/>
           <p:cNvSpPr>
             <a:spLocks noGrp="1"/>
           </p:cNvSpPr>
@@ -2880,7 +4910,7 @@
     </p:spTree>
     <p:extLst>
       <p:ext uri="{BB962C8B-B14F-4D97-AF65-F5344CB8AC3E}">
-        <p14:creationId xmlns:p14="http://schemas.microsoft.com/office/powerpoint/2010/main" val="4257737238"/>
+        <p14:creationId xmlns:p14="http://schemas.microsoft.com/office/powerpoint/2010/main" val="2858112286"/>
       </p:ext>
     </p:extLst>
   </p:cSld>
@@ -2891,7 +4921,7 @@
 </file>
 
 <file path=ppt/slideLayouts/slideLayout9.xml><?xml version="1.0" encoding="utf-8"?>
-<p:sldLayout xmlns:a="http://schemas.openxmlformats.org/drawingml/2006/main" xmlns:r="http://schemas.openxmlformats.org/officeDocument/2006/relationships" xmlns:p="http://schemas.openxmlformats.org/presentationml/2006/main" showMasterSp="0" type="picTx" preserve="1">
+<p:sldLayout xmlns:a="http://schemas.openxmlformats.org/drawingml/2006/main" xmlns:r="http://schemas.openxmlformats.org/officeDocument/2006/relationships" xmlns:p="http://schemas.openxmlformats.org/presentationml/2006/main" type="picTx" preserve="1">
   <p:cSld name="Picture with Caption">
     <p:spTree>
       <p:nvGrpSpPr>
@@ -2909,75 +4939,18 @@
       </p:grpSpPr>
       <p:sp>
         <p:nvSpPr>
-          <p:cNvPr id="11" name="Rectangle 10"/>
-          <p:cNvSpPr/>
-          <p:nvPr/>
+          <p:cNvPr id="2" name="Title 1"/>
+          <p:cNvSpPr>
+            <a:spLocks noGrp="1"/>
+          </p:cNvSpPr>
+          <p:nvPr>
+            <p:ph type="title"/>
+          </p:nvPr>
         </p:nvSpPr>
         <p:spPr>
           <a:xfrm>
-            <a:off x="8303740" y="0"/>
-            <a:ext cx="3888259" cy="6857999"/>
-          </a:xfrm>
-          <a:prstGeom prst="rect">
-            <a:avLst/>
-          </a:prstGeom>
-          <a:blipFill dpi="0" rotWithShape="1">
-            <a:blip r:embed="rId2">
-              <a:alphaModFix amt="60000"/>
-              <a:lum bright="70000" contrast="-70000"/>
-              <a:extLst>
-                <a:ext uri="{BEBA8EAE-BF5A-486C-A8C5-ECC9F3942E4B}">
-                  <a14:imgProps xmlns:a14="http://schemas.microsoft.com/office/drawing/2010/main">
-                    <a14:imgLayer r:embed="rId3">
-                      <a14:imgEffect>
-                        <a14:sharpenSoften amount="61000"/>
-                      </a14:imgEffect>
-                    </a14:imgLayer>
-                  </a14:imgProps>
-                </a:ext>
-                <a:ext uri="{28A0092B-C50C-407E-A947-70E740481C1C}">
-                  <a14:useLocalDpi xmlns:a14="http://schemas.microsoft.com/office/drawing/2010/main" val="0"/>
-                </a:ext>
-              </a:extLst>
-            </a:blip>
-            <a:srcRect/>
-            <a:tile tx="0" ty="-704850" sx="92000" sy="89000" flip="xy" algn="ctr"/>
-          </a:blipFill>
-          <a:ln>
-            <a:noFill/>
-          </a:ln>
-        </p:spPr>
-        <p:style>
-          <a:lnRef idx="2">
-            <a:schemeClr val="accent1">
-              <a:shade val="50000"/>
-            </a:schemeClr>
-          </a:lnRef>
-          <a:fillRef idx="1">
-            <a:schemeClr val="accent1"/>
-          </a:fillRef>
-          <a:effectRef idx="0">
-            <a:schemeClr val="accent1"/>
-          </a:effectRef>
-          <a:fontRef idx="minor">
-            <a:schemeClr val="lt1"/>
-          </a:fontRef>
-        </p:style>
-      </p:sp>
-      <p:sp>
-        <p:nvSpPr>
-          <p:cNvPr id="2" name="Title 1"/>
-          <p:cNvSpPr>
-            <a:spLocks noGrp="1"/>
-          </p:cNvSpPr>
-          <p:nvPr>
-            <p:ph type="title"/>
-          </p:nvPr>
-        </p:nvSpPr>
-        <p:spPr>
-          <a:xfrm>
-            <a:off x="8549640" y="685800"/>
-            <a:ext cx="3200400" cy="1737360"/>
+            <a:off x="1153907" y="1854192"/>
+            <a:ext cx="5092906" cy="1574808"/>
           </a:xfrm>
         </p:spPr>
         <p:txBody>
@@ -2985,8 +4958,8 @@
             <a:normAutofit/>
           </a:bodyPr>
           <a:lstStyle>
-            <a:lvl1pPr>
-              <a:defRPr sz="3200" b="1"/>
+            <a:lvl1pPr algn="l">
+              <a:defRPr sz="3600" b="0"/>
             </a:lvl1pPr>
           </a:lstStyle>
           <a:p>
@@ -3010,54 +4983,62 @@
         </p:nvSpPr>
         <p:spPr>
           <a:xfrm>
-            <a:off x="0" y="0"/>
-            <a:ext cx="8303740" cy="6858000"/>
+            <a:off x="6949546" y="1143000"/>
+            <a:ext cx="3200400" cy="4572000"/>
           </a:xfrm>
-          <a:solidFill>
-            <a:schemeClr val="tx2">
-              <a:lumMod val="20000"/>
-              <a:lumOff val="80000"/>
-            </a:schemeClr>
-          </a:solidFill>
+          <a:prstGeom prst="roundRect">
+            <a:avLst>
+              <a:gd name="adj" fmla="val 1858"/>
+            </a:avLst>
+          </a:prstGeom>
+          <a:effectLst>
+            <a:outerShdw blurRad="50800" dist="50800" dir="5400000" algn="tl" rotWithShape="0">
+              <a:srgbClr val="000000">
+                <a:alpha val="43000"/>
+              </a:srgbClr>
+            </a:outerShdw>
+          </a:effectLst>
         </p:spPr>
         <p:txBody>
-          <a:bodyPr anchor="t"/>
+          <a:bodyPr anchor="t">
+            <a:normAutofit/>
+          </a:bodyPr>
           <a:lstStyle>
-            <a:lvl1pPr marL="0" indent="0">
-              <a:buNone/>
-              <a:defRPr sz="3200"/>
+            <a:lvl1pPr marL="0" indent="0" algn="ctr">
+              <a:buNone/>
+              <a:defRPr sz="1600"/>
             </a:lvl1pPr>
             <a:lvl2pPr marL="457200" indent="0">
               <a:buNone/>
-              <a:defRPr sz="2800"/>
+              <a:defRPr sz="1600"/>
             </a:lvl2pPr>
             <a:lvl3pPr marL="914400" indent="0">
               <a:buNone/>
-              <a:defRPr sz="2400"/>
+              <a:defRPr sz="1600"/>
             </a:lvl3pPr>
             <a:lvl4pPr marL="1371600" indent="0">
               <a:buNone/>
-              <a:defRPr sz="2000"/>
+              <a:defRPr sz="1600"/>
             </a:lvl4pPr>
             <a:lvl5pPr marL="1828800" indent="0">
               <a:buNone/>
-              <a:defRPr sz="2000"/>
+              <a:defRPr sz="1600"/>
             </a:lvl5pPr>
             <a:lvl6pPr marL="2286000" indent="0">
               <a:buNone/>
-              <a:defRPr sz="2000"/>
+              <a:defRPr sz="1600"/>
             </a:lvl6pPr>
             <a:lvl7pPr marL="2743200" indent="0">
               <a:buNone/>
-              <a:defRPr sz="2000"/>
+              <a:defRPr sz="1600"/>
             </a:lvl7pPr>
             <a:lvl8pPr marL="3200400" indent="0">
               <a:buNone/>
-              <a:defRPr sz="2000"/>
+              <a:defRPr sz="1600"/>
             </a:lvl8pPr>
             <a:lvl9pPr marL="3657600" indent="0">
               <a:buNone/>
-              <a:defRPr sz="2000"/>
+              <a:defRPr sz="1600"/>
             </a:lvl9pPr>
           </a:lstStyle>
           <a:p>
@@ -3081,8 +5062,8 @@
         </p:nvSpPr>
         <p:spPr>
           <a:xfrm>
-            <a:off x="8549640" y="2423160"/>
-            <a:ext cx="3200400" cy="3291840"/>
+            <a:off x="1154954" y="3657600"/>
+            <a:ext cx="5084979" cy="1371600"/>
           </a:xfrm>
         </p:spPr>
         <p:txBody>
@@ -3091,20 +5072,8 @@
           </a:bodyPr>
           <a:lstStyle>
             <a:lvl1pPr marL="0" indent="0">
-              <a:lnSpc>
-                <a:spcPct val="100000"/>
-              </a:lnSpc>
-              <a:spcBef>
-                <a:spcPts val="1000"/>
-              </a:spcBef>
-              <a:buNone/>
-              <a:defRPr sz="1400">
-                <a:solidFill>
-                  <a:schemeClr val="accent1">
-                    <a:lumMod val="75000"/>
-                  </a:schemeClr>
-                </a:solidFill>
-              </a:defRPr>
+              <a:buNone/>
+              <a:defRPr sz="1400"/>
             </a:lvl1pPr>
             <a:lvl2pPr marL="457200" indent="0">
               <a:buNone/>
@@ -3165,101 +5134,31 @@
           <a:p>
             <a:fld id="{8405FD1F-A033-42C1-8902-92D91DAC3712}" type="datetimeFigureOut">
               <a:rPr lang="en-US" smtClean="0"/>
-              <a:t>5/24/2024</a:t>
+              <a:t>5/25/2024</a:t>
             </a:fld>
             <a:endParaRPr lang="en-US"/>
           </a:p>
         </p:txBody>
       </p:sp>
-      <p:grpSp>
-        <p:nvGrpSpPr>
-          <p:cNvPr id="8" name="Group 7"/>
-          <p:cNvGrpSpPr>
-            <a:grpSpLocks noChangeAspect="1"/>
-          </p:cNvGrpSpPr>
-          <p:nvPr/>
-        </p:nvGrpSpPr>
-        <p:grpSpPr>
-          <a:xfrm>
-            <a:off x="11401725" y="6229681"/>
-            <a:ext cx="457200" cy="457200"/>
-            <a:chOff x="11361456" y="6195813"/>
-            <a:chExt cx="548640" cy="548640"/>
-          </a:xfrm>
-        </p:grpSpPr>
-        <p:sp>
-          <p:nvSpPr>
-            <p:cNvPr id="9" name="Oval 8"/>
-            <p:cNvSpPr/>
-            <p:nvPr/>
-          </p:nvSpPr>
-          <p:spPr>
-            <a:xfrm>
-              <a:off x="11361456" y="6195813"/>
-              <a:ext cx="548640" cy="548640"/>
-            </a:xfrm>
-            <a:prstGeom prst="ellipse">
-              <a:avLst/>
-            </a:prstGeom>
-            <a:blipFill dpi="0" rotWithShape="1">
-              <a:blip r:embed="rId4">
-                <a:duotone>
-                  <a:schemeClr val="accent1">
-                    <a:shade val="45000"/>
-                    <a:satMod val="135000"/>
-                  </a:schemeClr>
-                  <a:prstClr val="white"/>
-                </a:duotone>
-                <a:extLst>
-                  <a:ext uri="{BEBA8EAE-BF5A-486C-A8C5-ECC9F3942E4B}">
-                    <a14:imgProps xmlns:a14="http://schemas.microsoft.com/office/drawing/2010/main">
-                      <a14:imgLayer r:embed="rId5">
-                        <a14:imgEffect>
-                          <a14:saturation sat="95000"/>
-                        </a14:imgEffect>
-                        <a14:imgEffect>
-                          <a14:brightnessContrast bright="-40000" contrast="20000"/>
-                        </a14:imgEffect>
-                      </a14:imgLayer>
-                    </a14:imgProps>
-                  </a:ext>
-                </a:extLst>
-              </a:blip>
-              <a:srcRect/>
-              <a:tile tx="50800" ty="0" sx="85000" sy="85000" flip="none" algn="tl"/>
-            </a:blipFill>
-            <a:ln w="25400" cap="flat" cmpd="sng" algn="ctr">
-              <a:noFill/>
-              <a:prstDash val="solid"/>
-            </a:ln>
-            <a:effectLst/>
-          </p:spPr>
-        </p:sp>
-        <p:sp>
-          <p:nvSpPr>
-            <p:cNvPr id="10" name="Oval 9"/>
-            <p:cNvSpPr/>
-            <p:nvPr/>
-          </p:nvSpPr>
-          <p:spPr>
-            <a:xfrm>
-              <a:off x="11396488" y="6230844"/>
-              <a:ext cx="478576" cy="478578"/>
-            </a:xfrm>
-            <a:prstGeom prst="ellipse">
-              <a:avLst/>
-            </a:prstGeom>
-            <a:noFill/>
-            <a:ln w="12700" cap="flat" cmpd="sng" algn="ctr">
-              <a:solidFill>
-                <a:sysClr val="window" lastClr="FFFFFF"/>
-              </a:solidFill>
-              <a:prstDash val="solid"/>
-            </a:ln>
-            <a:effectLst/>
-          </p:spPr>
-        </p:sp>
-      </p:grpSp>
+      <p:sp>
+        <p:nvSpPr>
+          <p:cNvPr id="6" name="Footer Placeholder 5"/>
+          <p:cNvSpPr>
+            <a:spLocks noGrp="1"/>
+          </p:cNvSpPr>
+          <p:nvPr>
+            <p:ph type="ftr" sz="quarter" idx="11"/>
+          </p:nvPr>
+        </p:nvSpPr>
+        <p:spPr/>
+        <p:txBody>
+          <a:bodyPr/>
+          <a:lstStyle/>
+          <a:p>
+            <a:endParaRPr lang="en-US" dirty="0"/>
+          </a:p>
+        </p:txBody>
+      </p:sp>
       <p:sp>
         <p:nvSpPr>
           <p:cNvPr id="7" name="Slide Number Placeholder 6"/>
@@ -3286,7 +5185,7 @@
     </p:spTree>
     <p:extLst>
       <p:ext uri="{BB962C8B-B14F-4D97-AF65-F5344CB8AC3E}">
-        <p14:creationId xmlns:p14="http://schemas.microsoft.com/office/powerpoint/2010/main" val="1151979699"/>
+        <p14:creationId xmlns:p14="http://schemas.microsoft.com/office/powerpoint/2010/main" val="2641695760"/>
       </p:ext>
     </p:extLst>
   </p:cSld>
@@ -3300,8 +5199,8 @@
 <p:sldMaster xmlns:a="http://schemas.openxmlformats.org/drawingml/2006/main" xmlns:r="http://schemas.openxmlformats.org/officeDocument/2006/relationships" xmlns:p="http://schemas.openxmlformats.org/presentationml/2006/main">
   <p:cSld>
     <p:bg>
-      <p:bgRef idx="1001">
-        <a:schemeClr val="bg1"/>
+      <p:bgRef idx="1003">
+        <a:schemeClr val="bg2"/>
       </p:bgRef>
     </p:bg>
     <p:spTree>
@@ -3318,296 +5217,429 @@
           <a:chExt cx="0" cy="0"/>
         </a:xfrm>
       </p:grpSpPr>
-      <p:sp>
-        <p:nvSpPr>
-          <p:cNvPr id="2" name="Title Placeholder 1"/>
-          <p:cNvSpPr>
-            <a:spLocks noGrp="1"/>
-          </p:cNvSpPr>
-          <p:nvPr>
-            <p:ph type="title"/>
-          </p:nvPr>
-        </p:nvSpPr>
+      <p:pic>
+        <p:nvPicPr>
+          <p:cNvPr id="8" name="Picture 7"/>
+          <p:cNvPicPr>
+            <a:picLocks noChangeAspect="1"/>
+          </p:cNvPicPr>
+          <p:nvPr/>
+        </p:nvPicPr>
+        <p:blipFill rotWithShape="1">
+          <a:blip r:embed="rId19">
+            <a:extLst>
+              <a:ext uri="{28A0092B-C50C-407E-A947-70E740481C1C}">
+                <a14:useLocalDpi xmlns:a14="http://schemas.microsoft.com/office/drawing/2010/main" val="0"/>
+              </a:ext>
+            </a:extLst>
+          </a:blip>
+          <a:srcRect l="3613"/>
+          <a:stretch/>
+        </p:blipFill>
         <p:spPr>
           <a:xfrm>
-            <a:off x="1069848" y="484632"/>
-            <a:ext cx="10058400" cy="1609344"/>
+            <a:off x="0" y="2669685"/>
+            <a:ext cx="4037012" cy="4188315"/>
           </a:xfrm>
           <a:prstGeom prst="rect">
             <a:avLst/>
           </a:prstGeom>
         </p:spPr>
-        <p:txBody>
-          <a:bodyPr vert="horz" lIns="91440" tIns="45720" rIns="91440" bIns="45720" rtlCol="0" anchor="ctr">
-            <a:normAutofit/>
-          </a:bodyPr>
-          <a:lstStyle/>
-          <a:p>
-            <a:r>
-              <a:rPr lang="en-US" smtClean="0"/>
-              <a:t>Click to edit Master title style</a:t>
-            </a:r>
-            <a:endParaRPr lang="en-US" dirty="0"/>
-          </a:p>
-        </p:txBody>
-      </p:sp>
-      <p:sp>
-        <p:nvSpPr>
-          <p:cNvPr id="3" name="Text Placeholder 2"/>
-          <p:cNvSpPr>
-            <a:spLocks noGrp="1"/>
-          </p:cNvSpPr>
-          <p:nvPr>
-            <p:ph type="body" idx="1"/>
-          </p:nvPr>
-        </p:nvSpPr>
+      </p:pic>
+      <p:pic>
+        <p:nvPicPr>
+          <p:cNvPr id="7" name="Picture 6"/>
+          <p:cNvPicPr>
+            <a:picLocks noChangeAspect="1"/>
+          </p:cNvPicPr>
+          <p:nvPr/>
+        </p:nvPicPr>
+        <p:blipFill rotWithShape="1">
+          <a:blip r:embed="rId20">
+            <a:extLst>
+              <a:ext uri="{28A0092B-C50C-407E-A947-70E740481C1C}">
+                <a14:useLocalDpi xmlns:a14="http://schemas.microsoft.com/office/drawing/2010/main" val="0"/>
+              </a:ext>
+            </a:extLst>
+          </a:blip>
+          <a:srcRect l="35640"/>
+          <a:stretch/>
+        </p:blipFill>
         <p:spPr>
           <a:xfrm>
-            <a:off x="1069848" y="2121408"/>
-            <a:ext cx="10058400" cy="4050792"/>
+            <a:off x="0" y="2892347"/>
+            <a:ext cx="1522412" cy="2365453"/>
           </a:xfrm>
           <a:prstGeom prst="rect">
             <a:avLst/>
           </a:prstGeom>
         </p:spPr>
-        <p:txBody>
-          <a:bodyPr vert="horz" lIns="91440" tIns="45720" rIns="91440" bIns="45720" rtlCol="0">
-            <a:normAutofit/>
-          </a:bodyPr>
-          <a:lstStyle/>
-          <a:p>
-            <a:pPr lvl="0"/>
-            <a:r>
-              <a:rPr lang="en-US" smtClean="0"/>
-              <a:t>Click to edit Master text styles</a:t>
-            </a:r>
-          </a:p>
-          <a:p>
-            <a:pPr lvl="1"/>
-            <a:r>
-              <a:rPr lang="en-US" smtClean="0"/>
-              <a:t>Second level</a:t>
-            </a:r>
-          </a:p>
-          <a:p>
-            <a:pPr lvl="2"/>
-            <a:r>
-              <a:rPr lang="en-US" smtClean="0"/>
-              <a:t>Third level</a:t>
-            </a:r>
-          </a:p>
-          <a:p>
-            <a:pPr lvl="3"/>
-            <a:r>
-              <a:rPr lang="en-US" smtClean="0"/>
-              <a:t>Fourth level</a:t>
-            </a:r>
-          </a:p>
-          <a:p>
-            <a:pPr lvl="4"/>
-            <a:r>
-              <a:rPr lang="en-US" smtClean="0"/>
-              <a:t>Fifth level</a:t>
-            </a:r>
-            <a:endParaRPr lang="en-US" dirty="0"/>
-          </a:p>
-        </p:txBody>
-      </p:sp>
-      <p:sp>
-        <p:nvSpPr>
-          <p:cNvPr id="4" name="Date Placeholder 3"/>
-          <p:cNvSpPr>
-            <a:spLocks noGrp="1"/>
-          </p:cNvSpPr>
-          <p:nvPr>
-            <p:ph type="dt" sz="half" idx="2"/>
-          </p:nvPr>
+      </p:pic>
+      <p:sp>
+        <p:nvSpPr>
+          <p:cNvPr id="16" name="Oval 15"/>
+          <p:cNvSpPr/>
+          <p:nvPr/>
         </p:nvSpPr>
         <p:spPr>
           <a:xfrm>
-            <a:off x="7964424" y="6272784"/>
-            <a:ext cx="3273552" cy="365125"/>
+            <a:off x="8609012" y="1676400"/>
+            <a:ext cx="2819400" cy="2819400"/>
+          </a:xfrm>
+          <a:prstGeom prst="ellipse">
+            <a:avLst/>
+          </a:prstGeom>
+          <a:gradFill flip="none" rotWithShape="1">
+            <a:gsLst>
+              <a:gs pos="0">
+                <a:schemeClr val="bg2">
+                  <a:lumMod val="60000"/>
+                  <a:lumOff val="40000"/>
+                  <a:alpha val="7000"/>
+                </a:schemeClr>
+              </a:gs>
+              <a:gs pos="69000">
+                <a:schemeClr val="bg2">
+                  <a:lumMod val="60000"/>
+                  <a:lumOff val="40000"/>
+                  <a:alpha val="0"/>
+                </a:schemeClr>
+              </a:gs>
+              <a:gs pos="36000">
+                <a:schemeClr val="bg2">
+                  <a:lumMod val="60000"/>
+                  <a:lumOff val="40000"/>
+                  <a:alpha val="6000"/>
+                </a:schemeClr>
+              </a:gs>
+            </a:gsLst>
+            <a:path path="circle">
+              <a:fillToRect l="50000" t="50000" r="50000" b="50000"/>
+            </a:path>
+            <a:tileRect/>
+          </a:gradFill>
+          <a:ln>
+            <a:noFill/>
+          </a:ln>
+          <a:effectLst/>
+        </p:spPr>
+        <p:style>
+          <a:lnRef idx="1">
+            <a:schemeClr val="accent1"/>
+          </a:lnRef>
+          <a:fillRef idx="3">
+            <a:schemeClr val="accent1"/>
+          </a:fillRef>
+          <a:effectRef idx="2">
+            <a:schemeClr val="accent1"/>
+          </a:effectRef>
+          <a:fontRef idx="minor">
+            <a:schemeClr val="lt1"/>
+          </a:fontRef>
+        </p:style>
+      </p:sp>
+      <p:pic>
+        <p:nvPicPr>
+          <p:cNvPr id="9" name="Picture 8"/>
+          <p:cNvPicPr>
+            <a:picLocks noChangeAspect="1"/>
+          </p:cNvPicPr>
+          <p:nvPr/>
+        </p:nvPicPr>
+        <p:blipFill rotWithShape="1">
+          <a:blip r:embed="rId21">
+            <a:extLst>
+              <a:ext uri="{28A0092B-C50C-407E-A947-70E740481C1C}">
+                <a14:useLocalDpi xmlns:a14="http://schemas.microsoft.com/office/drawing/2010/main" val="0"/>
+              </a:ext>
+            </a:extLst>
+          </a:blip>
+          <a:srcRect t="28813"/>
+          <a:stretch/>
+        </p:blipFill>
+        <p:spPr>
+          <a:xfrm>
+            <a:off x="7999412" y="0"/>
+            <a:ext cx="1603387" cy="1141407"/>
           </a:xfrm>
           <a:prstGeom prst="rect">
             <a:avLst/>
           </a:prstGeom>
         </p:spPr>
-        <p:txBody>
-          <a:bodyPr vert="horz" lIns="91440" tIns="45720" rIns="91440" bIns="45720" rtlCol="0" anchor="ctr"/>
-          <a:lstStyle>
-            <a:lvl1pPr algn="r">
-              <a:defRPr sz="1100">
-                <a:solidFill>
-                  <a:schemeClr val="tx2"/>
-                </a:solidFill>
-              </a:defRPr>
-            </a:lvl1pPr>
-          </a:lstStyle>
-          <a:p>
-            <a:fld id="{8405FD1F-A033-42C1-8902-92D91DAC3712}" type="datetimeFigureOut">
-              <a:rPr lang="en-US" smtClean="0"/>
-              <a:t>5/24/2024</a:t>
-            </a:fld>
-            <a:endParaRPr lang="en-US"/>
-          </a:p>
-        </p:txBody>
-      </p:sp>
-      <p:sp>
-        <p:nvSpPr>
-          <p:cNvPr id="5" name="Footer Placeholder 4"/>
-          <p:cNvSpPr>
-            <a:spLocks noGrp="1"/>
-          </p:cNvSpPr>
-          <p:nvPr>
-            <p:ph type="ftr" sz="quarter" idx="3"/>
-          </p:nvPr>
-        </p:nvSpPr>
+      </p:pic>
+      <p:pic>
+        <p:nvPicPr>
+          <p:cNvPr id="10" name="Picture 9"/>
+          <p:cNvPicPr>
+            <a:picLocks noChangeAspect="1"/>
+          </p:cNvPicPr>
+          <p:nvPr/>
+        </p:nvPicPr>
+        <p:blipFill rotWithShape="1">
+          <a:blip r:embed="rId22">
+            <a:extLst>
+              <a:ext uri="{28A0092B-C50C-407E-A947-70E740481C1C}">
+                <a14:useLocalDpi xmlns:a14="http://schemas.microsoft.com/office/drawing/2010/main" val="0"/>
+              </a:ext>
+            </a:extLst>
+          </a:blip>
+          <a:srcRect b="23320"/>
+          <a:stretch/>
+        </p:blipFill>
         <p:spPr>
           <a:xfrm>
-            <a:off x="1088136" y="6272784"/>
-            <a:ext cx="6327648" cy="365125"/>
+            <a:off x="8605878" y="6096000"/>
+            <a:ext cx="993734" cy="762000"/>
           </a:xfrm>
           <a:prstGeom prst="rect">
             <a:avLst/>
           </a:prstGeom>
         </p:spPr>
-        <p:txBody>
-          <a:bodyPr vert="horz" lIns="91440" tIns="45720" rIns="91440" bIns="45720" rtlCol="0" anchor="ctr"/>
-          <a:lstStyle>
-            <a:lvl1pPr algn="l">
-              <a:defRPr sz="1100">
-                <a:solidFill>
-                  <a:schemeClr val="tx2"/>
-                </a:solidFill>
-              </a:defRPr>
-            </a:lvl1pPr>
-          </a:lstStyle>
-          <a:p>
-            <a:endParaRPr lang="en-US"/>
-          </a:p>
-        </p:txBody>
-      </p:sp>
-      <p:grpSp>
-        <p:nvGrpSpPr>
-          <p:cNvPr id="7" name="Group 6"/>
-          <p:cNvGrpSpPr>
-            <a:grpSpLocks noChangeAspect="1"/>
-          </p:cNvGrpSpPr>
+      </p:pic>
+      <p:sp>
+        <p:nvSpPr>
+          <p:cNvPr id="14" name="Rectangle 13"/>
+          <p:cNvSpPr/>
           <p:nvPr/>
-        </p:nvGrpSpPr>
-        <p:grpSpPr>
-          <a:xfrm>
-            <a:off x="11401725" y="6229681"/>
-            <a:ext cx="457200" cy="457200"/>
-            <a:chOff x="11361456" y="6195813"/>
-            <a:chExt cx="548640" cy="548640"/>
-          </a:xfrm>
-        </p:grpSpPr>
-        <p:sp>
-          <p:nvSpPr>
-            <p:cNvPr id="8" name="Oval 7"/>
-            <p:cNvSpPr/>
-            <p:nvPr/>
-          </p:nvSpPr>
-          <p:spPr>
-            <a:xfrm>
-              <a:off x="11361456" y="6195813"/>
-              <a:ext cx="548640" cy="548640"/>
-            </a:xfrm>
-            <a:prstGeom prst="ellipse">
-              <a:avLst/>
-            </a:prstGeom>
-            <a:blipFill dpi="0" rotWithShape="1">
-              <a:blip r:embed="rId13">
-                <a:duotone>
-                  <a:schemeClr val="accent1">
-                    <a:shade val="45000"/>
-                    <a:satMod val="135000"/>
-                  </a:schemeClr>
-                  <a:prstClr val="white"/>
-                </a:duotone>
-                <a:extLst>
-                  <a:ext uri="{BEBA8EAE-BF5A-486C-A8C5-ECC9F3942E4B}">
-                    <a14:imgProps xmlns:a14="http://schemas.microsoft.com/office/drawing/2010/main">
-                      <a14:imgLayer r:embed="rId14">
-                        <a14:imgEffect>
-                          <a14:saturation sat="95000"/>
-                        </a14:imgEffect>
-                        <a14:imgEffect>
-                          <a14:brightnessContrast bright="-40000" contrast="20000"/>
-                        </a14:imgEffect>
-                      </a14:imgLayer>
-                    </a14:imgProps>
-                  </a:ext>
-                </a:extLst>
-              </a:blip>
-              <a:srcRect/>
-              <a:tile tx="50800" ty="0" sx="85000" sy="85000" flip="none" algn="tl"/>
-            </a:blipFill>
-            <a:ln w="25400" cap="flat" cmpd="sng" algn="ctr">
-              <a:noFill/>
-              <a:prstDash val="solid"/>
-            </a:ln>
-            <a:effectLst/>
-          </p:spPr>
-        </p:sp>
-        <p:sp>
-          <p:nvSpPr>
-            <p:cNvPr id="9" name="Oval 8"/>
-            <p:cNvSpPr/>
-            <p:nvPr/>
-          </p:nvSpPr>
-          <p:spPr>
-            <a:xfrm>
-              <a:off x="11396488" y="6230844"/>
-              <a:ext cx="478576" cy="478578"/>
-            </a:xfrm>
-            <a:prstGeom prst="ellipse">
-              <a:avLst/>
-            </a:prstGeom>
-            <a:noFill/>
-            <a:ln w="12700" cap="flat" cmpd="sng" algn="ctr">
-              <a:solidFill>
-                <a:srgbClr val="FFFFFF"/>
-              </a:solidFill>
-              <a:prstDash val="solid"/>
-            </a:ln>
-            <a:effectLst/>
-          </p:spPr>
-        </p:sp>
-      </p:grpSp>
-      <p:sp>
-        <p:nvSpPr>
-          <p:cNvPr id="6" name="Slide Number Placeholder 5"/>
-          <p:cNvSpPr>
-            <a:spLocks noGrp="1"/>
-          </p:cNvSpPr>
-          <p:nvPr>
-            <p:ph type="sldNum" sz="quarter" idx="4"/>
-          </p:nvPr>
         </p:nvSpPr>
         <p:spPr>
           <a:xfrm>
-            <a:off x="11311128" y="6272784"/>
-            <a:ext cx="640080" cy="365125"/>
+            <a:off x="10437812" y="0"/>
+            <a:ext cx="685800" cy="1143000"/>
+          </a:xfrm>
+          <a:prstGeom prst="rect">
+            <a:avLst/>
+          </a:prstGeom>
+          <a:solidFill>
+            <a:schemeClr val="accent1"/>
+          </a:solidFill>
+          <a:ln>
+            <a:noFill/>
+          </a:ln>
+        </p:spPr>
+        <p:style>
+          <a:lnRef idx="1">
+            <a:schemeClr val="accent1"/>
+          </a:lnRef>
+          <a:fillRef idx="3">
+            <a:schemeClr val="accent1"/>
+          </a:fillRef>
+          <a:effectRef idx="2">
+            <a:schemeClr val="accent1"/>
+          </a:effectRef>
+          <a:fontRef idx="minor">
+            <a:schemeClr val="lt1"/>
+          </a:fontRef>
+        </p:style>
+      </p:sp>
+      <p:sp>
+        <p:nvSpPr>
+          <p:cNvPr id="2" name="Title Placeholder 1"/>
+          <p:cNvSpPr>
+            <a:spLocks noGrp="1"/>
+          </p:cNvSpPr>
+          <p:nvPr>
+            <p:ph type="title"/>
+          </p:nvPr>
+        </p:nvSpPr>
+        <p:spPr>
+          <a:xfrm>
+            <a:off x="646111" y="452718"/>
+            <a:ext cx="9404723" cy="1400530"/>
           </a:xfrm>
           <a:prstGeom prst="rect">
             <a:avLst/>
           </a:prstGeom>
         </p:spPr>
         <p:txBody>
-          <a:bodyPr vert="horz" lIns="91440" tIns="45720" rIns="91440" bIns="45720" rtlCol="0" anchor="ctr"/>
+          <a:bodyPr vert="horz" lIns="91440" tIns="45720" rIns="91440" bIns="45720" rtlCol="0" anchor="t">
+            <a:noAutofit/>
+          </a:bodyPr>
+          <a:lstStyle/>
+          <a:p>
+            <a:r>
+              <a:rPr lang="en-US" smtClean="0"/>
+              <a:t>Click to edit Master title style</a:t>
+            </a:r>
+            <a:endParaRPr lang="en-US" dirty="0"/>
+          </a:p>
+        </p:txBody>
+      </p:sp>
+      <p:sp>
+        <p:nvSpPr>
+          <p:cNvPr id="3" name="Text Placeholder 2"/>
+          <p:cNvSpPr>
+            <a:spLocks noGrp="1"/>
+          </p:cNvSpPr>
+          <p:nvPr>
+            <p:ph type="body" idx="1"/>
+          </p:nvPr>
+        </p:nvSpPr>
+        <p:spPr>
+          <a:xfrm>
+            <a:off x="1103312" y="2052918"/>
+            <a:ext cx="8946541" cy="4195481"/>
+          </a:xfrm>
+          <a:prstGeom prst="rect">
+            <a:avLst/>
+          </a:prstGeom>
+        </p:spPr>
+        <p:txBody>
+          <a:bodyPr vert="horz" lIns="91440" tIns="45720" rIns="91440" bIns="45720" rtlCol="0">
+            <a:normAutofit/>
+          </a:bodyPr>
+          <a:lstStyle/>
+          <a:p>
+            <a:pPr lvl="0"/>
+            <a:r>
+              <a:rPr lang="en-US" smtClean="0"/>
+              <a:t>Click to edit Master text styles</a:t>
+            </a:r>
+          </a:p>
+          <a:p>
+            <a:pPr lvl="1"/>
+            <a:r>
+              <a:rPr lang="en-US" smtClean="0"/>
+              <a:t>Second level</a:t>
+            </a:r>
+          </a:p>
+          <a:p>
+            <a:pPr lvl="2"/>
+            <a:r>
+              <a:rPr lang="en-US" smtClean="0"/>
+              <a:t>Third level</a:t>
+            </a:r>
+          </a:p>
+          <a:p>
+            <a:pPr lvl="3"/>
+            <a:r>
+              <a:rPr lang="en-US" smtClean="0"/>
+              <a:t>Fourth level</a:t>
+            </a:r>
+          </a:p>
+          <a:p>
+            <a:pPr lvl="4"/>
+            <a:r>
+              <a:rPr lang="en-US" smtClean="0"/>
+              <a:t>Fifth level</a:t>
+            </a:r>
+            <a:endParaRPr lang="en-US" dirty="0"/>
+          </a:p>
+        </p:txBody>
+      </p:sp>
+      <p:sp>
+        <p:nvSpPr>
+          <p:cNvPr id="4" name="Date Placeholder 3"/>
+          <p:cNvSpPr>
+            <a:spLocks noGrp="1"/>
+          </p:cNvSpPr>
+          <p:nvPr>
+            <p:ph type="dt" sz="half" idx="2"/>
+          </p:nvPr>
+        </p:nvSpPr>
+        <p:spPr>
+          <a:xfrm rot="5400000">
+            <a:off x="10155639" y="1790701"/>
+            <a:ext cx="990599" cy="304799"/>
+          </a:xfrm>
+          <a:prstGeom prst="rect">
+            <a:avLst/>
+          </a:prstGeom>
+        </p:spPr>
+        <p:txBody>
+          <a:bodyPr vert="horz" lIns="91440" tIns="45720" rIns="91440" bIns="45720" rtlCol="0" anchor="t"/>
           <a:lstStyle>
-            <a:lvl1pPr algn="ctr">
-              <a:defRPr sz="1400" b="1">
+            <a:lvl1pPr algn="l">
+              <a:defRPr sz="1100" b="0" i="0">
                 <a:solidFill>
-                  <a:srgbClr val="FFFFFF"/>
+                  <a:schemeClr val="tx1">
+                    <a:tint val="75000"/>
+                    <a:alpha val="60000"/>
+                  </a:schemeClr>
                 </a:solidFill>
-                <a:latin typeface="+mj-lt"/>
               </a:defRPr>
             </a:lvl1pPr>
           </a:lstStyle>
           <a:p>
+            <a:fld id="{8405FD1F-A033-42C1-8902-92D91DAC3712}" type="datetimeFigureOut">
+              <a:rPr lang="en-US" smtClean="0"/>
+              <a:t>5/25/2024</a:t>
+            </a:fld>
+            <a:endParaRPr lang="en-US"/>
+          </a:p>
+        </p:txBody>
+      </p:sp>
+      <p:sp>
+        <p:nvSpPr>
+          <p:cNvPr id="5" name="Footer Placeholder 4"/>
+          <p:cNvSpPr>
+            <a:spLocks noGrp="1"/>
+          </p:cNvSpPr>
+          <p:nvPr>
+            <p:ph type="ftr" sz="quarter" idx="3"/>
+          </p:nvPr>
+        </p:nvSpPr>
+        <p:spPr>
+          <a:xfrm rot="5400000">
+            <a:off x="8951573" y="3225297"/>
+            <a:ext cx="3859795" cy="304801"/>
+          </a:xfrm>
+          <a:prstGeom prst="rect">
+            <a:avLst/>
+          </a:prstGeom>
+        </p:spPr>
+        <p:txBody>
+          <a:bodyPr vert="horz" lIns="91440" tIns="45720" rIns="91440" bIns="45720" rtlCol="0" anchor="b"/>
+          <a:lstStyle>
+            <a:lvl1pPr algn="l">
+              <a:defRPr sz="1100" b="0" i="0">
+                <a:solidFill>
+                  <a:schemeClr val="tx1">
+                    <a:tint val="75000"/>
+                    <a:alpha val="60000"/>
+                  </a:schemeClr>
+                </a:solidFill>
+              </a:defRPr>
+            </a:lvl1pPr>
+          </a:lstStyle>
+          <a:p>
+            <a:endParaRPr lang="en-US"/>
+          </a:p>
+        </p:txBody>
+      </p:sp>
+      <p:sp>
+        <p:nvSpPr>
+          <p:cNvPr id="6" name="Slide Number Placeholder 5"/>
+          <p:cNvSpPr>
+            <a:spLocks noGrp="1"/>
+          </p:cNvSpPr>
+          <p:nvPr>
+            <p:ph type="sldNum" sz="quarter" idx="4"/>
+          </p:nvPr>
+        </p:nvSpPr>
+        <p:spPr bwMode="gray">
+          <a:xfrm>
+            <a:off x="10352540" y="295729"/>
+            <a:ext cx="838199" cy="767687"/>
+          </a:xfrm>
+          <a:prstGeom prst="rect">
+            <a:avLst/>
+          </a:prstGeom>
+        </p:spPr>
+        <p:txBody>
+          <a:bodyPr vert="horz" lIns="91440" tIns="45720" rIns="91440" bIns="45720" rtlCol="0" anchor="b"/>
+          <a:lstStyle>
+            <a:lvl1pPr algn="ctr">
+              <a:defRPr sz="2800" b="0" i="0">
+                <a:solidFill>
+                  <a:schemeClr val="tx1">
+                    <a:tint val="75000"/>
+                  </a:schemeClr>
+                </a:solidFill>
+              </a:defRPr>
+            </a:lvl1pPr>
+          </a:lstStyle>
+          <a:p>
             <a:fld id="{F080C301-BE3A-44DF-A8F2-4D0CD7E2EB16}" type="slidenum">
               <a:rPr lang="en-US" smtClean="0"/>
               <a:t>‹#›</a:t>
@@ -3619,68 +5651,336 @@
     </p:spTree>
     <p:extLst>
       <p:ext uri="{BB962C8B-B14F-4D97-AF65-F5344CB8AC3E}">
-        <p14:creationId xmlns:p14="http://schemas.microsoft.com/office/powerpoint/2010/main" val="341085401"/>
+        <p14:creationId xmlns:p14="http://schemas.microsoft.com/office/powerpoint/2010/main" val="225190543"/>
       </p:ext>
     </p:extLst>
   </p:cSld>
-  <p:clrMap bg1="lt1" tx1="dk1" bg2="lt2" tx2="dk2" accent1="accent1" accent2="accent2" accent3="accent3" accent4="accent4" accent5="accent5" accent6="accent6" hlink="hlink" folHlink="folHlink"/>
+  <p:clrMap bg1="dk1" tx1="lt1" bg2="dk2" tx2="lt2" accent1="accent1" accent2="accent2" accent3="accent3" accent4="accent4" accent5="accent5" accent6="accent6" hlink="hlink" folHlink="folHlink"/>
   <p:sldLayoutIdLst>
-    <p:sldLayoutId id="2147483661" r:id="rId1"/>
-    <p:sldLayoutId id="2147483662" r:id="rId2"/>
-    <p:sldLayoutId id="2147483663" r:id="rId3"/>
-    <p:sldLayoutId id="2147483664" r:id="rId4"/>
-    <p:sldLayoutId id="2147483665" r:id="rId5"/>
-    <p:sldLayoutId id="2147483666" r:id="rId6"/>
-    <p:sldLayoutId id="2147483667" r:id="rId7"/>
-    <p:sldLayoutId id="2147483668" r:id="rId8"/>
-    <p:sldLayoutId id="2147483669" r:id="rId9"/>
-    <p:sldLayoutId id="2147483670" r:id="rId10"/>
-    <p:sldLayoutId id="2147483671" r:id="rId11"/>
+    <p:sldLayoutId id="2147483673" r:id="rId1"/>
+    <p:sldLayoutId id="2147483674" r:id="rId2"/>
+    <p:sldLayoutId id="2147483675" r:id="rId3"/>
+    <p:sldLayoutId id="2147483676" r:id="rId4"/>
+    <p:sldLayoutId id="2147483677" r:id="rId5"/>
+    <p:sldLayoutId id="2147483678" r:id="rId6"/>
+    <p:sldLayoutId id="2147483679" r:id="rId7"/>
+    <p:sldLayoutId id="2147483680" r:id="rId8"/>
+    <p:sldLayoutId id="2147483681" r:id="rId9"/>
+    <p:sldLayoutId id="2147483682" r:id="rId10"/>
+    <p:sldLayoutId id="2147483683" r:id="rId11"/>
+    <p:sldLayoutId id="2147483684" r:id="rId12"/>
+    <p:sldLayoutId id="2147483685" r:id="rId13"/>
+    <p:sldLayoutId id="2147483686" r:id="rId14"/>
+    <p:sldLayoutId id="2147483687" r:id="rId15"/>
+    <p:sldLayoutId id="2147483688" r:id="rId16"/>
+    <p:sldLayoutId id="2147483689" r:id="rId17"/>
   </p:sldLayoutIdLst>
   <p:txStyles>
     <p:titleStyle>
-      <a:lvl1pPr algn="l" defTabSz="914400" rtl="0" eaLnBrk="1" latinLnBrk="0" hangingPunct="1">
-        <a:lnSpc>
-          <a:spcPct val="90000"/>
-        </a:lnSpc>
+      <a:lvl1pPr algn="l" defTabSz="457200" rtl="0" eaLnBrk="1" latinLnBrk="0" hangingPunct="1">
         <a:spcBef>
           <a:spcPct val="0"/>
         </a:spcBef>
         <a:buNone/>
-        <a:defRPr sz="5400" kern="1200" cap="all" baseline="0">
-          <a:blipFill>
-            <a:blip r:embed="rId15">
-              <a:extLst>
-                <a:ext uri="{28A0092B-C50C-407E-A947-70E740481C1C}">
-                  <a14:useLocalDpi xmlns:a14="http://schemas.microsoft.com/office/drawing/2010/main" val="0"/>
-                </a:ext>
-              </a:extLst>
-            </a:blip>
-            <a:tile tx="6350" ty="-127000" sx="65000" sy="64000" flip="none" algn="tl"/>
-          </a:blipFill>
+        <a:defRPr sz="4200" b="0" i="0" kern="1200">
+          <a:solidFill>
+            <a:schemeClr val="tx2"/>
+          </a:solidFill>
           <a:latin typeface="+mj-lt"/>
           <a:ea typeface="+mj-ea"/>
           <a:cs typeface="+mj-cs"/>
         </a:defRPr>
       </a:lvl1pPr>
+      <a:lvl2pPr eaLnBrk="1" hangingPunct="1">
+        <a:defRPr>
+          <a:solidFill>
+            <a:schemeClr val="tx2"/>
+          </a:solidFill>
+        </a:defRPr>
+      </a:lvl2pPr>
+      <a:lvl3pPr eaLnBrk="1" hangingPunct="1">
+        <a:defRPr>
+          <a:solidFill>
+            <a:schemeClr val="tx2"/>
+          </a:solidFill>
+        </a:defRPr>
+      </a:lvl3pPr>
+      <a:lvl4pPr eaLnBrk="1" hangingPunct="1">
+        <a:defRPr>
+          <a:solidFill>
+            <a:schemeClr val="tx2"/>
+          </a:solidFill>
+        </a:defRPr>
+      </a:lvl4pPr>
+      <a:lvl5pPr eaLnBrk="1" hangingPunct="1">
+        <a:defRPr>
+          <a:solidFill>
+            <a:schemeClr val="tx2"/>
+          </a:solidFill>
+        </a:defRPr>
+      </a:lvl5pPr>
+      <a:lvl6pPr eaLnBrk="1" hangingPunct="1">
+        <a:defRPr>
+          <a:solidFill>
+            <a:schemeClr val="tx2"/>
+          </a:solidFill>
+        </a:defRPr>
+      </a:lvl6pPr>
+      <a:lvl7pPr eaLnBrk="1" hangingPunct="1">
+        <a:defRPr>
+          <a:solidFill>
+            <a:schemeClr val="tx2"/>
+          </a:solidFill>
+        </a:defRPr>
+      </a:lvl7pPr>
+      <a:lvl8pPr eaLnBrk="1" hangingPunct="1">
+        <a:defRPr>
+          <a:solidFill>
+            <a:schemeClr val="tx2"/>
+          </a:solidFill>
+        </a:defRPr>
+      </a:lvl8pPr>
+      <a:lvl9pPr eaLnBrk="1" hangingPunct="1">
+        <a:defRPr>
+          <a:solidFill>
+            <a:schemeClr val="tx2"/>
+          </a:solidFill>
+        </a:defRPr>
+      </a:lvl9pPr>
     </p:titleStyle>
     <p:bodyStyle>
-      <a:lvl1pPr marL="182880" indent="-182880" algn="l" defTabSz="914400" rtl="0" eaLnBrk="1" latinLnBrk="0" hangingPunct="1">
-        <a:lnSpc>
-          <a:spcPct val="90000"/>
-        </a:lnSpc>
+      <a:lvl1pPr marL="342900" indent="-342900" algn="l" defTabSz="457200" rtl="0" eaLnBrk="1" latinLnBrk="0" hangingPunct="1">
         <a:spcBef>
-          <a:spcPts val="1200"/>
+          <a:spcPts val="1000"/>
         </a:spcBef>
+        <a:spcAft>
+          <a:spcPts val="0"/>
+        </a:spcAft>
         <a:buClr>
-          <a:schemeClr val="accent1">
-            <a:lumMod val="75000"/>
+          <a:schemeClr val="bg2">
+            <a:lumMod val="40000"/>
+            <a:lumOff val="60000"/>
           </a:schemeClr>
         </a:buClr>
-        <a:buSzPct val="85000"/>
-        <a:buFont typeface="Wingdings" pitchFamily="2" charset="2"/>
-        <a:buChar char="§"/>
-        <a:defRPr sz="2000" kern="1200">
+        <a:buSzPct val="80000"/>
+        <a:buFont typeface="Wingdings 3" charset="2"/>
+        <a:buChar char=""/>
+        <a:defRPr sz="2000" b="0" i="0" kern="1200">
+          <a:solidFill>
+            <a:schemeClr val="tx1"/>
+          </a:solidFill>
+          <a:latin typeface="+mj-lt"/>
+          <a:ea typeface="+mj-ea"/>
+          <a:cs typeface="+mj-cs"/>
+        </a:defRPr>
+      </a:lvl1pPr>
+      <a:lvl2pPr marL="742950" indent="-285750" algn="l" defTabSz="457200" rtl="0" eaLnBrk="1" latinLnBrk="0" hangingPunct="1">
+        <a:spcBef>
+          <a:spcPts val="1000"/>
+        </a:spcBef>
+        <a:spcAft>
+          <a:spcPts val="0"/>
+        </a:spcAft>
+        <a:buClr>
+          <a:schemeClr val="bg2">
+            <a:lumMod val="40000"/>
+            <a:lumOff val="60000"/>
+          </a:schemeClr>
+        </a:buClr>
+        <a:buSzPct val="80000"/>
+        <a:buFont typeface="Wingdings 3" charset="2"/>
+        <a:buChar char=""/>
+        <a:defRPr sz="1800" b="0" i="0" kern="1200">
+          <a:solidFill>
+            <a:schemeClr val="tx1"/>
+          </a:solidFill>
+          <a:latin typeface="+mj-lt"/>
+          <a:ea typeface="+mj-ea"/>
+          <a:cs typeface="+mj-cs"/>
+        </a:defRPr>
+      </a:lvl2pPr>
+      <a:lvl3pPr marL="1143000" indent="-228600" algn="l" defTabSz="457200" rtl="0" eaLnBrk="1" latinLnBrk="0" hangingPunct="1">
+        <a:spcBef>
+          <a:spcPts val="1000"/>
+        </a:spcBef>
+        <a:spcAft>
+          <a:spcPts val="0"/>
+        </a:spcAft>
+        <a:buClr>
+          <a:schemeClr val="bg2">
+            <a:lumMod val="40000"/>
+            <a:lumOff val="60000"/>
+          </a:schemeClr>
+        </a:buClr>
+        <a:buSzPct val="80000"/>
+        <a:buFont typeface="Wingdings 3" charset="2"/>
+        <a:buChar char=""/>
+        <a:defRPr sz="1600" b="0" i="0" kern="1200">
+          <a:solidFill>
+            <a:schemeClr val="tx1"/>
+          </a:solidFill>
+          <a:latin typeface="+mj-lt"/>
+          <a:ea typeface="+mj-ea"/>
+          <a:cs typeface="+mj-cs"/>
+        </a:defRPr>
+      </a:lvl3pPr>
+      <a:lvl4pPr marL="1600200" indent="-228600" algn="l" defTabSz="457200" rtl="0" eaLnBrk="1" latinLnBrk="0" hangingPunct="1">
+        <a:spcBef>
+          <a:spcPts val="1000"/>
+        </a:spcBef>
+        <a:spcAft>
+          <a:spcPts val="0"/>
+        </a:spcAft>
+        <a:buClr>
+          <a:schemeClr val="bg2">
+            <a:lumMod val="40000"/>
+            <a:lumOff val="60000"/>
+          </a:schemeClr>
+        </a:buClr>
+        <a:buSzPct val="80000"/>
+        <a:buFont typeface="Wingdings 3" charset="2"/>
+        <a:buChar char=""/>
+        <a:defRPr sz="1400" b="0" i="0" kern="1200">
+          <a:solidFill>
+            <a:schemeClr val="tx1"/>
+          </a:solidFill>
+          <a:latin typeface="+mj-lt"/>
+          <a:ea typeface="+mj-ea"/>
+          <a:cs typeface="+mj-cs"/>
+        </a:defRPr>
+      </a:lvl4pPr>
+      <a:lvl5pPr marL="2057400" indent="-228600" algn="l" defTabSz="457200" rtl="0" eaLnBrk="1" latinLnBrk="0" hangingPunct="1">
+        <a:spcBef>
+          <a:spcPts val="1000"/>
+        </a:spcBef>
+        <a:spcAft>
+          <a:spcPts val="0"/>
+        </a:spcAft>
+        <a:buClr>
+          <a:schemeClr val="bg2">
+            <a:lumMod val="40000"/>
+            <a:lumOff val="60000"/>
+          </a:schemeClr>
+        </a:buClr>
+        <a:buSzPct val="80000"/>
+        <a:buFont typeface="Wingdings 3" charset="2"/>
+        <a:buChar char=""/>
+        <a:defRPr sz="1400" b="0" i="0" kern="1200">
+          <a:solidFill>
+            <a:schemeClr val="tx1"/>
+          </a:solidFill>
+          <a:latin typeface="+mj-lt"/>
+          <a:ea typeface="+mj-ea"/>
+          <a:cs typeface="+mj-cs"/>
+        </a:defRPr>
+      </a:lvl5pPr>
+      <a:lvl6pPr marL="2506000" indent="-228600" algn="l" defTabSz="457200" rtl="0" eaLnBrk="1" latinLnBrk="0" hangingPunct="1">
+        <a:spcBef>
+          <a:spcPts val="1000"/>
+        </a:spcBef>
+        <a:spcAft>
+          <a:spcPts val="0"/>
+        </a:spcAft>
+        <a:buClr>
+          <a:schemeClr val="bg2">
+            <a:lumMod val="40000"/>
+            <a:lumOff val="60000"/>
+          </a:schemeClr>
+        </a:buClr>
+        <a:buSzPct val="80000"/>
+        <a:buFont typeface="Wingdings 3" charset="2"/>
+        <a:buChar char=""/>
+        <a:defRPr sz="1400" b="0" i="0" kern="1200">
+          <a:solidFill>
+            <a:schemeClr val="tx1"/>
+          </a:solidFill>
+          <a:latin typeface="+mj-lt"/>
+          <a:ea typeface="+mj-ea"/>
+          <a:cs typeface="+mj-cs"/>
+        </a:defRPr>
+      </a:lvl6pPr>
+      <a:lvl7pPr marL="2971800" indent="-228600" algn="l" defTabSz="457200" rtl="0" eaLnBrk="1" latinLnBrk="0" hangingPunct="1">
+        <a:spcBef>
+          <a:spcPts val="1000"/>
+        </a:spcBef>
+        <a:spcAft>
+          <a:spcPts val="0"/>
+        </a:spcAft>
+        <a:buClr>
+          <a:schemeClr val="bg2">
+            <a:lumMod val="40000"/>
+            <a:lumOff val="60000"/>
+          </a:schemeClr>
+        </a:buClr>
+        <a:buSzPct val="80000"/>
+        <a:buFont typeface="Wingdings 3" charset="2"/>
+        <a:buChar char=""/>
+        <a:defRPr sz="1400" b="0" i="0" kern="1200">
+          <a:solidFill>
+            <a:schemeClr val="tx1"/>
+          </a:solidFill>
+          <a:latin typeface="+mj-lt"/>
+          <a:ea typeface="+mj-ea"/>
+          <a:cs typeface="+mj-cs"/>
+        </a:defRPr>
+      </a:lvl7pPr>
+      <a:lvl8pPr marL="3429000" indent="-228600" algn="l" defTabSz="457200" rtl="0" eaLnBrk="1" latinLnBrk="0" hangingPunct="1">
+        <a:spcBef>
+          <a:spcPts val="1000"/>
+        </a:spcBef>
+        <a:spcAft>
+          <a:spcPts val="0"/>
+        </a:spcAft>
+        <a:buClr>
+          <a:schemeClr val="bg2">
+            <a:lumMod val="40000"/>
+            <a:lumOff val="60000"/>
+          </a:schemeClr>
+        </a:buClr>
+        <a:buSzPct val="80000"/>
+        <a:buFont typeface="Wingdings 3" charset="2"/>
+        <a:buChar char=""/>
+        <a:defRPr sz="1400" b="0" i="0" kern="1200">
+          <a:solidFill>
+            <a:schemeClr val="tx1"/>
+          </a:solidFill>
+          <a:latin typeface="+mj-lt"/>
+          <a:ea typeface="+mj-ea"/>
+          <a:cs typeface="+mj-cs"/>
+        </a:defRPr>
+      </a:lvl8pPr>
+      <a:lvl9pPr marL="3886200" indent="-228600" algn="l" defTabSz="457200" rtl="0" eaLnBrk="1" latinLnBrk="0" hangingPunct="1">
+        <a:spcBef>
+          <a:spcPts val="1000"/>
+        </a:spcBef>
+        <a:spcAft>
+          <a:spcPts val="0"/>
+        </a:spcAft>
+        <a:buClr>
+          <a:schemeClr val="bg2">
+            <a:lumMod val="40000"/>
+            <a:lumOff val="60000"/>
+          </a:schemeClr>
+        </a:buClr>
+        <a:buSzPct val="80000"/>
+        <a:buFont typeface="Wingdings 3" charset="2"/>
+        <a:buChar char=""/>
+        <a:defRPr sz="1400" b="0" i="0" kern="1200">
+          <a:solidFill>
+            <a:schemeClr val="tx1"/>
+          </a:solidFill>
+          <a:latin typeface="+mj-lt"/>
+          <a:ea typeface="+mj-ea"/>
+          <a:cs typeface="+mj-cs"/>
+        </a:defRPr>
+      </a:lvl9pPr>
+    </p:bodyStyle>
+    <p:otherStyle>
+      <a:defPPr>
+        <a:defRPr lang="en-US"/>
+      </a:defPPr>
+      <a:lvl1pPr marL="0" algn="l" defTabSz="457200" rtl="0" eaLnBrk="1" latinLnBrk="0" hangingPunct="1">
+        <a:defRPr sz="1800" kern="1200">
           <a:solidFill>
             <a:schemeClr val="tx1"/>
           </a:solidFill>
@@ -3689,24 +5989,7 @@
           <a:cs typeface="+mn-cs"/>
         </a:defRPr>
       </a:lvl1pPr>
-      <a:lvl2pPr marL="457200" indent="-182880" algn="l" defTabSz="914400" rtl="0" eaLnBrk="1" latinLnBrk="0" hangingPunct="1">
-        <a:lnSpc>
-          <a:spcPct val="90000"/>
-        </a:lnSpc>
-        <a:spcBef>
-          <a:spcPts val="400"/>
-        </a:spcBef>
-        <a:spcAft>
-          <a:spcPts val="200"/>
-        </a:spcAft>
-        <a:buClr>
-          <a:schemeClr val="accent1">
-            <a:lumMod val="75000"/>
-          </a:schemeClr>
-        </a:buClr>
-        <a:buSzPct val="85000"/>
-        <a:buFont typeface="Wingdings" pitchFamily="2" charset="2"/>
-        <a:buChar char="§"/>
+      <a:lvl2pPr marL="457200" algn="l" defTabSz="457200" rtl="0" eaLnBrk="1" latinLnBrk="0" hangingPunct="1">
         <a:defRPr sz="1800" kern="1200">
           <a:solidFill>
             <a:schemeClr val="tx1"/>
@@ -3716,221 +5999,7 @@
           <a:cs typeface="+mn-cs"/>
         </a:defRPr>
       </a:lvl2pPr>
-      <a:lvl3pPr marL="731520" indent="-182880" algn="l" defTabSz="914400" rtl="0" eaLnBrk="1" latinLnBrk="0" hangingPunct="1">
-        <a:lnSpc>
-          <a:spcPct val="90000"/>
-        </a:lnSpc>
-        <a:spcBef>
-          <a:spcPts val="400"/>
-        </a:spcBef>
-        <a:spcAft>
-          <a:spcPts val="200"/>
-        </a:spcAft>
-        <a:buClr>
-          <a:schemeClr val="accent1">
-            <a:lumMod val="75000"/>
-          </a:schemeClr>
-        </a:buClr>
-        <a:buSzPct val="85000"/>
-        <a:buFont typeface="Wingdings" pitchFamily="2" charset="2"/>
-        <a:buChar char="§"/>
-        <a:defRPr sz="1600" kern="1200">
-          <a:solidFill>
-            <a:schemeClr val="tx1"/>
-          </a:solidFill>
-          <a:latin typeface="+mn-lt"/>
-          <a:ea typeface="+mn-ea"/>
-          <a:cs typeface="+mn-cs"/>
-        </a:defRPr>
-      </a:lvl3pPr>
-      <a:lvl4pPr marL="1005840" indent="-182880" algn="l" defTabSz="914400" rtl="0" eaLnBrk="1" latinLnBrk="0" hangingPunct="1">
-        <a:lnSpc>
-          <a:spcPct val="90000"/>
-        </a:lnSpc>
-        <a:spcBef>
-          <a:spcPts val="400"/>
-        </a:spcBef>
-        <a:spcAft>
-          <a:spcPts val="200"/>
-        </a:spcAft>
-        <a:buClr>
-          <a:schemeClr val="accent1">
-            <a:lumMod val="75000"/>
-          </a:schemeClr>
-        </a:buClr>
-        <a:buSzPct val="85000"/>
-        <a:buFont typeface="Wingdings" pitchFamily="2" charset="2"/>
-        <a:buChar char="§"/>
-        <a:defRPr sz="1600" kern="1200">
-          <a:solidFill>
-            <a:schemeClr val="tx1"/>
-          </a:solidFill>
-          <a:latin typeface="+mn-lt"/>
-          <a:ea typeface="+mn-ea"/>
-          <a:cs typeface="+mn-cs"/>
-        </a:defRPr>
-      </a:lvl4pPr>
-      <a:lvl5pPr marL="1280160" indent="-182880" algn="l" defTabSz="914400" rtl="0" eaLnBrk="1" latinLnBrk="0" hangingPunct="1">
-        <a:lnSpc>
-          <a:spcPct val="90000"/>
-        </a:lnSpc>
-        <a:spcBef>
-          <a:spcPts val="400"/>
-        </a:spcBef>
-        <a:spcAft>
-          <a:spcPts val="200"/>
-        </a:spcAft>
-        <a:buClr>
-          <a:schemeClr val="accent1">
-            <a:lumMod val="75000"/>
-          </a:schemeClr>
-        </a:buClr>
-        <a:buSzPct val="85000"/>
-        <a:buFont typeface="Wingdings" pitchFamily="2" charset="2"/>
-        <a:buChar char="§"/>
-        <a:defRPr sz="1600" kern="1200">
-          <a:solidFill>
-            <a:schemeClr val="tx1"/>
-          </a:solidFill>
-          <a:latin typeface="+mn-lt"/>
-          <a:ea typeface="+mn-ea"/>
-          <a:cs typeface="+mn-cs"/>
-        </a:defRPr>
-      </a:lvl5pPr>
-      <a:lvl6pPr marL="1600000" indent="-228600" algn="l" defTabSz="914400" rtl="0" eaLnBrk="1" latinLnBrk="0" hangingPunct="1">
-        <a:lnSpc>
-          <a:spcPct val="90000"/>
-        </a:lnSpc>
-        <a:spcBef>
-          <a:spcPts val="400"/>
-        </a:spcBef>
-        <a:spcAft>
-          <a:spcPts val="200"/>
-        </a:spcAft>
-        <a:buClr>
-          <a:schemeClr val="accent1">
-            <a:lumMod val="75000"/>
-          </a:schemeClr>
-        </a:buClr>
-        <a:buSzPct val="85000"/>
-        <a:buFont typeface="Wingdings" pitchFamily="2" charset="2"/>
-        <a:buChar char="§"/>
-        <a:defRPr sz="1600" kern="1200">
-          <a:solidFill>
-            <a:schemeClr val="tx1"/>
-          </a:solidFill>
-          <a:latin typeface="+mn-lt"/>
-          <a:ea typeface="+mn-ea"/>
-          <a:cs typeface="+mn-cs"/>
-        </a:defRPr>
-      </a:lvl6pPr>
-      <a:lvl7pPr marL="1900000" indent="-228600" algn="l" defTabSz="914400" rtl="0" eaLnBrk="1" latinLnBrk="0" hangingPunct="1">
-        <a:lnSpc>
-          <a:spcPct val="90000"/>
-        </a:lnSpc>
-        <a:spcBef>
-          <a:spcPts val="400"/>
-        </a:spcBef>
-        <a:spcAft>
-          <a:spcPts val="200"/>
-        </a:spcAft>
-        <a:buClr>
-          <a:schemeClr val="accent1">
-            <a:lumMod val="75000"/>
-          </a:schemeClr>
-        </a:buClr>
-        <a:buSzPct val="85000"/>
-        <a:buFont typeface="Wingdings" pitchFamily="2" charset="2"/>
-        <a:buChar char="§"/>
-        <a:defRPr sz="1600" kern="1200">
-          <a:solidFill>
-            <a:schemeClr val="tx1"/>
-          </a:solidFill>
-          <a:latin typeface="+mn-lt"/>
-          <a:ea typeface="+mn-ea"/>
-          <a:cs typeface="+mn-cs"/>
-        </a:defRPr>
-      </a:lvl7pPr>
-      <a:lvl8pPr marL="2200000" indent="-228600" algn="l" defTabSz="914400" rtl="0" eaLnBrk="1" latinLnBrk="0" hangingPunct="1">
-        <a:lnSpc>
-          <a:spcPct val="90000"/>
-        </a:lnSpc>
-        <a:spcBef>
-          <a:spcPts val="400"/>
-        </a:spcBef>
-        <a:spcAft>
-          <a:spcPts val="200"/>
-        </a:spcAft>
-        <a:buClr>
-          <a:schemeClr val="accent1">
-            <a:lumMod val="75000"/>
-          </a:schemeClr>
-        </a:buClr>
-        <a:buSzPct val="85000"/>
-        <a:buFont typeface="Wingdings" pitchFamily="2" charset="2"/>
-        <a:buChar char="§"/>
-        <a:defRPr sz="1600" kern="1200">
-          <a:solidFill>
-            <a:schemeClr val="tx1"/>
-          </a:solidFill>
-          <a:latin typeface="+mn-lt"/>
-          <a:ea typeface="+mn-ea"/>
-          <a:cs typeface="+mn-cs"/>
-        </a:defRPr>
-      </a:lvl8pPr>
-      <a:lvl9pPr marL="2500000" indent="-228600" algn="l" defTabSz="914400" rtl="0" eaLnBrk="1" latinLnBrk="0" hangingPunct="1">
-        <a:lnSpc>
-          <a:spcPct val="90000"/>
-        </a:lnSpc>
-        <a:spcBef>
-          <a:spcPts val="400"/>
-        </a:spcBef>
-        <a:spcAft>
-          <a:spcPts val="200"/>
-        </a:spcAft>
-        <a:buClr>
-          <a:schemeClr val="accent1">
-            <a:lumMod val="75000"/>
-          </a:schemeClr>
-        </a:buClr>
-        <a:buSzPct val="85000"/>
-        <a:buFont typeface="Wingdings" pitchFamily="2" charset="2"/>
-        <a:buChar char="§"/>
-        <a:defRPr sz="1600" kern="1200">
-          <a:solidFill>
-            <a:schemeClr val="tx1"/>
-          </a:solidFill>
-          <a:latin typeface="+mn-lt"/>
-          <a:ea typeface="+mn-ea"/>
-          <a:cs typeface="+mn-cs"/>
-        </a:defRPr>
-      </a:lvl9pPr>
-    </p:bodyStyle>
-    <p:otherStyle>
-      <a:defPPr>
-        <a:defRPr lang="en-US"/>
-      </a:defPPr>
-      <a:lvl1pPr marL="0" algn="l" defTabSz="914400" rtl="0" eaLnBrk="1" latinLnBrk="0" hangingPunct="1">
-        <a:defRPr sz="1800" kern="1200">
-          <a:solidFill>
-            <a:schemeClr val="tx1"/>
-          </a:solidFill>
-          <a:latin typeface="+mn-lt"/>
-          <a:ea typeface="+mn-ea"/>
-          <a:cs typeface="+mn-cs"/>
-        </a:defRPr>
-      </a:lvl1pPr>
-      <a:lvl2pPr marL="457200" algn="l" defTabSz="914400" rtl="0" eaLnBrk="1" latinLnBrk="0" hangingPunct="1">
-        <a:defRPr sz="1800" kern="1200">
-          <a:solidFill>
-            <a:schemeClr val="tx1"/>
-          </a:solidFill>
-          <a:latin typeface="+mn-lt"/>
-          <a:ea typeface="+mn-ea"/>
-          <a:cs typeface="+mn-cs"/>
-        </a:defRPr>
-      </a:lvl2pPr>
-      <a:lvl3pPr marL="914400" algn="l" defTabSz="914400" rtl="0" eaLnBrk="1" latinLnBrk="0" hangingPunct="1">
+      <a:lvl3pPr marL="914400" algn="l" defTabSz="457200" rtl="0" eaLnBrk="1" latinLnBrk="0" hangingPunct="1">
         <a:defRPr sz="1800" kern="1200">
           <a:solidFill>
             <a:schemeClr val="tx1"/>
@@ -3940,7 +6009,7 @@
           <a:cs typeface="+mn-cs"/>
         </a:defRPr>
       </a:lvl3pPr>
-      <a:lvl4pPr marL="1371600" algn="l" defTabSz="914400" rtl="0" eaLnBrk="1" latinLnBrk="0" hangingPunct="1">
+      <a:lvl4pPr marL="1371600" algn="l" defTabSz="457200" rtl="0" eaLnBrk="1" latinLnBrk="0" hangingPunct="1">
         <a:defRPr sz="1800" kern="1200">
           <a:solidFill>
             <a:schemeClr val="tx1"/>
@@ -3950,7 +6019,7 @@
           <a:cs typeface="+mn-cs"/>
         </a:defRPr>
       </a:lvl4pPr>
-      <a:lvl5pPr marL="1828800" algn="l" defTabSz="914400" rtl="0" eaLnBrk="1" latinLnBrk="0" hangingPunct="1">
+      <a:lvl5pPr marL="1828800" algn="l" defTabSz="457200" rtl="0" eaLnBrk="1" latinLnBrk="0" hangingPunct="1">
         <a:defRPr sz="1800" kern="1200">
           <a:solidFill>
             <a:schemeClr val="tx1"/>
@@ -3960,7 +6029,7 @@
           <a:cs typeface="+mn-cs"/>
         </a:defRPr>
       </a:lvl5pPr>
-      <a:lvl6pPr marL="2286000" algn="l" defTabSz="914400" rtl="0" eaLnBrk="1" latinLnBrk="0" hangingPunct="1">
+      <a:lvl6pPr marL="2286000" algn="l" defTabSz="457200" rtl="0" eaLnBrk="1" latinLnBrk="0" hangingPunct="1">
         <a:defRPr sz="1800" kern="1200">
           <a:solidFill>
             <a:schemeClr val="tx1"/>
@@ -3970,7 +6039,7 @@
           <a:cs typeface="+mn-cs"/>
         </a:defRPr>
       </a:lvl6pPr>
-      <a:lvl7pPr marL="2743200" algn="l" defTabSz="914400" rtl="0" eaLnBrk="1" latinLnBrk="0" hangingPunct="1">
+      <a:lvl7pPr marL="2743200" algn="l" defTabSz="457200" rtl="0" eaLnBrk="1" latinLnBrk="0" hangingPunct="1">
         <a:defRPr sz="1800" kern="1200">
           <a:solidFill>
             <a:schemeClr val="tx1"/>
@@ -3980,7 +6049,7 @@
           <a:cs typeface="+mn-cs"/>
         </a:defRPr>
       </a:lvl7pPr>
-      <a:lvl8pPr marL="3200400" algn="l" defTabSz="914400" rtl="0" eaLnBrk="1" latinLnBrk="0" hangingPunct="1">
+      <a:lvl8pPr marL="3200400" algn="l" defTabSz="457200" rtl="0" eaLnBrk="1" latinLnBrk="0" hangingPunct="1">
         <a:defRPr sz="1800" kern="1200">
           <a:solidFill>
             <a:schemeClr val="tx1"/>
@@ -3990,7 +6059,7 @@
           <a:cs typeface="+mn-cs"/>
         </a:defRPr>
       </a:lvl8pPr>
-      <a:lvl9pPr marL="3657600" algn="l" defTabSz="914400" rtl="0" eaLnBrk="1" latinLnBrk="0" hangingPunct="1">
+      <a:lvl9pPr marL="3657600" algn="l" defTabSz="457200" rtl="0" eaLnBrk="1" latinLnBrk="0" hangingPunct="1">
         <a:defRPr sz="1800" kern="1200">
           <a:solidFill>
             <a:schemeClr val="tx1"/>
@@ -4074,9 +6143,9 @@
 </file>
 
 <file path=ppt/theme/theme1.xml><?xml version="1.0" encoding="utf-8"?>
-<a:theme xmlns:a="http://schemas.openxmlformats.org/drawingml/2006/main" name="Wood Type">
+<a:theme xmlns:a="http://schemas.openxmlformats.org/drawingml/2006/main" name="Ion">
   <a:themeElements>
-    <a:clrScheme name="Office">
+    <a:clrScheme name="Ion">
       <a:dk1>
         <a:sysClr val="windowText" lastClr="000000"/>
       </a:dk1>
@@ -4084,86 +6153,48 @@
         <a:sysClr val="window" lastClr="FFFFFF"/>
       </a:lt1>
       <a:dk2>
-        <a:srgbClr val="44546A"/>
+        <a:srgbClr val="1E5155"/>
       </a:dk2>
       <a:lt2>
-        <a:srgbClr val="E7E6E6"/>
+        <a:srgbClr val="EBEBEB"/>
       </a:lt2>
       <a:accent1>
-        <a:srgbClr val="5B9BD5"/>
+        <a:srgbClr val="B01513"/>
       </a:accent1>
       <a:accent2>
-        <a:srgbClr val="ED7D31"/>
+        <a:srgbClr val="EA6312"/>
       </a:accent2>
       <a:accent3>
-        <a:srgbClr val="A5A5A5"/>
+        <a:srgbClr val="E6B729"/>
       </a:accent3>
       <a:accent4>
-        <a:srgbClr val="FFC000"/>
+        <a:srgbClr val="6AAC90"/>
       </a:accent4>
       <a:accent5>
-        <a:srgbClr val="4472C4"/>
+        <a:srgbClr val="54849A"/>
       </a:accent5>
       <a:accent6>
-        <a:srgbClr val="70AD47"/>
+        <a:srgbClr val="9E5E9B"/>
       </a:accent6>
       <a:hlink>
-        <a:srgbClr val="0563C1"/>
+        <a:srgbClr val="58C1BA"/>
       </a:hlink>
       <a:folHlink>
-        <a:srgbClr val="954F72"/>
+        <a:srgbClr val="9DFFCB"/>
       </a:folHlink>
     </a:clrScheme>
-    <a:fontScheme name="Wood Type">
+    <a:fontScheme name="Ion">
       <a:majorFont>
-        <a:latin typeface="Rockwell Condensed" panose="02060603050405020104"/>
+        <a:latin typeface="Century Gothic" panose="020B0502020202020204"/>
         <a:ea typeface=""/>
         <a:cs typeface=""/>
-        <a:font script="Grek" typeface="Cambria"/>
-        <a:font script="Cyrl" typeface="Cambria"/>
-        <a:font script="Jpan" typeface="HG明朝B"/>
-        <a:font script="Hang" typeface="바탕"/>
-        <a:font script="Hans" typeface="方正姚体"/>
-        <a:font script="Hant" typeface="微軟正黑體"/>
+        <a:font script="Jpan" typeface="メイリオ"/>
+        <a:font script="Hang" typeface="맑은 고딕"/>
+        <a:font script="Hans" typeface="宋体"/>
+        <a:font script="Hant" typeface="新細明體"/>
         <a:font script="Arab" typeface="Times New Roman"/>
-        <a:font script="Hebr" typeface="David"/>
-        <a:font script="Thai" typeface="JasmineUPC"/>
-        <a:font script="Ethi" typeface="Nyala"/>
-        <a:font script="Beng" typeface="Vrinda"/>
-        <a:font script="Gujr" typeface="Shruti"/>
-        <a:font script="Khmr" typeface="MoolBoran"/>
-        <a:font script="Knda" typeface="Tunga"/>
-        <a:font script="Guru" typeface="Raavi"/>
-        <a:font script="Cans" typeface="Euphemia"/>
-        <a:font script="Cher" typeface="Plantagenet Cherokee"/>
-        <a:font script="Yiii" typeface="Microsoft Yi Baiti"/>
-        <a:font script="Tibt" typeface="Microsoft Himalaya"/>
-        <a:font script="Thaa" typeface="MV Boli"/>
-        <a:font script="Deva" typeface="Mangal"/>
-        <a:font script="Telu" typeface="Gautami"/>
-        <a:font script="Taml" typeface="Latha"/>
-        <a:font script="Syrc" typeface="Estrangelo Edessa"/>
-        <a:font script="Orya" typeface="Kalinga"/>
-        <a:font script="Mlym" typeface="Kartika"/>
-        <a:font script="Laoo" typeface="DokChampa"/>
-        <a:font script="Sinh" typeface="Iskoola Pota"/>
-        <a:font script="Mong" typeface="Mongolian Baiti"/>
-        <a:font script="Viet" typeface="Arial"/>
-        <a:font script="Uigh" typeface="Microsoft Uighur"/>
-      </a:majorFont>
-      <a:minorFont>
-        <a:latin typeface="Rockwell" panose="02060603020205020403"/>
-        <a:ea typeface=""/>
-        <a:cs typeface=""/>
-        <a:font script="Grek" typeface="Cambria"/>
-        <a:font script="Cyrl" typeface="Cambria"/>
-        <a:font script="Jpan" typeface="HG明朝B"/>
-        <a:font script="Hang" typeface="바탕"/>
-        <a:font script="Hans" typeface="方正姚体"/>
-        <a:font script="Hant" typeface="標楷體"/>
-        <a:font script="Arab" typeface="Times New Roman"/>
-        <a:font script="Hebr" typeface="David"/>
-        <a:font script="Thai" typeface="JasmineUPC"/>
+        <a:font script="Hebr" typeface="Times New Roman"/>
+        <a:font script="Thai" typeface="Angsana New"/>
         <a:font script="Ethi" typeface="Nyala"/>
         <a:font script="Beng" typeface="Vrinda"/>
         <a:font script="Gujr" typeface="Shruti"/>
@@ -4186,57 +6217,99 @@
         <a:font script="Mong" typeface="Mongolian Baiti"/>
         <a:font script="Viet" typeface="Times New Roman"/>
         <a:font script="Uigh" typeface="Microsoft Uighur"/>
+        <a:font script="Geor" typeface="Sylfaen"/>
+      </a:majorFont>
+      <a:minorFont>
+        <a:latin typeface="Century Gothic" panose="020B0502020202020204"/>
+        <a:ea typeface=""/>
+        <a:cs typeface=""/>
+        <a:font script="Jpan" typeface="メイリオ"/>
+        <a:font script="Hang" typeface="맑은 고딕"/>
+        <a:font script="Hans" typeface="宋体"/>
+        <a:font script="Hant" typeface="新細明體"/>
+        <a:font script="Arab" typeface="Arial"/>
+        <a:font script="Hebr" typeface="Arial"/>
+        <a:font script="Thai" typeface="Cordia New"/>
+        <a:font script="Ethi" typeface="Nyala"/>
+        <a:font script="Beng" typeface="Vrinda"/>
+        <a:font script="Gujr" typeface="Shruti"/>
+        <a:font script="Khmr" typeface="DaunPenh"/>
+        <a:font script="Knda" typeface="Tunga"/>
+        <a:font script="Guru" typeface="Raavi"/>
+        <a:font script="Cans" typeface="Euphemia"/>
+        <a:font script="Cher" typeface="Plantagenet Cherokee"/>
+        <a:font script="Yiii" typeface="Microsoft Yi Baiti"/>
+        <a:font script="Tibt" typeface="Microsoft Himalaya"/>
+        <a:font script="Thaa" typeface="MV Boli"/>
+        <a:font script="Deva" typeface="Mangal"/>
+        <a:font script="Telu" typeface="Gautami"/>
+        <a:font script="Taml" typeface="Latha"/>
+        <a:font script="Syrc" typeface="Estrangelo Edessa"/>
+        <a:font script="Orya" typeface="Kalinga"/>
+        <a:font script="Mlym" typeface="Kartika"/>
+        <a:font script="Laoo" typeface="DokChampa"/>
+        <a:font script="Sinh" typeface="Iskoola Pota"/>
+        <a:font script="Mong" typeface="Mongolian Baiti"/>
+        <a:font script="Viet" typeface="Arial"/>
+        <a:font script="Uigh" typeface="Microsoft Uighur"/>
+        <a:font script="Geor" typeface="Sylfaen"/>
       </a:minorFont>
     </a:fontScheme>
-    <a:fmtScheme name="Wood Type">
+    <a:fmtScheme name="Ion">
       <a:fillStyleLst>
         <a:solidFill>
           <a:schemeClr val="phClr"/>
         </a:solidFill>
-        <a:blipFill rotWithShape="1">
-          <a:blip xmlns:r="http://schemas.openxmlformats.org/officeDocument/2006/relationships" r:embed="rId1">
-            <a:duotone>
+        <a:gradFill rotWithShape="1">
+          <a:gsLst>
+            <a:gs pos="0">
               <a:schemeClr val="phClr">
-                <a:tint val="70000"/>
-                <a:shade val="63000"/>
+                <a:tint val="64000"/>
+                <a:lumMod val="118000"/>
               </a:schemeClr>
+            </a:gs>
+            <a:gs pos="100000">
               <a:schemeClr val="phClr">
-                <a:tint val="10000"/>
-                <a:satMod val="150000"/>
+                <a:tint val="92000"/>
+                <a:alpha val="100000"/>
+                <a:lumMod val="110000"/>
               </a:schemeClr>
-            </a:duotone>
-          </a:blip>
-          <a:tile tx="0" ty="0" sx="60000" sy="59000" flip="none" algn="tl"/>
-        </a:blipFill>
-        <a:blipFill rotWithShape="1">
-          <a:blip xmlns:r="http://schemas.openxmlformats.org/officeDocument/2006/relationships" r:embed="rId1">
-            <a:duotone>
+            </a:gs>
+          </a:gsLst>
+          <a:lin ang="5400000" scaled="0"/>
+        </a:gradFill>
+        <a:gradFill rotWithShape="1">
+          <a:gsLst>
+            <a:gs pos="0">
               <a:schemeClr val="phClr">
-                <a:shade val="36000"/>
-                <a:satMod val="120000"/>
+                <a:tint val="98000"/>
+                <a:lumMod val="114000"/>
               </a:schemeClr>
+            </a:gs>
+            <a:gs pos="100000">
               <a:schemeClr val="phClr">
-                <a:tint val="40000"/>
+                <a:shade val="90000"/>
+                <a:lumMod val="84000"/>
               </a:schemeClr>
-            </a:duotone>
-          </a:blip>
-          <a:tile tx="0" ty="0" sx="60000" sy="59000" flip="none" algn="tl"/>
-        </a:blipFill>
+            </a:gs>
+          </a:gsLst>
+          <a:lin ang="5400000" scaled="0"/>
+        </a:gradFill>
       </a:fillStyleLst>
       <a:lnStyleLst>
-        <a:ln w="6350" cap="flat" cmpd="sng" algn="ctr">
+        <a:ln w="9525" cap="rnd" cmpd="sng" algn="ctr">
           <a:solidFill>
             <a:schemeClr val="phClr"/>
           </a:solidFill>
           <a:prstDash val="solid"/>
         </a:ln>
-        <a:ln w="12700" cap="flat" cmpd="sng" algn="ctr">
+        <a:ln w="19050" cap="rnd" cmpd="sng" algn="ctr">
           <a:solidFill>
             <a:schemeClr val="phClr"/>
           </a:solidFill>
           <a:prstDash val="solid"/>
         </a:ln>
-        <a:ln w="19050" cap="flat" cmpd="sng" algn="ctr">
+        <a:ln w="28575" cap="rnd" cmpd="sng" algn="ctr">
           <a:solidFill>
             <a:schemeClr val="phClr"/>
           </a:solidFill>
@@ -4249,45 +6322,78 @@
         </a:effectStyle>
         <a:effectStyle>
           <a:effectLst>
-            <a:softEdge rad="12700"/>
+            <a:outerShdw blurRad="38100" dist="25400" dir="5400000" rotWithShape="0">
+              <a:srgbClr val="000000">
+                <a:alpha val="45000"/>
+              </a:srgbClr>
+            </a:outerShdw>
           </a:effectLst>
         </a:effectStyle>
         <a:effectStyle>
           <a:effectLst>
-            <a:outerShdw blurRad="50800" dist="19050" dir="5400000" algn="tl" rotWithShape="0">
+            <a:outerShdw blurRad="63500" dist="38100" dir="5400000" rotWithShape="0">
               <a:srgbClr val="000000">
                 <a:alpha val="60000"/>
               </a:srgbClr>
             </a:outerShdw>
-            <a:softEdge rad="12700"/>
           </a:effectLst>
+          <a:scene3d>
+            <a:camera prst="orthographicFront">
+              <a:rot lat="0" lon="0" rev="0"/>
+            </a:camera>
+            <a:lightRig rig="threePt" dir="tl"/>
+          </a:scene3d>
+          <a:sp3d prstMaterial="plastic">
+            <a:bevelT w="0" h="0"/>
+          </a:sp3d>
         </a:effectStyle>
       </a:effectStyleLst>
       <a:bgFillStyleLst>
         <a:solidFill>
           <a:schemeClr val="phClr"/>
         </a:solidFill>
-        <a:solidFill>
-          <a:schemeClr val="phClr">
-            <a:shade val="97000"/>
-            <a:satMod val="150000"/>
-          </a:schemeClr>
-        </a:solidFill>
+        <a:gradFill rotWithShape="1">
+          <a:gsLst>
+            <a:gs pos="0">
+              <a:schemeClr val="phClr">
+                <a:tint val="97000"/>
+                <a:hueMod val="88000"/>
+                <a:satMod val="130000"/>
+                <a:lumMod val="124000"/>
+              </a:schemeClr>
+            </a:gs>
+            <a:gs pos="100000">
+              <a:schemeClr val="phClr">
+                <a:tint val="96000"/>
+                <a:shade val="88000"/>
+                <a:hueMod val="108000"/>
+                <a:satMod val="164000"/>
+                <a:lumMod val="76000"/>
+              </a:schemeClr>
+            </a:gs>
+          </a:gsLst>
+          <a:path path="circle">
+            <a:fillToRect l="45000" t="65000" r="125000" b="100000"/>
+          </a:path>
+        </a:gradFill>
         <a:blipFill rotWithShape="1">
           <a:blip xmlns:r="http://schemas.openxmlformats.org/officeDocument/2006/relationships" r:embed="rId1">
             <a:duotone>
               <a:schemeClr val="phClr">
-                <a:tint val="75000"/>
-                <a:shade val="58000"/>
-                <a:satMod val="120000"/>
+                <a:shade val="69000"/>
+                <a:hueMod val="108000"/>
+                <a:satMod val="164000"/>
+                <a:lumMod val="74000"/>
               </a:schemeClr>
               <a:schemeClr val="phClr">
-                <a:tint val="50000"/>
-                <a:shade val="96000"/>
+                <a:tint val="96000"/>
+                <a:hueMod val="88000"/>
+                <a:satMod val="140000"/>
+                <a:lumMod val="132000"/>
               </a:schemeClr>
             </a:duotone>
           </a:blip>
-          <a:tile tx="0" ty="0" sx="100000" sy="100000" flip="none" algn="tl"/>
+          <a:stretch/>
         </a:blipFill>
       </a:bgFillStyleLst>
     </a:fmtScheme>
@@ -4296,7 +6402,7 @@
   <a:extraClrSchemeLst/>
   <a:extLst>
     <a:ext uri="{05A4C25C-085E-4340-85A3-A5531E510DB2}">
-      <thm15:themeFamily xmlns:thm15="http://schemas.microsoft.com/office/thememl/2012/main" name="Wood Type" id="{7ACABC62-BF99-48CF-A9DC-4DB89C7B13DC}" vid="{142A1326-48AB-42A9-8428-CB14AA30176D}"/>
+      <thm15:themeFamily xmlns:thm15="http://schemas.microsoft.com/office/thememl/2012/main" name="Ion" id="{B8441ADB-2E43-4AF7-B97A-BD870242C6A8}" vid="{292E63A9-BB86-4E3D-B92A-7223C6510D2E}"/>
     </a:ext>
   </a:extLst>
 </a:theme>

--- a/static/stock/templates/dark_modern.pptx
+++ b/static/stock/templates/dark_modern.pptx
@@ -2,7 +2,7 @@
 <file path=ppt/presentation.xml><?xml version="1.0" encoding="utf-8"?>
 <p:presentation xmlns:a="http://schemas.openxmlformats.org/drawingml/2006/main" xmlns:r="http://schemas.openxmlformats.org/officeDocument/2006/relationships" xmlns:p="http://schemas.openxmlformats.org/presentationml/2006/main" saveSubsetFonts="1">
   <p:sldMasterIdLst>
-    <p:sldMasterId id="2147483672" r:id="rId1"/>
+    <p:sldMasterId id="2147483708" r:id="rId1"/>
   </p:sldMasterIdLst>
   <p:sldIdLst>
     <p:sldId id="256" r:id="rId2"/>
@@ -141,15 +141,17 @@
         </p:nvSpPr>
         <p:spPr>
           <a:xfrm>
-            <a:off x="1154955" y="1447800"/>
-            <a:ext cx="8825658" cy="3329581"/>
+            <a:off x="1370693" y="1769540"/>
+            <a:ext cx="9440034" cy="1828801"/>
           </a:xfrm>
         </p:spPr>
         <p:txBody>
-          <a:bodyPr anchor="b"/>
+          <a:bodyPr anchor="b">
+            <a:normAutofit/>
+          </a:bodyPr>
           <a:lstStyle>
-            <a:lvl1pPr>
-              <a:defRPr sz="7200"/>
+            <a:lvl1pPr algn="ctr">
+              <a:defRPr sz="5400"/>
             </a:lvl1pPr>
           </a:lstStyle>
           <a:p>
@@ -173,21 +175,18 @@
         </p:nvSpPr>
         <p:spPr>
           <a:xfrm>
-            <a:off x="1154955" y="4777380"/>
-            <a:ext cx="8825658" cy="861420"/>
+            <a:off x="1370693" y="3598339"/>
+            <a:ext cx="9440034" cy="1049867"/>
           </a:xfrm>
         </p:spPr>
         <p:txBody>
           <a:bodyPr anchor="t"/>
           <a:lstStyle>
-            <a:lvl1pPr marL="0" indent="0" algn="l">
-              <a:buNone/>
-              <a:defRPr cap="all">
+            <a:lvl1pPr marL="0" indent="0" algn="ctr">
+              <a:buNone/>
+              <a:defRPr>
                 <a:solidFill>
-                  <a:schemeClr val="bg2">
-                    <a:lumMod val="40000"/>
-                    <a:lumOff val="60000"/>
-                  </a:schemeClr>
+                  <a:schemeClr val="tx1"/>
                 </a:solidFill>
               </a:defRPr>
             </a:lvl1pPr>
@@ -298,7 +297,7 @@
           <a:p>
             <a:fld id="{8405FD1F-A033-42C1-8902-92D91DAC3712}" type="datetimeFigureOut">
               <a:rPr lang="en-US" smtClean="0"/>
-              <a:t>5/25/2024</a:t>
+              <a:t>5/26/2024</a:t>
             </a:fld>
             <a:endParaRPr lang="en-US"/>
           </a:p>
@@ -349,7 +348,7 @@
     </p:spTree>
     <p:extLst>
       <p:ext uri="{BB962C8B-B14F-4D97-AF65-F5344CB8AC3E}">
-        <p14:creationId xmlns:p14="http://schemas.microsoft.com/office/powerpoint/2010/main" val="3449418711"/>
+        <p14:creationId xmlns:p14="http://schemas.microsoft.com/office/powerpoint/2010/main" val="3506691732"/>
       </p:ext>
     </p:extLst>
   </p:cSld>
@@ -376,20 +375,50 @@
           <a:chExt cx="0" cy="0"/>
         </a:xfrm>
       </p:grpSpPr>
-      <p:sp>
-        <p:nvSpPr>
-          <p:cNvPr id="2" name="Title 1"/>
-          <p:cNvSpPr>
-            <a:spLocks noGrp="1"/>
-          </p:cNvSpPr>
-          <p:nvPr>
-            <p:ph type="title"/>
-          </p:nvPr>
-        </p:nvSpPr>
+      <p:pic>
+        <p:nvPicPr>
+          <p:cNvPr id="16" name="Picture 15" descr="Slate-V2-HD-panoPhotoInset.png"/>
+          <p:cNvPicPr>
+            <a:picLocks noChangeAspect="1"/>
+          </p:cNvPicPr>
+          <p:nvPr/>
+        </p:nvPicPr>
+        <p:blipFill>
+          <a:blip r:embed="rId2">
+            <a:extLst>
+              <a:ext uri="{28A0092B-C50C-407E-A947-70E740481C1C}">
+                <a14:useLocalDpi xmlns:a14="http://schemas.microsoft.com/office/drawing/2010/main" val="0"/>
+              </a:ext>
+            </a:extLst>
+          </a:blip>
+          <a:stretch>
+            <a:fillRect/>
+          </a:stretch>
+        </p:blipFill>
         <p:spPr>
           <a:xfrm>
-            <a:off x="1154956" y="4800587"/>
-            <a:ext cx="8825657" cy="566738"/>
+            <a:off x="1013883" y="547807"/>
+            <a:ext cx="10141799" cy="3816806"/>
+          </a:xfrm>
+          <a:prstGeom prst="rect">
+            <a:avLst/>
+          </a:prstGeom>
+        </p:spPr>
+      </p:pic>
+      <p:sp>
+        <p:nvSpPr>
+          <p:cNvPr id="2" name="Title 1"/>
+          <p:cNvSpPr>
+            <a:spLocks noGrp="1"/>
+          </p:cNvSpPr>
+          <p:nvPr>
+            <p:ph type="title"/>
+          </p:nvPr>
+        </p:nvSpPr>
+        <p:spPr>
+          <a:xfrm>
+            <a:off x="913806" y="4565255"/>
+            <a:ext cx="10355326" cy="543472"/>
           </a:xfrm>
         </p:spPr>
         <p:txBody>
@@ -397,8 +426,8 @@
             <a:normAutofit/>
           </a:bodyPr>
           <a:lstStyle>
-            <a:lvl1pPr algn="l">
-              <a:defRPr sz="2400" b="0"/>
+            <a:lvl1pPr algn="ctr">
+              <a:defRPr sz="2800"/>
             </a:lvl1pPr>
           </a:lstStyle>
           <a:p>
@@ -422,18 +451,13 @@
         </p:nvSpPr>
         <p:spPr>
           <a:xfrm>
-            <a:off x="1154955" y="685800"/>
-            <a:ext cx="8825658" cy="3640666"/>
+            <a:off x="1169349" y="695009"/>
+            <a:ext cx="9845346" cy="3525671"/>
           </a:xfrm>
-          <a:prstGeom prst="roundRect">
-            <a:avLst>
-              <a:gd name="adj" fmla="val 1858"/>
-            </a:avLst>
-          </a:prstGeom>
           <a:effectLst>
-            <a:outerShdw blurRad="50800" dist="50800" dir="5400000" algn="tl" rotWithShape="0">
+            <a:outerShdw blurRad="38100" dist="25400" dir="4440000">
               <a:srgbClr val="000000">
-                <a:alpha val="43000"/>
+                <a:alpha val="36000"/>
               </a:srgbClr>
             </a:outerShdw>
           </a:effectLst>
@@ -445,109 +469,107 @@
           <a:lstStyle>
             <a:lvl1pPr marL="0" indent="0" algn="ctr">
               <a:buNone/>
+              <a:defRPr sz="2000"/>
+            </a:lvl1pPr>
+            <a:lvl2pPr marL="457200" indent="0">
+              <a:buNone/>
+              <a:defRPr sz="2000"/>
+            </a:lvl2pPr>
+            <a:lvl3pPr marL="914400" indent="0">
+              <a:buNone/>
+              <a:defRPr sz="2000"/>
+            </a:lvl3pPr>
+            <a:lvl4pPr marL="1371600" indent="0">
+              <a:buNone/>
+              <a:defRPr sz="2000"/>
+            </a:lvl4pPr>
+            <a:lvl5pPr marL="1828800" indent="0">
+              <a:buNone/>
+              <a:defRPr sz="2000"/>
+            </a:lvl5pPr>
+            <a:lvl6pPr marL="2286000" indent="0">
+              <a:buNone/>
+              <a:defRPr sz="2000"/>
+            </a:lvl6pPr>
+            <a:lvl7pPr marL="2743200" indent="0">
+              <a:buNone/>
+              <a:defRPr sz="2000"/>
+            </a:lvl7pPr>
+            <a:lvl8pPr marL="3200400" indent="0">
+              <a:buNone/>
+              <a:defRPr sz="2000"/>
+            </a:lvl8pPr>
+            <a:lvl9pPr marL="3657600" indent="0">
+              <a:buNone/>
+              <a:defRPr sz="2000"/>
+            </a:lvl9pPr>
+          </a:lstStyle>
+          <a:p>
+            <a:r>
+              <a:rPr lang="en-US" smtClean="0"/>
+              <a:t>Click icon to add picture</a:t>
+            </a:r>
+            <a:endParaRPr lang="en-US" dirty="0"/>
+          </a:p>
+        </p:txBody>
+      </p:sp>
+      <p:sp>
+        <p:nvSpPr>
+          <p:cNvPr id="4" name="Text Placeholder 3"/>
+          <p:cNvSpPr>
+            <a:spLocks noGrp="1"/>
+          </p:cNvSpPr>
+          <p:nvPr>
+            <p:ph type="body" sz="half" idx="2"/>
+          </p:nvPr>
+        </p:nvSpPr>
+        <p:spPr>
+          <a:xfrm>
+            <a:off x="913795" y="5108728"/>
+            <a:ext cx="10353762" cy="682472"/>
+          </a:xfrm>
+        </p:spPr>
+        <p:txBody>
+          <a:bodyPr anchor="t"/>
+          <a:lstStyle>
+            <a:lvl1pPr marL="0" indent="0" algn="ctr">
+              <a:buNone/>
               <a:defRPr sz="1600"/>
             </a:lvl1pPr>
             <a:lvl2pPr marL="457200" indent="0">
               <a:buNone/>
-              <a:defRPr sz="1600"/>
+              <a:defRPr sz="1400"/>
             </a:lvl2pPr>
             <a:lvl3pPr marL="914400" indent="0">
               <a:buNone/>
-              <a:defRPr sz="1600"/>
+              <a:defRPr sz="1200"/>
             </a:lvl3pPr>
             <a:lvl4pPr marL="1371600" indent="0">
               <a:buNone/>
-              <a:defRPr sz="1600"/>
+              <a:defRPr sz="1000"/>
             </a:lvl4pPr>
             <a:lvl5pPr marL="1828800" indent="0">
               <a:buNone/>
-              <a:defRPr sz="1600"/>
+              <a:defRPr sz="1000"/>
             </a:lvl5pPr>
             <a:lvl6pPr marL="2286000" indent="0">
               <a:buNone/>
-              <a:defRPr sz="1600"/>
+              <a:defRPr sz="1000"/>
             </a:lvl6pPr>
             <a:lvl7pPr marL="2743200" indent="0">
               <a:buNone/>
-              <a:defRPr sz="1600"/>
+              <a:defRPr sz="1000"/>
             </a:lvl7pPr>
             <a:lvl8pPr marL="3200400" indent="0">
               <a:buNone/>
-              <a:defRPr sz="1600"/>
+              <a:defRPr sz="1000"/>
             </a:lvl8pPr>
             <a:lvl9pPr marL="3657600" indent="0">
               <a:buNone/>
-              <a:defRPr sz="1600"/>
+              <a:defRPr sz="1000"/>
             </a:lvl9pPr>
           </a:lstStyle>
           <a:p>
-            <a:r>
-              <a:rPr lang="en-US" smtClean="0"/>
-              <a:t>Click icon to add picture</a:t>
-            </a:r>
-            <a:endParaRPr lang="en-US" dirty="0"/>
-          </a:p>
-        </p:txBody>
-      </p:sp>
-      <p:sp>
-        <p:nvSpPr>
-          <p:cNvPr id="4" name="Text Placeholder 3"/>
-          <p:cNvSpPr>
-            <a:spLocks noGrp="1"/>
-          </p:cNvSpPr>
-          <p:nvPr>
-            <p:ph type="body" sz="half" idx="2"/>
-          </p:nvPr>
-        </p:nvSpPr>
-        <p:spPr>
-          <a:xfrm>
-            <a:off x="1154956" y="5367325"/>
-            <a:ext cx="8825656" cy="493712"/>
-          </a:xfrm>
-        </p:spPr>
-        <p:txBody>
-          <a:bodyPr>
-            <a:normAutofit/>
-          </a:bodyPr>
-          <a:lstStyle>
-            <a:lvl1pPr marL="0" indent="0">
-              <a:buNone/>
-              <a:defRPr sz="1200"/>
-            </a:lvl1pPr>
-            <a:lvl2pPr marL="457200" indent="0">
-              <a:buNone/>
-              <a:defRPr sz="1200"/>
-            </a:lvl2pPr>
-            <a:lvl3pPr marL="914400" indent="0">
-              <a:buNone/>
-              <a:defRPr sz="1000"/>
-            </a:lvl3pPr>
-            <a:lvl4pPr marL="1371600" indent="0">
-              <a:buNone/>
-              <a:defRPr sz="900"/>
-            </a:lvl4pPr>
-            <a:lvl5pPr marL="1828800" indent="0">
-              <a:buNone/>
-              <a:defRPr sz="900"/>
-            </a:lvl5pPr>
-            <a:lvl6pPr marL="2286000" indent="0">
-              <a:buNone/>
-              <a:defRPr sz="900"/>
-            </a:lvl6pPr>
-            <a:lvl7pPr marL="2743200" indent="0">
-              <a:buNone/>
-              <a:defRPr sz="900"/>
-            </a:lvl7pPr>
-            <a:lvl8pPr marL="3200400" indent="0">
-              <a:buNone/>
-              <a:defRPr sz="900"/>
-            </a:lvl8pPr>
-            <a:lvl9pPr marL="3657600" indent="0">
-              <a:buNone/>
-              <a:defRPr sz="900"/>
-            </a:lvl9pPr>
-          </a:lstStyle>
-          <a:p>
             <a:pPr lvl="0"/>
             <a:r>
               <a:rPr lang="en-US" smtClean="0"/>
@@ -573,7 +595,7 @@
           <a:p>
             <a:fld id="{8405FD1F-A033-42C1-8902-92D91DAC3712}" type="datetimeFigureOut">
               <a:rPr lang="en-US" smtClean="0"/>
-              <a:t>5/25/2024</a:t>
+              <a:t>5/26/2024</a:t>
             </a:fld>
             <a:endParaRPr lang="en-US"/>
           </a:p>
@@ -624,7 +646,7 @@
     </p:spTree>
     <p:extLst>
       <p:ext uri="{BB962C8B-B14F-4D97-AF65-F5344CB8AC3E}">
-        <p14:creationId xmlns:p14="http://schemas.microsoft.com/office/powerpoint/2010/main" val="435808614"/>
+        <p14:creationId xmlns:p14="http://schemas.microsoft.com/office/powerpoint/2010/main" val="3275554519"/>
       </p:ext>
     </p:extLst>
   </p:cSld>
@@ -663,15 +685,15 @@
         </p:nvSpPr>
         <p:spPr>
           <a:xfrm>
-            <a:off x="1154954" y="1447800"/>
-            <a:ext cx="8825659" cy="1981200"/>
+            <a:off x="913795" y="608437"/>
+            <a:ext cx="10353762" cy="3534344"/>
           </a:xfrm>
         </p:spPr>
         <p:txBody>
-          <a:bodyPr/>
+          <a:bodyPr anchor="ctr"/>
           <a:lstStyle>
             <a:lvl1pPr>
-              <a:defRPr sz="4800"/>
+              <a:defRPr sz="3200"/>
             </a:lvl1pPr>
           </a:lstStyle>
           <a:p>
@@ -685,7 +707,7 @@
       </p:sp>
       <p:sp>
         <p:nvSpPr>
-          <p:cNvPr id="8" name="Text Placeholder 3"/>
+          <p:cNvPr id="4" name="Text Placeholder 3"/>
           <p:cNvSpPr>
             <a:spLocks noGrp="1"/>
           </p:cNvSpPr>
@@ -695,50 +717,48 @@
         </p:nvSpPr>
         <p:spPr>
           <a:xfrm>
-            <a:off x="1154954" y="3657600"/>
-            <a:ext cx="8825659" cy="2362200"/>
+            <a:off x="913794" y="4295180"/>
+            <a:ext cx="10353763" cy="1501826"/>
           </a:xfrm>
         </p:spPr>
         <p:txBody>
-          <a:bodyPr anchor="ctr">
-            <a:normAutofit/>
-          </a:bodyPr>
+          <a:bodyPr anchor="ctr"/>
           <a:lstStyle>
-            <a:lvl1pPr marL="0" indent="0">
-              <a:buNone/>
-              <a:defRPr sz="1800"/>
+            <a:lvl1pPr marL="0" indent="0" algn="ctr">
+              <a:buNone/>
+              <a:defRPr sz="1600"/>
             </a:lvl1pPr>
             <a:lvl2pPr marL="457200" indent="0">
               <a:buNone/>
-              <a:defRPr sz="1200"/>
+              <a:defRPr sz="1400"/>
             </a:lvl2pPr>
             <a:lvl3pPr marL="914400" indent="0">
               <a:buNone/>
-              <a:defRPr sz="1000"/>
+              <a:defRPr sz="1200"/>
             </a:lvl3pPr>
             <a:lvl4pPr marL="1371600" indent="0">
               <a:buNone/>
-              <a:defRPr sz="900"/>
+              <a:defRPr sz="1000"/>
             </a:lvl4pPr>
             <a:lvl5pPr marL="1828800" indent="0">
               <a:buNone/>
-              <a:defRPr sz="900"/>
+              <a:defRPr sz="1000"/>
             </a:lvl5pPr>
             <a:lvl6pPr marL="2286000" indent="0">
               <a:buNone/>
-              <a:defRPr sz="900"/>
+              <a:defRPr sz="1000"/>
             </a:lvl6pPr>
             <a:lvl7pPr marL="2743200" indent="0">
               <a:buNone/>
-              <a:defRPr sz="900"/>
+              <a:defRPr sz="1000"/>
             </a:lvl7pPr>
             <a:lvl8pPr marL="3200400" indent="0">
               <a:buNone/>
-              <a:defRPr sz="900"/>
+              <a:defRPr sz="1000"/>
             </a:lvl8pPr>
             <a:lvl9pPr marL="3657600" indent="0">
               <a:buNone/>
-              <a:defRPr sz="900"/>
+              <a:defRPr sz="1000"/>
             </a:lvl9pPr>
           </a:lstStyle>
           <a:p>
@@ -752,7 +772,7 @@
       </p:sp>
       <p:sp>
         <p:nvSpPr>
-          <p:cNvPr id="4" name="Date Placeholder 3"/>
+          <p:cNvPr id="5" name="Date Placeholder 4"/>
           <p:cNvSpPr>
             <a:spLocks noGrp="1"/>
           </p:cNvSpPr>
@@ -767,7 +787,7 @@
           <a:p>
             <a:fld id="{8405FD1F-A033-42C1-8902-92D91DAC3712}" type="datetimeFigureOut">
               <a:rPr lang="en-US" smtClean="0"/>
-              <a:t>5/25/2024</a:t>
+              <a:t>5/26/2024</a:t>
             </a:fld>
             <a:endParaRPr lang="en-US"/>
           </a:p>
@@ -775,7 +795,7 @@
       </p:sp>
       <p:sp>
         <p:nvSpPr>
-          <p:cNvPr id="5" name="Footer Placeholder 4"/>
+          <p:cNvPr id="6" name="Footer Placeholder 5"/>
           <p:cNvSpPr>
             <a:spLocks noGrp="1"/>
           </p:cNvSpPr>
@@ -794,7 +814,7 @@
       </p:sp>
       <p:sp>
         <p:nvSpPr>
-          <p:cNvPr id="6" name="Slide Number Placeholder 5"/>
+          <p:cNvPr id="7" name="Slide Number Placeholder 6"/>
           <p:cNvSpPr>
             <a:spLocks noGrp="1"/>
           </p:cNvSpPr>
@@ -818,7 +838,7 @@
     </p:spTree>
     <p:extLst>
       <p:ext uri="{BB962C8B-B14F-4D97-AF65-F5344CB8AC3E}">
-        <p14:creationId xmlns:p14="http://schemas.microsoft.com/office/powerpoint/2010/main" val="1880045636"/>
+        <p14:creationId xmlns:p14="http://schemas.microsoft.com/office/powerpoint/2010/main" val="772765262"/>
       </p:ext>
     </p:extLst>
   </p:cSld>
@@ -857,15 +877,15 @@
         </p:nvSpPr>
         <p:spPr>
           <a:xfrm>
-            <a:off x="1574801" y="1447800"/>
-            <a:ext cx="7999315" cy="2323374"/>
+            <a:off x="1446212" y="609600"/>
+            <a:ext cx="9302752" cy="2992904"/>
           </a:xfrm>
         </p:spPr>
         <p:txBody>
-          <a:bodyPr/>
+          <a:bodyPr anchor="ctr"/>
           <a:lstStyle>
             <a:lvl1pPr>
-              <a:defRPr sz="4800"/>
+              <a:defRPr sz="3200"/>
             </a:lvl1pPr>
           </a:lstStyle>
           <a:p>
@@ -879,76 +899,64 @@
       </p:sp>
       <p:sp>
         <p:nvSpPr>
-          <p:cNvPr id="11" name="Text Placeholder 3"/>
-          <p:cNvSpPr>
-            <a:spLocks noGrp="1"/>
-          </p:cNvSpPr>
-          <p:nvPr>
-            <p:ph type="body" sz="half" idx="14"/>
+          <p:cNvPr id="12" name="Text Placeholder 3"/>
+          <p:cNvSpPr>
+            <a:spLocks noGrp="1"/>
+          </p:cNvSpPr>
+          <p:nvPr>
+            <p:ph type="body" sz="half" idx="13"/>
           </p:nvPr>
         </p:nvSpPr>
         <p:spPr>
           <a:xfrm>
-            <a:off x="1930400" y="3771174"/>
-            <a:ext cx="7279649" cy="342174"/>
+            <a:off x="1720644" y="3610032"/>
+            <a:ext cx="8752299" cy="532749"/>
           </a:xfrm>
         </p:spPr>
         <p:txBody>
-          <a:bodyPr vert="horz" lIns="91440" tIns="45720" rIns="91440" bIns="45720" rtlCol="0" anchor="t">
+          <a:bodyPr anchor="t">
             <a:normAutofit/>
           </a:bodyPr>
           <a:lstStyle>
-            <a:lvl1pPr marL="0" indent="0">
-              <a:buNone/>
-              <a:defRPr lang="en-US" sz="1400" b="0" i="0" kern="1200" cap="small" dirty="0">
-                <a:solidFill>
-                  <a:schemeClr val="bg2">
-                    <a:lumMod val="40000"/>
-                    <a:lumOff val="60000"/>
-                  </a:schemeClr>
-                </a:solidFill>
-                <a:latin typeface="+mj-lt"/>
-                <a:ea typeface="+mj-ea"/>
-                <a:cs typeface="+mj-cs"/>
-              </a:defRPr>
+            <a:lvl1pPr marL="0" indent="0" algn="r">
+              <a:buNone/>
+              <a:defRPr sz="1400"/>
             </a:lvl1pPr>
             <a:lvl2pPr marL="457200" indent="0">
               <a:buNone/>
-              <a:defRPr sz="1200"/>
+              <a:defRPr sz="1400"/>
             </a:lvl2pPr>
             <a:lvl3pPr marL="914400" indent="0">
               <a:buNone/>
-              <a:defRPr sz="1000"/>
+              <a:defRPr sz="1200"/>
             </a:lvl3pPr>
             <a:lvl4pPr marL="1371600" indent="0">
               <a:buNone/>
-              <a:defRPr sz="900"/>
+              <a:defRPr sz="1000"/>
             </a:lvl4pPr>
             <a:lvl5pPr marL="1828800" indent="0">
               <a:buNone/>
-              <a:defRPr sz="900"/>
+              <a:defRPr sz="1000"/>
             </a:lvl5pPr>
             <a:lvl6pPr marL="2286000" indent="0">
               <a:buNone/>
-              <a:defRPr sz="900"/>
+              <a:defRPr sz="1000"/>
             </a:lvl6pPr>
             <a:lvl7pPr marL="2743200" indent="0">
               <a:buNone/>
-              <a:defRPr sz="900"/>
+              <a:defRPr sz="1000"/>
             </a:lvl7pPr>
             <a:lvl8pPr marL="3200400" indent="0">
               <a:buNone/>
-              <a:defRPr sz="900"/>
+              <a:defRPr sz="1000"/>
             </a:lvl8pPr>
             <a:lvl9pPr marL="3657600" indent="0">
               <a:buNone/>
-              <a:defRPr sz="900"/>
+              <a:defRPr sz="1000"/>
             </a:lvl9pPr>
           </a:lstStyle>
           <a:p>
-            <a:pPr marL="0" lvl="0" indent="0">
-              <a:buNone/>
-            </a:pPr>
+            <a:pPr lvl="0"/>
             <a:r>
               <a:rPr lang="en-US" smtClean="0"/>
               <a:t>Click to edit Master text styles</a:t>
@@ -958,7 +966,7 @@
       </p:sp>
       <p:sp>
         <p:nvSpPr>
-          <p:cNvPr id="10" name="Text Placeholder 3"/>
+          <p:cNvPr id="4" name="Text Placeholder 3"/>
           <p:cNvSpPr>
             <a:spLocks noGrp="1"/>
           </p:cNvSpPr>
@@ -968,8 +976,8 @@
         </p:nvSpPr>
         <p:spPr>
           <a:xfrm>
-            <a:off x="1154954" y="4350657"/>
-            <a:ext cx="8825659" cy="1676400"/>
+            <a:off x="913794" y="4304353"/>
+            <a:ext cx="10353763" cy="1489496"/>
           </a:xfrm>
         </p:spPr>
         <p:txBody>
@@ -977,41 +985,41 @@
             <a:normAutofit/>
           </a:bodyPr>
           <a:lstStyle>
-            <a:lvl1pPr marL="0" indent="0">
-              <a:buNone/>
-              <a:defRPr sz="1800"/>
+            <a:lvl1pPr marL="0" indent="0" algn="ctr">
+              <a:buNone/>
+              <a:defRPr sz="1600"/>
             </a:lvl1pPr>
             <a:lvl2pPr marL="457200" indent="0">
               <a:buNone/>
-              <a:defRPr sz="1200"/>
+              <a:defRPr sz="1400"/>
             </a:lvl2pPr>
             <a:lvl3pPr marL="914400" indent="0">
               <a:buNone/>
-              <a:defRPr sz="1000"/>
+              <a:defRPr sz="1200"/>
             </a:lvl3pPr>
             <a:lvl4pPr marL="1371600" indent="0">
               <a:buNone/>
-              <a:defRPr sz="900"/>
+              <a:defRPr sz="1000"/>
             </a:lvl4pPr>
             <a:lvl5pPr marL="1828800" indent="0">
               <a:buNone/>
-              <a:defRPr sz="900"/>
+              <a:defRPr sz="1000"/>
             </a:lvl5pPr>
             <a:lvl6pPr marL="2286000" indent="0">
               <a:buNone/>
-              <a:defRPr sz="900"/>
+              <a:defRPr sz="1000"/>
             </a:lvl6pPr>
             <a:lvl7pPr marL="2743200" indent="0">
               <a:buNone/>
-              <a:defRPr sz="900"/>
+              <a:defRPr sz="1000"/>
             </a:lvl7pPr>
             <a:lvl8pPr marL="3200400" indent="0">
               <a:buNone/>
-              <a:defRPr sz="900"/>
+              <a:defRPr sz="1000"/>
             </a:lvl8pPr>
             <a:lvl9pPr marL="3657600" indent="0">
               <a:buNone/>
-              <a:defRPr sz="900"/>
+              <a:defRPr sz="1000"/>
             </a:lvl9pPr>
           </a:lstStyle>
           <a:p>
@@ -1025,7 +1033,7 @@
       </p:sp>
       <p:sp>
         <p:nvSpPr>
-          <p:cNvPr id="4" name="Date Placeholder 3"/>
+          <p:cNvPr id="5" name="Date Placeholder 4"/>
           <p:cNvSpPr>
             <a:spLocks noGrp="1"/>
           </p:cNvSpPr>
@@ -1040,7 +1048,7 @@
           <a:p>
             <a:fld id="{8405FD1F-A033-42C1-8902-92D91DAC3712}" type="datetimeFigureOut">
               <a:rPr lang="en-US" smtClean="0"/>
-              <a:t>5/25/2024</a:t>
+              <a:t>5/26/2024</a:t>
             </a:fld>
             <a:endParaRPr lang="en-US"/>
           </a:p>
@@ -1048,7 +1056,7 @@
       </p:sp>
       <p:sp>
         <p:nvSpPr>
-          <p:cNvPr id="5" name="Footer Placeholder 4"/>
+          <p:cNvPr id="6" name="Footer Placeholder 5"/>
           <p:cNvSpPr>
             <a:spLocks noGrp="1"/>
           </p:cNvSpPr>
@@ -1067,7 +1075,7 @@
       </p:sp>
       <p:sp>
         <p:nvSpPr>
-          <p:cNvPr id="6" name="Slide Number Placeholder 5"/>
+          <p:cNvPr id="7" name="Slide Number Placeholder 6"/>
           <p:cNvSpPr>
             <a:spLocks noGrp="1"/>
           </p:cNvSpPr>
@@ -1090,46 +1098,115 @@
       </p:sp>
       <p:sp>
         <p:nvSpPr>
-          <p:cNvPr id="12" name="TextBox 11"/>
+          <p:cNvPr id="11" name="TextBox 10"/>
           <p:cNvSpPr txBox="1"/>
           <p:nvPr/>
         </p:nvSpPr>
         <p:spPr>
           <a:xfrm>
-            <a:off x="898295" y="971253"/>
-            <a:ext cx="801912" cy="1969770"/>
+            <a:off x="990600" y="884796"/>
+            <a:ext cx="609600" cy="584776"/>
           </a:xfrm>
           <a:prstGeom prst="rect">
             <a:avLst/>
           </a:prstGeom>
-          <a:noFill/>
         </p:spPr>
         <p:txBody>
-          <a:bodyPr wrap="square" rtlCol="0">
-            <a:spAutoFit/>
+          <a:bodyPr vert="horz" lIns="91440" tIns="45720" rIns="91440" bIns="45720" rtlCol="0" anchor="ctr">
+            <a:noAutofit/>
           </a:bodyPr>
           <a:lstStyle>
-            <a:defPPr>
-              <a:defRPr lang="en-US"/>
-            </a:defPPr>
-            <a:lvl1pPr algn="r">
-              <a:defRPr sz="12200" b="0" i="0">
-                <a:solidFill>
-                  <a:schemeClr val="bg2">
-                    <a:lumMod val="40000"/>
-                    <a:lumOff val="60000"/>
-                  </a:schemeClr>
-                </a:solidFill>
-                <a:latin typeface="Arial"/>
-                <a:ea typeface="+mj-ea"/>
-                <a:cs typeface="+mj-cs"/>
+            <a:lvl1pPr>
+              <a:spcBef>
+                <a:spcPct val="0"/>
+              </a:spcBef>
+              <a:buNone/>
+              <a:defRPr sz="3200" b="0" cap="all">
+                <a:ln w="3175" cmpd="sng">
+                  <a:noFill/>
+                </a:ln>
+                <a:effectLst>
+                  <a:glow rad="38100">
+                    <a:schemeClr val="bg1">
+                      <a:lumMod val="65000"/>
+                      <a:lumOff val="35000"/>
+                      <a:alpha val="40000"/>
+                    </a:schemeClr>
+                  </a:glow>
+                  <a:outerShdw blurRad="28575" dist="38100" dir="14040000" algn="tl" rotWithShape="0">
+                    <a:srgbClr val="000000">
+                      <a:alpha val="25000"/>
+                    </a:srgbClr>
+                  </a:outerShdw>
+                </a:effectLst>
               </a:defRPr>
             </a:lvl1pPr>
+            <a:lvl2pPr>
+              <a:defRPr>
+                <a:solidFill>
+                  <a:schemeClr val="tx2"/>
+                </a:solidFill>
+              </a:defRPr>
+            </a:lvl2pPr>
+            <a:lvl3pPr>
+              <a:defRPr>
+                <a:solidFill>
+                  <a:schemeClr val="tx2"/>
+                </a:solidFill>
+              </a:defRPr>
+            </a:lvl3pPr>
+            <a:lvl4pPr>
+              <a:defRPr>
+                <a:solidFill>
+                  <a:schemeClr val="tx2"/>
+                </a:solidFill>
+              </a:defRPr>
+            </a:lvl4pPr>
+            <a:lvl5pPr>
+              <a:defRPr>
+                <a:solidFill>
+                  <a:schemeClr val="tx2"/>
+                </a:solidFill>
+              </a:defRPr>
+            </a:lvl5pPr>
+            <a:lvl6pPr>
+              <a:defRPr>
+                <a:solidFill>
+                  <a:schemeClr val="tx2"/>
+                </a:solidFill>
+              </a:defRPr>
+            </a:lvl6pPr>
+            <a:lvl7pPr>
+              <a:defRPr>
+                <a:solidFill>
+                  <a:schemeClr val="tx2"/>
+                </a:solidFill>
+              </a:defRPr>
+            </a:lvl7pPr>
+            <a:lvl8pPr>
+              <a:defRPr>
+                <a:solidFill>
+                  <a:schemeClr val="tx2"/>
+                </a:solidFill>
+              </a:defRPr>
+            </a:lvl8pPr>
+            <a:lvl9pPr>
+              <a:defRPr>
+                <a:solidFill>
+                  <a:schemeClr val="tx2"/>
+                </a:solidFill>
+              </a:defRPr>
+            </a:lvl9pPr>
           </a:lstStyle>
           <a:p>
             <a:pPr lvl="0"/>
             <a:r>
-              <a:rPr lang="en-US" dirty="0"/>
+              <a:rPr lang="en-US" sz="8000" dirty="0">
+                <a:solidFill>
+                  <a:schemeClr val="tx1"/>
+                </a:solidFill>
+                <a:effectLst/>
+              </a:rPr>
               <a:t>“</a:t>
             </a:r>
           </a:p>
@@ -1137,46 +1214,115 @@
       </p:sp>
       <p:sp>
         <p:nvSpPr>
-          <p:cNvPr id="15" name="TextBox 14"/>
+          <p:cNvPr id="13" name="TextBox 12"/>
           <p:cNvSpPr txBox="1"/>
           <p:nvPr/>
         </p:nvSpPr>
         <p:spPr>
           <a:xfrm>
-            <a:off x="9330490" y="2613787"/>
-            <a:ext cx="801912" cy="1969770"/>
+            <a:off x="10504716" y="2928258"/>
+            <a:ext cx="609600" cy="584776"/>
           </a:xfrm>
           <a:prstGeom prst="rect">
             <a:avLst/>
           </a:prstGeom>
-          <a:noFill/>
         </p:spPr>
         <p:txBody>
-          <a:bodyPr wrap="square" rtlCol="0">
-            <a:spAutoFit/>
+          <a:bodyPr vert="horz" lIns="91440" tIns="45720" rIns="91440" bIns="45720" rtlCol="0" anchor="ctr">
+            <a:noAutofit/>
           </a:bodyPr>
           <a:lstStyle>
-            <a:defPPr>
-              <a:defRPr lang="en-US"/>
-            </a:defPPr>
-            <a:lvl1pPr algn="r">
-              <a:defRPr sz="12200" b="0" i="0">
-                <a:solidFill>
-                  <a:schemeClr val="bg2">
-                    <a:lumMod val="40000"/>
-                    <a:lumOff val="60000"/>
-                  </a:schemeClr>
-                </a:solidFill>
-                <a:latin typeface="Arial"/>
-                <a:ea typeface="+mj-ea"/>
-                <a:cs typeface="+mj-cs"/>
+            <a:lvl1pPr>
+              <a:spcBef>
+                <a:spcPct val="0"/>
+              </a:spcBef>
+              <a:buNone/>
+              <a:defRPr sz="3200" b="0" cap="all">
+                <a:ln w="3175" cmpd="sng">
+                  <a:noFill/>
+                </a:ln>
+                <a:effectLst>
+                  <a:glow rad="38100">
+                    <a:schemeClr val="bg1">
+                      <a:lumMod val="65000"/>
+                      <a:lumOff val="35000"/>
+                      <a:alpha val="40000"/>
+                    </a:schemeClr>
+                  </a:glow>
+                  <a:outerShdw blurRad="28575" dist="38100" dir="14040000" algn="tl" rotWithShape="0">
+                    <a:srgbClr val="000000">
+                      <a:alpha val="25000"/>
+                    </a:srgbClr>
+                  </a:outerShdw>
+                </a:effectLst>
               </a:defRPr>
             </a:lvl1pPr>
+            <a:lvl2pPr>
+              <a:defRPr>
+                <a:solidFill>
+                  <a:schemeClr val="tx2"/>
+                </a:solidFill>
+              </a:defRPr>
+            </a:lvl2pPr>
+            <a:lvl3pPr>
+              <a:defRPr>
+                <a:solidFill>
+                  <a:schemeClr val="tx2"/>
+                </a:solidFill>
+              </a:defRPr>
+            </a:lvl3pPr>
+            <a:lvl4pPr>
+              <a:defRPr>
+                <a:solidFill>
+                  <a:schemeClr val="tx2"/>
+                </a:solidFill>
+              </a:defRPr>
+            </a:lvl4pPr>
+            <a:lvl5pPr>
+              <a:defRPr>
+                <a:solidFill>
+                  <a:schemeClr val="tx2"/>
+                </a:solidFill>
+              </a:defRPr>
+            </a:lvl5pPr>
+            <a:lvl6pPr>
+              <a:defRPr>
+                <a:solidFill>
+                  <a:schemeClr val="tx2"/>
+                </a:solidFill>
+              </a:defRPr>
+            </a:lvl6pPr>
+            <a:lvl7pPr>
+              <a:defRPr>
+                <a:solidFill>
+                  <a:schemeClr val="tx2"/>
+                </a:solidFill>
+              </a:defRPr>
+            </a:lvl7pPr>
+            <a:lvl8pPr>
+              <a:defRPr>
+                <a:solidFill>
+                  <a:schemeClr val="tx2"/>
+                </a:solidFill>
+              </a:defRPr>
+            </a:lvl8pPr>
+            <a:lvl9pPr>
+              <a:defRPr>
+                <a:solidFill>
+                  <a:schemeClr val="tx2"/>
+                </a:solidFill>
+              </a:defRPr>
+            </a:lvl9pPr>
           </a:lstStyle>
           <a:p>
-            <a:pPr lvl="0"/>
-            <a:r>
-              <a:rPr lang="en-US" dirty="0"/>
+            <a:pPr lvl="0" algn="r"/>
+            <a:r>
+              <a:rPr lang="en-US" sz="8000" dirty="0">
+                <a:solidFill>
+                  <a:schemeClr val="tx1"/>
+                </a:solidFill>
+                <a:effectLst/>
+              </a:rPr>
               <a:t>”</a:t>
             </a:r>
           </a:p>
@@ -1185,7 +1331,7 @@
     </p:spTree>
     <p:extLst>
       <p:ext uri="{BB962C8B-B14F-4D97-AF65-F5344CB8AC3E}">
-        <p14:creationId xmlns:p14="http://schemas.microsoft.com/office/powerpoint/2010/main" val="693910829"/>
+        <p14:creationId xmlns:p14="http://schemas.microsoft.com/office/powerpoint/2010/main" val="3537260196"/>
       </p:ext>
     </p:extLst>
   </p:cSld>
@@ -1224,15 +1370,15 @@
         </p:nvSpPr>
         <p:spPr>
           <a:xfrm>
-            <a:off x="1154954" y="3124201"/>
-            <a:ext cx="8825660" cy="1653180"/>
+            <a:off x="913794" y="2126942"/>
+            <a:ext cx="10353763" cy="2511835"/>
           </a:xfrm>
         </p:spPr>
         <p:txBody>
           <a:bodyPr anchor="b"/>
           <a:lstStyle>
-            <a:lvl1pPr algn="l">
-              <a:defRPr sz="4000" b="0" cap="none"/>
+            <a:lvl1pPr>
+              <a:defRPr sz="3200"/>
             </a:lvl1pPr>
           </a:lstStyle>
           <a:p>
@@ -1246,113 +1392,58 @@
       </p:sp>
       <p:sp>
         <p:nvSpPr>
-          <p:cNvPr id="3" name="Text Placeholder 2"/>
-          <p:cNvSpPr>
-            <a:spLocks noGrp="1"/>
-          </p:cNvSpPr>
-          <p:nvPr>
-            <p:ph type="body" idx="1"/>
+          <p:cNvPr id="4" name="Text Placeholder 3"/>
+          <p:cNvSpPr>
+            <a:spLocks noGrp="1"/>
+          </p:cNvSpPr>
+          <p:nvPr>
+            <p:ph type="body" sz="half" idx="2"/>
           </p:nvPr>
         </p:nvSpPr>
         <p:spPr>
           <a:xfrm>
-            <a:off x="1154954" y="4777381"/>
-            <a:ext cx="8825659" cy="860400"/>
+            <a:off x="913784" y="4650556"/>
+            <a:ext cx="10352199" cy="1140644"/>
           </a:xfrm>
         </p:spPr>
         <p:txBody>
           <a:bodyPr anchor="t"/>
           <a:lstStyle>
-            <a:lvl1pPr marL="0" indent="0" algn="l">
-              <a:buNone/>
-              <a:defRPr sz="2000" cap="none">
-                <a:solidFill>
-                  <a:schemeClr val="bg2">
-                    <a:lumMod val="40000"/>
-                    <a:lumOff val="60000"/>
-                  </a:schemeClr>
-                </a:solidFill>
-              </a:defRPr>
+            <a:lvl1pPr marL="0" indent="0" algn="ctr">
+              <a:buNone/>
+              <a:defRPr sz="1600"/>
             </a:lvl1pPr>
             <a:lvl2pPr marL="457200" indent="0">
               <a:buNone/>
-              <a:defRPr sz="1800">
-                <a:solidFill>
-                  <a:schemeClr val="tx1">
-                    <a:tint val="75000"/>
-                  </a:schemeClr>
-                </a:solidFill>
-              </a:defRPr>
+              <a:defRPr sz="1400"/>
             </a:lvl2pPr>
             <a:lvl3pPr marL="914400" indent="0">
               <a:buNone/>
-              <a:defRPr sz="1600">
-                <a:solidFill>
-                  <a:schemeClr val="tx1">
-                    <a:tint val="75000"/>
-                  </a:schemeClr>
-                </a:solidFill>
-              </a:defRPr>
+              <a:defRPr sz="1200"/>
             </a:lvl3pPr>
             <a:lvl4pPr marL="1371600" indent="0">
               <a:buNone/>
-              <a:defRPr sz="1400">
-                <a:solidFill>
-                  <a:schemeClr val="tx1">
-                    <a:tint val="75000"/>
-                  </a:schemeClr>
-                </a:solidFill>
-              </a:defRPr>
+              <a:defRPr sz="1000"/>
             </a:lvl4pPr>
             <a:lvl5pPr marL="1828800" indent="0">
               <a:buNone/>
-              <a:defRPr sz="1400">
-                <a:solidFill>
-                  <a:schemeClr val="tx1">
-                    <a:tint val="75000"/>
-                  </a:schemeClr>
-                </a:solidFill>
-              </a:defRPr>
+              <a:defRPr sz="1000"/>
             </a:lvl5pPr>
             <a:lvl6pPr marL="2286000" indent="0">
               <a:buNone/>
-              <a:defRPr sz="1400">
-                <a:solidFill>
-                  <a:schemeClr val="tx1">
-                    <a:tint val="75000"/>
-                  </a:schemeClr>
-                </a:solidFill>
-              </a:defRPr>
+              <a:defRPr sz="1000"/>
             </a:lvl6pPr>
             <a:lvl7pPr marL="2743200" indent="0">
               <a:buNone/>
-              <a:defRPr sz="1400">
-                <a:solidFill>
-                  <a:schemeClr val="tx1">
-                    <a:tint val="75000"/>
-                  </a:schemeClr>
-                </a:solidFill>
-              </a:defRPr>
+              <a:defRPr sz="1000"/>
             </a:lvl7pPr>
             <a:lvl8pPr marL="3200400" indent="0">
               <a:buNone/>
-              <a:defRPr sz="1400">
-                <a:solidFill>
-                  <a:schemeClr val="tx1">
-                    <a:tint val="75000"/>
-                  </a:schemeClr>
-                </a:solidFill>
-              </a:defRPr>
+              <a:defRPr sz="1000"/>
             </a:lvl8pPr>
             <a:lvl9pPr marL="3657600" indent="0">
               <a:buNone/>
-              <a:defRPr sz="1400">
-                <a:solidFill>
-                  <a:schemeClr val="tx1">
-                    <a:tint val="75000"/>
-                  </a:schemeClr>
-                </a:solidFill>
-              </a:defRPr>
+              <a:defRPr sz="1000"/>
             </a:lvl9pPr>
           </a:lstStyle>
           <a:p>
@@ -1366,7 +1457,7 @@
       </p:sp>
       <p:sp>
         <p:nvSpPr>
-          <p:cNvPr id="4" name="Date Placeholder 3"/>
+          <p:cNvPr id="5" name="Date Placeholder 4"/>
           <p:cNvSpPr>
             <a:spLocks noGrp="1"/>
           </p:cNvSpPr>
@@ -1381,7 +1472,7 @@
           <a:p>
             <a:fld id="{8405FD1F-A033-42C1-8902-92D91DAC3712}" type="datetimeFigureOut">
               <a:rPr lang="en-US" smtClean="0"/>
-              <a:t>5/25/2024</a:t>
+              <a:t>5/26/2024</a:t>
             </a:fld>
             <a:endParaRPr lang="en-US"/>
           </a:p>
@@ -1389,7 +1480,7 @@
       </p:sp>
       <p:sp>
         <p:nvSpPr>
-          <p:cNvPr id="5" name="Footer Placeholder 4"/>
+          <p:cNvPr id="6" name="Footer Placeholder 5"/>
           <p:cNvSpPr>
             <a:spLocks noGrp="1"/>
           </p:cNvSpPr>
@@ -1408,7 +1499,7 @@
       </p:sp>
       <p:sp>
         <p:nvSpPr>
-          <p:cNvPr id="6" name="Slide Number Placeholder 5"/>
+          <p:cNvPr id="7" name="Slide Number Placeholder 6"/>
           <p:cNvSpPr>
             <a:spLocks noGrp="1"/>
           </p:cNvSpPr>
@@ -1432,7 +1523,7 @@
     </p:spTree>
     <p:extLst>
       <p:ext uri="{BB962C8B-B14F-4D97-AF65-F5344CB8AC3E}">
-        <p14:creationId xmlns:p14="http://schemas.microsoft.com/office/powerpoint/2010/main" val="995538731"/>
+        <p14:creationId xmlns:p14="http://schemas.microsoft.com/office/powerpoint/2010/main" val="2727604709"/>
       </p:ext>
     </p:extLst>
   </p:cSld>
@@ -1461,45 +1552,46 @@
       </p:grpSpPr>
       <p:sp>
         <p:nvSpPr>
-          <p:cNvPr id="2" name="Title 1"/>
+          <p:cNvPr id="15" name="Title 1"/>
           <p:cNvSpPr>
             <a:spLocks noGrp="1"/>
           </p:cNvSpPr>
           <p:nvPr>
             <p:ph type="title"/>
-          </p:nvPr>
-        </p:nvSpPr>
-        <p:spPr/>
-        <p:txBody>
-          <a:bodyPr/>
-          <a:lstStyle>
-            <a:lvl1pPr>
-              <a:defRPr sz="4200"/>
-            </a:lvl1pPr>
-          </a:lstStyle>
-          <a:p>
-            <a:r>
-              <a:rPr lang="en-US" smtClean="0"/>
-              <a:t>Click to edit Master title style</a:t>
-            </a:r>
-            <a:endParaRPr lang="en-US" dirty="0"/>
-          </a:p>
-        </p:txBody>
-      </p:sp>
-      <p:sp>
-        <p:nvSpPr>
-          <p:cNvPr id="3" name="Text Placeholder 2"/>
-          <p:cNvSpPr>
-            <a:spLocks noGrp="1"/>
-          </p:cNvSpPr>
-          <p:nvPr>
-            <p:ph type="body" idx="1"/>
           </p:nvPr>
         </p:nvSpPr>
         <p:spPr>
           <a:xfrm>
-            <a:off x="632947" y="1981200"/>
-            <a:ext cx="2946866" cy="576262"/>
+            <a:off x="913795" y="609600"/>
+            <a:ext cx="10353762" cy="970450"/>
+          </a:xfrm>
+        </p:spPr>
+        <p:txBody>
+          <a:bodyPr/>
+          <a:lstStyle/>
+          <a:p>
+            <a:r>
+              <a:rPr lang="en-US" smtClean="0"/>
+              <a:t>Click to edit Master title style</a:t>
+            </a:r>
+            <a:endParaRPr lang="en-US" dirty="0"/>
+          </a:p>
+        </p:txBody>
+      </p:sp>
+      <p:sp>
+        <p:nvSpPr>
+          <p:cNvPr id="7" name="Text Placeholder 2"/>
+          <p:cNvSpPr>
+            <a:spLocks noGrp="1"/>
+          </p:cNvSpPr>
+          <p:nvPr>
+            <p:ph type="body" idx="1"/>
+          </p:nvPr>
+        </p:nvSpPr>
+        <p:spPr>
+          <a:xfrm>
+            <a:off x="913795" y="1885950"/>
+            <a:ext cx="3300984" cy="576262"/>
           </a:xfrm>
         </p:spPr>
         <p:txBody>
@@ -1507,14 +1599,11 @@
             <a:noAutofit/>
           </a:bodyPr>
           <a:lstStyle>
-            <a:lvl1pPr marL="0" indent="0">
+            <a:lvl1pPr marL="0" indent="0" algn="ctr">
               <a:buNone/>
               <a:defRPr sz="2400" b="0">
                 <a:solidFill>
-                  <a:schemeClr val="bg2">
-                    <a:lumMod val="40000"/>
-                    <a:lumOff val="60000"/>
-                  </a:schemeClr>
+                  <a:schemeClr val="tx1"/>
                 </a:solidFill>
               </a:defRPr>
             </a:lvl1pPr>
@@ -1562,7 +1651,7 @@
       </p:sp>
       <p:sp>
         <p:nvSpPr>
-          <p:cNvPr id="16" name="Text Placeholder 3"/>
+          <p:cNvPr id="8" name="Text Placeholder 3"/>
           <p:cNvSpPr>
             <a:spLocks noGrp="1"/>
           </p:cNvSpPr>
@@ -1572,8 +1661,8 @@
         </p:nvSpPr>
         <p:spPr>
           <a:xfrm>
-            <a:off x="652463" y="2667000"/>
-            <a:ext cx="2927350" cy="3589338"/>
+            <a:off x="913795" y="2571750"/>
+            <a:ext cx="3300984" cy="3219450"/>
           </a:xfrm>
         </p:spPr>
         <p:txBody>
@@ -1581,7 +1670,7 @@
             <a:normAutofit/>
           </a:bodyPr>
           <a:lstStyle>
-            <a:lvl1pPr marL="0" indent="0">
+            <a:lvl1pPr marL="0" indent="0" algn="ctr">
               <a:buNone/>
               <a:defRPr sz="1400"/>
             </a:lvl1pPr>
@@ -1629,7 +1718,7 @@
       </p:sp>
       <p:sp>
         <p:nvSpPr>
-          <p:cNvPr id="5" name="Text Placeholder 4"/>
+          <p:cNvPr id="9" name="Text Placeholder 4"/>
           <p:cNvSpPr>
             <a:spLocks noGrp="1"/>
           </p:cNvSpPr>
@@ -1639,8 +1728,8 @@
         </p:nvSpPr>
         <p:spPr>
           <a:xfrm>
-            <a:off x="3883659" y="1981200"/>
-            <a:ext cx="2936241" cy="576262"/>
+            <a:off x="4446711" y="1885950"/>
+            <a:ext cx="3300984" cy="576262"/>
           </a:xfrm>
         </p:spPr>
         <p:txBody>
@@ -1648,14 +1737,11 @@
             <a:noAutofit/>
           </a:bodyPr>
           <a:lstStyle>
-            <a:lvl1pPr marL="0" indent="0">
+            <a:lvl1pPr marL="0" indent="0" algn="ctr">
               <a:buNone/>
               <a:defRPr sz="2400" b="0">
                 <a:solidFill>
-                  <a:schemeClr val="bg2">
-                    <a:lumMod val="40000"/>
-                    <a:lumOff val="60000"/>
-                  </a:schemeClr>
+                  <a:schemeClr val="tx1"/>
                 </a:solidFill>
               </a:defRPr>
             </a:lvl1pPr>
@@ -1703,7 +1789,7 @@
       </p:sp>
       <p:sp>
         <p:nvSpPr>
-          <p:cNvPr id="19" name="Text Placeholder 3"/>
+          <p:cNvPr id="10" name="Text Placeholder 3"/>
           <p:cNvSpPr>
             <a:spLocks noGrp="1"/>
           </p:cNvSpPr>
@@ -1713,8 +1799,8 @@
         </p:nvSpPr>
         <p:spPr>
           <a:xfrm>
-            <a:off x="3873106" y="2667000"/>
-            <a:ext cx="2946794" cy="3589338"/>
+            <a:off x="4441435" y="2571750"/>
+            <a:ext cx="3300984" cy="3219450"/>
           </a:xfrm>
         </p:spPr>
         <p:txBody>
@@ -1722,7 +1808,7 @@
             <a:normAutofit/>
           </a:bodyPr>
           <a:lstStyle>
-            <a:lvl1pPr marL="0" indent="0">
+            <a:lvl1pPr marL="0" indent="0" algn="ctr">
               <a:buNone/>
               <a:defRPr sz="1400"/>
             </a:lvl1pPr>
@@ -1770,7 +1856,7 @@
       </p:sp>
       <p:sp>
         <p:nvSpPr>
-          <p:cNvPr id="14" name="Text Placeholder 4"/>
+          <p:cNvPr id="11" name="Text Placeholder 4"/>
           <p:cNvSpPr>
             <a:spLocks noGrp="1"/>
           </p:cNvSpPr>
@@ -1780,8 +1866,8 @@
         </p:nvSpPr>
         <p:spPr>
           <a:xfrm>
-            <a:off x="7124700" y="1981200"/>
-            <a:ext cx="2932113" cy="576262"/>
+            <a:off x="7966572" y="1885950"/>
+            <a:ext cx="3300984" cy="576262"/>
           </a:xfrm>
         </p:spPr>
         <p:txBody>
@@ -1789,14 +1875,11 @@
             <a:noAutofit/>
           </a:bodyPr>
           <a:lstStyle>
-            <a:lvl1pPr marL="0" indent="0">
+            <a:lvl1pPr marL="0" indent="0" algn="ctr">
               <a:buNone/>
               <a:defRPr sz="2400" b="0">
                 <a:solidFill>
-                  <a:schemeClr val="bg2">
-                    <a:lumMod val="40000"/>
-                    <a:lumOff val="60000"/>
-                  </a:schemeClr>
+                  <a:schemeClr val="tx1"/>
                 </a:solidFill>
               </a:defRPr>
             </a:lvl1pPr>
@@ -1844,7 +1927,7 @@
       </p:sp>
       <p:sp>
         <p:nvSpPr>
-          <p:cNvPr id="20" name="Text Placeholder 3"/>
+          <p:cNvPr id="12" name="Text Placeholder 3"/>
           <p:cNvSpPr>
             <a:spLocks noGrp="1"/>
           </p:cNvSpPr>
@@ -1854,8 +1937,8 @@
         </p:nvSpPr>
         <p:spPr>
           <a:xfrm>
-            <a:off x="7124700" y="2667000"/>
-            <a:ext cx="2932113" cy="3589338"/>
+            <a:off x="7966572" y="2571750"/>
+            <a:ext cx="3300984" cy="3219450"/>
           </a:xfrm>
         </p:spPr>
         <p:txBody>
@@ -1863,7 +1946,7 @@
             <a:normAutofit/>
           </a:bodyPr>
           <a:lstStyle>
-            <a:lvl1pPr marL="0" indent="0">
+            <a:lvl1pPr marL="0" indent="0" algn="ctr">
               <a:buNone/>
               <a:defRPr sz="1400"/>
             </a:lvl1pPr>
@@ -1909,87 +1992,9 @@
           </a:p>
         </p:txBody>
       </p:sp>
-      <p:cxnSp>
-        <p:nvCxnSpPr>
-          <p:cNvPr id="17" name="Straight Connector 16"/>
-          <p:cNvCxnSpPr/>
-          <p:nvPr/>
-        </p:nvCxnSpPr>
-        <p:spPr>
-          <a:xfrm>
-            <a:off x="3726142" y="2133600"/>
-            <a:ext cx="0" cy="3962400"/>
-          </a:xfrm>
-          <a:prstGeom prst="line">
-            <a:avLst/>
-          </a:prstGeom>
-          <a:ln w="12700" cmpd="sng">
-            <a:solidFill>
-              <a:schemeClr val="bg2">
-                <a:lumMod val="40000"/>
-                <a:lumOff val="60000"/>
-                <a:alpha val="40000"/>
-              </a:schemeClr>
-            </a:solidFill>
-          </a:ln>
-        </p:spPr>
-        <p:style>
-          <a:lnRef idx="2">
-            <a:schemeClr val="accent1"/>
-          </a:lnRef>
-          <a:fillRef idx="0">
-            <a:schemeClr val="accent1"/>
-          </a:fillRef>
-          <a:effectRef idx="1">
-            <a:schemeClr val="accent1"/>
-          </a:effectRef>
-          <a:fontRef idx="minor">
-            <a:schemeClr val="tx1"/>
-          </a:fontRef>
-        </p:style>
-      </p:cxnSp>
-      <p:cxnSp>
-        <p:nvCxnSpPr>
-          <p:cNvPr id="18" name="Straight Connector 17"/>
-          <p:cNvCxnSpPr/>
-          <p:nvPr/>
-        </p:nvCxnSpPr>
-        <p:spPr>
-          <a:xfrm>
-            <a:off x="6962227" y="2133600"/>
-            <a:ext cx="0" cy="3966882"/>
-          </a:xfrm>
-          <a:prstGeom prst="line">
-            <a:avLst/>
-          </a:prstGeom>
-          <a:ln w="12700" cmpd="sng">
-            <a:solidFill>
-              <a:schemeClr val="bg2">
-                <a:lumMod val="40000"/>
-                <a:lumOff val="60000"/>
-                <a:alpha val="40000"/>
-              </a:schemeClr>
-            </a:solidFill>
-          </a:ln>
-        </p:spPr>
-        <p:style>
-          <a:lnRef idx="2">
-            <a:schemeClr val="accent1"/>
-          </a:lnRef>
-          <a:fillRef idx="0">
-            <a:schemeClr val="accent1"/>
-          </a:fillRef>
-          <a:effectRef idx="1">
-            <a:schemeClr val="accent1"/>
-          </a:effectRef>
-          <a:fontRef idx="minor">
-            <a:schemeClr val="tx1"/>
-          </a:fontRef>
-        </p:style>
-      </p:cxnSp>
-      <p:sp>
-        <p:nvSpPr>
-          <p:cNvPr id="7" name="Date Placeholder 3"/>
+      <p:sp>
+        <p:nvSpPr>
+          <p:cNvPr id="3" name="Date Placeholder 2"/>
           <p:cNvSpPr>
             <a:spLocks noGrp="1"/>
           </p:cNvSpPr>
@@ -2004,7 +2009,7 @@
           <a:p>
             <a:fld id="{8405FD1F-A033-42C1-8902-92D91DAC3712}" type="datetimeFigureOut">
               <a:rPr lang="en-US" smtClean="0"/>
-              <a:t>5/25/2024</a:t>
+              <a:t>5/26/2024</a:t>
             </a:fld>
             <a:endParaRPr lang="en-US"/>
           </a:p>
@@ -2012,7 +2017,7 @@
       </p:sp>
       <p:sp>
         <p:nvSpPr>
-          <p:cNvPr id="4" name="Footer Placeholder 4"/>
+          <p:cNvPr id="4" name="Footer Placeholder 3"/>
           <p:cNvSpPr>
             <a:spLocks noGrp="1"/>
           </p:cNvSpPr>
@@ -2031,7 +2036,7 @@
       </p:sp>
       <p:sp>
         <p:nvSpPr>
-          <p:cNvPr id="6" name="Slide Number Placeholder 5"/>
+          <p:cNvPr id="5" name="Slide Number Placeholder 4"/>
           <p:cNvSpPr>
             <a:spLocks noGrp="1"/>
           </p:cNvSpPr>
@@ -2055,7 +2060,7 @@
     </p:spTree>
     <p:extLst>
       <p:ext uri="{BB962C8B-B14F-4D97-AF65-F5344CB8AC3E}">
-        <p14:creationId xmlns:p14="http://schemas.microsoft.com/office/powerpoint/2010/main" val="906117406"/>
+        <p14:creationId xmlns:p14="http://schemas.microsoft.com/office/powerpoint/2010/main" val="3370636782"/>
       </p:ext>
     </p:extLst>
   </p:cSld>
@@ -2082,47 +2087,138 @@
           <a:chExt cx="0" cy="0"/>
         </a:xfrm>
       </p:grpSpPr>
-      <p:sp>
-        <p:nvSpPr>
-          <p:cNvPr id="2" name="Title 1"/>
-          <p:cNvSpPr>
-            <a:spLocks noGrp="1"/>
-          </p:cNvSpPr>
-          <p:nvPr>
-            <p:ph type="title"/>
-          </p:nvPr>
-        </p:nvSpPr>
-        <p:spPr/>
-        <p:txBody>
-          <a:bodyPr/>
-          <a:lstStyle>
-            <a:lvl1pPr>
-              <a:defRPr sz="4200"/>
-            </a:lvl1pPr>
-          </a:lstStyle>
-          <a:p>
-            <a:r>
-              <a:rPr lang="en-US" smtClean="0"/>
-              <a:t>Click to edit Master title style</a:t>
-            </a:r>
-            <a:endParaRPr lang="en-US" dirty="0"/>
-          </a:p>
-        </p:txBody>
-      </p:sp>
-      <p:sp>
-        <p:nvSpPr>
-          <p:cNvPr id="3" name="Text Placeholder 2"/>
-          <p:cNvSpPr>
-            <a:spLocks noGrp="1"/>
-          </p:cNvSpPr>
-          <p:nvPr>
-            <p:ph type="body" idx="1"/>
-          </p:nvPr>
-        </p:nvSpPr>
+      <p:pic>
+        <p:nvPicPr>
+          <p:cNvPr id="2" name="Picture 1" descr="Slate-V2-HD-3colPhotoInset.png"/>
+          <p:cNvPicPr>
+            <a:picLocks noChangeAspect="1"/>
+          </p:cNvPicPr>
+          <p:nvPr/>
+        </p:nvPicPr>
+        <p:blipFill>
+          <a:blip r:embed="rId2">
+            <a:extLst>
+              <a:ext uri="{28A0092B-C50C-407E-A947-70E740481C1C}">
+                <a14:useLocalDpi xmlns:a14="http://schemas.microsoft.com/office/drawing/2010/main" val="0"/>
+              </a:ext>
+            </a:extLst>
+          </a:blip>
+          <a:stretch>
+            <a:fillRect/>
+          </a:stretch>
+        </p:blipFill>
         <p:spPr>
           <a:xfrm>
-            <a:off x="652463" y="4250949"/>
-            <a:ext cx="2940050" cy="576262"/>
+            <a:off x="897962" y="1818214"/>
+            <a:ext cx="3339972" cy="1847851"/>
+          </a:xfrm>
+          <a:prstGeom prst="rect">
+            <a:avLst/>
+          </a:prstGeom>
+        </p:spPr>
+      </p:pic>
+      <p:pic>
+        <p:nvPicPr>
+          <p:cNvPr id="36" name="Picture 35" descr="Slate-V2-HD-3colPhotoInset.png"/>
+          <p:cNvPicPr>
+            <a:picLocks noChangeAspect="1"/>
+          </p:cNvPicPr>
+          <p:nvPr/>
+        </p:nvPicPr>
+        <p:blipFill>
+          <a:blip r:embed="rId2">
+            <a:extLst>
+              <a:ext uri="{28A0092B-C50C-407E-A947-70E740481C1C}">
+                <a14:useLocalDpi xmlns:a14="http://schemas.microsoft.com/office/drawing/2010/main" val="0"/>
+              </a:ext>
+            </a:extLst>
+          </a:blip>
+          <a:stretch>
+            <a:fillRect/>
+          </a:stretch>
+        </p:blipFill>
+        <p:spPr>
+          <a:xfrm>
+            <a:off x="4403800" y="1818214"/>
+            <a:ext cx="3339972" cy="1847851"/>
+          </a:xfrm>
+          <a:prstGeom prst="rect">
+            <a:avLst/>
+          </a:prstGeom>
+        </p:spPr>
+      </p:pic>
+      <p:pic>
+        <p:nvPicPr>
+          <p:cNvPr id="37" name="Picture 36" descr="Slate-V2-HD-3colPhotoInset.png"/>
+          <p:cNvPicPr>
+            <a:picLocks noChangeAspect="1"/>
+          </p:cNvPicPr>
+          <p:nvPr/>
+        </p:nvPicPr>
+        <p:blipFill>
+          <a:blip r:embed="rId2">
+            <a:extLst>
+              <a:ext uri="{28A0092B-C50C-407E-A947-70E740481C1C}">
+                <a14:useLocalDpi xmlns:a14="http://schemas.microsoft.com/office/drawing/2010/main" val="0"/>
+              </a:ext>
+            </a:extLst>
+          </a:blip>
+          <a:stretch>
+            <a:fillRect/>
+          </a:stretch>
+        </p:blipFill>
+        <p:spPr>
+          <a:xfrm>
+            <a:off x="7936051" y="1818214"/>
+            <a:ext cx="3339972" cy="1847851"/>
+          </a:xfrm>
+          <a:prstGeom prst="rect">
+            <a:avLst/>
+          </a:prstGeom>
+        </p:spPr>
+      </p:pic>
+      <p:sp>
+        <p:nvSpPr>
+          <p:cNvPr id="30" name="Title 1"/>
+          <p:cNvSpPr>
+            <a:spLocks noGrp="1"/>
+          </p:cNvSpPr>
+          <p:nvPr>
+            <p:ph type="title"/>
+          </p:nvPr>
+        </p:nvSpPr>
+        <p:spPr>
+          <a:xfrm>
+            <a:off x="913794" y="609600"/>
+            <a:ext cx="10353763" cy="970450"/>
+          </a:xfrm>
+        </p:spPr>
+        <p:txBody>
+          <a:bodyPr/>
+          <a:lstStyle/>
+          <a:p>
+            <a:r>
+              <a:rPr lang="en-US" smtClean="0"/>
+              <a:t>Click to edit Master title style</a:t>
+            </a:r>
+            <a:endParaRPr lang="en-US" dirty="0"/>
+          </a:p>
+        </p:txBody>
+      </p:sp>
+      <p:sp>
+        <p:nvSpPr>
+          <p:cNvPr id="19" name="Text Placeholder 2"/>
+          <p:cNvSpPr>
+            <a:spLocks noGrp="1"/>
+          </p:cNvSpPr>
+          <p:nvPr>
+            <p:ph type="body" idx="1"/>
+          </p:nvPr>
+        </p:nvSpPr>
+        <p:spPr>
+          <a:xfrm>
+            <a:off x="913795" y="3904106"/>
+            <a:ext cx="3300984" cy="576262"/>
           </a:xfrm>
         </p:spPr>
         <p:txBody>
@@ -2130,14 +2226,11 @@
             <a:noAutofit/>
           </a:bodyPr>
           <a:lstStyle>
-            <a:lvl1pPr marL="0" indent="0">
-              <a:buNone/>
-              <a:defRPr sz="2400" b="0">
+            <a:lvl1pPr marL="0" indent="0" algn="ctr">
+              <a:buNone/>
+              <a:defRPr sz="2000" b="0">
                 <a:solidFill>
-                  <a:schemeClr val="bg2">
-                    <a:lumMod val="40000"/>
-                    <a:lumOff val="60000"/>
-                  </a:schemeClr>
+                  <a:schemeClr val="tx1"/>
                 </a:solidFill>
               </a:defRPr>
             </a:lvl1pPr>
@@ -2185,7 +2278,7 @@
       </p:sp>
       <p:sp>
         <p:nvSpPr>
-          <p:cNvPr id="29" name="Picture Placeholder 2"/>
+          <p:cNvPr id="20" name="Picture Placeholder 2"/>
           <p:cNvSpPr>
             <a:spLocks noGrp="1" noChangeAspect="1"/>
           </p:cNvSpPr>
@@ -2195,8 +2288,8 @@
         </p:nvSpPr>
         <p:spPr>
           <a:xfrm>
-            <a:off x="652463" y="2209800"/>
-            <a:ext cx="2940050" cy="1524000"/>
+            <a:off x="1018102" y="1938918"/>
+            <a:ext cx="3092368" cy="1602954"/>
           </a:xfrm>
           <a:prstGeom prst="roundRect">
             <a:avLst>
@@ -2204,9 +2297,9 @@
             </a:avLst>
           </a:prstGeom>
           <a:effectLst>
-            <a:outerShdw blurRad="50800" dist="50800" dir="5400000" algn="tl" rotWithShape="0">
+            <a:outerShdw blurRad="38100" dist="25400" dir="4440000">
               <a:srgbClr val="000000">
-                <a:alpha val="43000"/>
+                <a:alpha val="36000"/>
               </a:srgbClr>
             </a:outerShdw>
           </a:effectLst>
@@ -2264,7 +2357,7 @@
       </p:sp>
       <p:sp>
         <p:nvSpPr>
-          <p:cNvPr id="22" name="Text Placeholder 3"/>
+          <p:cNvPr id="21" name="Text Placeholder 3"/>
           <p:cNvSpPr>
             <a:spLocks noGrp="1"/>
           </p:cNvSpPr>
@@ -2274,8 +2367,8 @@
         </p:nvSpPr>
         <p:spPr>
           <a:xfrm>
-            <a:off x="652463" y="4827211"/>
-            <a:ext cx="2940050" cy="659189"/>
+            <a:off x="913795" y="4480368"/>
+            <a:ext cx="3300984" cy="1310833"/>
           </a:xfrm>
         </p:spPr>
         <p:txBody>
@@ -2283,7 +2376,7 @@
             <a:normAutofit/>
           </a:bodyPr>
           <a:lstStyle>
-            <a:lvl1pPr marL="0" indent="0">
+            <a:lvl1pPr marL="0" indent="0" algn="ctr">
               <a:buNone/>
               <a:defRPr sz="1400"/>
             </a:lvl1pPr>
@@ -2331,7 +2424,7 @@
       </p:sp>
       <p:sp>
         <p:nvSpPr>
-          <p:cNvPr id="5" name="Text Placeholder 4"/>
+          <p:cNvPr id="22" name="Text Placeholder 4"/>
           <p:cNvSpPr>
             <a:spLocks noGrp="1"/>
           </p:cNvSpPr>
@@ -2341,8 +2434,8 @@
         </p:nvSpPr>
         <p:spPr>
           <a:xfrm>
-            <a:off x="3889375" y="4250949"/>
-            <a:ext cx="2930525" cy="576262"/>
+            <a:off x="4442788" y="3904106"/>
+            <a:ext cx="3300984" cy="576262"/>
           </a:xfrm>
         </p:spPr>
         <p:txBody>
@@ -2350,14 +2443,11 @@
             <a:noAutofit/>
           </a:bodyPr>
           <a:lstStyle>
-            <a:lvl1pPr marL="0" indent="0">
-              <a:buNone/>
-              <a:defRPr sz="2400" b="0">
+            <a:lvl1pPr marL="0" indent="0" algn="ctr">
+              <a:buNone/>
+              <a:defRPr sz="2000" b="0">
                 <a:solidFill>
-                  <a:schemeClr val="bg2">
-                    <a:lumMod val="40000"/>
-                    <a:lumOff val="60000"/>
-                  </a:schemeClr>
+                  <a:schemeClr val="tx1"/>
                 </a:solidFill>
               </a:defRPr>
             </a:lvl1pPr>
@@ -2405,7 +2495,7 @@
       </p:sp>
       <p:sp>
         <p:nvSpPr>
-          <p:cNvPr id="30" name="Picture Placeholder 2"/>
+          <p:cNvPr id="23" name="Picture Placeholder 2"/>
           <p:cNvSpPr>
             <a:spLocks noGrp="1" noChangeAspect="1"/>
           </p:cNvSpPr>
@@ -2415,8 +2505,8 @@
         </p:nvSpPr>
         <p:spPr>
           <a:xfrm>
-            <a:off x="3889374" y="2209800"/>
-            <a:ext cx="2930525" cy="1524000"/>
+            <a:off x="4545743" y="1939094"/>
+            <a:ext cx="3092368" cy="1608164"/>
           </a:xfrm>
           <a:prstGeom prst="roundRect">
             <a:avLst>
@@ -2424,9 +2514,9 @@
             </a:avLst>
           </a:prstGeom>
           <a:effectLst>
-            <a:outerShdw blurRad="50800" dist="50800" dir="5400000" algn="tl" rotWithShape="0">
+            <a:outerShdw blurRad="38100" dist="25400" dir="4440000">
               <a:srgbClr val="000000">
-                <a:alpha val="43000"/>
+                <a:alpha val="36000"/>
               </a:srgbClr>
             </a:outerShdw>
           </a:effectLst>
@@ -2484,7 +2574,7 @@
       </p:sp>
       <p:sp>
         <p:nvSpPr>
-          <p:cNvPr id="23" name="Text Placeholder 3"/>
+          <p:cNvPr id="24" name="Text Placeholder 3"/>
           <p:cNvSpPr>
             <a:spLocks noGrp="1"/>
           </p:cNvSpPr>
@@ -2494,8 +2584,8 @@
         </p:nvSpPr>
         <p:spPr>
           <a:xfrm>
-            <a:off x="3888022" y="4827210"/>
-            <a:ext cx="2934406" cy="659189"/>
+            <a:off x="4441435" y="4480367"/>
+            <a:ext cx="3300984" cy="1310833"/>
           </a:xfrm>
         </p:spPr>
         <p:txBody>
@@ -2503,7 +2593,7 @@
             <a:normAutofit/>
           </a:bodyPr>
           <a:lstStyle>
-            <a:lvl1pPr marL="0" indent="0">
+            <a:lvl1pPr marL="0" indent="0" algn="ctr">
               <a:buNone/>
               <a:defRPr sz="1400"/>
             </a:lvl1pPr>
@@ -2551,7 +2641,7 @@
       </p:sp>
       <p:sp>
         <p:nvSpPr>
-          <p:cNvPr id="14" name="Text Placeholder 4"/>
+          <p:cNvPr id="25" name="Text Placeholder 4"/>
           <p:cNvSpPr>
             <a:spLocks noGrp="1"/>
           </p:cNvSpPr>
@@ -2561,8 +2651,8 @@
         </p:nvSpPr>
         <p:spPr>
           <a:xfrm>
-            <a:off x="7124700" y="4250949"/>
-            <a:ext cx="2932113" cy="576262"/>
+            <a:off x="7966697" y="3904106"/>
+            <a:ext cx="3300984" cy="576262"/>
           </a:xfrm>
         </p:spPr>
         <p:txBody>
@@ -2570,14 +2660,11 @@
             <a:noAutofit/>
           </a:bodyPr>
           <a:lstStyle>
-            <a:lvl1pPr marL="0" indent="0">
-              <a:buNone/>
-              <a:defRPr sz="2400" b="0">
+            <a:lvl1pPr marL="0" indent="0" algn="ctr">
+              <a:buNone/>
+              <a:defRPr sz="2000" b="0">
                 <a:solidFill>
-                  <a:schemeClr val="bg2">
-                    <a:lumMod val="40000"/>
-                    <a:lumOff val="60000"/>
-                  </a:schemeClr>
+                  <a:schemeClr val="tx1"/>
                 </a:solidFill>
               </a:defRPr>
             </a:lvl1pPr>
@@ -2625,7 +2712,7 @@
       </p:sp>
       <p:sp>
         <p:nvSpPr>
-          <p:cNvPr id="31" name="Picture Placeholder 2"/>
+          <p:cNvPr id="26" name="Picture Placeholder 2"/>
           <p:cNvSpPr>
             <a:spLocks noGrp="1" noChangeAspect="1"/>
           </p:cNvSpPr>
@@ -2635,8 +2722,8 @@
         </p:nvSpPr>
         <p:spPr>
           <a:xfrm>
-            <a:off x="7124699" y="2209800"/>
-            <a:ext cx="2932113" cy="1524000"/>
+            <a:off x="8075698" y="1934432"/>
+            <a:ext cx="3092368" cy="1607294"/>
           </a:xfrm>
           <a:prstGeom prst="roundRect">
             <a:avLst>
@@ -2644,9 +2731,9 @@
             </a:avLst>
           </a:prstGeom>
           <a:effectLst>
-            <a:outerShdw blurRad="50800" dist="50800" dir="5400000" algn="tl" rotWithShape="0">
+            <a:outerShdw blurRad="38100" dist="25400" dir="4440000">
               <a:srgbClr val="000000">
-                <a:alpha val="43000"/>
+                <a:alpha val="36000"/>
               </a:srgbClr>
             </a:outerShdw>
           </a:effectLst>
@@ -2704,7 +2791,7 @@
       </p:sp>
       <p:sp>
         <p:nvSpPr>
-          <p:cNvPr id="24" name="Text Placeholder 3"/>
+          <p:cNvPr id="27" name="Text Placeholder 3"/>
           <p:cNvSpPr>
             <a:spLocks noGrp="1"/>
           </p:cNvSpPr>
@@ -2714,8 +2801,8 @@
         </p:nvSpPr>
         <p:spPr>
           <a:xfrm>
-            <a:off x="7124575" y="4827208"/>
-            <a:ext cx="2935997" cy="659189"/>
+            <a:off x="7966572" y="4480365"/>
+            <a:ext cx="3300984" cy="1310835"/>
           </a:xfrm>
         </p:spPr>
         <p:txBody>
@@ -2723,7 +2810,7 @@
             <a:normAutofit/>
           </a:bodyPr>
           <a:lstStyle>
-            <a:lvl1pPr marL="0" indent="0">
+            <a:lvl1pPr marL="0" indent="0" algn="ctr">
               <a:buNone/>
               <a:defRPr sz="1400"/>
             </a:lvl1pPr>
@@ -2769,87 +2856,9 @@
           </a:p>
         </p:txBody>
       </p:sp>
-      <p:cxnSp>
-        <p:nvCxnSpPr>
-          <p:cNvPr id="19" name="Straight Connector 18"/>
-          <p:cNvCxnSpPr/>
-          <p:nvPr/>
-        </p:nvCxnSpPr>
-        <p:spPr>
-          <a:xfrm>
-            <a:off x="3726142" y="2133600"/>
-            <a:ext cx="0" cy="3962400"/>
-          </a:xfrm>
-          <a:prstGeom prst="line">
-            <a:avLst/>
-          </a:prstGeom>
-          <a:ln w="12700" cmpd="sng">
-            <a:solidFill>
-              <a:schemeClr val="bg2">
-                <a:lumMod val="40000"/>
-                <a:lumOff val="60000"/>
-                <a:alpha val="40000"/>
-              </a:schemeClr>
-            </a:solidFill>
-          </a:ln>
-        </p:spPr>
-        <p:style>
-          <a:lnRef idx="2">
-            <a:schemeClr val="accent1"/>
-          </a:lnRef>
-          <a:fillRef idx="0">
-            <a:schemeClr val="accent1"/>
-          </a:fillRef>
-          <a:effectRef idx="1">
-            <a:schemeClr val="accent1"/>
-          </a:effectRef>
-          <a:fontRef idx="minor">
-            <a:schemeClr val="tx1"/>
-          </a:fontRef>
-        </p:style>
-      </p:cxnSp>
-      <p:cxnSp>
-        <p:nvCxnSpPr>
-          <p:cNvPr id="20" name="Straight Connector 19"/>
-          <p:cNvCxnSpPr/>
-          <p:nvPr/>
-        </p:nvCxnSpPr>
-        <p:spPr>
-          <a:xfrm>
-            <a:off x="6962227" y="2133600"/>
-            <a:ext cx="0" cy="3966882"/>
-          </a:xfrm>
-          <a:prstGeom prst="line">
-            <a:avLst/>
-          </a:prstGeom>
-          <a:ln w="12700" cmpd="sng">
-            <a:solidFill>
-              <a:schemeClr val="bg2">
-                <a:lumMod val="40000"/>
-                <a:lumOff val="60000"/>
-                <a:alpha val="40000"/>
-              </a:schemeClr>
-            </a:solidFill>
-          </a:ln>
-        </p:spPr>
-        <p:style>
-          <a:lnRef idx="2">
-            <a:schemeClr val="accent1"/>
-          </a:lnRef>
-          <a:fillRef idx="0">
-            <a:schemeClr val="accent1"/>
-          </a:fillRef>
-          <a:effectRef idx="1">
-            <a:schemeClr val="accent1"/>
-          </a:effectRef>
-          <a:fontRef idx="minor">
-            <a:schemeClr val="tx1"/>
-          </a:fontRef>
-        </p:style>
-      </p:cxnSp>
-      <p:sp>
-        <p:nvSpPr>
-          <p:cNvPr id="7" name="Date Placeholder 3"/>
+      <p:sp>
+        <p:nvSpPr>
+          <p:cNvPr id="3" name="Date Placeholder 2"/>
           <p:cNvSpPr>
             <a:spLocks noGrp="1"/>
           </p:cNvSpPr>
@@ -2864,7 +2873,7 @@
           <a:p>
             <a:fld id="{8405FD1F-A033-42C1-8902-92D91DAC3712}" type="datetimeFigureOut">
               <a:rPr lang="en-US" smtClean="0"/>
-              <a:t>5/25/2024</a:t>
+              <a:t>5/26/2024</a:t>
             </a:fld>
             <a:endParaRPr lang="en-US"/>
           </a:p>
@@ -2872,7 +2881,7 @@
       </p:sp>
       <p:sp>
         <p:nvSpPr>
-          <p:cNvPr id="4" name="Footer Placeholder 4"/>
+          <p:cNvPr id="4" name="Footer Placeholder 3"/>
           <p:cNvSpPr>
             <a:spLocks noGrp="1"/>
           </p:cNvSpPr>
@@ -2891,7 +2900,7 @@
       </p:sp>
       <p:sp>
         <p:nvSpPr>
-          <p:cNvPr id="6" name="Slide Number Placeholder 5"/>
+          <p:cNvPr id="5" name="Slide Number Placeholder 4"/>
           <p:cNvSpPr>
             <a:spLocks noGrp="1"/>
           </p:cNvSpPr>
@@ -2915,7 +2924,7 @@
     </p:spTree>
     <p:extLst>
       <p:ext uri="{BB962C8B-B14F-4D97-AF65-F5344CB8AC3E}">
-        <p14:creationId xmlns:p14="http://schemas.microsoft.com/office/powerpoint/2010/main" val="4216982370"/>
+        <p14:creationId xmlns:p14="http://schemas.microsoft.com/office/powerpoint/2010/main" val="2004407770"/>
       </p:ext>
     </p:extLst>
   </p:cSld>
@@ -2977,7 +2986,7 @@
         </p:nvSpPr>
         <p:spPr/>
         <p:txBody>
-          <a:bodyPr vert="eaVert" anchor="t" anchorCtr="0"/>
+          <a:bodyPr vert="eaVert" anchor="t"/>
           <a:lstStyle/>
           <a:p>
             <a:pPr lvl="0"/>
@@ -3034,7 +3043,7 @@
           <a:p>
             <a:fld id="{8405FD1F-A033-42C1-8902-92D91DAC3712}" type="datetimeFigureOut">
               <a:rPr lang="en-US" smtClean="0"/>
-              <a:t>5/25/2024</a:t>
+              <a:t>5/26/2024</a:t>
             </a:fld>
             <a:endParaRPr lang="en-US"/>
           </a:p>
@@ -3085,7 +3094,7 @@
     </p:spTree>
     <p:extLst>
       <p:ext uri="{BB962C8B-B14F-4D97-AF65-F5344CB8AC3E}">
-        <p14:creationId xmlns:p14="http://schemas.microsoft.com/office/powerpoint/2010/main" val="679872382"/>
+        <p14:creationId xmlns:p14="http://schemas.microsoft.com/office/powerpoint/2010/main" val="1614634533"/>
       </p:ext>
     </p:extLst>
   </p:cSld>
@@ -3124,13 +3133,17 @@
         </p:nvSpPr>
         <p:spPr>
           <a:xfrm>
-            <a:off x="8304212" y="430213"/>
-            <a:ext cx="1752601" cy="5826125"/>
+            <a:off x="8983068" y="609599"/>
+            <a:ext cx="2284487" cy="5181601"/>
           </a:xfrm>
         </p:spPr>
         <p:txBody>
-          <a:bodyPr vert="eaVert" anchor="b" anchorCtr="0"/>
-          <a:lstStyle/>
+          <a:bodyPr vert="eaVert"/>
+          <a:lstStyle>
+            <a:lvl1pPr algn="l">
+              <a:defRPr/>
+            </a:lvl1pPr>
+          </a:lstStyle>
           <a:p>
             <a:r>
               <a:rPr lang="en-US" smtClean="0"/>
@@ -3152,12 +3165,12 @@
         </p:nvSpPr>
         <p:spPr>
           <a:xfrm>
-            <a:off x="652463" y="887414"/>
-            <a:ext cx="7423149" cy="5368924"/>
+            <a:off x="913796" y="609599"/>
+            <a:ext cx="7916872" cy="5181601"/>
           </a:xfrm>
         </p:spPr>
         <p:txBody>
-          <a:bodyPr vert="eaVert"/>
+          <a:bodyPr vert="eaVert" anchor="t"/>
           <a:lstStyle/>
           <a:p>
             <a:pPr lvl="0"/>
@@ -3214,7 +3227,7 @@
           <a:p>
             <a:fld id="{8405FD1F-A033-42C1-8902-92D91DAC3712}" type="datetimeFigureOut">
               <a:rPr lang="en-US" smtClean="0"/>
-              <a:t>5/25/2024</a:t>
+              <a:t>5/26/2024</a:t>
             </a:fld>
             <a:endParaRPr lang="en-US"/>
           </a:p>
@@ -3265,7 +3278,7 @@
     </p:spTree>
     <p:extLst>
       <p:ext uri="{BB962C8B-B14F-4D97-AF65-F5344CB8AC3E}">
-        <p14:creationId xmlns:p14="http://schemas.microsoft.com/office/powerpoint/2010/main" val="4252983446"/>
+        <p14:creationId xmlns:p14="http://schemas.microsoft.com/office/powerpoint/2010/main" val="3388909265"/>
       </p:ext>
     </p:extLst>
   </p:cSld>
@@ -3369,7 +3382,7 @@
       </p:sp>
       <p:sp>
         <p:nvSpPr>
-          <p:cNvPr id="7" name="Date Placeholder 3"/>
+          <p:cNvPr id="4" name="Date Placeholder 3"/>
           <p:cNvSpPr>
             <a:spLocks noGrp="1"/>
           </p:cNvSpPr>
@@ -3384,7 +3397,7 @@
           <a:p>
             <a:fld id="{8405FD1F-A033-42C1-8902-92D91DAC3712}" type="datetimeFigureOut">
               <a:rPr lang="en-US" smtClean="0"/>
-              <a:t>5/25/2024</a:t>
+              <a:t>5/26/2024</a:t>
             </a:fld>
             <a:endParaRPr lang="en-US"/>
           </a:p>
@@ -3435,7 +3448,7 @@
     </p:spTree>
     <p:extLst>
       <p:ext uri="{BB962C8B-B14F-4D97-AF65-F5344CB8AC3E}">
-        <p14:creationId xmlns:p14="http://schemas.microsoft.com/office/powerpoint/2010/main" val="1853121363"/>
+        <p14:creationId xmlns:p14="http://schemas.microsoft.com/office/powerpoint/2010/main" val="3885791059"/>
       </p:ext>
     </p:extLst>
   </p:cSld>
@@ -3474,14 +3487,14 @@
         </p:nvSpPr>
         <p:spPr>
           <a:xfrm>
-            <a:off x="1154956" y="2861733"/>
-            <a:ext cx="8825657" cy="1915647"/>
+            <a:off x="1295401" y="1761067"/>
+            <a:ext cx="9590550" cy="1828813"/>
           </a:xfrm>
         </p:spPr>
         <p:txBody>
           <a:bodyPr anchor="b"/>
           <a:lstStyle>
-            <a:lvl1pPr algn="l">
+            <a:lvl1pPr algn="ctr">
               <a:defRPr sz="4000" b="0" cap="none"/>
             </a:lvl1pPr>
           </a:lstStyle>
@@ -3506,21 +3519,18 @@
         </p:nvSpPr>
         <p:spPr>
           <a:xfrm>
-            <a:off x="1154955" y="4777381"/>
-            <a:ext cx="8825658" cy="860400"/>
+            <a:off x="1295401" y="3589879"/>
+            <a:ext cx="9590550" cy="1507054"/>
           </a:xfrm>
         </p:spPr>
         <p:txBody>
           <a:bodyPr anchor="t"/>
           <a:lstStyle>
-            <a:lvl1pPr marL="0" indent="0" algn="l">
-              <a:buNone/>
-              <a:defRPr sz="2000" cap="all">
+            <a:lvl1pPr marL="0" indent="0" algn="ctr">
+              <a:buNone/>
+              <a:defRPr sz="2000">
                 <a:solidFill>
-                  <a:schemeClr val="bg2">
-                    <a:lumMod val="40000"/>
-                    <a:lumOff val="60000"/>
-                  </a:schemeClr>
+                  <a:schemeClr val="tx1"/>
                 </a:solidFill>
               </a:defRPr>
             </a:lvl1pPr>
@@ -3631,7 +3641,7 @@
           <a:p>
             <a:fld id="{8405FD1F-A033-42C1-8902-92D91DAC3712}" type="datetimeFigureOut">
               <a:rPr lang="en-US" smtClean="0"/>
-              <a:t>5/25/2024</a:t>
+              <a:t>5/26/2024</a:t>
             </a:fld>
             <a:endParaRPr lang="en-US"/>
           </a:p>
@@ -3682,7 +3692,7 @@
     </p:spTree>
     <p:extLst>
       <p:ext uri="{BB962C8B-B14F-4D97-AF65-F5344CB8AC3E}">
-        <p14:creationId xmlns:p14="http://schemas.microsoft.com/office/powerpoint/2010/main" val="2880060445"/>
+        <p14:creationId xmlns:p14="http://schemas.microsoft.com/office/powerpoint/2010/main" val="2205006115"/>
       </p:ext>
     </p:extLst>
   </p:cSld>
@@ -3744,43 +3754,15 @@
         </p:nvSpPr>
         <p:spPr>
           <a:xfrm>
-            <a:off x="1103312" y="2060575"/>
-            <a:ext cx="4396339" cy="4195763"/>
+            <a:off x="913795" y="1732449"/>
+            <a:ext cx="5060497" cy="4058750"/>
           </a:xfrm>
         </p:spPr>
         <p:txBody>
-          <a:bodyPr>
+          <a:bodyPr anchor="t">
             <a:normAutofit/>
           </a:bodyPr>
-          <a:lstStyle>
-            <a:lvl1pPr>
-              <a:defRPr sz="1800"/>
-            </a:lvl1pPr>
-            <a:lvl2pPr>
-              <a:defRPr sz="1600"/>
-            </a:lvl2pPr>
-            <a:lvl3pPr>
-              <a:defRPr sz="1400"/>
-            </a:lvl3pPr>
-            <a:lvl4pPr>
-              <a:defRPr sz="1200"/>
-            </a:lvl4pPr>
-            <a:lvl5pPr>
-              <a:defRPr sz="1200"/>
-            </a:lvl5pPr>
-            <a:lvl6pPr>
-              <a:defRPr sz="1200"/>
-            </a:lvl6pPr>
-            <a:lvl7pPr>
-              <a:defRPr sz="1200"/>
-            </a:lvl7pPr>
-            <a:lvl8pPr>
-              <a:defRPr sz="1200"/>
-            </a:lvl8pPr>
-            <a:lvl9pPr>
-              <a:defRPr sz="1200"/>
-            </a:lvl9pPr>
-          </a:lstStyle>
+          <a:lstStyle/>
           <a:p>
             <a:pPr lvl="0"/>
             <a:r>
@@ -3831,43 +3813,15 @@
         </p:nvSpPr>
         <p:spPr>
           <a:xfrm>
-            <a:off x="5654493" y="2056092"/>
-            <a:ext cx="4396341" cy="4200245"/>
+            <a:off x="6202892" y="1732449"/>
+            <a:ext cx="5064665" cy="4058751"/>
           </a:xfrm>
         </p:spPr>
         <p:txBody>
-          <a:bodyPr>
+          <a:bodyPr anchor="t">
             <a:normAutofit/>
           </a:bodyPr>
-          <a:lstStyle>
-            <a:lvl1pPr>
-              <a:defRPr sz="1800"/>
-            </a:lvl1pPr>
-            <a:lvl2pPr>
-              <a:defRPr sz="1600"/>
-            </a:lvl2pPr>
-            <a:lvl3pPr>
-              <a:defRPr sz="1400"/>
-            </a:lvl3pPr>
-            <a:lvl4pPr>
-              <a:defRPr sz="1200"/>
-            </a:lvl4pPr>
-            <a:lvl5pPr>
-              <a:defRPr sz="1200"/>
-            </a:lvl5pPr>
-            <a:lvl6pPr>
-              <a:defRPr sz="1200"/>
-            </a:lvl6pPr>
-            <a:lvl7pPr>
-              <a:defRPr sz="1200"/>
-            </a:lvl7pPr>
-            <a:lvl8pPr>
-              <a:defRPr sz="1200"/>
-            </a:lvl8pPr>
-            <a:lvl9pPr>
-              <a:defRPr sz="1200"/>
-            </a:lvl9pPr>
-          </a:lstStyle>
+          <a:lstStyle/>
           <a:p>
             <a:pPr lvl="0"/>
             <a:r>
@@ -3923,7 +3877,7 @@
           <a:p>
             <a:fld id="{8405FD1F-A033-42C1-8902-92D91DAC3712}" type="datetimeFigureOut">
               <a:rPr lang="en-US" smtClean="0"/>
-              <a:t>5/25/2024</a:t>
+              <a:t>5/26/2024</a:t>
             </a:fld>
             <a:endParaRPr lang="en-US"/>
           </a:p>
@@ -3974,7 +3928,7 @@
     </p:spTree>
     <p:extLst>
       <p:ext uri="{BB962C8B-B14F-4D97-AF65-F5344CB8AC3E}">
-        <p14:creationId xmlns:p14="http://schemas.microsoft.com/office/powerpoint/2010/main" val="3058233634"/>
+        <p14:creationId xmlns:p14="http://schemas.microsoft.com/office/powerpoint/2010/main" val="617768930"/>
       </p:ext>
     </p:extLst>
   </p:cSld>
@@ -4001,6 +3955,66 @@
           <a:chExt cx="0" cy="0"/>
         </a:xfrm>
       </p:grpSpPr>
+      <p:pic>
+        <p:nvPicPr>
+          <p:cNvPr id="20" name="Picture 19" descr="Slate-V2-HD-compPhotoInset.png"/>
+          <p:cNvPicPr>
+            <a:picLocks noChangeAspect="1"/>
+          </p:cNvPicPr>
+          <p:nvPr/>
+        </p:nvPicPr>
+        <p:blipFill>
+          <a:blip r:embed="rId2">
+            <a:extLst>
+              <a:ext uri="{28A0092B-C50C-407E-A947-70E740481C1C}">
+                <a14:useLocalDpi xmlns:a14="http://schemas.microsoft.com/office/drawing/2010/main" val="0"/>
+              </a:ext>
+            </a:extLst>
+          </a:blip>
+          <a:stretch>
+            <a:fillRect/>
+          </a:stretch>
+        </p:blipFill>
+        <p:spPr>
+          <a:xfrm>
+            <a:off x="913795" y="1734506"/>
+            <a:ext cx="5089072" cy="4148769"/>
+          </a:xfrm>
+          <a:prstGeom prst="rect">
+            <a:avLst/>
+          </a:prstGeom>
+        </p:spPr>
+      </p:pic>
+      <p:pic>
+        <p:nvPicPr>
+          <p:cNvPr id="21" name="Picture 20" descr="Slate-V2-HD-compPhotoInset.png"/>
+          <p:cNvPicPr>
+            <a:picLocks noChangeAspect="1"/>
+          </p:cNvPicPr>
+          <p:nvPr/>
+        </p:nvPicPr>
+        <p:blipFill>
+          <a:blip r:embed="rId2">
+            <a:extLst>
+              <a:ext uri="{28A0092B-C50C-407E-A947-70E740481C1C}">
+                <a14:useLocalDpi xmlns:a14="http://schemas.microsoft.com/office/drawing/2010/main" val="0"/>
+              </a:ext>
+            </a:extLst>
+          </a:blip>
+          <a:stretch>
+            <a:fillRect/>
+          </a:stretch>
+        </p:blipFill>
+        <p:spPr>
+          <a:xfrm>
+            <a:off x="6178485" y="1734506"/>
+            <a:ext cx="5089072" cy="4148769"/>
+          </a:xfrm>
+          <a:prstGeom prst="rect">
+            <a:avLst/>
+          </a:prstGeom>
+        </p:spPr>
+      </p:pic>
       <p:sp>
         <p:nvSpPr>
           <p:cNvPr id="2" name="Title 1"/>
@@ -4040,8 +4054,8 @@
         </p:nvSpPr>
         <p:spPr>
           <a:xfrm>
-            <a:off x="1103313" y="1905000"/>
-            <a:ext cx="4396338" cy="576262"/>
+            <a:off x="1005872" y="1835254"/>
+            <a:ext cx="4876344" cy="544884"/>
           </a:xfrm>
         </p:spPr>
         <p:txBody>
@@ -4049,16 +4063,9 @@
             <a:noAutofit/>
           </a:bodyPr>
           <a:lstStyle>
-            <a:lvl1pPr marL="0" indent="0">
-              <a:buNone/>
-              <a:defRPr sz="2400" b="0">
-                <a:solidFill>
-                  <a:schemeClr val="bg2">
-                    <a:lumMod val="40000"/>
-                    <a:lumOff val="60000"/>
-                  </a:schemeClr>
-                </a:solidFill>
-              </a:defRPr>
+            <a:lvl1pPr marL="0" indent="0" algn="ctr">
+              <a:buNone/>
+              <a:defRPr sz="2400" b="0"/>
             </a:lvl1pPr>
             <a:lvl2pPr marL="457200" indent="0">
               <a:buNone/>
@@ -4114,12 +4121,12 @@
         </p:nvSpPr>
         <p:spPr>
           <a:xfrm>
-            <a:off x="1103312" y="2514600"/>
-            <a:ext cx="4396339" cy="3741738"/>
+            <a:off x="1005872" y="2380137"/>
+            <a:ext cx="4876344" cy="3411063"/>
           </a:xfrm>
         </p:spPr>
         <p:txBody>
-          <a:bodyPr>
+          <a:bodyPr anchor="t">
             <a:normAutofit/>
           </a:bodyPr>
           <a:lstStyle>
@@ -4138,18 +4145,6 @@
             <a:lvl5pPr>
               <a:defRPr sz="1200"/>
             </a:lvl5pPr>
-            <a:lvl6pPr>
-              <a:defRPr sz="1200"/>
-            </a:lvl6pPr>
-            <a:lvl7pPr>
-              <a:defRPr sz="1200"/>
-            </a:lvl7pPr>
-            <a:lvl8pPr>
-              <a:defRPr sz="1200"/>
-            </a:lvl8pPr>
-            <a:lvl9pPr>
-              <a:defRPr sz="1200"/>
-            </a:lvl9pPr>
           </a:lstStyle>
           <a:p>
             <a:pPr lvl="0"/>
@@ -4201,8 +4196,8 @@
         </p:nvSpPr>
         <p:spPr>
           <a:xfrm>
-            <a:off x="5654495" y="1905000"/>
-            <a:ext cx="4396339" cy="576262"/>
+            <a:off x="6294967" y="1835254"/>
+            <a:ext cx="4895330" cy="544883"/>
           </a:xfrm>
         </p:spPr>
         <p:txBody>
@@ -4210,16 +4205,9 @@
             <a:noAutofit/>
           </a:bodyPr>
           <a:lstStyle>
-            <a:lvl1pPr marL="0" indent="0">
-              <a:buNone/>
-              <a:defRPr sz="2400" b="0">
-                <a:solidFill>
-                  <a:schemeClr val="bg2">
-                    <a:lumMod val="40000"/>
-                    <a:lumOff val="60000"/>
-                  </a:schemeClr>
-                </a:solidFill>
-              </a:defRPr>
+            <a:lvl1pPr marL="0" indent="0" algn="ctr">
+              <a:buNone/>
+              <a:defRPr sz="2400" b="0"/>
             </a:lvl1pPr>
             <a:lvl2pPr marL="457200" indent="0">
               <a:buNone/>
@@ -4275,12 +4263,12 @@
         </p:nvSpPr>
         <p:spPr>
           <a:xfrm>
-            <a:off x="5654495" y="2514600"/>
-            <a:ext cx="4396339" cy="3741738"/>
+            <a:off x="6294967" y="2380137"/>
+            <a:ext cx="4895330" cy="3411063"/>
           </a:xfrm>
         </p:spPr>
         <p:txBody>
-          <a:bodyPr>
+          <a:bodyPr anchor="t">
             <a:normAutofit/>
           </a:bodyPr>
           <a:lstStyle>
@@ -4299,18 +4287,6 @@
             <a:lvl5pPr>
               <a:defRPr sz="1200"/>
             </a:lvl5pPr>
-            <a:lvl6pPr>
-              <a:defRPr sz="1200"/>
-            </a:lvl6pPr>
-            <a:lvl7pPr>
-              <a:defRPr sz="1200"/>
-            </a:lvl7pPr>
-            <a:lvl8pPr>
-              <a:defRPr sz="1200"/>
-            </a:lvl8pPr>
-            <a:lvl9pPr>
-              <a:defRPr sz="1200"/>
-            </a:lvl9pPr>
           </a:lstStyle>
           <a:p>
             <a:pPr lvl="0"/>
@@ -4367,7 +4343,7 @@
           <a:p>
             <a:fld id="{8405FD1F-A033-42C1-8902-92D91DAC3712}" type="datetimeFigureOut">
               <a:rPr lang="en-US" smtClean="0"/>
-              <a:t>5/25/2024</a:t>
+              <a:t>5/26/2024</a:t>
             </a:fld>
             <a:endParaRPr lang="en-US"/>
           </a:p>
@@ -4418,7 +4394,7 @@
     </p:spTree>
     <p:extLst>
       <p:ext uri="{BB962C8B-B14F-4D97-AF65-F5344CB8AC3E}">
-        <p14:creationId xmlns:p14="http://schemas.microsoft.com/office/powerpoint/2010/main" val="3603284095"/>
+        <p14:creationId xmlns:p14="http://schemas.microsoft.com/office/powerpoint/2010/main" val="3258043554"/>
       </p:ext>
     </p:extLst>
   </p:cSld>
@@ -4470,7 +4446,7 @@
       </p:sp>
       <p:sp>
         <p:nvSpPr>
-          <p:cNvPr id="7" name="Date Placeholder 2"/>
+          <p:cNvPr id="3" name="Date Placeholder 2"/>
           <p:cNvSpPr>
             <a:spLocks noGrp="1"/>
           </p:cNvSpPr>
@@ -4485,7 +4461,7 @@
           <a:p>
             <a:fld id="{8405FD1F-A033-42C1-8902-92D91DAC3712}" type="datetimeFigureOut">
               <a:rPr lang="en-US" smtClean="0"/>
-              <a:t>5/25/2024</a:t>
+              <a:t>5/26/2024</a:t>
             </a:fld>
             <a:endParaRPr lang="en-US"/>
           </a:p>
@@ -4493,7 +4469,7 @@
       </p:sp>
       <p:sp>
         <p:nvSpPr>
-          <p:cNvPr id="5" name="Footer Placeholder 3"/>
+          <p:cNvPr id="4" name="Footer Placeholder 3"/>
           <p:cNvSpPr>
             <a:spLocks noGrp="1"/>
           </p:cNvSpPr>
@@ -4512,7 +4488,7 @@
       </p:sp>
       <p:sp>
         <p:nvSpPr>
-          <p:cNvPr id="6" name="Slide Number Placeholder 4"/>
+          <p:cNvPr id="5" name="Slide Number Placeholder 4"/>
           <p:cNvSpPr>
             <a:spLocks noGrp="1"/>
           </p:cNvSpPr>
@@ -4536,7 +4512,7 @@
     </p:spTree>
     <p:extLst>
       <p:ext uri="{BB962C8B-B14F-4D97-AF65-F5344CB8AC3E}">
-        <p14:creationId xmlns:p14="http://schemas.microsoft.com/office/powerpoint/2010/main" val="1278752457"/>
+        <p14:creationId xmlns:p14="http://schemas.microsoft.com/office/powerpoint/2010/main" val="1280145234"/>
       </p:ext>
     </p:extLst>
   </p:cSld>
@@ -4565,7 +4541,7 @@
       </p:grpSpPr>
       <p:sp>
         <p:nvSpPr>
-          <p:cNvPr id="7" name="Date Placeholder 1"/>
+          <p:cNvPr id="2" name="Date Placeholder 1"/>
           <p:cNvSpPr>
             <a:spLocks noGrp="1"/>
           </p:cNvSpPr>
@@ -4580,7 +4556,7 @@
           <a:p>
             <a:fld id="{8405FD1F-A033-42C1-8902-92D91DAC3712}" type="datetimeFigureOut">
               <a:rPr lang="en-US" smtClean="0"/>
-              <a:t>5/25/2024</a:t>
+              <a:t>5/26/2024</a:t>
             </a:fld>
             <a:endParaRPr lang="en-US"/>
           </a:p>
@@ -4588,7 +4564,7 @@
       </p:sp>
       <p:sp>
         <p:nvSpPr>
-          <p:cNvPr id="5" name="Footer Placeholder 2"/>
+          <p:cNvPr id="3" name="Footer Placeholder 2"/>
           <p:cNvSpPr>
             <a:spLocks noGrp="1"/>
           </p:cNvSpPr>
@@ -4607,7 +4583,7 @@
       </p:sp>
       <p:sp>
         <p:nvSpPr>
-          <p:cNvPr id="6" name="Slide Number Placeholder 3"/>
+          <p:cNvPr id="4" name="Slide Number Placeholder 3"/>
           <p:cNvSpPr>
             <a:spLocks noGrp="1"/>
           </p:cNvSpPr>
@@ -4631,7 +4607,7 @@
     </p:spTree>
     <p:extLst>
       <p:ext uri="{BB962C8B-B14F-4D97-AF65-F5344CB8AC3E}">
-        <p14:creationId xmlns:p14="http://schemas.microsoft.com/office/powerpoint/2010/main" val="2613942419"/>
+        <p14:creationId xmlns:p14="http://schemas.microsoft.com/office/powerpoint/2010/main" val="413989481"/>
       </p:ext>
     </p:extLst>
   </p:cSld>
@@ -4670,14 +4646,16 @@
         </p:nvSpPr>
         <p:spPr>
           <a:xfrm>
-            <a:off x="1154953" y="1447800"/>
-            <a:ext cx="3401064" cy="1447800"/>
+            <a:off x="913795" y="609600"/>
+            <a:ext cx="3706889" cy="1821918"/>
           </a:xfrm>
         </p:spPr>
         <p:txBody>
-          <a:bodyPr anchor="b"/>
+          <a:bodyPr anchor="b">
+            <a:normAutofit/>
+          </a:bodyPr>
           <a:lstStyle>
-            <a:lvl1pPr algn="l">
+            <a:lvl1pPr algn="ctr">
               <a:defRPr sz="2400" b="0"/>
             </a:lvl1pPr>
           </a:lstStyle>
@@ -4702,103 +4680,77 @@
         </p:nvSpPr>
         <p:spPr>
           <a:xfrm>
-            <a:off x="4784616" y="1447800"/>
-            <a:ext cx="5195997" cy="4572000"/>
+            <a:off x="4855633" y="609600"/>
+            <a:ext cx="6411924" cy="5181600"/>
           </a:xfrm>
         </p:spPr>
         <p:txBody>
-          <a:bodyPr anchor="ctr">
+          <a:bodyPr>
+            <a:normAutofit/>
+          </a:bodyPr>
+          <a:lstStyle/>
+          <a:p>
+            <a:pPr lvl="0"/>
+            <a:r>
+              <a:rPr lang="en-US" smtClean="0"/>
+              <a:t>Click to edit Master text styles</a:t>
+            </a:r>
+          </a:p>
+          <a:p>
+            <a:pPr lvl="1"/>
+            <a:r>
+              <a:rPr lang="en-US" smtClean="0"/>
+              <a:t>Second level</a:t>
+            </a:r>
+          </a:p>
+          <a:p>
+            <a:pPr lvl="2"/>
+            <a:r>
+              <a:rPr lang="en-US" smtClean="0"/>
+              <a:t>Third level</a:t>
+            </a:r>
+          </a:p>
+          <a:p>
+            <a:pPr lvl="3"/>
+            <a:r>
+              <a:rPr lang="en-US" smtClean="0"/>
+              <a:t>Fourth level</a:t>
+            </a:r>
+          </a:p>
+          <a:p>
+            <a:pPr lvl="4"/>
+            <a:r>
+              <a:rPr lang="en-US" smtClean="0"/>
+              <a:t>Fifth level</a:t>
+            </a:r>
+            <a:endParaRPr lang="en-US" dirty="0"/>
+          </a:p>
+        </p:txBody>
+      </p:sp>
+      <p:sp>
+        <p:nvSpPr>
+          <p:cNvPr id="4" name="Text Placeholder 3"/>
+          <p:cNvSpPr>
+            <a:spLocks noGrp="1"/>
+          </p:cNvSpPr>
+          <p:nvPr>
+            <p:ph type="body" sz="half" idx="2"/>
+          </p:nvPr>
+        </p:nvSpPr>
+        <p:spPr>
+          <a:xfrm>
+            <a:off x="913795" y="2431518"/>
+            <a:ext cx="3706889" cy="3359681"/>
+          </a:xfrm>
+        </p:spPr>
+        <p:txBody>
+          <a:bodyPr anchor="t">
             <a:normAutofit/>
           </a:bodyPr>
           <a:lstStyle>
-            <a:lvl1pPr>
-              <a:defRPr sz="2000"/>
-            </a:lvl1pPr>
-            <a:lvl2pPr>
-              <a:defRPr sz="1800"/>
-            </a:lvl2pPr>
-            <a:lvl3pPr>
+            <a:lvl1pPr marL="0" indent="0" algn="ctr">
+              <a:buNone/>
               <a:defRPr sz="1600"/>
-            </a:lvl3pPr>
-            <a:lvl4pPr>
-              <a:defRPr sz="1400"/>
-            </a:lvl4pPr>
-            <a:lvl5pPr>
-              <a:defRPr sz="1400"/>
-            </a:lvl5pPr>
-            <a:lvl6pPr>
-              <a:defRPr sz="1400"/>
-            </a:lvl6pPr>
-            <a:lvl7pPr>
-              <a:defRPr sz="1400"/>
-            </a:lvl7pPr>
-            <a:lvl8pPr>
-              <a:defRPr sz="1400"/>
-            </a:lvl8pPr>
-            <a:lvl9pPr>
-              <a:defRPr sz="1400"/>
-            </a:lvl9pPr>
-          </a:lstStyle>
-          <a:p>
-            <a:pPr lvl="0"/>
-            <a:r>
-              <a:rPr lang="en-US" smtClean="0"/>
-              <a:t>Click to edit Master text styles</a:t>
-            </a:r>
-          </a:p>
-          <a:p>
-            <a:pPr lvl="1"/>
-            <a:r>
-              <a:rPr lang="en-US" smtClean="0"/>
-              <a:t>Second level</a:t>
-            </a:r>
-          </a:p>
-          <a:p>
-            <a:pPr lvl="2"/>
-            <a:r>
-              <a:rPr lang="en-US" smtClean="0"/>
-              <a:t>Third level</a:t>
-            </a:r>
-          </a:p>
-          <a:p>
-            <a:pPr lvl="3"/>
-            <a:r>
-              <a:rPr lang="en-US" smtClean="0"/>
-              <a:t>Fourth level</a:t>
-            </a:r>
-          </a:p>
-          <a:p>
-            <a:pPr lvl="4"/>
-            <a:r>
-              <a:rPr lang="en-US" smtClean="0"/>
-              <a:t>Fifth level</a:t>
-            </a:r>
-            <a:endParaRPr lang="en-US" dirty="0"/>
-          </a:p>
-        </p:txBody>
-      </p:sp>
-      <p:sp>
-        <p:nvSpPr>
-          <p:cNvPr id="4" name="Text Placeholder 3"/>
-          <p:cNvSpPr>
-            <a:spLocks noGrp="1"/>
-          </p:cNvSpPr>
-          <p:nvPr>
-            <p:ph type="body" sz="half" idx="2"/>
-          </p:nvPr>
-        </p:nvSpPr>
-        <p:spPr>
-          <a:xfrm>
-            <a:off x="1154953" y="3129280"/>
-            <a:ext cx="3401063" cy="2895599"/>
-          </a:xfrm>
-        </p:spPr>
-        <p:txBody>
-          <a:bodyPr/>
-          <a:lstStyle>
-            <a:lvl1pPr marL="0" indent="0">
-              <a:buNone/>
-              <a:defRPr sz="1400"/>
             </a:lvl1pPr>
             <a:lvl2pPr marL="457200" indent="0">
               <a:buNone/>
@@ -4844,7 +4796,7 @@
       </p:sp>
       <p:sp>
         <p:nvSpPr>
-          <p:cNvPr id="7" name="Date Placeholder 4"/>
+          <p:cNvPr id="5" name="Date Placeholder 4"/>
           <p:cNvSpPr>
             <a:spLocks noGrp="1"/>
           </p:cNvSpPr>
@@ -4859,7 +4811,7 @@
           <a:p>
             <a:fld id="{8405FD1F-A033-42C1-8902-92D91DAC3712}" type="datetimeFigureOut">
               <a:rPr lang="en-US" smtClean="0"/>
-              <a:t>5/25/2024</a:t>
+              <a:t>5/26/2024</a:t>
             </a:fld>
             <a:endParaRPr lang="en-US"/>
           </a:p>
@@ -4867,7 +4819,7 @@
       </p:sp>
       <p:sp>
         <p:nvSpPr>
-          <p:cNvPr id="5" name="Footer Placeholder 5"/>
+          <p:cNvPr id="6" name="Footer Placeholder 5"/>
           <p:cNvSpPr>
             <a:spLocks noGrp="1"/>
           </p:cNvSpPr>
@@ -4886,7 +4838,7 @@
       </p:sp>
       <p:sp>
         <p:nvSpPr>
-          <p:cNvPr id="6" name="Slide Number Placeholder 6"/>
+          <p:cNvPr id="7" name="Slide Number Placeholder 6"/>
           <p:cNvSpPr>
             <a:spLocks noGrp="1"/>
           </p:cNvSpPr>
@@ -4910,7 +4862,7 @@
     </p:spTree>
     <p:extLst>
       <p:ext uri="{BB962C8B-B14F-4D97-AF65-F5344CB8AC3E}">
-        <p14:creationId xmlns:p14="http://schemas.microsoft.com/office/powerpoint/2010/main" val="2858112286"/>
+        <p14:creationId xmlns:p14="http://schemas.microsoft.com/office/powerpoint/2010/main" val="3684692491"/>
       </p:ext>
     </p:extLst>
   </p:cSld>
@@ -4937,29 +4889,59 @@
           <a:chExt cx="0" cy="0"/>
         </a:xfrm>
       </p:grpSpPr>
-      <p:sp>
-        <p:nvSpPr>
-          <p:cNvPr id="2" name="Title 1"/>
-          <p:cNvSpPr>
-            <a:spLocks noGrp="1"/>
-          </p:cNvSpPr>
-          <p:nvPr>
-            <p:ph type="title"/>
-          </p:nvPr>
-        </p:nvSpPr>
+      <p:pic>
+        <p:nvPicPr>
+          <p:cNvPr id="22" name="Picture 21" descr="Slate-V2-HD-vertPhotoInset.png"/>
+          <p:cNvPicPr>
+            <a:picLocks noChangeAspect="1"/>
+          </p:cNvPicPr>
+          <p:nvPr/>
+        </p:nvPicPr>
+        <p:blipFill>
+          <a:blip r:embed="rId2">
+            <a:extLst>
+              <a:ext uri="{28A0092B-C50C-407E-A947-70E740481C1C}">
+                <a14:useLocalDpi xmlns:a14="http://schemas.microsoft.com/office/drawing/2010/main" val="0"/>
+              </a:ext>
+            </a:extLst>
+          </a:blip>
+          <a:stretch>
+            <a:fillRect/>
+          </a:stretch>
+        </p:blipFill>
         <p:spPr>
           <a:xfrm>
-            <a:off x="1153907" y="1854192"/>
-            <a:ext cx="5092906" cy="1574808"/>
+            <a:off x="7293665" y="609600"/>
+            <a:ext cx="3584166" cy="5204832"/>
+          </a:xfrm>
+          <a:prstGeom prst="rect">
+            <a:avLst/>
+          </a:prstGeom>
+        </p:spPr>
+      </p:pic>
+      <p:sp>
+        <p:nvSpPr>
+          <p:cNvPr id="2" name="Title 1"/>
+          <p:cNvSpPr>
+            <a:spLocks noGrp="1"/>
+          </p:cNvSpPr>
+          <p:nvPr>
+            <p:ph type="title"/>
+          </p:nvPr>
+        </p:nvSpPr>
+        <p:spPr>
+          <a:xfrm>
+            <a:off x="913795" y="609923"/>
+            <a:ext cx="5934949" cy="1829338"/>
           </a:xfrm>
         </p:spPr>
         <p:txBody>
           <a:bodyPr anchor="b">
-            <a:normAutofit/>
+            <a:noAutofit/>
           </a:bodyPr>
           <a:lstStyle>
-            <a:lvl1pPr algn="l">
-              <a:defRPr sz="3600" b="0"/>
+            <a:lvl1pPr algn="ctr">
+              <a:defRPr sz="3200" b="0"/>
             </a:lvl1pPr>
           </a:lstStyle>
           <a:p>
@@ -4983,18 +4965,13 @@
         </p:nvSpPr>
         <p:spPr>
           <a:xfrm>
-            <a:off x="6949546" y="1143000"/>
-            <a:ext cx="3200400" cy="4572000"/>
+            <a:off x="7442551" y="763702"/>
+            <a:ext cx="3275751" cy="4912822"/>
           </a:xfrm>
-          <a:prstGeom prst="roundRect">
-            <a:avLst>
-              <a:gd name="adj" fmla="val 1858"/>
-            </a:avLst>
-          </a:prstGeom>
           <a:effectLst>
-            <a:outerShdw blurRad="50800" dist="50800" dir="5400000" algn="tl" rotWithShape="0">
+            <a:outerShdw blurRad="38100" dist="25400" dir="4440000">
               <a:srgbClr val="000000">
-                <a:alpha val="43000"/>
+                <a:alpha val="36000"/>
               </a:srgbClr>
             </a:outerShdw>
           </a:effectLst>
@@ -5062,18 +5039,18 @@
         </p:nvSpPr>
         <p:spPr>
           <a:xfrm>
-            <a:off x="1154954" y="3657600"/>
-            <a:ext cx="5084979" cy="1371600"/>
+            <a:off x="913795" y="2439261"/>
+            <a:ext cx="5934949" cy="3376134"/>
           </a:xfrm>
         </p:spPr>
         <p:txBody>
-          <a:bodyPr>
+          <a:bodyPr anchor="t">
             <a:normAutofit/>
           </a:bodyPr>
           <a:lstStyle>
-            <a:lvl1pPr marL="0" indent="0">
-              <a:buNone/>
-              <a:defRPr sz="1400"/>
+            <a:lvl1pPr marL="0" indent="0" algn="ctr">
+              <a:buNone/>
+              <a:defRPr sz="1600"/>
             </a:lvl1pPr>
             <a:lvl2pPr marL="457200" indent="0">
               <a:buNone/>
@@ -5134,7 +5111,7 @@
           <a:p>
             <a:fld id="{8405FD1F-A033-42C1-8902-92D91DAC3712}" type="datetimeFigureOut">
               <a:rPr lang="en-US" smtClean="0"/>
-              <a:t>5/25/2024</a:t>
+              <a:t>5/26/2024</a:t>
             </a:fld>
             <a:endParaRPr lang="en-US"/>
           </a:p>
@@ -5185,7 +5162,7 @@
     </p:spTree>
     <p:extLst>
       <p:ext uri="{BB962C8B-B14F-4D97-AF65-F5344CB8AC3E}">
-        <p14:creationId xmlns:p14="http://schemas.microsoft.com/office/powerpoint/2010/main" val="2641695760"/>
+        <p14:creationId xmlns:p14="http://schemas.microsoft.com/office/powerpoint/2010/main" val="1625251683"/>
       </p:ext>
     </p:extLst>
   </p:cSld>
@@ -5217,429 +5194,247 @@
           <a:chExt cx="0" cy="0"/>
         </a:xfrm>
       </p:grpSpPr>
-      <p:pic>
-        <p:nvPicPr>
-          <p:cNvPr id="8" name="Picture 7"/>
-          <p:cNvPicPr>
-            <a:picLocks noChangeAspect="1"/>
-          </p:cNvPicPr>
-          <p:nvPr/>
-        </p:nvPicPr>
-        <p:blipFill rotWithShape="1">
-          <a:blip r:embed="rId19">
-            <a:extLst>
-              <a:ext uri="{28A0092B-C50C-407E-A947-70E740481C1C}">
-                <a14:useLocalDpi xmlns:a14="http://schemas.microsoft.com/office/drawing/2010/main" val="0"/>
-              </a:ext>
-            </a:extLst>
-          </a:blip>
-          <a:srcRect l="3613"/>
-          <a:stretch/>
-        </p:blipFill>
+      <p:sp>
+        <p:nvSpPr>
+          <p:cNvPr id="2" name="Title Placeholder 1"/>
+          <p:cNvSpPr>
+            <a:spLocks noGrp="1"/>
+          </p:cNvSpPr>
+          <p:nvPr>
+            <p:ph type="title"/>
+          </p:nvPr>
+        </p:nvSpPr>
         <p:spPr>
           <a:xfrm>
-            <a:off x="0" y="2669685"/>
-            <a:ext cx="4037012" cy="4188315"/>
+            <a:off x="913795" y="609600"/>
+            <a:ext cx="10353762" cy="970450"/>
+          </a:xfrm>
+          <a:prstGeom prst="rect">
+            <a:avLst/>
+          </a:prstGeom>
+          <a:effectLst>
+            <a:outerShdw blurRad="25400" dir="17880000">
+              <a:srgbClr val="000000">
+                <a:alpha val="46000"/>
+              </a:srgbClr>
+            </a:outerShdw>
+          </a:effectLst>
+        </p:spPr>
+        <p:txBody>
+          <a:bodyPr vert="horz" lIns="91440" tIns="45720" rIns="91440" bIns="45720" rtlCol="0" anchor="ctr">
+            <a:normAutofit/>
+          </a:bodyPr>
+          <a:lstStyle/>
+          <a:p>
+            <a:r>
+              <a:rPr lang="en-US" smtClean="0"/>
+              <a:t>Click to edit Master title style</a:t>
+            </a:r>
+            <a:endParaRPr lang="en-US" dirty="0"/>
+          </a:p>
+        </p:txBody>
+      </p:sp>
+      <p:sp>
+        <p:nvSpPr>
+          <p:cNvPr id="3" name="Text Placeholder 2"/>
+          <p:cNvSpPr>
+            <a:spLocks noGrp="1"/>
+          </p:cNvSpPr>
+          <p:nvPr>
+            <p:ph type="body" idx="1"/>
+          </p:nvPr>
+        </p:nvSpPr>
+        <p:spPr>
+          <a:xfrm>
+            <a:off x="913795" y="1732449"/>
+            <a:ext cx="10353762" cy="4058751"/>
+          </a:xfrm>
+          <a:prstGeom prst="rect">
+            <a:avLst/>
+          </a:prstGeom>
+          <a:effectLst>
+            <a:outerShdw blurRad="25400" dir="17880000">
+              <a:srgbClr val="000000">
+                <a:alpha val="46000"/>
+              </a:srgbClr>
+            </a:outerShdw>
+          </a:effectLst>
+        </p:spPr>
+        <p:txBody>
+          <a:bodyPr vert="horz" lIns="91440" tIns="45720" rIns="91440" bIns="45720" rtlCol="0" anchor="t">
+            <a:normAutofit/>
+          </a:bodyPr>
+          <a:lstStyle/>
+          <a:p>
+            <a:pPr lvl="0"/>
+            <a:r>
+              <a:rPr lang="en-US" smtClean="0"/>
+              <a:t>Click to edit Master text styles</a:t>
+            </a:r>
+          </a:p>
+          <a:p>
+            <a:pPr lvl="1"/>
+            <a:r>
+              <a:rPr lang="en-US" smtClean="0"/>
+              <a:t>Second level</a:t>
+            </a:r>
+          </a:p>
+          <a:p>
+            <a:pPr lvl="2"/>
+            <a:r>
+              <a:rPr lang="en-US" smtClean="0"/>
+              <a:t>Third level</a:t>
+            </a:r>
+          </a:p>
+          <a:p>
+            <a:pPr lvl="3"/>
+            <a:r>
+              <a:rPr lang="en-US" smtClean="0"/>
+              <a:t>Fourth level</a:t>
+            </a:r>
+          </a:p>
+          <a:p>
+            <a:pPr lvl="4"/>
+            <a:r>
+              <a:rPr lang="en-US" smtClean="0"/>
+              <a:t>Fifth level</a:t>
+            </a:r>
+            <a:endParaRPr lang="en-US" dirty="0"/>
+          </a:p>
+        </p:txBody>
+      </p:sp>
+      <p:sp>
+        <p:nvSpPr>
+          <p:cNvPr id="4" name="Date Placeholder 3"/>
+          <p:cNvSpPr>
+            <a:spLocks noGrp="1"/>
+          </p:cNvSpPr>
+          <p:nvPr>
+            <p:ph type="dt" sz="half" idx="2"/>
+          </p:nvPr>
+        </p:nvSpPr>
+        <p:spPr>
+          <a:xfrm>
+            <a:off x="7678736" y="5883275"/>
+            <a:ext cx="2743200" cy="365125"/>
           </a:xfrm>
           <a:prstGeom prst="rect">
             <a:avLst/>
           </a:prstGeom>
         </p:spPr>
-      </p:pic>
-      <p:pic>
-        <p:nvPicPr>
-          <p:cNvPr id="7" name="Picture 6"/>
-          <p:cNvPicPr>
-            <a:picLocks noChangeAspect="1"/>
-          </p:cNvPicPr>
-          <p:nvPr/>
-        </p:nvPicPr>
-        <p:blipFill rotWithShape="1">
-          <a:blip r:embed="rId20">
-            <a:extLst>
-              <a:ext uri="{28A0092B-C50C-407E-A947-70E740481C1C}">
-                <a14:useLocalDpi xmlns:a14="http://schemas.microsoft.com/office/drawing/2010/main" val="0"/>
-              </a:ext>
-            </a:extLst>
-          </a:blip>
-          <a:srcRect l="35640"/>
-          <a:stretch/>
-        </p:blipFill>
+        <p:txBody>
+          <a:bodyPr vert="horz" lIns="91440" tIns="45720" rIns="91440" bIns="45720" rtlCol="0" anchor="ctr"/>
+          <a:lstStyle>
+            <a:lvl1pPr algn="r">
+              <a:defRPr sz="1000">
+                <a:solidFill>
+                  <a:schemeClr val="tx1">
+                    <a:lumMod val="95000"/>
+                  </a:schemeClr>
+                </a:solidFill>
+                <a:effectLst>
+                  <a:outerShdw blurRad="50800" dist="38100" dir="2700000" algn="tl" rotWithShape="0">
+                    <a:schemeClr val="bg1">
+                      <a:alpha val="43000"/>
+                    </a:schemeClr>
+                  </a:outerShdw>
+                </a:effectLst>
+              </a:defRPr>
+            </a:lvl1pPr>
+          </a:lstStyle>
+          <a:p>
+            <a:fld id="{8405FD1F-A033-42C1-8902-92D91DAC3712}" type="datetimeFigureOut">
+              <a:rPr lang="en-US" smtClean="0"/>
+              <a:t>5/26/2024</a:t>
+            </a:fld>
+            <a:endParaRPr lang="en-US"/>
+          </a:p>
+        </p:txBody>
+      </p:sp>
+      <p:sp>
+        <p:nvSpPr>
+          <p:cNvPr id="5" name="Footer Placeholder 4"/>
+          <p:cNvSpPr>
+            <a:spLocks noGrp="1"/>
+          </p:cNvSpPr>
+          <p:nvPr>
+            <p:ph type="ftr" sz="quarter" idx="3"/>
+          </p:nvPr>
+        </p:nvSpPr>
         <p:spPr>
           <a:xfrm>
-            <a:off x="0" y="2892347"/>
-            <a:ext cx="1522412" cy="2365453"/>
+            <a:off x="913795" y="5883275"/>
+            <a:ext cx="6672865" cy="365125"/>
           </a:xfrm>
           <a:prstGeom prst="rect">
             <a:avLst/>
           </a:prstGeom>
         </p:spPr>
-      </p:pic>
-      <p:sp>
-        <p:nvSpPr>
-          <p:cNvPr id="16" name="Oval 15"/>
-          <p:cNvSpPr/>
-          <p:nvPr/>
+        <p:txBody>
+          <a:bodyPr vert="horz" lIns="91440" tIns="45720" rIns="91440" bIns="45720" rtlCol="0" anchor="ctr"/>
+          <a:lstStyle>
+            <a:lvl1pPr algn="l">
+              <a:defRPr sz="1000">
+                <a:solidFill>
+                  <a:schemeClr val="tx1">
+                    <a:lumMod val="95000"/>
+                  </a:schemeClr>
+                </a:solidFill>
+                <a:effectLst>
+                  <a:outerShdw blurRad="50800" dist="38100" dir="2700000" algn="tl" rotWithShape="0">
+                    <a:schemeClr val="bg1">
+                      <a:alpha val="43000"/>
+                    </a:schemeClr>
+                  </a:outerShdw>
+                </a:effectLst>
+              </a:defRPr>
+            </a:lvl1pPr>
+          </a:lstStyle>
+          <a:p>
+            <a:endParaRPr lang="en-US"/>
+          </a:p>
+        </p:txBody>
+      </p:sp>
+      <p:sp>
+        <p:nvSpPr>
+          <p:cNvPr id="6" name="Slide Number Placeholder 5"/>
+          <p:cNvSpPr>
+            <a:spLocks noGrp="1"/>
+          </p:cNvSpPr>
+          <p:nvPr>
+            <p:ph type="sldNum" sz="quarter" idx="4"/>
+          </p:nvPr>
         </p:nvSpPr>
         <p:spPr>
           <a:xfrm>
-            <a:off x="8609012" y="1676400"/>
-            <a:ext cx="2819400" cy="2819400"/>
-          </a:xfrm>
-          <a:prstGeom prst="ellipse">
-            <a:avLst/>
-          </a:prstGeom>
-          <a:gradFill flip="none" rotWithShape="1">
-            <a:gsLst>
-              <a:gs pos="0">
-                <a:schemeClr val="bg2">
-                  <a:lumMod val="60000"/>
-                  <a:lumOff val="40000"/>
-                  <a:alpha val="7000"/>
-                </a:schemeClr>
-              </a:gs>
-              <a:gs pos="69000">
-                <a:schemeClr val="bg2">
-                  <a:lumMod val="60000"/>
-                  <a:lumOff val="40000"/>
-                  <a:alpha val="0"/>
-                </a:schemeClr>
-              </a:gs>
-              <a:gs pos="36000">
-                <a:schemeClr val="bg2">
-                  <a:lumMod val="60000"/>
-                  <a:lumOff val="40000"/>
-                  <a:alpha val="6000"/>
-                </a:schemeClr>
-              </a:gs>
-            </a:gsLst>
-            <a:path path="circle">
-              <a:fillToRect l="50000" t="50000" r="50000" b="50000"/>
-            </a:path>
-            <a:tileRect/>
-          </a:gradFill>
-          <a:ln>
-            <a:noFill/>
-          </a:ln>
-          <a:effectLst/>
-        </p:spPr>
-        <p:style>
-          <a:lnRef idx="1">
-            <a:schemeClr val="accent1"/>
-          </a:lnRef>
-          <a:fillRef idx="3">
-            <a:schemeClr val="accent1"/>
-          </a:fillRef>
-          <a:effectRef idx="2">
-            <a:schemeClr val="accent1"/>
-          </a:effectRef>
-          <a:fontRef idx="minor">
-            <a:schemeClr val="lt1"/>
-          </a:fontRef>
-        </p:style>
-      </p:sp>
-      <p:pic>
-        <p:nvPicPr>
-          <p:cNvPr id="9" name="Picture 8"/>
-          <p:cNvPicPr>
-            <a:picLocks noChangeAspect="1"/>
-          </p:cNvPicPr>
-          <p:nvPr/>
-        </p:nvPicPr>
-        <p:blipFill rotWithShape="1">
-          <a:blip r:embed="rId21">
-            <a:extLst>
-              <a:ext uri="{28A0092B-C50C-407E-A947-70E740481C1C}">
-                <a14:useLocalDpi xmlns:a14="http://schemas.microsoft.com/office/drawing/2010/main" val="0"/>
-              </a:ext>
-            </a:extLst>
-          </a:blip>
-          <a:srcRect t="28813"/>
-          <a:stretch/>
-        </p:blipFill>
-        <p:spPr>
-          <a:xfrm>
-            <a:off x="7999412" y="0"/>
-            <a:ext cx="1603387" cy="1141407"/>
+            <a:off x="10514011" y="5883275"/>
+            <a:ext cx="753545" cy="365125"/>
           </a:xfrm>
           <a:prstGeom prst="rect">
             <a:avLst/>
           </a:prstGeom>
         </p:spPr>
-      </p:pic>
-      <p:pic>
-        <p:nvPicPr>
-          <p:cNvPr id="10" name="Picture 9"/>
-          <p:cNvPicPr>
-            <a:picLocks noChangeAspect="1"/>
-          </p:cNvPicPr>
-          <p:nvPr/>
-        </p:nvPicPr>
-        <p:blipFill rotWithShape="1">
-          <a:blip r:embed="rId22">
-            <a:extLst>
-              <a:ext uri="{28A0092B-C50C-407E-A947-70E740481C1C}">
-                <a14:useLocalDpi xmlns:a14="http://schemas.microsoft.com/office/drawing/2010/main" val="0"/>
-              </a:ext>
-            </a:extLst>
-          </a:blip>
-          <a:srcRect b="23320"/>
-          <a:stretch/>
-        </p:blipFill>
-        <p:spPr>
-          <a:xfrm>
-            <a:off x="8605878" y="6096000"/>
-            <a:ext cx="993734" cy="762000"/>
-          </a:xfrm>
-          <a:prstGeom prst="rect">
-            <a:avLst/>
-          </a:prstGeom>
-        </p:spPr>
-      </p:pic>
-      <p:sp>
-        <p:nvSpPr>
-          <p:cNvPr id="14" name="Rectangle 13"/>
-          <p:cNvSpPr/>
-          <p:nvPr/>
-        </p:nvSpPr>
-        <p:spPr>
-          <a:xfrm>
-            <a:off x="10437812" y="0"/>
-            <a:ext cx="685800" cy="1143000"/>
-          </a:xfrm>
-          <a:prstGeom prst="rect">
-            <a:avLst/>
-          </a:prstGeom>
-          <a:solidFill>
-            <a:schemeClr val="accent1"/>
-          </a:solidFill>
-          <a:ln>
-            <a:noFill/>
-          </a:ln>
-        </p:spPr>
-        <p:style>
-          <a:lnRef idx="1">
-            <a:schemeClr val="accent1"/>
-          </a:lnRef>
-          <a:fillRef idx="3">
-            <a:schemeClr val="accent1"/>
-          </a:fillRef>
-          <a:effectRef idx="2">
-            <a:schemeClr val="accent1"/>
-          </a:effectRef>
-          <a:fontRef idx="minor">
-            <a:schemeClr val="lt1"/>
-          </a:fontRef>
-        </p:style>
-      </p:sp>
-      <p:sp>
-        <p:nvSpPr>
-          <p:cNvPr id="2" name="Title Placeholder 1"/>
-          <p:cNvSpPr>
-            <a:spLocks noGrp="1"/>
-          </p:cNvSpPr>
-          <p:nvPr>
-            <p:ph type="title"/>
-          </p:nvPr>
-        </p:nvSpPr>
-        <p:spPr>
-          <a:xfrm>
-            <a:off x="646111" y="452718"/>
-            <a:ext cx="9404723" cy="1400530"/>
-          </a:xfrm>
-          <a:prstGeom prst="rect">
-            <a:avLst/>
-          </a:prstGeom>
-        </p:spPr>
-        <p:txBody>
-          <a:bodyPr vert="horz" lIns="91440" tIns="45720" rIns="91440" bIns="45720" rtlCol="0" anchor="t">
-            <a:noAutofit/>
-          </a:bodyPr>
-          <a:lstStyle/>
-          <a:p>
-            <a:r>
-              <a:rPr lang="en-US" smtClean="0"/>
-              <a:t>Click to edit Master title style</a:t>
-            </a:r>
-            <a:endParaRPr lang="en-US" dirty="0"/>
-          </a:p>
-        </p:txBody>
-      </p:sp>
-      <p:sp>
-        <p:nvSpPr>
-          <p:cNvPr id="3" name="Text Placeholder 2"/>
-          <p:cNvSpPr>
-            <a:spLocks noGrp="1"/>
-          </p:cNvSpPr>
-          <p:nvPr>
-            <p:ph type="body" idx="1"/>
-          </p:nvPr>
-        </p:nvSpPr>
-        <p:spPr>
-          <a:xfrm>
-            <a:off x="1103312" y="2052918"/>
-            <a:ext cx="8946541" cy="4195481"/>
-          </a:xfrm>
-          <a:prstGeom prst="rect">
-            <a:avLst/>
-          </a:prstGeom>
-        </p:spPr>
-        <p:txBody>
-          <a:bodyPr vert="horz" lIns="91440" tIns="45720" rIns="91440" bIns="45720" rtlCol="0">
-            <a:normAutofit/>
-          </a:bodyPr>
-          <a:lstStyle/>
-          <a:p>
-            <a:pPr lvl="0"/>
-            <a:r>
-              <a:rPr lang="en-US" smtClean="0"/>
-              <a:t>Click to edit Master text styles</a:t>
-            </a:r>
-          </a:p>
-          <a:p>
-            <a:pPr lvl="1"/>
-            <a:r>
-              <a:rPr lang="en-US" smtClean="0"/>
-              <a:t>Second level</a:t>
-            </a:r>
-          </a:p>
-          <a:p>
-            <a:pPr lvl="2"/>
-            <a:r>
-              <a:rPr lang="en-US" smtClean="0"/>
-              <a:t>Third level</a:t>
-            </a:r>
-          </a:p>
-          <a:p>
-            <a:pPr lvl="3"/>
-            <a:r>
-              <a:rPr lang="en-US" smtClean="0"/>
-              <a:t>Fourth level</a:t>
-            </a:r>
-          </a:p>
-          <a:p>
-            <a:pPr lvl="4"/>
-            <a:r>
-              <a:rPr lang="en-US" smtClean="0"/>
-              <a:t>Fifth level</a:t>
-            </a:r>
-            <a:endParaRPr lang="en-US" dirty="0"/>
-          </a:p>
-        </p:txBody>
-      </p:sp>
-      <p:sp>
-        <p:nvSpPr>
-          <p:cNvPr id="4" name="Date Placeholder 3"/>
-          <p:cNvSpPr>
-            <a:spLocks noGrp="1"/>
-          </p:cNvSpPr>
-          <p:nvPr>
-            <p:ph type="dt" sz="half" idx="2"/>
-          </p:nvPr>
-        </p:nvSpPr>
-        <p:spPr>
-          <a:xfrm rot="5400000">
-            <a:off x="10155639" y="1790701"/>
-            <a:ext cx="990599" cy="304799"/>
-          </a:xfrm>
-          <a:prstGeom prst="rect">
-            <a:avLst/>
-          </a:prstGeom>
-        </p:spPr>
-        <p:txBody>
-          <a:bodyPr vert="horz" lIns="91440" tIns="45720" rIns="91440" bIns="45720" rtlCol="0" anchor="t"/>
+        <p:txBody>
+          <a:bodyPr vert="horz" lIns="91440" tIns="45720" rIns="91440" bIns="45720" rtlCol="0" anchor="ctr"/>
           <a:lstStyle>
-            <a:lvl1pPr algn="l">
-              <a:defRPr sz="1100" b="0" i="0">
+            <a:lvl1pPr algn="r">
+              <a:defRPr sz="1000">
                 <a:solidFill>
                   <a:schemeClr val="tx1">
-                    <a:tint val="75000"/>
-                    <a:alpha val="60000"/>
+                    <a:lumMod val="95000"/>
                   </a:schemeClr>
                 </a:solidFill>
+                <a:effectLst>
+                  <a:outerShdw blurRad="50800" dist="38100" dir="2700000" algn="tl" rotWithShape="0">
+                    <a:schemeClr val="bg1">
+                      <a:alpha val="43000"/>
+                    </a:schemeClr>
+                  </a:outerShdw>
+                </a:effectLst>
               </a:defRPr>
             </a:lvl1pPr>
           </a:lstStyle>
           <a:p>
-            <a:fld id="{8405FD1F-A033-42C1-8902-92D91DAC3712}" type="datetimeFigureOut">
-              <a:rPr lang="en-US" smtClean="0"/>
-              <a:t>5/25/2024</a:t>
-            </a:fld>
-            <a:endParaRPr lang="en-US"/>
-          </a:p>
-        </p:txBody>
-      </p:sp>
-      <p:sp>
-        <p:nvSpPr>
-          <p:cNvPr id="5" name="Footer Placeholder 4"/>
-          <p:cNvSpPr>
-            <a:spLocks noGrp="1"/>
-          </p:cNvSpPr>
-          <p:nvPr>
-            <p:ph type="ftr" sz="quarter" idx="3"/>
-          </p:nvPr>
-        </p:nvSpPr>
-        <p:spPr>
-          <a:xfrm rot="5400000">
-            <a:off x="8951573" y="3225297"/>
-            <a:ext cx="3859795" cy="304801"/>
-          </a:xfrm>
-          <a:prstGeom prst="rect">
-            <a:avLst/>
-          </a:prstGeom>
-        </p:spPr>
-        <p:txBody>
-          <a:bodyPr vert="horz" lIns="91440" tIns="45720" rIns="91440" bIns="45720" rtlCol="0" anchor="b"/>
-          <a:lstStyle>
-            <a:lvl1pPr algn="l">
-              <a:defRPr sz="1100" b="0" i="0">
-                <a:solidFill>
-                  <a:schemeClr val="tx1">
-                    <a:tint val="75000"/>
-                    <a:alpha val="60000"/>
-                  </a:schemeClr>
-                </a:solidFill>
-              </a:defRPr>
-            </a:lvl1pPr>
-          </a:lstStyle>
-          <a:p>
-            <a:endParaRPr lang="en-US"/>
-          </a:p>
-        </p:txBody>
-      </p:sp>
-      <p:sp>
-        <p:nvSpPr>
-          <p:cNvPr id="6" name="Slide Number Placeholder 5"/>
-          <p:cNvSpPr>
-            <a:spLocks noGrp="1"/>
-          </p:cNvSpPr>
-          <p:nvPr>
-            <p:ph type="sldNum" sz="quarter" idx="4"/>
-          </p:nvPr>
-        </p:nvSpPr>
-        <p:spPr bwMode="gray">
-          <a:xfrm>
-            <a:off x="10352540" y="295729"/>
-            <a:ext cx="838199" cy="767687"/>
-          </a:xfrm>
-          <a:prstGeom prst="rect">
-            <a:avLst/>
-          </a:prstGeom>
-        </p:spPr>
-        <p:txBody>
-          <a:bodyPr vert="horz" lIns="91440" tIns="45720" rIns="91440" bIns="45720" rtlCol="0" anchor="b"/>
-          <a:lstStyle>
-            <a:lvl1pPr algn="ctr">
-              <a:defRPr sz="2800" b="0" i="0">
-                <a:solidFill>
-                  <a:schemeClr val="tx1">
-                    <a:tint val="75000"/>
-                  </a:schemeClr>
-                </a:solidFill>
-              </a:defRPr>
-            </a:lvl1pPr>
-          </a:lstStyle>
-          <a:p>
             <a:fld id="{F080C301-BE3A-44DF-A8F2-4D0CD7E2EB16}" type="slidenum">
               <a:rPr lang="en-US" smtClean="0"/>
               <a:t>‹#›</a:t>
@@ -5651,44 +5446,60 @@
     </p:spTree>
     <p:extLst>
       <p:ext uri="{BB962C8B-B14F-4D97-AF65-F5344CB8AC3E}">
-        <p14:creationId xmlns:p14="http://schemas.microsoft.com/office/powerpoint/2010/main" val="225190543"/>
+        <p14:creationId xmlns:p14="http://schemas.microsoft.com/office/powerpoint/2010/main" val="3755427734"/>
       </p:ext>
     </p:extLst>
   </p:cSld>
   <p:clrMap bg1="dk1" tx1="lt1" bg2="dk2" tx2="lt2" accent1="accent1" accent2="accent2" accent3="accent3" accent4="accent4" accent5="accent5" accent6="accent6" hlink="hlink" folHlink="folHlink"/>
   <p:sldLayoutIdLst>
-    <p:sldLayoutId id="2147483673" r:id="rId1"/>
-    <p:sldLayoutId id="2147483674" r:id="rId2"/>
-    <p:sldLayoutId id="2147483675" r:id="rId3"/>
-    <p:sldLayoutId id="2147483676" r:id="rId4"/>
-    <p:sldLayoutId id="2147483677" r:id="rId5"/>
-    <p:sldLayoutId id="2147483678" r:id="rId6"/>
-    <p:sldLayoutId id="2147483679" r:id="rId7"/>
-    <p:sldLayoutId id="2147483680" r:id="rId8"/>
-    <p:sldLayoutId id="2147483681" r:id="rId9"/>
-    <p:sldLayoutId id="2147483682" r:id="rId10"/>
-    <p:sldLayoutId id="2147483683" r:id="rId11"/>
-    <p:sldLayoutId id="2147483684" r:id="rId12"/>
-    <p:sldLayoutId id="2147483685" r:id="rId13"/>
-    <p:sldLayoutId id="2147483686" r:id="rId14"/>
-    <p:sldLayoutId id="2147483687" r:id="rId15"/>
-    <p:sldLayoutId id="2147483688" r:id="rId16"/>
-    <p:sldLayoutId id="2147483689" r:id="rId17"/>
+    <p:sldLayoutId id="2147483709" r:id="rId1"/>
+    <p:sldLayoutId id="2147483710" r:id="rId2"/>
+    <p:sldLayoutId id="2147483711" r:id="rId3"/>
+    <p:sldLayoutId id="2147483712" r:id="rId4"/>
+    <p:sldLayoutId id="2147483713" r:id="rId5"/>
+    <p:sldLayoutId id="2147483714" r:id="rId6"/>
+    <p:sldLayoutId id="2147483715" r:id="rId7"/>
+    <p:sldLayoutId id="2147483716" r:id="rId8"/>
+    <p:sldLayoutId id="2147483717" r:id="rId9"/>
+    <p:sldLayoutId id="2147483718" r:id="rId10"/>
+    <p:sldLayoutId id="2147483719" r:id="rId11"/>
+    <p:sldLayoutId id="2147483720" r:id="rId12"/>
+    <p:sldLayoutId id="2147483721" r:id="rId13"/>
+    <p:sldLayoutId id="2147483722" r:id="rId14"/>
+    <p:sldLayoutId id="2147483723" r:id="rId15"/>
+    <p:sldLayoutId id="2147483724" r:id="rId16"/>
+    <p:sldLayoutId id="2147483725" r:id="rId17"/>
   </p:sldLayoutIdLst>
   <p:txStyles>
     <p:titleStyle>
-      <a:lvl1pPr algn="l" defTabSz="457200" rtl="0" eaLnBrk="1" latinLnBrk="0" hangingPunct="1">
+      <a:lvl1pPr algn="ctr" defTabSz="457200" rtl="0" eaLnBrk="1" latinLnBrk="0" hangingPunct="1">
         <a:spcBef>
           <a:spcPct val="0"/>
         </a:spcBef>
         <a:buNone/>
-        <a:defRPr sz="4200" b="0" i="0" kern="1200">
+        <a:defRPr sz="4000" kern="1200">
+          <a:ln>
+            <a:solidFill>
+              <a:schemeClr val="bg1">
+                <a:lumMod val="75000"/>
+                <a:lumOff val="25000"/>
+                <a:alpha val="10000"/>
+              </a:schemeClr>
+            </a:solidFill>
+          </a:ln>
           <a:solidFill>
             <a:schemeClr val="tx2"/>
           </a:solidFill>
+          <a:effectLst>
+            <a:outerShdw blurRad="9525" dist="25400" dir="14640000" algn="tl" rotWithShape="0">
+              <a:schemeClr val="bg1">
+                <a:alpha val="30000"/>
+              </a:schemeClr>
+            </a:outerShdw>
+          </a:effectLst>
           <a:latin typeface="+mj-lt"/>
           <a:ea typeface="+mj-ea"/>
-          <a:cs typeface="+mj-cs"/>
+          <a:cs typeface="Trebuchet MS"/>
         </a:defRPr>
       </a:lvl1pPr>
       <a:lvl2pPr eaLnBrk="1" hangingPunct="1">
@@ -5749,229 +5560,346 @@
       </a:lvl9pPr>
     </p:titleStyle>
     <p:bodyStyle>
-      <a:lvl1pPr marL="342900" indent="-342900" algn="l" defTabSz="457200" rtl="0" eaLnBrk="1" latinLnBrk="0" hangingPunct="1">
+      <a:lvl1pPr marL="342900" indent="-306000" algn="l" defTabSz="457200" rtl="0" eaLnBrk="1" latinLnBrk="0" hangingPunct="1">
         <a:spcBef>
-          <a:spcPts val="1000"/>
+          <a:spcPct val="20000"/>
         </a:spcBef>
         <a:spcAft>
-          <a:spcPts val="0"/>
+          <a:spcPts val="600"/>
         </a:spcAft>
         <a:buClr>
-          <a:schemeClr val="bg2">
-            <a:lumMod val="40000"/>
-            <a:lumOff val="60000"/>
-          </a:schemeClr>
+          <a:schemeClr val="tx2"/>
         </a:buClr>
-        <a:buSzPct val="80000"/>
-        <a:buFont typeface="Wingdings 3" charset="2"/>
-        <a:buChar char=""/>
-        <a:defRPr sz="2000" b="0" i="0" kern="1200">
+        <a:buSzPct val="70000"/>
+        <a:buFont typeface="Wingdings 2" charset="2"/>
+        <a:buChar char=""/>
+        <a:defRPr sz="2000" kern="1200">
+          <a:ln>
+            <a:solidFill>
+              <a:schemeClr val="bg1">
+                <a:lumMod val="75000"/>
+                <a:lumOff val="25000"/>
+                <a:alpha val="10000"/>
+              </a:schemeClr>
+            </a:solidFill>
+          </a:ln>
           <a:solidFill>
-            <a:schemeClr val="tx1"/>
+            <a:schemeClr val="tx2"/>
           </a:solidFill>
-          <a:latin typeface="+mj-lt"/>
-          <a:ea typeface="+mj-ea"/>
-          <a:cs typeface="+mj-cs"/>
+          <a:effectLst>
+            <a:outerShdw blurRad="9525" dist="25400" dir="14640000" algn="tl" rotWithShape="0">
+              <a:schemeClr val="bg1">
+                <a:alpha val="30000"/>
+              </a:schemeClr>
+            </a:outerShdw>
+          </a:effectLst>
+          <a:latin typeface="+mn-lt"/>
+          <a:ea typeface="+mn-ea"/>
+          <a:cs typeface="+mn-cs"/>
         </a:defRPr>
       </a:lvl1pPr>
-      <a:lvl2pPr marL="742950" indent="-285750" algn="l" defTabSz="457200" rtl="0" eaLnBrk="1" latinLnBrk="0" hangingPunct="1">
+      <a:lvl2pPr marL="720000" indent="-270000" algn="l" defTabSz="457200" rtl="0" eaLnBrk="1" latinLnBrk="0" hangingPunct="1">
         <a:spcBef>
-          <a:spcPts val="1000"/>
+          <a:spcPct val="20000"/>
         </a:spcBef>
         <a:spcAft>
-          <a:spcPts val="0"/>
+          <a:spcPts val="600"/>
         </a:spcAft>
         <a:buClr>
-          <a:schemeClr val="bg2">
-            <a:lumMod val="40000"/>
-            <a:lumOff val="60000"/>
-          </a:schemeClr>
+          <a:schemeClr val="tx2"/>
         </a:buClr>
-        <a:buSzPct val="80000"/>
-        <a:buFont typeface="Wingdings 3" charset="2"/>
-        <a:buChar char=""/>
-        <a:defRPr sz="1800" b="0" i="0" kern="1200">
+        <a:buSzPct val="70000"/>
+        <a:buFont typeface="Wingdings 2" charset="2"/>
+        <a:buChar char=""/>
+        <a:defRPr sz="1800" kern="1200">
+          <a:ln>
+            <a:solidFill>
+              <a:schemeClr val="bg1">
+                <a:lumMod val="75000"/>
+                <a:lumOff val="25000"/>
+                <a:alpha val="10000"/>
+              </a:schemeClr>
+            </a:solidFill>
+          </a:ln>
           <a:solidFill>
-            <a:schemeClr val="tx1"/>
+            <a:schemeClr val="tx2"/>
           </a:solidFill>
-          <a:latin typeface="+mj-lt"/>
-          <a:ea typeface="+mj-ea"/>
-          <a:cs typeface="+mj-cs"/>
+          <a:effectLst>
+            <a:outerShdw blurRad="9525" dist="25400" dir="14640000" algn="tl" rotWithShape="0">
+              <a:schemeClr val="bg1">
+                <a:alpha val="30000"/>
+              </a:schemeClr>
+            </a:outerShdw>
+          </a:effectLst>
+          <a:latin typeface="+mn-lt"/>
+          <a:ea typeface="+mn-ea"/>
+          <a:cs typeface="+mn-cs"/>
         </a:defRPr>
       </a:lvl2pPr>
-      <a:lvl3pPr marL="1143000" indent="-228600" algn="l" defTabSz="457200" rtl="0" eaLnBrk="1" latinLnBrk="0" hangingPunct="1">
+      <a:lvl3pPr marL="1026000" indent="-216000" algn="l" defTabSz="457200" rtl="0" eaLnBrk="1" latinLnBrk="0" hangingPunct="1">
         <a:spcBef>
-          <a:spcPts val="1000"/>
+          <a:spcPct val="20000"/>
         </a:spcBef>
         <a:spcAft>
-          <a:spcPts val="0"/>
+          <a:spcPts val="600"/>
         </a:spcAft>
         <a:buClr>
-          <a:schemeClr val="bg2">
-            <a:lumMod val="40000"/>
-            <a:lumOff val="60000"/>
-          </a:schemeClr>
+          <a:schemeClr val="tx2"/>
         </a:buClr>
-        <a:buSzPct val="80000"/>
-        <a:buFont typeface="Wingdings 3" charset="2"/>
-        <a:buChar char=""/>
-        <a:defRPr sz="1600" b="0" i="0" kern="1200">
+        <a:buSzPct val="70000"/>
+        <a:buFont typeface="Wingdings 2" charset="2"/>
+        <a:buChar char=""/>
+        <a:defRPr sz="1600" kern="1200">
+          <a:ln>
+            <a:solidFill>
+              <a:schemeClr val="bg1">
+                <a:lumMod val="75000"/>
+                <a:lumOff val="25000"/>
+                <a:alpha val="10000"/>
+              </a:schemeClr>
+            </a:solidFill>
+          </a:ln>
           <a:solidFill>
-            <a:schemeClr val="tx1"/>
+            <a:schemeClr val="tx2"/>
           </a:solidFill>
-          <a:latin typeface="+mj-lt"/>
-          <a:ea typeface="+mj-ea"/>
-          <a:cs typeface="+mj-cs"/>
+          <a:effectLst>
+            <a:outerShdw blurRad="9525" dist="25400" dir="14640000" algn="tl" rotWithShape="0">
+              <a:schemeClr val="bg1">
+                <a:alpha val="30000"/>
+              </a:schemeClr>
+            </a:outerShdw>
+          </a:effectLst>
+          <a:latin typeface="+mn-lt"/>
+          <a:ea typeface="+mn-ea"/>
+          <a:cs typeface="+mn-cs"/>
         </a:defRPr>
       </a:lvl3pPr>
-      <a:lvl4pPr marL="1600200" indent="-228600" algn="l" defTabSz="457200" rtl="0" eaLnBrk="1" latinLnBrk="0" hangingPunct="1">
+      <a:lvl4pPr marL="1386000" indent="-216000" algn="l" defTabSz="457200" rtl="0" eaLnBrk="1" latinLnBrk="0" hangingPunct="1">
         <a:spcBef>
-          <a:spcPts val="1000"/>
+          <a:spcPct val="20000"/>
         </a:spcBef>
         <a:spcAft>
-          <a:spcPts val="0"/>
+          <a:spcPts val="600"/>
         </a:spcAft>
         <a:buClr>
-          <a:schemeClr val="bg2">
-            <a:lumMod val="40000"/>
-            <a:lumOff val="60000"/>
-          </a:schemeClr>
+          <a:schemeClr val="tx2"/>
         </a:buClr>
-        <a:buSzPct val="80000"/>
-        <a:buFont typeface="Wingdings 3" charset="2"/>
-        <a:buChar char=""/>
-        <a:defRPr sz="1400" b="0" i="0" kern="1200">
+        <a:buSzPct val="70000"/>
+        <a:buFont typeface="Wingdings 2" charset="2"/>
+        <a:buChar char=""/>
+        <a:defRPr sz="1400" kern="1200">
+          <a:ln>
+            <a:solidFill>
+              <a:schemeClr val="bg1">
+                <a:lumMod val="75000"/>
+                <a:lumOff val="25000"/>
+                <a:alpha val="10000"/>
+              </a:schemeClr>
+            </a:solidFill>
+          </a:ln>
           <a:solidFill>
-            <a:schemeClr val="tx1"/>
+            <a:schemeClr val="tx2"/>
           </a:solidFill>
-          <a:latin typeface="+mj-lt"/>
-          <a:ea typeface="+mj-ea"/>
-          <a:cs typeface="+mj-cs"/>
+          <a:effectLst>
+            <a:outerShdw blurRad="9525" dist="25400" dir="14640000" algn="tl" rotWithShape="0">
+              <a:schemeClr val="bg1">
+                <a:alpha val="30000"/>
+              </a:schemeClr>
+            </a:outerShdw>
+          </a:effectLst>
+          <a:latin typeface="+mn-lt"/>
+          <a:ea typeface="+mn-ea"/>
+          <a:cs typeface="+mn-cs"/>
         </a:defRPr>
       </a:lvl4pPr>
-      <a:lvl5pPr marL="2057400" indent="-228600" algn="l" defTabSz="457200" rtl="0" eaLnBrk="1" latinLnBrk="0" hangingPunct="1">
+      <a:lvl5pPr marL="1674000" indent="-216000" algn="l" defTabSz="457200" rtl="0" eaLnBrk="1" latinLnBrk="0" hangingPunct="1">
         <a:spcBef>
-          <a:spcPts val="1000"/>
+          <a:spcPct val="20000"/>
         </a:spcBef>
         <a:spcAft>
-          <a:spcPts val="0"/>
+          <a:spcPts val="600"/>
         </a:spcAft>
         <a:buClr>
-          <a:schemeClr val="bg2">
-            <a:lumMod val="40000"/>
-            <a:lumOff val="60000"/>
-          </a:schemeClr>
+          <a:schemeClr val="tx2"/>
         </a:buClr>
-        <a:buSzPct val="80000"/>
-        <a:buFont typeface="Wingdings 3" charset="2"/>
-        <a:buChar char=""/>
-        <a:defRPr sz="1400" b="0" i="0" kern="1200">
+        <a:buSzPct val="70000"/>
+        <a:buFont typeface="Wingdings 2" charset="2"/>
+        <a:buChar char=""/>
+        <a:defRPr sz="1400" kern="1200">
+          <a:ln>
+            <a:solidFill>
+              <a:schemeClr val="bg1">
+                <a:lumMod val="75000"/>
+                <a:lumOff val="25000"/>
+                <a:alpha val="10000"/>
+              </a:schemeClr>
+            </a:solidFill>
+          </a:ln>
           <a:solidFill>
-            <a:schemeClr val="tx1"/>
+            <a:schemeClr val="tx2"/>
           </a:solidFill>
-          <a:latin typeface="+mj-lt"/>
-          <a:ea typeface="+mj-ea"/>
-          <a:cs typeface="+mj-cs"/>
+          <a:effectLst>
+            <a:outerShdw blurRad="9525" dist="25400" dir="14640000" algn="tl" rotWithShape="0">
+              <a:schemeClr val="bg1">
+                <a:alpha val="30000"/>
+              </a:schemeClr>
+            </a:outerShdw>
+          </a:effectLst>
+          <a:latin typeface="+mn-lt"/>
+          <a:ea typeface="+mn-ea"/>
+          <a:cs typeface="+mn-cs"/>
         </a:defRPr>
       </a:lvl5pPr>
-      <a:lvl6pPr marL="2506000" indent="-228600" algn="l" defTabSz="457200" rtl="0" eaLnBrk="1" latinLnBrk="0" hangingPunct="1">
+      <a:lvl6pPr marL="2014600" indent="-228600" algn="l" defTabSz="457200" rtl="0" eaLnBrk="1" latinLnBrk="0" hangingPunct="1">
         <a:spcBef>
-          <a:spcPts val="1000"/>
+          <a:spcPct val="20000"/>
         </a:spcBef>
         <a:spcAft>
-          <a:spcPts val="0"/>
+          <a:spcPts val="600"/>
         </a:spcAft>
         <a:buClr>
-          <a:schemeClr val="bg2">
-            <a:lumMod val="40000"/>
-            <a:lumOff val="60000"/>
-          </a:schemeClr>
+          <a:schemeClr val="tx2"/>
         </a:buClr>
-        <a:buSzPct val="80000"/>
-        <a:buFont typeface="Wingdings 3" charset="2"/>
-        <a:buChar char=""/>
-        <a:defRPr sz="1400" b="0" i="0" kern="1200">
+        <a:buSzPct val="70000"/>
+        <a:buFont typeface="Wingdings 2" charset="2"/>
+        <a:buChar char=""/>
+        <a:defRPr sz="1400" kern="1200">
+          <a:ln>
+            <a:solidFill>
+              <a:schemeClr val="bg1">
+                <a:lumMod val="75000"/>
+                <a:lumOff val="25000"/>
+                <a:alpha val="10000"/>
+              </a:schemeClr>
+            </a:solidFill>
+          </a:ln>
           <a:solidFill>
-            <a:schemeClr val="tx1"/>
+            <a:schemeClr val="tx2"/>
           </a:solidFill>
-          <a:latin typeface="+mj-lt"/>
-          <a:ea typeface="+mj-ea"/>
-          <a:cs typeface="+mj-cs"/>
+          <a:effectLst>
+            <a:outerShdw blurRad="9525" dist="25400" dir="14640000" algn="tl" rotWithShape="0">
+              <a:schemeClr val="bg1">
+                <a:alpha val="30000"/>
+              </a:schemeClr>
+            </a:outerShdw>
+          </a:effectLst>
+          <a:latin typeface="+mn-lt"/>
+          <a:ea typeface="+mn-ea"/>
+          <a:cs typeface="+mn-cs"/>
         </a:defRPr>
       </a:lvl6pPr>
-      <a:lvl7pPr marL="2971800" indent="-228600" algn="l" defTabSz="457200" rtl="0" eaLnBrk="1" latinLnBrk="0" hangingPunct="1">
+      <a:lvl7pPr marL="2401800" indent="-228600" algn="l" defTabSz="457200" rtl="0" eaLnBrk="1" latinLnBrk="0" hangingPunct="1">
         <a:spcBef>
-          <a:spcPts val="1000"/>
+          <a:spcPct val="20000"/>
         </a:spcBef>
         <a:spcAft>
-          <a:spcPts val="0"/>
+          <a:spcPts val="600"/>
         </a:spcAft>
         <a:buClr>
-          <a:schemeClr val="bg2">
-            <a:lumMod val="40000"/>
-            <a:lumOff val="60000"/>
-          </a:schemeClr>
+          <a:schemeClr val="tx2"/>
         </a:buClr>
-        <a:buSzPct val="80000"/>
-        <a:buFont typeface="Wingdings 3" charset="2"/>
-        <a:buChar char=""/>
-        <a:defRPr sz="1400" b="0" i="0" kern="1200">
+        <a:buSzPct val="70000"/>
+        <a:buFont typeface="Wingdings 2" charset="2"/>
+        <a:buChar char=""/>
+        <a:defRPr sz="1400" kern="1200">
+          <a:ln>
+            <a:solidFill>
+              <a:schemeClr val="bg1">
+                <a:lumMod val="75000"/>
+                <a:lumOff val="25000"/>
+                <a:alpha val="10000"/>
+              </a:schemeClr>
+            </a:solidFill>
+          </a:ln>
           <a:solidFill>
-            <a:schemeClr val="tx1"/>
+            <a:schemeClr val="tx2"/>
           </a:solidFill>
-          <a:latin typeface="+mj-lt"/>
-          <a:ea typeface="+mj-ea"/>
-          <a:cs typeface="+mj-cs"/>
+          <a:effectLst>
+            <a:outerShdw blurRad="9525" dist="25400" dir="14640000" algn="tl" rotWithShape="0">
+              <a:schemeClr val="bg1">
+                <a:alpha val="30000"/>
+              </a:schemeClr>
+            </a:outerShdw>
+          </a:effectLst>
+          <a:latin typeface="+mn-lt"/>
+          <a:ea typeface="+mn-ea"/>
+          <a:cs typeface="+mn-cs"/>
         </a:defRPr>
       </a:lvl7pPr>
-      <a:lvl8pPr marL="3429000" indent="-228600" algn="l" defTabSz="457200" rtl="0" eaLnBrk="1" latinLnBrk="0" hangingPunct="1">
+      <a:lvl8pPr marL="2789000" indent="-228600" algn="l" defTabSz="457200" rtl="0" eaLnBrk="1" latinLnBrk="0" hangingPunct="1">
         <a:spcBef>
-          <a:spcPts val="1000"/>
+          <a:spcPct val="20000"/>
         </a:spcBef>
         <a:spcAft>
-          <a:spcPts val="0"/>
+          <a:spcPts val="600"/>
         </a:spcAft>
         <a:buClr>
-          <a:schemeClr val="bg2">
-            <a:lumMod val="40000"/>
-            <a:lumOff val="60000"/>
-          </a:schemeClr>
+          <a:schemeClr val="tx2"/>
         </a:buClr>
-        <a:buSzPct val="80000"/>
-        <a:buFont typeface="Wingdings 3" charset="2"/>
-        <a:buChar char=""/>
-        <a:defRPr sz="1400" b="0" i="0" kern="1200">
+        <a:buSzPct val="70000"/>
+        <a:buFont typeface="Wingdings 2" charset="2"/>
+        <a:buChar char=""/>
+        <a:defRPr sz="1400" kern="1200">
+          <a:ln>
+            <a:solidFill>
+              <a:schemeClr val="bg1">
+                <a:lumMod val="75000"/>
+                <a:lumOff val="25000"/>
+                <a:alpha val="10000"/>
+              </a:schemeClr>
+            </a:solidFill>
+          </a:ln>
           <a:solidFill>
-            <a:schemeClr val="tx1"/>
+            <a:schemeClr val="tx2"/>
           </a:solidFill>
-          <a:latin typeface="+mj-lt"/>
-          <a:ea typeface="+mj-ea"/>
-          <a:cs typeface="+mj-cs"/>
+          <a:effectLst>
+            <a:outerShdw blurRad="9525" dist="25400" dir="14640000" algn="tl" rotWithShape="0">
+              <a:schemeClr val="bg1">
+                <a:alpha val="30000"/>
+              </a:schemeClr>
+            </a:outerShdw>
+          </a:effectLst>
+          <a:latin typeface="+mn-lt"/>
+          <a:ea typeface="+mn-ea"/>
+          <a:cs typeface="+mn-cs"/>
         </a:defRPr>
       </a:lvl8pPr>
-      <a:lvl9pPr marL="3886200" indent="-228600" algn="l" defTabSz="457200" rtl="0" eaLnBrk="1" latinLnBrk="0" hangingPunct="1">
+      <a:lvl9pPr marL="3106200" indent="-228600" algn="l" defTabSz="457200" rtl="0" eaLnBrk="1" latinLnBrk="0" hangingPunct="1">
         <a:spcBef>
-          <a:spcPts val="1000"/>
+          <a:spcPct val="20000"/>
         </a:spcBef>
         <a:spcAft>
-          <a:spcPts val="0"/>
+          <a:spcPts val="600"/>
         </a:spcAft>
         <a:buClr>
-          <a:schemeClr val="bg2">
-            <a:lumMod val="40000"/>
-            <a:lumOff val="60000"/>
-          </a:schemeClr>
+          <a:schemeClr val="tx2"/>
         </a:buClr>
-        <a:buSzPct val="80000"/>
-        <a:buFont typeface="Wingdings 3" charset="2"/>
-        <a:buChar char=""/>
-        <a:defRPr sz="1400" b="0" i="0" kern="1200">
+        <a:buSzPct val="70000"/>
+        <a:buFont typeface="Wingdings 2" charset="2"/>
+        <a:buChar char=""/>
+        <a:defRPr sz="1400" kern="1200">
+          <a:ln>
+            <a:solidFill>
+              <a:schemeClr val="bg1">
+                <a:lumMod val="75000"/>
+                <a:lumOff val="25000"/>
+                <a:alpha val="10000"/>
+              </a:schemeClr>
+            </a:solidFill>
+          </a:ln>
           <a:solidFill>
-            <a:schemeClr val="tx1"/>
+            <a:schemeClr val="tx2"/>
           </a:solidFill>
-          <a:latin typeface="+mj-lt"/>
-          <a:ea typeface="+mj-ea"/>
-          <a:cs typeface="+mj-cs"/>
+          <a:effectLst>
+            <a:outerShdw blurRad="9525" dist="25400" dir="14640000" algn="tl" rotWithShape="0">
+              <a:schemeClr val="bg1">
+                <a:alpha val="30000"/>
+              </a:schemeClr>
+            </a:outerShdw>
+          </a:effectLst>
+          <a:latin typeface="+mn-lt"/>
+          <a:ea typeface="+mn-ea"/>
+          <a:cs typeface="+mn-cs"/>
         </a:defRPr>
       </a:lvl9pPr>
     </p:bodyStyle>
@@ -6093,12 +6021,12 @@
       </p:grpSpPr>
       <p:sp>
         <p:nvSpPr>
-          <p:cNvPr id="2" name="Title 1"/>
-          <p:cNvSpPr>
-            <a:spLocks noGrp="1"/>
-          </p:cNvSpPr>
-          <p:nvPr>
-            <p:ph type="ctrTitle"/>
+          <p:cNvPr id="8" name="Title 7"/>
+          <p:cNvSpPr>
+            <a:spLocks noGrp="1"/>
+          </p:cNvSpPr>
+          <p:nvPr>
+            <p:ph type="title"/>
           </p:nvPr>
         </p:nvSpPr>
         <p:spPr/>
@@ -6112,12 +6040,31 @@
       </p:sp>
       <p:sp>
         <p:nvSpPr>
-          <p:cNvPr id="3" name="Subtitle 2"/>
-          <p:cNvSpPr>
-            <a:spLocks noGrp="1"/>
-          </p:cNvSpPr>
-          <p:nvPr>
-            <p:ph type="subTitle" idx="1"/>
+          <p:cNvPr id="9" name="Content Placeholder 8"/>
+          <p:cNvSpPr>
+            <a:spLocks noGrp="1"/>
+          </p:cNvSpPr>
+          <p:nvPr>
+            <p:ph sz="half" idx="1"/>
+          </p:nvPr>
+        </p:nvSpPr>
+        <p:spPr/>
+        <p:txBody>
+          <a:bodyPr/>
+          <a:lstStyle/>
+          <a:p>
+            <a:endParaRPr lang="en-US"/>
+          </a:p>
+        </p:txBody>
+      </p:sp>
+      <p:sp>
+        <p:nvSpPr>
+          <p:cNvPr id="10" name="Content Placeholder 9"/>
+          <p:cNvSpPr>
+            <a:spLocks noGrp="1"/>
+          </p:cNvSpPr>
+          <p:nvPr>
+            <p:ph sz="half" idx="2"/>
           </p:nvPr>
         </p:nvSpPr>
         <p:spPr/>
@@ -6143,9 +6090,9 @@
 </file>
 
 <file path=ppt/theme/theme1.xml><?xml version="1.0" encoding="utf-8"?>
-<a:theme xmlns:a="http://schemas.openxmlformats.org/drawingml/2006/main" name="Ion">
+<a:theme xmlns:a="http://schemas.openxmlformats.org/drawingml/2006/main" name="Slate">
   <a:themeElements>
-    <a:clrScheme name="Ion">
+    <a:clrScheme name="Slate">
       <a:dk1>
         <a:sysClr val="windowText" lastClr="000000"/>
       </a:dk1>
@@ -6153,52 +6100,52 @@
         <a:sysClr val="window" lastClr="FFFFFF"/>
       </a:lt1>
       <a:dk2>
-        <a:srgbClr val="1E5155"/>
+        <a:srgbClr val="212123"/>
       </a:dk2>
       <a:lt2>
-        <a:srgbClr val="EBEBEB"/>
+        <a:srgbClr val="DADADA"/>
       </a:lt2>
       <a:accent1>
-        <a:srgbClr val="B01513"/>
+        <a:srgbClr val="BC451B"/>
       </a:accent1>
       <a:accent2>
-        <a:srgbClr val="EA6312"/>
+        <a:srgbClr val="D3BA68"/>
       </a:accent2>
       <a:accent3>
-        <a:srgbClr val="E6B729"/>
+        <a:srgbClr val="BB8640"/>
       </a:accent3>
       <a:accent4>
-        <a:srgbClr val="6AAC90"/>
+        <a:srgbClr val="AD9277"/>
       </a:accent4>
       <a:accent5>
-        <a:srgbClr val="54849A"/>
+        <a:srgbClr val="A55A43"/>
       </a:accent5>
       <a:accent6>
-        <a:srgbClr val="9E5E9B"/>
+        <a:srgbClr val="AD9D7B"/>
       </a:accent6>
       <a:hlink>
-        <a:srgbClr val="58C1BA"/>
+        <a:srgbClr val="E98052"/>
       </a:hlink>
       <a:folHlink>
-        <a:srgbClr val="9DFFCB"/>
+        <a:srgbClr val="F4B69B"/>
       </a:folHlink>
     </a:clrScheme>
-    <a:fontScheme name="Ion">
+    <a:fontScheme name="Slate">
       <a:majorFont>
-        <a:latin typeface="Century Gothic" panose="020B0502020202020204"/>
+        <a:latin typeface="Calisto MT" panose="02040603050505030304"/>
         <a:ea typeface=""/>
         <a:cs typeface=""/>
-        <a:font script="Jpan" typeface="メイリオ"/>
-        <a:font script="Hang" typeface="맑은 고딕"/>
-        <a:font script="Hans" typeface="宋体"/>
-        <a:font script="Hant" typeface="新細明體"/>
-        <a:font script="Arab" typeface="Times New Roman"/>
-        <a:font script="Hebr" typeface="Times New Roman"/>
-        <a:font script="Thai" typeface="Angsana New"/>
+        <a:font script="Jpan" typeface="ＭＳ Ｐゴシック"/>
+        <a:font script="Hang" typeface="돋움"/>
+        <a:font script="Hans" typeface="方正舒体"/>
+        <a:font script="Hant" typeface="微軟正黑體"/>
+        <a:font script="Arab" typeface="Arial"/>
+        <a:font script="Hebr" typeface="Arial"/>
+        <a:font script="Thai" typeface="Cordia New"/>
         <a:font script="Ethi" typeface="Nyala"/>
         <a:font script="Beng" typeface="Vrinda"/>
         <a:font script="Gujr" typeface="Shruti"/>
-        <a:font script="Khmr" typeface="MoolBoran"/>
+        <a:font script="Khmr" typeface="DaunPenh"/>
         <a:font script="Knda" typeface="Tunga"/>
         <a:font script="Guru" typeface="Raavi"/>
         <a:font script="Cans" typeface="Euphemia"/>
@@ -6215,18 +6162,18 @@
         <a:font script="Laoo" typeface="DokChampa"/>
         <a:font script="Sinh" typeface="Iskoola Pota"/>
         <a:font script="Mong" typeface="Mongolian Baiti"/>
-        <a:font script="Viet" typeface="Times New Roman"/>
+        <a:font script="Viet" typeface="Arial"/>
         <a:font script="Uigh" typeface="Microsoft Uighur"/>
         <a:font script="Geor" typeface="Sylfaen"/>
       </a:majorFont>
       <a:minorFont>
-        <a:latin typeface="Century Gothic" panose="020B0502020202020204"/>
+        <a:latin typeface="Calisto MT" panose="02040603050505030304"/>
         <a:ea typeface=""/>
         <a:cs typeface=""/>
-        <a:font script="Jpan" typeface="メイリオ"/>
-        <a:font script="Hang" typeface="맑은 고딕"/>
-        <a:font script="Hans" typeface="宋体"/>
-        <a:font script="Hant" typeface="新細明體"/>
+        <a:font script="Jpan" typeface="ＭＳ Ｐゴシック"/>
+        <a:font script="Hang" typeface="돋움"/>
+        <a:font script="Hans" typeface="方正舒体"/>
+        <a:font script="Hant" typeface="微軟正黑體"/>
         <a:font script="Arab" typeface="Arial"/>
         <a:font script="Hebr" typeface="Arial"/>
         <a:font script="Thai" typeface="Cordia New"/>
@@ -6255,7 +6202,7 @@
         <a:font script="Geor" typeface="Sylfaen"/>
       </a:minorFont>
     </a:fontScheme>
-    <a:fmtScheme name="Ion">
+    <a:fmtScheme name="Slate">
       <a:fillStyleLst>
         <a:solidFill>
           <a:schemeClr val="phClr"/>
@@ -6264,15 +6211,13 @@
           <a:gsLst>
             <a:gs pos="0">
               <a:schemeClr val="phClr">
-                <a:tint val="64000"/>
-                <a:lumMod val="118000"/>
+                <a:tint val="60000"/>
+                <a:lumMod val="110000"/>
               </a:schemeClr>
             </a:gs>
             <a:gs pos="100000">
               <a:schemeClr val="phClr">
-                <a:tint val="92000"/>
-                <a:alpha val="100000"/>
-                <a:lumMod val="110000"/>
+                <a:tint val="88000"/>
               </a:schemeClr>
             </a:gs>
           </a:gsLst>
@@ -6282,14 +6227,14 @@
           <a:gsLst>
             <a:gs pos="0">
               <a:schemeClr val="phClr">
-                <a:tint val="98000"/>
-                <a:lumMod val="114000"/>
+                <a:tint val="96000"/>
+                <a:lumMod val="104000"/>
               </a:schemeClr>
             </a:gs>
             <a:gs pos="100000">
               <a:schemeClr val="phClr">
                 <a:shade val="90000"/>
-                <a:lumMod val="84000"/>
+                <a:lumMod val="90000"/>
               </a:schemeClr>
             </a:gs>
           </a:gsLst>
@@ -6299,17 +6244,19 @@
       <a:lnStyleLst>
         <a:ln w="9525" cap="rnd" cmpd="sng" algn="ctr">
           <a:solidFill>
-            <a:schemeClr val="phClr"/>
+            <a:schemeClr val="phClr">
+              <a:shade val="90000"/>
+            </a:schemeClr>
           </a:solidFill>
           <a:prstDash val="solid"/>
         </a:ln>
-        <a:ln w="19050" cap="rnd" cmpd="sng" algn="ctr">
+        <a:ln w="15875" cap="rnd" cmpd="sng" algn="ctr">
           <a:solidFill>
             <a:schemeClr val="phClr"/>
           </a:solidFill>
           <a:prstDash val="solid"/>
         </a:ln>
-        <a:ln w="28575" cap="rnd" cmpd="sng" algn="ctr">
+        <a:ln w="25400" cap="rnd" cmpd="sng" algn="ctr">
           <a:solidFill>
             <a:schemeClr val="phClr"/>
           </a:solidFill>
@@ -6322,18 +6269,18 @@
         </a:effectStyle>
         <a:effectStyle>
           <a:effectLst>
-            <a:outerShdw blurRad="38100" dist="25400" dir="5400000" rotWithShape="0">
+            <a:outerShdw blurRad="63500" dist="25400" dir="5400000" rotWithShape="0">
               <a:srgbClr val="000000">
-                <a:alpha val="45000"/>
+                <a:alpha val="60000"/>
               </a:srgbClr>
             </a:outerShdw>
           </a:effectLst>
         </a:effectStyle>
         <a:effectStyle>
           <a:effectLst>
-            <a:outerShdw blurRad="63500" dist="38100" dir="5400000" rotWithShape="0">
+            <a:outerShdw blurRad="76200" dist="38100" dir="5400000" rotWithShape="0">
               <a:srgbClr val="000000">
-                <a:alpha val="60000"/>
+                <a:alpha val="75000"/>
               </a:srgbClr>
             </a:outerShdw>
           </a:effectLst>
@@ -6341,10 +6288,12 @@
             <a:camera prst="orthographicFront">
               <a:rot lat="0" lon="0" rev="0"/>
             </a:camera>
-            <a:lightRig rig="threePt" dir="tl"/>
+            <a:lightRig rig="threePt" dir="t">
+              <a:rot lat="0" lon="0" rev="1200000"/>
+            </a:lightRig>
           </a:scene3d>
-          <a:sp3d prstMaterial="plastic">
-            <a:bevelT w="0" h="0"/>
+          <a:sp3d>
+            <a:bevelT w="63500" h="25400" prst="hardEdge"/>
           </a:sp3d>
         </a:effectStyle>
       </a:effectStyleLst>
@@ -6352,44 +6301,18 @@
         <a:solidFill>
           <a:schemeClr val="phClr"/>
         </a:solidFill>
-        <a:gradFill rotWithShape="1">
-          <a:gsLst>
-            <a:gs pos="0">
-              <a:schemeClr val="phClr">
-                <a:tint val="97000"/>
-                <a:hueMod val="88000"/>
-                <a:satMod val="130000"/>
-                <a:lumMod val="124000"/>
-              </a:schemeClr>
-            </a:gs>
-            <a:gs pos="100000">
-              <a:schemeClr val="phClr">
-                <a:tint val="96000"/>
-                <a:shade val="88000"/>
-                <a:hueMod val="108000"/>
-                <a:satMod val="164000"/>
-                <a:lumMod val="76000"/>
-              </a:schemeClr>
-            </a:gs>
-          </a:gsLst>
-          <a:path path="circle">
-            <a:fillToRect l="45000" t="65000" r="125000" b="100000"/>
-          </a:path>
-        </a:gradFill>
+        <a:solidFill>
+          <a:schemeClr val="phClr"/>
+        </a:solidFill>
         <a:blipFill rotWithShape="1">
           <a:blip xmlns:r="http://schemas.openxmlformats.org/officeDocument/2006/relationships" r:embed="rId1">
             <a:duotone>
               <a:schemeClr val="phClr">
-                <a:shade val="69000"/>
-                <a:hueMod val="108000"/>
-                <a:satMod val="164000"/>
-                <a:lumMod val="74000"/>
+                <a:shade val="80000"/>
+                <a:lumMod val="80000"/>
               </a:schemeClr>
               <a:schemeClr val="phClr">
-                <a:tint val="96000"/>
-                <a:hueMod val="88000"/>
-                <a:satMod val="140000"/>
-                <a:lumMod val="132000"/>
+                <a:tint val="98000"/>
               </a:schemeClr>
             </a:duotone>
           </a:blip>
@@ -6402,7 +6325,7 @@
   <a:extraClrSchemeLst/>
   <a:extLst>
     <a:ext uri="{05A4C25C-085E-4340-85A3-A5531E510DB2}">
-      <thm15:themeFamily xmlns:thm15="http://schemas.microsoft.com/office/thememl/2012/main" name="Ion" id="{B8441ADB-2E43-4AF7-B97A-BD870242C6A8}" vid="{292E63A9-BB86-4E3D-B92A-7223C6510D2E}"/>
+      <thm15:themeFamily xmlns:thm15="http://schemas.microsoft.com/office/thememl/2012/main" name="Slate" id="{C3F70B94-7CE9-428E-ADC1-3269CC2C3385}" vid="{3F2DE9A5-64E6-437C-A389-CC4477E817E8}"/>
     </a:ext>
   </a:extLst>
 </a:theme>
